--- a/开题报告/开题报告答辩.pptx
+++ b/开题报告/开题报告答辩.pptx
@@ -4,6 +4,9 @@
   <p:sldMasterIdLst>
     <p:sldMasterId id="2147483648" r:id="rId1"/>
   </p:sldMasterIdLst>
+  <p:notesMasterIdLst>
+    <p:notesMasterId r:id="rId24"/>
+  </p:notesMasterIdLst>
   <p:sldIdLst>
     <p:sldId id="257" r:id="rId3"/>
     <p:sldId id="260" r:id="rId4"/>
@@ -127,6 +130,353 @@
 </p:presentation>
 </file>
 
+<file path=ppt/notesMasters/notesMaster1.xml><?xml version="1.0" encoding="utf-8"?>
+<p:notesMaster xmlns:a="http://schemas.openxmlformats.org/drawingml/2006/main" xmlns:r="http://schemas.openxmlformats.org/officeDocument/2006/relationships" xmlns:p="http://schemas.openxmlformats.org/presentationml/2006/main">
+  <p:cSld>
+    <p:bg>
+      <p:bgRef idx="1001">
+        <a:schemeClr val="bg1"/>
+      </p:bgRef>
+    </p:bg>
+    <p:spTree>
+      <p:nvGrpSpPr>
+        <p:cNvPr id="1" name=""/>
+        <p:cNvGrpSpPr/>
+        <p:nvPr/>
+      </p:nvGrpSpPr>
+      <p:grpSpPr>
+        <a:xfrm>
+          <a:off x="0" y="0"/>
+          <a:ext cx="0" cy="0"/>
+          <a:chOff x="0" y="0"/>
+          <a:chExt cx="0" cy="0"/>
+        </a:xfrm>
+      </p:grpSpPr>
+      <p:sp>
+        <p:nvSpPr>
+          <p:cNvPr id="2" name="页眉占位符 1"/>
+          <p:cNvSpPr>
+            <a:spLocks noGrp="1"/>
+          </p:cNvSpPr>
+          <p:nvPr>
+            <p:ph type="hdr" sz="quarter"/>
+          </p:nvPr>
+        </p:nvSpPr>
+        <p:spPr>
+          <a:xfrm>
+            <a:off x="0" y="0"/>
+            <a:ext cx="2971800" cy="458788"/>
+          </a:xfrm>
+          <a:prstGeom prst="rect">
+            <a:avLst/>
+          </a:prstGeom>
+        </p:spPr>
+        <p:txBody>
+          <a:bodyPr vert="horz" lIns="91440" tIns="45720" rIns="91440" bIns="45720" rtlCol="0"/>
+          <a:lstStyle>
+            <a:lvl1pPr algn="l">
+              <a:defRPr sz="1200"/>
+            </a:lvl1pPr>
+          </a:lstStyle>
+          <a:p>
+            <a:endParaRPr lang="zh-CN" altLang="en-US"/>
+          </a:p>
+        </p:txBody>
+      </p:sp>
+      <p:sp>
+        <p:nvSpPr>
+          <p:cNvPr id="3" name="日期占位符 2"/>
+          <p:cNvSpPr>
+            <a:spLocks noGrp="1"/>
+          </p:cNvSpPr>
+          <p:nvPr>
+            <p:ph type="dt" idx="1"/>
+          </p:nvPr>
+        </p:nvSpPr>
+        <p:spPr>
+          <a:xfrm>
+            <a:off x="3884613" y="0"/>
+            <a:ext cx="2971800" cy="458788"/>
+          </a:xfrm>
+          <a:prstGeom prst="rect">
+            <a:avLst/>
+          </a:prstGeom>
+        </p:spPr>
+        <p:txBody>
+          <a:bodyPr vert="horz" lIns="91440" tIns="45720" rIns="91440" bIns="45720" rtlCol="0"/>
+          <a:lstStyle>
+            <a:lvl1pPr algn="r">
+              <a:defRPr sz="1200"/>
+            </a:lvl1pPr>
+          </a:lstStyle>
+          <a:p>
+            <a:fld id="{D2A48B96-639E-45A3-A0BA-2464DFDB1FAA}" type="datetimeFigureOut">
+              <a:rPr lang="zh-CN" altLang="en-US" smtClean="0"/>
+            </a:fld>
+            <a:endParaRPr lang="zh-CN" altLang="en-US"/>
+          </a:p>
+        </p:txBody>
+      </p:sp>
+      <p:sp>
+        <p:nvSpPr>
+          <p:cNvPr id="4" name="幻灯片图像占位符 3"/>
+          <p:cNvSpPr>
+            <a:spLocks noGrp="1" noRot="1" noChangeAspect="1"/>
+          </p:cNvSpPr>
+          <p:nvPr>
+            <p:ph type="sldImg" idx="2"/>
+          </p:nvPr>
+        </p:nvSpPr>
+        <p:spPr>
+          <a:xfrm>
+            <a:off x="685800" y="1143000"/>
+            <a:ext cx="5486400" cy="3086100"/>
+          </a:xfrm>
+          <a:prstGeom prst="rect">
+            <a:avLst/>
+          </a:prstGeom>
+          <a:noFill/>
+          <a:ln w="12700">
+            <a:solidFill>
+              <a:prstClr val="black"/>
+            </a:solidFill>
+          </a:ln>
+        </p:spPr>
+        <p:txBody>
+          <a:bodyPr vert="horz" lIns="91440" tIns="45720" rIns="91440" bIns="45720" rtlCol="0" anchor="ctr"/>
+          <a:lstStyle/>
+          <a:p>
+            <a:endParaRPr lang="zh-CN" altLang="en-US"/>
+          </a:p>
+        </p:txBody>
+      </p:sp>
+      <p:sp>
+        <p:nvSpPr>
+          <p:cNvPr id="5" name="备注占位符 4"/>
+          <p:cNvSpPr>
+            <a:spLocks noGrp="1"/>
+          </p:cNvSpPr>
+          <p:nvPr>
+            <p:ph type="body" sz="quarter" idx="3"/>
+          </p:nvPr>
+        </p:nvSpPr>
+        <p:spPr>
+          <a:xfrm>
+            <a:off x="685800" y="4400550"/>
+            <a:ext cx="5486400" cy="3600450"/>
+          </a:xfrm>
+          <a:prstGeom prst="rect">
+            <a:avLst/>
+          </a:prstGeom>
+        </p:spPr>
+        <p:txBody>
+          <a:bodyPr vert="horz" lIns="91440" tIns="45720" rIns="91440" bIns="45720" rtlCol="0"/>
+          <a:lstStyle/>
+          <a:p>
+            <a:pPr lvl="0"/>
+            <a:r>
+              <a:rPr lang="zh-CN" altLang="en-US" smtClean="0"/>
+              <a:t>单击此处编辑母版文本样式</a:t>
+            </a:r>
+            <a:endParaRPr lang="zh-CN" altLang="en-US" smtClean="0"/>
+          </a:p>
+          <a:p>
+            <a:pPr lvl="1"/>
+            <a:r>
+              <a:rPr lang="zh-CN" altLang="en-US" smtClean="0"/>
+              <a:t>第二级</a:t>
+            </a:r>
+            <a:endParaRPr lang="zh-CN" altLang="en-US" smtClean="0"/>
+          </a:p>
+          <a:p>
+            <a:pPr lvl="2"/>
+            <a:r>
+              <a:rPr lang="zh-CN" altLang="en-US" smtClean="0"/>
+              <a:t>第三级</a:t>
+            </a:r>
+            <a:endParaRPr lang="zh-CN" altLang="en-US" smtClean="0"/>
+          </a:p>
+          <a:p>
+            <a:pPr lvl="3"/>
+            <a:r>
+              <a:rPr lang="zh-CN" altLang="en-US" smtClean="0"/>
+              <a:t>第四级</a:t>
+            </a:r>
+            <a:endParaRPr lang="zh-CN" altLang="en-US" smtClean="0"/>
+          </a:p>
+          <a:p>
+            <a:pPr lvl="4"/>
+            <a:r>
+              <a:rPr lang="zh-CN" altLang="en-US" smtClean="0"/>
+              <a:t>第五级</a:t>
+            </a:r>
+            <a:endParaRPr lang="zh-CN" altLang="en-US"/>
+          </a:p>
+        </p:txBody>
+      </p:sp>
+      <p:sp>
+        <p:nvSpPr>
+          <p:cNvPr id="6" name="页脚占位符 5"/>
+          <p:cNvSpPr>
+            <a:spLocks noGrp="1"/>
+          </p:cNvSpPr>
+          <p:nvPr>
+            <p:ph type="ftr" sz="quarter" idx="4"/>
+          </p:nvPr>
+        </p:nvSpPr>
+        <p:spPr>
+          <a:xfrm>
+            <a:off x="0" y="8685213"/>
+            <a:ext cx="2971800" cy="458787"/>
+          </a:xfrm>
+          <a:prstGeom prst="rect">
+            <a:avLst/>
+          </a:prstGeom>
+        </p:spPr>
+        <p:txBody>
+          <a:bodyPr vert="horz" lIns="91440" tIns="45720" rIns="91440" bIns="45720" rtlCol="0" anchor="b"/>
+          <a:lstStyle>
+            <a:lvl1pPr algn="l">
+              <a:defRPr sz="1200"/>
+            </a:lvl1pPr>
+          </a:lstStyle>
+          <a:p>
+            <a:endParaRPr lang="zh-CN" altLang="en-US"/>
+          </a:p>
+        </p:txBody>
+      </p:sp>
+      <p:sp>
+        <p:nvSpPr>
+          <p:cNvPr id="7" name="灯片编号占位符 6"/>
+          <p:cNvSpPr>
+            <a:spLocks noGrp="1"/>
+          </p:cNvSpPr>
+          <p:nvPr>
+            <p:ph type="sldNum" sz="quarter" idx="5"/>
+          </p:nvPr>
+        </p:nvSpPr>
+        <p:spPr>
+          <a:xfrm>
+            <a:off x="3884613" y="8685213"/>
+            <a:ext cx="2971800" cy="458787"/>
+          </a:xfrm>
+          <a:prstGeom prst="rect">
+            <a:avLst/>
+          </a:prstGeom>
+        </p:spPr>
+        <p:txBody>
+          <a:bodyPr vert="horz" lIns="91440" tIns="45720" rIns="91440" bIns="45720" rtlCol="0" anchor="b"/>
+          <a:lstStyle>
+            <a:lvl1pPr algn="r">
+              <a:defRPr sz="1200"/>
+            </a:lvl1pPr>
+          </a:lstStyle>
+          <a:p>
+            <a:fld id="{A6837353-30EB-4A48-80EB-173D804AEFBD}" type="slidenum">
+              <a:rPr lang="zh-CN" altLang="en-US" smtClean="0"/>
+            </a:fld>
+            <a:endParaRPr lang="zh-CN" altLang="en-US"/>
+          </a:p>
+        </p:txBody>
+      </p:sp>
+    </p:spTree>
+  </p:cSld>
+  <p:clrMap bg1="lt1" tx1="dk1" bg2="lt2" tx2="dk2" accent1="accent1" accent2="accent2" accent3="accent3" accent4="accent4" accent5="accent5" accent6="accent6" hlink="hlink" folHlink="folHlink"/>
+  <p:notesStyle>
+    <a:lvl1pPr marL="0" algn="l" defTabSz="914400" rtl="0" eaLnBrk="1" latinLnBrk="0" hangingPunct="1">
+      <a:defRPr sz="1200" kern="1200">
+        <a:solidFill>
+          <a:schemeClr val="tx1"/>
+        </a:solidFill>
+        <a:latin typeface="+mn-lt"/>
+        <a:ea typeface="+mn-ea"/>
+        <a:cs typeface="+mn-cs"/>
+      </a:defRPr>
+    </a:lvl1pPr>
+    <a:lvl2pPr marL="457200" algn="l" defTabSz="914400" rtl="0" eaLnBrk="1" latinLnBrk="0" hangingPunct="1">
+      <a:defRPr sz="1200" kern="1200">
+        <a:solidFill>
+          <a:schemeClr val="tx1"/>
+        </a:solidFill>
+        <a:latin typeface="+mn-lt"/>
+        <a:ea typeface="+mn-ea"/>
+        <a:cs typeface="+mn-cs"/>
+      </a:defRPr>
+    </a:lvl2pPr>
+    <a:lvl3pPr marL="914400" algn="l" defTabSz="914400" rtl="0" eaLnBrk="1" latinLnBrk="0" hangingPunct="1">
+      <a:defRPr sz="1200" kern="1200">
+        <a:solidFill>
+          <a:schemeClr val="tx1"/>
+        </a:solidFill>
+        <a:latin typeface="+mn-lt"/>
+        <a:ea typeface="+mn-ea"/>
+        <a:cs typeface="+mn-cs"/>
+      </a:defRPr>
+    </a:lvl3pPr>
+    <a:lvl4pPr marL="1371600" algn="l" defTabSz="914400" rtl="0" eaLnBrk="1" latinLnBrk="0" hangingPunct="1">
+      <a:defRPr sz="1200" kern="1200">
+        <a:solidFill>
+          <a:schemeClr val="tx1"/>
+        </a:solidFill>
+        <a:latin typeface="+mn-lt"/>
+        <a:ea typeface="+mn-ea"/>
+        <a:cs typeface="+mn-cs"/>
+      </a:defRPr>
+    </a:lvl4pPr>
+    <a:lvl5pPr marL="1828800" algn="l" defTabSz="914400" rtl="0" eaLnBrk="1" latinLnBrk="0" hangingPunct="1">
+      <a:defRPr sz="1200" kern="1200">
+        <a:solidFill>
+          <a:schemeClr val="tx1"/>
+        </a:solidFill>
+        <a:latin typeface="+mn-lt"/>
+        <a:ea typeface="+mn-ea"/>
+        <a:cs typeface="+mn-cs"/>
+      </a:defRPr>
+    </a:lvl5pPr>
+    <a:lvl6pPr marL="2286000" algn="l" defTabSz="914400" rtl="0" eaLnBrk="1" latinLnBrk="0" hangingPunct="1">
+      <a:defRPr sz="1200" kern="1200">
+        <a:solidFill>
+          <a:schemeClr val="tx1"/>
+        </a:solidFill>
+        <a:latin typeface="+mn-lt"/>
+        <a:ea typeface="+mn-ea"/>
+        <a:cs typeface="+mn-cs"/>
+      </a:defRPr>
+    </a:lvl6pPr>
+    <a:lvl7pPr marL="2743200" algn="l" defTabSz="914400" rtl="0" eaLnBrk="1" latinLnBrk="0" hangingPunct="1">
+      <a:defRPr sz="1200" kern="1200">
+        <a:solidFill>
+          <a:schemeClr val="tx1"/>
+        </a:solidFill>
+        <a:latin typeface="+mn-lt"/>
+        <a:ea typeface="+mn-ea"/>
+        <a:cs typeface="+mn-cs"/>
+      </a:defRPr>
+    </a:lvl7pPr>
+    <a:lvl8pPr marL="3200400" algn="l" defTabSz="914400" rtl="0" eaLnBrk="1" latinLnBrk="0" hangingPunct="1">
+      <a:defRPr sz="1200" kern="1200">
+        <a:solidFill>
+          <a:schemeClr val="tx1"/>
+        </a:solidFill>
+        <a:latin typeface="+mn-lt"/>
+        <a:ea typeface="+mn-ea"/>
+        <a:cs typeface="+mn-cs"/>
+      </a:defRPr>
+    </a:lvl8pPr>
+    <a:lvl9pPr marL="3657600" algn="l" defTabSz="914400" rtl="0" eaLnBrk="1" latinLnBrk="0" hangingPunct="1">
+      <a:defRPr sz="1200" kern="1200">
+        <a:solidFill>
+          <a:schemeClr val="tx1"/>
+        </a:solidFill>
+        <a:latin typeface="+mn-lt"/>
+        <a:ea typeface="+mn-ea"/>
+        <a:cs typeface="+mn-cs"/>
+      </a:defRPr>
+    </a:lvl9pPr>
+  </p:notesStyle>
+</p:notesMaster>
+</file>
+
 <file path=ppt/slideLayouts/slideLayout1.xml><?xml version="1.0" encoding="utf-8"?>
 <p:sldLayout xmlns:a="http://schemas.openxmlformats.org/drawingml/2006/main" xmlns:r="http://schemas.openxmlformats.org/officeDocument/2006/relationships" xmlns:p="http://schemas.openxmlformats.org/presentationml/2006/main" type="title" preserve="1">
   <p:cSld name="标题幻灯片">
@@ -146,33 +496,227 @@
       </p:grpSpPr>
       <p:sp>
         <p:nvSpPr>
+          <p:cNvPr id="10" name="矩形 9"/>
+          <p:cNvSpPr/>
+          <p:nvPr/>
+        </p:nvSpPr>
+        <p:spPr>
+          <a:xfrm>
+            <a:off x="16933" y="6118396"/>
+            <a:ext cx="12192000" cy="320162"/>
+          </a:xfrm>
+          <a:prstGeom prst="rect">
+            <a:avLst/>
+          </a:prstGeom>
+          <a:solidFill>
+            <a:schemeClr val="accent3">
+              <a:alpha val="18000"/>
+            </a:schemeClr>
+          </a:solidFill>
+          <a:ln>
+            <a:noFill/>
+          </a:ln>
+        </p:spPr>
+        <p:style>
+          <a:lnRef idx="2">
+            <a:schemeClr val="accent1">
+              <a:shade val="50000"/>
+            </a:schemeClr>
+          </a:lnRef>
+          <a:fillRef idx="1">
+            <a:schemeClr val="accent1"/>
+          </a:fillRef>
+          <a:effectRef idx="0">
+            <a:schemeClr val="accent1"/>
+          </a:effectRef>
+          <a:fontRef idx="minor">
+            <a:schemeClr val="lt1"/>
+          </a:fontRef>
+        </p:style>
+        <p:txBody>
+          <a:bodyPr rtlCol="0" anchor="ctr"/>
+          <a:lstStyle/>
+          <a:p>
+            <a:pPr algn="ctr"/>
+            <a:endParaRPr kumimoji="1" lang="zh-CN" altLang="en-US"/>
+          </a:p>
+        </p:txBody>
+      </p:sp>
+      <p:cxnSp>
+        <p:nvCxnSpPr>
+          <p:cNvPr id="11" name="直线连接符 18"/>
+          <p:cNvCxnSpPr/>
+          <p:nvPr/>
+        </p:nvCxnSpPr>
+        <p:spPr>
+          <a:xfrm>
+            <a:off x="1310722" y="3218490"/>
+            <a:ext cx="810769" cy="0"/>
+          </a:xfrm>
+          <a:prstGeom prst="line">
+            <a:avLst/>
+          </a:prstGeom>
+          <a:ln>
+            <a:solidFill>
+              <a:schemeClr val="accent3">
+                <a:alpha val="46000"/>
+              </a:schemeClr>
+            </a:solidFill>
+          </a:ln>
+        </p:spPr>
+        <p:style>
+          <a:lnRef idx="1">
+            <a:schemeClr val="accent1"/>
+          </a:lnRef>
+          <a:fillRef idx="0">
+            <a:schemeClr val="accent1"/>
+          </a:fillRef>
+          <a:effectRef idx="0">
+            <a:schemeClr val="accent1"/>
+          </a:effectRef>
+          <a:fontRef idx="minor">
+            <a:schemeClr val="tx1"/>
+          </a:fontRef>
+        </p:style>
+      </p:cxnSp>
+      <p:cxnSp>
+        <p:nvCxnSpPr>
+          <p:cNvPr id="12" name="直线连接符 20"/>
+          <p:cNvCxnSpPr/>
+          <p:nvPr/>
+        </p:nvCxnSpPr>
+        <p:spPr>
+          <a:xfrm>
+            <a:off x="10104376" y="3218490"/>
+            <a:ext cx="810769" cy="0"/>
+          </a:xfrm>
+          <a:prstGeom prst="line">
+            <a:avLst/>
+          </a:prstGeom>
+          <a:ln>
+            <a:solidFill>
+              <a:schemeClr val="accent3">
+                <a:alpha val="46000"/>
+              </a:schemeClr>
+            </a:solidFill>
+          </a:ln>
+        </p:spPr>
+        <p:style>
+          <a:lnRef idx="1">
+            <a:schemeClr val="accent1"/>
+          </a:lnRef>
+          <a:fillRef idx="0">
+            <a:schemeClr val="accent1"/>
+          </a:fillRef>
+          <a:effectRef idx="0">
+            <a:schemeClr val="accent1"/>
+          </a:effectRef>
+          <a:fontRef idx="minor">
+            <a:schemeClr val="tx1"/>
+          </a:fontRef>
+        </p:style>
+      </p:cxnSp>
+      <p:sp>
+        <p:nvSpPr>
+          <p:cNvPr id="4" name="日期占位符 3"/>
+          <p:cNvSpPr>
+            <a:spLocks noGrp="1"/>
+          </p:cNvSpPr>
+          <p:nvPr>
+            <p:ph type="dt" sz="half" idx="10"/>
+          </p:nvPr>
+        </p:nvSpPr>
+        <p:spPr/>
+        <p:txBody>
+          <a:bodyPr/>
+          <a:lstStyle/>
+          <a:p>
+            <a:fld id="{760FBDFE-C587-4B4C-A407-44438C67B59E}" type="datetimeFigureOut">
+              <a:rPr lang="zh-CN" altLang="en-US" smtClean="0"/>
+            </a:fld>
+            <a:endParaRPr lang="zh-CN" altLang="en-US"/>
+          </a:p>
+        </p:txBody>
+      </p:sp>
+      <p:sp>
+        <p:nvSpPr>
+          <p:cNvPr id="5" name="页脚占位符 4"/>
+          <p:cNvSpPr>
+            <a:spLocks noGrp="1"/>
+          </p:cNvSpPr>
+          <p:nvPr>
+            <p:ph type="ftr" sz="quarter" idx="11"/>
+          </p:nvPr>
+        </p:nvSpPr>
+        <p:spPr/>
+        <p:txBody>
+          <a:bodyPr/>
+          <a:lstStyle/>
+          <a:p>
+            <a:endParaRPr lang="zh-CN" altLang="en-US"/>
+          </a:p>
+        </p:txBody>
+      </p:sp>
+      <p:sp>
+        <p:nvSpPr>
+          <p:cNvPr id="6" name="灯片编号占位符 5"/>
+          <p:cNvSpPr>
+            <a:spLocks noGrp="1"/>
+          </p:cNvSpPr>
+          <p:nvPr>
+            <p:ph type="sldNum" sz="quarter" idx="12"/>
+          </p:nvPr>
+        </p:nvSpPr>
+        <p:spPr/>
+        <p:txBody>
+          <a:bodyPr/>
+          <a:lstStyle/>
+          <a:p>
+            <a:fld id="{49AE70B2-8BF9-45C0-BB95-33D1B9D3A854}" type="slidenum">
+              <a:rPr lang="zh-CN" altLang="en-US" smtClean="0"/>
+            </a:fld>
+            <a:endParaRPr lang="zh-CN" altLang="en-US"/>
+          </a:p>
+        </p:txBody>
+      </p:sp>
+      <p:sp>
+        <p:nvSpPr>
           <p:cNvPr id="2" name="标题 1"/>
           <p:cNvSpPr>
             <a:spLocks noGrp="1"/>
           </p:cNvSpPr>
           <p:nvPr>
-            <p:ph type="ctrTitle"/>
+            <p:ph type="ctrTitle" hasCustomPrompt="1"/>
           </p:nvPr>
         </p:nvSpPr>
         <p:spPr>
           <a:xfrm>
-            <a:off x="1524000" y="1122363"/>
-            <a:ext cx="9144000" cy="2387600"/>
+            <a:off x="2473780" y="2729756"/>
+            <a:ext cx="7244441" cy="998125"/>
           </a:xfrm>
         </p:spPr>
         <p:txBody>
-          <a:bodyPr anchor="b"/>
+          <a:bodyPr wrap="square" anchor="ctr" anchorCtr="0">
+            <a:normAutofit/>
+          </a:bodyPr>
           <a:lstStyle>
             <a:lvl1pPr algn="ctr">
-              <a:defRPr sz="6000"/>
+              <a:lnSpc>
+                <a:spcPct val="90000"/>
+              </a:lnSpc>
+              <a:defRPr sz="5400" b="0">
+                <a:solidFill>
+                  <a:schemeClr val="bg1"/>
+                </a:solidFill>
+              </a:defRPr>
             </a:lvl1pPr>
           </a:lstStyle>
           <a:p>
             <a:r>
-              <a:rPr lang="zh-CN" altLang="en-US" smtClean="0"/>
-              <a:t>单击此处编辑母版标题样式</a:t>
+              <a:rPr lang="zh-CN" altLang="en-US" dirty="0"/>
+              <a:t>单击此处编辑标题</a:t>
             </a:r>
-            <a:endParaRPr lang="zh-CN" altLang="en-US"/>
+            <a:endParaRPr lang="zh-CN" altLang="en-US" dirty="0"/>
           </a:p>
         </p:txBody>
       </p:sp>
@@ -188,16 +732,25 @@
         </p:nvSpPr>
         <p:spPr>
           <a:xfrm>
-            <a:off x="1524000" y="3602038"/>
-            <a:ext cx="9144000" cy="1655762"/>
+            <a:off x="2473780" y="5499847"/>
+            <a:ext cx="7244441" cy="441058"/>
           </a:xfrm>
         </p:spPr>
         <p:txBody>
-          <a:bodyPr/>
+          <a:bodyPr anchor="ctr" anchorCtr="0">
+            <a:normAutofit/>
+          </a:bodyPr>
           <a:lstStyle>
             <a:lvl1pPr marL="0" indent="0" algn="ctr">
+              <a:lnSpc>
+                <a:spcPct val="90000"/>
+              </a:lnSpc>
               <a:buNone/>
-              <a:defRPr sz="2400"/>
+              <a:defRPr sz="1800" b="0">
+                <a:solidFill>
+                  <a:schemeClr val="bg1"/>
+                </a:solidFill>
+              </a:defRPr>
             </a:lvl1pPr>
             <a:lvl2pPr marL="457200" indent="0" algn="ctr">
               <a:buNone/>
@@ -234,16 +787,129 @@
           </a:lstStyle>
           <a:p>
             <a:r>
-              <a:rPr lang="zh-CN" altLang="en-US" smtClean="0"/>
+              <a:rPr lang="zh-CN" altLang="en-US" dirty="0"/>
               <a:t>单击此处编辑母版副标题样式</a:t>
             </a:r>
-            <a:endParaRPr lang="zh-CN" altLang="en-US"/>
+            <a:endParaRPr lang="zh-CN" altLang="en-US" dirty="0"/>
           </a:p>
         </p:txBody>
       </p:sp>
+      <p:pic>
+        <p:nvPicPr>
+          <p:cNvPr id="13" name="图片 12"/>
+          <p:cNvPicPr>
+            <a:picLocks noChangeAspect="1"/>
+          </p:cNvPicPr>
+          <p:nvPr/>
+        </p:nvPicPr>
+        <p:blipFill rotWithShape="1">
+          <a:blip r:embed="rId2">
+            <a:extLst>
+              <a:ext uri="{28A0092B-C50C-407E-A947-70E740481C1C}">
+                <a14:useLocalDpi xmlns:a14="http://schemas.microsoft.com/office/drawing/2010/main" val="0"/>
+              </a:ext>
+            </a:extLst>
+          </a:blip>
+          <a:srcRect l="206" t="269" r="208" b="269"/>
+          <a:stretch>
+            <a:fillRect/>
+          </a:stretch>
+        </p:blipFill>
+        <p:spPr>
+          <a:xfrm>
+            <a:off x="1" y="-1"/>
+            <a:ext cx="12192000" cy="6858001"/>
+          </a:xfrm>
+          <a:prstGeom prst="rect">
+            <a:avLst/>
+          </a:prstGeom>
+        </p:spPr>
+      </p:pic>
       <p:sp>
         <p:nvSpPr>
-          <p:cNvPr id="4" name="日期占位符 3"/>
+          <p:cNvPr id="7" name="矩形 6"/>
+          <p:cNvSpPr/>
+          <p:nvPr>
+            <p:custDataLst>
+              <p:tags r:id="rId3"/>
+            </p:custDataLst>
+          </p:nvPr>
+        </p:nvSpPr>
+        <p:spPr>
+          <a:xfrm>
+            <a:off x="-16932" y="-1"/>
+            <a:ext cx="12225865" cy="6870701"/>
+          </a:xfrm>
+          <a:prstGeom prst="rect">
+            <a:avLst/>
+          </a:prstGeom>
+          <a:solidFill>
+            <a:schemeClr val="accent1">
+              <a:alpha val="85000"/>
+            </a:schemeClr>
+          </a:solidFill>
+          <a:ln>
+            <a:noFill/>
+          </a:ln>
+          <a:effectLst/>
+        </p:spPr>
+        <p:style>
+          <a:lnRef idx="2">
+            <a:schemeClr val="accent1">
+              <a:shade val="50000"/>
+            </a:schemeClr>
+          </a:lnRef>
+          <a:fillRef idx="1">
+            <a:schemeClr val="accent1"/>
+          </a:fillRef>
+          <a:effectRef idx="0">
+            <a:schemeClr val="accent1"/>
+          </a:effectRef>
+          <a:fontRef idx="minor">
+            <a:schemeClr val="lt1"/>
+          </a:fontRef>
+        </p:style>
+        <p:txBody>
+          <a:bodyPr rtlCol="0" anchor="ctr"/>
+          <a:lstStyle/>
+          <a:p>
+            <a:pPr algn="ctr">
+              <a:lnSpc>
+                <a:spcPct val="130000"/>
+              </a:lnSpc>
+            </a:pPr>
+            <a:endParaRPr lang="zh-CN" altLang="en-US" dirty="0"/>
+          </a:p>
+        </p:txBody>
+      </p:sp>
+    </p:spTree>
+  </p:cSld>
+  <p:clrMapOvr>
+    <a:masterClrMapping/>
+  </p:clrMapOvr>
+</p:sldLayout>
+</file>
+
+<file path=ppt/slideLayouts/slideLayout10.xml><?xml version="1.0" encoding="utf-8"?>
+<p:sldLayout xmlns:a="http://schemas.openxmlformats.org/drawingml/2006/main" xmlns:r="http://schemas.openxmlformats.org/officeDocument/2006/relationships" xmlns:p="http://schemas.openxmlformats.org/presentationml/2006/main" preserve="1" userDrawn="1">
+  <p:cSld name="内容">
+    <p:spTree>
+      <p:nvGrpSpPr>
+        <p:cNvPr id="1" name=""/>
+        <p:cNvGrpSpPr/>
+        <p:nvPr/>
+      </p:nvGrpSpPr>
+      <p:grpSpPr>
+        <a:xfrm>
+          <a:off x="0" y="0"/>
+          <a:ext cx="0" cy="0"/>
+          <a:chOff x="0" y="0"/>
+          <a:chExt cx="0" cy="0"/>
+        </a:xfrm>
+      </p:grpSpPr>
+      <p:sp>
+        <p:nvSpPr>
+          <p:cNvPr id="3" name="日期占位符 2"/>
           <p:cNvSpPr>
             <a:spLocks noGrp="1"/>
           </p:cNvSpPr>
@@ -256,7 +922,7 @@
           <a:bodyPr/>
           <a:lstStyle/>
           <a:p>
-            <a:fld id="{D997B5FA-0921-464F-AAE1-844C04324D75}" type="datetimeFigureOut">
+            <a:fld id="{760FBDFE-C587-4B4C-A407-44438C67B59E}" type="datetimeFigureOut">
               <a:rPr lang="zh-CN" altLang="en-US" smtClean="0"/>
             </a:fld>
             <a:endParaRPr lang="zh-CN" altLang="en-US"/>
@@ -265,7 +931,7 @@
       </p:sp>
       <p:sp>
         <p:nvSpPr>
-          <p:cNvPr id="5" name="页脚占位符 4"/>
+          <p:cNvPr id="4" name="页脚占位符 3"/>
           <p:cNvSpPr>
             <a:spLocks noGrp="1"/>
           </p:cNvSpPr>
@@ -284,7 +950,7 @@
       </p:sp>
       <p:sp>
         <p:nvSpPr>
-          <p:cNvPr id="6" name="灯片编号占位符 5"/>
+          <p:cNvPr id="5" name="灯片编号占位符 4"/>
           <p:cNvSpPr>
             <a:spLocks noGrp="1"/>
           </p:cNvSpPr>
@@ -297,10 +963,71 @@
           <a:bodyPr/>
           <a:lstStyle/>
           <a:p>
-            <a:fld id="{565CE74E-AB26-4998-AD42-012C4C1AD076}" type="slidenum">
+            <a:fld id="{49AE70B2-8BF9-45C0-BB95-33D1B9D3A854}" type="slidenum">
               <a:rPr lang="zh-CN" altLang="en-US" smtClean="0"/>
             </a:fld>
             <a:endParaRPr lang="zh-CN" altLang="en-US"/>
+          </a:p>
+        </p:txBody>
+      </p:sp>
+      <p:sp>
+        <p:nvSpPr>
+          <p:cNvPr id="7" name="内容占位符 6"/>
+          <p:cNvSpPr>
+            <a:spLocks noGrp="1"/>
+          </p:cNvSpPr>
+          <p:nvPr>
+            <p:ph sz="quarter" idx="13"/>
+          </p:nvPr>
+        </p:nvSpPr>
+        <p:spPr>
+          <a:xfrm>
+            <a:off x="838200" y="551543"/>
+            <a:ext cx="10515600" cy="5558971"/>
+          </a:xfrm>
+        </p:spPr>
+        <p:txBody>
+          <a:bodyPr/>
+          <a:lstStyle/>
+          <a:p>
+            <a:pPr lvl="0"/>
+            <a:r>
+              <a:rPr lang="zh-CN" altLang="en-US" dirty="0"/>
+              <a:t>单击此处编辑母版文本样式</a:t>
+            </a:r>
+            <a:endParaRPr lang="zh-CN" altLang="en-US" dirty="0"/>
+          </a:p>
+          <a:p>
+            <a:pPr lvl="1"/>
+            <a:r>
+              <a:rPr lang="zh-CN" altLang="en-US" dirty="0"/>
+              <a:t>第二级</a:t>
+            </a:r>
+            <a:endParaRPr lang="zh-CN" altLang="en-US" dirty="0"/>
+          </a:p>
+          <a:p>
+            <a:pPr lvl="2"/>
+            <a:r>
+              <a:rPr lang="zh-CN" altLang="en-US" dirty="0"/>
+              <a:t>第三级</a:t>
+            </a:r>
+            <a:endParaRPr lang="zh-CN" altLang="en-US" dirty="0"/>
+          </a:p>
+          <a:p>
+            <a:pPr lvl="3"/>
+            <a:r>
+              <a:rPr lang="zh-CN" altLang="en-US" dirty="0"/>
+              <a:t>第四级</a:t>
+            </a:r>
+            <a:endParaRPr lang="zh-CN" altLang="en-US" dirty="0"/>
+          </a:p>
+          <a:p>
+            <a:pPr lvl="4"/>
+            <a:r>
+              <a:rPr lang="zh-CN" altLang="en-US" dirty="0"/>
+              <a:t>第五级</a:t>
+            </a:r>
+            <a:endParaRPr lang="zh-CN" altLang="en-US" dirty="0"/>
           </a:p>
         </p:txBody>
       </p:sp>
@@ -312,9 +1039,9 @@
 </p:sldLayout>
 </file>
 
-<file path=ppt/slideLayouts/slideLayout10.xml><?xml version="1.0" encoding="utf-8"?>
-<p:sldLayout xmlns:a="http://schemas.openxmlformats.org/drawingml/2006/main" xmlns:r="http://schemas.openxmlformats.org/officeDocument/2006/relationships" xmlns:p="http://schemas.openxmlformats.org/presentationml/2006/main" type="vertTx" preserve="1">
-  <p:cSld name="标题和竖排文字">
+<file path=ppt/slideLayouts/slideLayout11.xml><?xml version="1.0" encoding="utf-8"?>
+<p:sldLayout xmlns:a="http://schemas.openxmlformats.org/drawingml/2006/main" xmlns:r="http://schemas.openxmlformats.org/officeDocument/2006/relationships" xmlns:p="http://schemas.openxmlformats.org/presentationml/2006/main" preserve="1" userDrawn="1">
+  <p:cSld name="自定义版式">
     <p:spTree>
       <p:nvGrpSpPr>
         <p:cNvPr id="1" name=""/>
@@ -354,63 +1081,7 @@
       </p:sp>
       <p:sp>
         <p:nvSpPr>
-          <p:cNvPr id="3" name="竖排文字占位符 2"/>
-          <p:cNvSpPr>
-            <a:spLocks noGrp="1"/>
-          </p:cNvSpPr>
-          <p:nvPr>
-            <p:ph type="body" orient="vert" idx="1"/>
-          </p:nvPr>
-        </p:nvSpPr>
-        <p:spPr/>
-        <p:txBody>
-          <a:bodyPr vert="eaVert"/>
-          <a:lstStyle/>
-          <a:p>
-            <a:pPr lvl="0"/>
-            <a:r>
-              <a:rPr lang="zh-CN" altLang="en-US" smtClean="0"/>
-              <a:t>单击此处编辑母版文本样式</a:t>
-            </a:r>
-            <a:endParaRPr lang="zh-CN" altLang="en-US" smtClean="0"/>
-          </a:p>
-          <a:p>
-            <a:pPr lvl="1"/>
-            <a:r>
-              <a:rPr lang="zh-CN" altLang="en-US" smtClean="0"/>
-              <a:t>第二级</a:t>
-            </a:r>
-            <a:endParaRPr lang="zh-CN" altLang="en-US" smtClean="0"/>
-          </a:p>
-          <a:p>
-            <a:pPr lvl="2"/>
-            <a:r>
-              <a:rPr lang="zh-CN" altLang="en-US" smtClean="0"/>
-              <a:t>第三级</a:t>
-            </a:r>
-            <a:endParaRPr lang="zh-CN" altLang="en-US" smtClean="0"/>
-          </a:p>
-          <a:p>
-            <a:pPr lvl="3"/>
-            <a:r>
-              <a:rPr lang="zh-CN" altLang="en-US" smtClean="0"/>
-              <a:t>第四级</a:t>
-            </a:r>
-            <a:endParaRPr lang="zh-CN" altLang="en-US" smtClean="0"/>
-          </a:p>
-          <a:p>
-            <a:pPr lvl="4"/>
-            <a:r>
-              <a:rPr lang="zh-CN" altLang="en-US" smtClean="0"/>
-              <a:t>第五级</a:t>
-            </a:r>
-            <a:endParaRPr lang="zh-CN" altLang="en-US"/>
-          </a:p>
-        </p:txBody>
-      </p:sp>
-      <p:sp>
-        <p:nvSpPr>
-          <p:cNvPr id="4" name="日期占位符 3"/>
+          <p:cNvPr id="3" name="日期占位符 2"/>
           <p:cNvSpPr>
             <a:spLocks noGrp="1"/>
           </p:cNvSpPr>
@@ -423,7 +1094,7 @@
           <a:bodyPr/>
           <a:lstStyle/>
           <a:p>
-            <a:fld id="{D997B5FA-0921-464F-AAE1-844C04324D75}" type="datetimeFigureOut">
+            <a:fld id="{760FBDFE-C587-4B4C-A407-44438C67B59E}" type="datetimeFigureOut">
               <a:rPr lang="zh-CN" altLang="en-US" smtClean="0"/>
             </a:fld>
             <a:endParaRPr lang="zh-CN" altLang="en-US"/>
@@ -432,7 +1103,7 @@
       </p:sp>
       <p:sp>
         <p:nvSpPr>
-          <p:cNvPr id="5" name="页脚占位符 4"/>
+          <p:cNvPr id="4" name="页脚占位符 3"/>
           <p:cNvSpPr>
             <a:spLocks noGrp="1"/>
           </p:cNvSpPr>
@@ -451,7 +1122,7 @@
       </p:sp>
       <p:sp>
         <p:nvSpPr>
-          <p:cNvPr id="6" name="灯片编号占位符 5"/>
+          <p:cNvPr id="5" name="灯片编号占位符 4"/>
           <p:cNvSpPr>
             <a:spLocks noGrp="1"/>
           </p:cNvSpPr>
@@ -464,7 +1135,7 @@
           <a:bodyPr/>
           <a:lstStyle/>
           <a:p>
-            <a:fld id="{565CE74E-AB26-4998-AD42-012C4C1AD076}" type="slidenum">
+            <a:fld id="{49AE70B2-8BF9-45C0-BB95-33D1B9D3A854}" type="slidenum">
               <a:rPr lang="zh-CN" altLang="en-US" smtClean="0"/>
             </a:fld>
             <a:endParaRPr lang="zh-CN" altLang="en-US"/>
@@ -479,9 +1150,9 @@
 </p:sldLayout>
 </file>
 
-<file path=ppt/slideLayouts/slideLayout11.xml><?xml version="1.0" encoding="utf-8"?>
-<p:sldLayout xmlns:a="http://schemas.openxmlformats.org/drawingml/2006/main" xmlns:r="http://schemas.openxmlformats.org/officeDocument/2006/relationships" xmlns:p="http://schemas.openxmlformats.org/presentationml/2006/main" type="vertTitleAndTx" preserve="1">
-  <p:cSld name="垂直排列标题与&#10;文本">
+<file path=ppt/slideLayouts/slideLayout12.xml><?xml version="1.0" encoding="utf-8"?>
+<p:sldLayout xmlns:a="http://schemas.openxmlformats.org/drawingml/2006/main" xmlns:r="http://schemas.openxmlformats.org/officeDocument/2006/relationships" xmlns:p="http://schemas.openxmlformats.org/presentationml/2006/main" preserve="1" userDrawn="1">
+  <p:cSld name="1_自定义版式">
     <p:spTree>
       <p:nvGrpSpPr>
         <p:cNvPr id="1" name=""/>
@@ -498,22 +1169,17 @@
       </p:grpSpPr>
       <p:sp>
         <p:nvSpPr>
-          <p:cNvPr id="2" name="竖排标题 1"/>
+          <p:cNvPr id="2" name="标题 1"/>
           <p:cNvSpPr>
             <a:spLocks noGrp="1"/>
           </p:cNvSpPr>
           <p:nvPr>
-            <p:ph type="title" orient="vert"/>
+            <p:ph type="title"/>
           </p:nvPr>
         </p:nvSpPr>
-        <p:spPr>
-          <a:xfrm>
-            <a:off x="8724900" y="365125"/>
-            <a:ext cx="2628900" cy="5811838"/>
-          </a:xfrm>
-        </p:spPr>
+        <p:spPr/>
         <p:txBody>
-          <a:bodyPr vert="eaVert"/>
+          <a:bodyPr/>
           <a:lstStyle/>
           <a:p>
             <a:r>
@@ -526,68 +1192,7 @@
       </p:sp>
       <p:sp>
         <p:nvSpPr>
-          <p:cNvPr id="3" name="竖排文字占位符 2"/>
-          <p:cNvSpPr>
-            <a:spLocks noGrp="1"/>
-          </p:cNvSpPr>
-          <p:nvPr>
-            <p:ph type="body" orient="vert" idx="1"/>
-          </p:nvPr>
-        </p:nvSpPr>
-        <p:spPr>
-          <a:xfrm>
-            <a:off x="838200" y="365125"/>
-            <a:ext cx="7734300" cy="5811838"/>
-          </a:xfrm>
-        </p:spPr>
-        <p:txBody>
-          <a:bodyPr vert="eaVert"/>
-          <a:lstStyle/>
-          <a:p>
-            <a:pPr lvl="0"/>
-            <a:r>
-              <a:rPr lang="zh-CN" altLang="en-US" smtClean="0"/>
-              <a:t>单击此处编辑母版文本样式</a:t>
-            </a:r>
-            <a:endParaRPr lang="zh-CN" altLang="en-US" smtClean="0"/>
-          </a:p>
-          <a:p>
-            <a:pPr lvl="1"/>
-            <a:r>
-              <a:rPr lang="zh-CN" altLang="en-US" smtClean="0"/>
-              <a:t>第二级</a:t>
-            </a:r>
-            <a:endParaRPr lang="zh-CN" altLang="en-US" smtClean="0"/>
-          </a:p>
-          <a:p>
-            <a:pPr lvl="2"/>
-            <a:r>
-              <a:rPr lang="zh-CN" altLang="en-US" smtClean="0"/>
-              <a:t>第三级</a:t>
-            </a:r>
-            <a:endParaRPr lang="zh-CN" altLang="en-US" smtClean="0"/>
-          </a:p>
-          <a:p>
-            <a:pPr lvl="3"/>
-            <a:r>
-              <a:rPr lang="zh-CN" altLang="en-US" smtClean="0"/>
-              <a:t>第四级</a:t>
-            </a:r>
-            <a:endParaRPr lang="zh-CN" altLang="en-US" smtClean="0"/>
-          </a:p>
-          <a:p>
-            <a:pPr lvl="4"/>
-            <a:r>
-              <a:rPr lang="zh-CN" altLang="en-US" smtClean="0"/>
-              <a:t>第五级</a:t>
-            </a:r>
-            <a:endParaRPr lang="zh-CN" altLang="en-US"/>
-          </a:p>
-        </p:txBody>
-      </p:sp>
-      <p:sp>
-        <p:nvSpPr>
-          <p:cNvPr id="4" name="日期占位符 3"/>
+          <p:cNvPr id="3" name="日期占位符 2"/>
           <p:cNvSpPr>
             <a:spLocks noGrp="1"/>
           </p:cNvSpPr>
@@ -600,7 +1205,7 @@
           <a:bodyPr/>
           <a:lstStyle/>
           <a:p>
-            <a:fld id="{D997B5FA-0921-464F-AAE1-844C04324D75}" type="datetimeFigureOut">
+            <a:fld id="{760FBDFE-C587-4B4C-A407-44438C67B59E}" type="datetimeFigureOut">
               <a:rPr lang="zh-CN" altLang="en-US" smtClean="0"/>
             </a:fld>
             <a:endParaRPr lang="zh-CN" altLang="en-US"/>
@@ -609,7 +1214,7 @@
       </p:sp>
       <p:sp>
         <p:nvSpPr>
-          <p:cNvPr id="5" name="页脚占位符 4"/>
+          <p:cNvPr id="4" name="页脚占位符 3"/>
           <p:cNvSpPr>
             <a:spLocks noGrp="1"/>
           </p:cNvSpPr>
@@ -628,7 +1233,7 @@
       </p:sp>
       <p:sp>
         <p:nvSpPr>
-          <p:cNvPr id="6" name="灯片编号占位符 5"/>
+          <p:cNvPr id="5" name="灯片编号占位符 4"/>
           <p:cNvSpPr>
             <a:spLocks noGrp="1"/>
           </p:cNvSpPr>
@@ -641,7 +1246,7 @@
           <a:bodyPr/>
           <a:lstStyle/>
           <a:p>
-            <a:fld id="{565CE74E-AB26-4998-AD42-012C4C1AD076}" type="slidenum">
+            <a:fld id="{49AE70B2-8BF9-45C0-BB95-33D1B9D3A854}" type="slidenum">
               <a:rPr lang="zh-CN" altLang="en-US" smtClean="0"/>
             </a:fld>
             <a:endParaRPr lang="zh-CN" altLang="en-US"/>
@@ -689,10 +1294,10 @@
           <a:lstStyle/>
           <a:p>
             <a:r>
-              <a:rPr lang="zh-CN" altLang="en-US" smtClean="0"/>
+              <a:rPr lang="zh-CN" altLang="en-US" dirty="0"/>
               <a:t>单击此处编辑母版标题样式</a:t>
             </a:r>
-            <a:endParaRPr lang="zh-CN" altLang="en-US"/>
+            <a:endParaRPr lang="zh-CN" altLang="en-US" dirty="0"/>
           </a:p>
         </p:txBody>
       </p:sp>
@@ -713,42 +1318,42 @@
           <a:p>
             <a:pPr lvl="0"/>
             <a:r>
-              <a:rPr lang="zh-CN" altLang="en-US" smtClean="0"/>
+              <a:rPr lang="zh-CN" altLang="en-US" dirty="0"/>
               <a:t>单击此处编辑母版文本样式</a:t>
             </a:r>
-            <a:endParaRPr lang="zh-CN" altLang="en-US" smtClean="0"/>
+            <a:endParaRPr lang="zh-CN" altLang="en-US" dirty="0"/>
           </a:p>
           <a:p>
             <a:pPr lvl="1"/>
             <a:r>
-              <a:rPr lang="zh-CN" altLang="en-US" smtClean="0"/>
+              <a:rPr lang="zh-CN" altLang="en-US" dirty="0"/>
               <a:t>第二级</a:t>
             </a:r>
-            <a:endParaRPr lang="zh-CN" altLang="en-US" smtClean="0"/>
+            <a:endParaRPr lang="zh-CN" altLang="en-US" dirty="0"/>
           </a:p>
           <a:p>
             <a:pPr lvl="2"/>
             <a:r>
-              <a:rPr lang="zh-CN" altLang="en-US" smtClean="0"/>
+              <a:rPr lang="zh-CN" altLang="en-US" dirty="0"/>
               <a:t>第三级</a:t>
             </a:r>
-            <a:endParaRPr lang="zh-CN" altLang="en-US" smtClean="0"/>
+            <a:endParaRPr lang="zh-CN" altLang="en-US" dirty="0"/>
           </a:p>
           <a:p>
             <a:pPr lvl="3"/>
             <a:r>
-              <a:rPr lang="zh-CN" altLang="en-US" smtClean="0"/>
+              <a:rPr lang="zh-CN" altLang="en-US" dirty="0"/>
               <a:t>第四级</a:t>
             </a:r>
-            <a:endParaRPr lang="zh-CN" altLang="en-US" smtClean="0"/>
+            <a:endParaRPr lang="zh-CN" altLang="en-US" dirty="0"/>
           </a:p>
           <a:p>
             <a:pPr lvl="4"/>
             <a:r>
-              <a:rPr lang="zh-CN" altLang="en-US" smtClean="0"/>
+              <a:rPr lang="zh-CN" altLang="en-US" dirty="0"/>
               <a:t>第五级</a:t>
             </a:r>
-            <a:endParaRPr lang="zh-CN" altLang="en-US"/>
+            <a:endParaRPr lang="zh-CN" altLang="en-US" dirty="0"/>
           </a:p>
         </p:txBody>
       </p:sp>
@@ -767,7 +1372,7 @@
           <a:bodyPr/>
           <a:lstStyle/>
           <a:p>
-            <a:fld id="{D997B5FA-0921-464F-AAE1-844C04324D75}" type="datetimeFigureOut">
+            <a:fld id="{760FBDFE-C587-4B4C-A407-44438C67B59E}" type="datetimeFigureOut">
               <a:rPr lang="zh-CN" altLang="en-US" smtClean="0"/>
             </a:fld>
             <a:endParaRPr lang="zh-CN" altLang="en-US"/>
@@ -808,7 +1413,7 @@
           <a:bodyPr/>
           <a:lstStyle/>
           <a:p>
-            <a:fld id="{565CE74E-AB26-4998-AD42-012C4C1AD076}" type="slidenum">
+            <a:fld id="{49AE70B2-8BF9-45C0-BB95-33D1B9D3A854}" type="slidenum">
               <a:rPr lang="zh-CN" altLang="en-US" smtClean="0"/>
             </a:fld>
             <a:endParaRPr lang="zh-CN" altLang="en-US"/>
@@ -840,6 +1445,133 @@
           <a:chExt cx="0" cy="0"/>
         </a:xfrm>
       </p:grpSpPr>
+      <p:cxnSp>
+        <p:nvCxnSpPr>
+          <p:cNvPr id="11" name="直线连接符 6"/>
+          <p:cNvCxnSpPr/>
+          <p:nvPr/>
+        </p:nvCxnSpPr>
+        <p:spPr>
+          <a:xfrm>
+            <a:off x="5743574" y="3457576"/>
+            <a:ext cx="5029088" cy="0"/>
+          </a:xfrm>
+          <a:prstGeom prst="line">
+            <a:avLst/>
+          </a:prstGeom>
+          <a:ln>
+            <a:solidFill>
+              <a:schemeClr val="accent2">
+                <a:lumMod val="20000"/>
+                <a:lumOff val="80000"/>
+              </a:schemeClr>
+            </a:solidFill>
+          </a:ln>
+        </p:spPr>
+        <p:style>
+          <a:lnRef idx="1">
+            <a:schemeClr val="accent1"/>
+          </a:lnRef>
+          <a:fillRef idx="0">
+            <a:schemeClr val="accent1"/>
+          </a:fillRef>
+          <a:effectRef idx="0">
+            <a:schemeClr val="accent1"/>
+          </a:effectRef>
+          <a:fontRef idx="minor">
+            <a:schemeClr val="tx1"/>
+          </a:fontRef>
+        </p:style>
+      </p:cxnSp>
+      <p:sp>
+        <p:nvSpPr>
+          <p:cNvPr id="9" name="矩形 8"/>
+          <p:cNvSpPr/>
+          <p:nvPr/>
+        </p:nvSpPr>
+        <p:spPr>
+          <a:xfrm>
+            <a:off x="1089250" y="0"/>
+            <a:ext cx="4198713" cy="6858000"/>
+          </a:xfrm>
+          <a:prstGeom prst="rect">
+            <a:avLst/>
+          </a:prstGeom>
+          <a:ln>
+            <a:noFill/>
+          </a:ln>
+        </p:spPr>
+        <p:style>
+          <a:lnRef idx="2">
+            <a:schemeClr val="accent1">
+              <a:shade val="50000"/>
+            </a:schemeClr>
+          </a:lnRef>
+          <a:fillRef idx="1">
+            <a:schemeClr val="accent1"/>
+          </a:fillRef>
+          <a:effectRef idx="0">
+            <a:schemeClr val="accent1"/>
+          </a:effectRef>
+          <a:fontRef idx="minor">
+            <a:schemeClr val="lt1"/>
+          </a:fontRef>
+        </p:style>
+        <p:txBody>
+          <a:bodyPr rtlCol="0" anchor="ctr"/>
+          <a:lstStyle/>
+          <a:p>
+            <a:pPr algn="ctr"/>
+            <a:endParaRPr kumimoji="1" lang="zh-CN" altLang="en-US"/>
+          </a:p>
+        </p:txBody>
+      </p:sp>
+      <p:sp>
+        <p:nvSpPr>
+          <p:cNvPr id="10" name="矩形 9"/>
+          <p:cNvSpPr/>
+          <p:nvPr/>
+        </p:nvSpPr>
+        <p:spPr>
+          <a:xfrm>
+            <a:off x="2225449" y="2379437"/>
+            <a:ext cx="1854654" cy="1854654"/>
+          </a:xfrm>
+          <a:prstGeom prst="rect">
+            <a:avLst/>
+          </a:prstGeom>
+          <a:noFill/>
+          <a:ln w="38100">
+            <a:solidFill>
+              <a:schemeClr val="accent3"/>
+            </a:solidFill>
+          </a:ln>
+        </p:spPr>
+        <p:style>
+          <a:lnRef idx="2">
+            <a:schemeClr val="accent1">
+              <a:shade val="50000"/>
+            </a:schemeClr>
+          </a:lnRef>
+          <a:fillRef idx="1">
+            <a:schemeClr val="accent1"/>
+          </a:fillRef>
+          <a:effectRef idx="0">
+            <a:schemeClr val="accent1"/>
+          </a:effectRef>
+          <a:fontRef idx="minor">
+            <a:schemeClr val="lt1"/>
+          </a:fontRef>
+        </p:style>
+        <p:txBody>
+          <a:bodyPr rtlCol="0" anchor="ctr"/>
+          <a:lstStyle/>
+          <a:p>
+            <a:pPr algn="ctr"/>
+            <a:endParaRPr kumimoji="1" lang="zh-CN" altLang="en-US"/>
+          </a:p>
+        </p:txBody>
+      </p:sp>
       <p:sp>
         <p:nvSpPr>
           <p:cNvPr id="2" name="标题 1"/>
@@ -847,28 +1579,37 @@
             <a:spLocks noGrp="1"/>
           </p:cNvSpPr>
           <p:nvPr>
-            <p:ph type="title"/>
+            <p:ph type="title" hasCustomPrompt="1"/>
           </p:nvPr>
         </p:nvSpPr>
         <p:spPr>
           <a:xfrm>
-            <a:off x="831850" y="1709738"/>
-            <a:ext cx="10515600" cy="2852737"/>
+            <a:off x="5743574" y="2339096"/>
+            <a:ext cx="5029088" cy="1020987"/>
           </a:xfrm>
         </p:spPr>
         <p:txBody>
-          <a:bodyPr anchor="b"/>
+          <a:bodyPr anchor="b">
+            <a:normAutofit/>
+          </a:bodyPr>
           <a:lstStyle>
             <a:lvl1pPr>
-              <a:defRPr sz="6000"/>
+              <a:lnSpc>
+                <a:spcPct val="90000"/>
+              </a:lnSpc>
+              <a:defRPr sz="4400">
+                <a:solidFill>
+                  <a:schemeClr val="tx2"/>
+                </a:solidFill>
+              </a:defRPr>
             </a:lvl1pPr>
           </a:lstStyle>
           <a:p>
             <a:r>
-              <a:rPr lang="zh-CN" altLang="en-US" smtClean="0"/>
-              <a:t>单击此处编辑母版标题样式</a:t>
+              <a:rPr lang="zh-CN" altLang="en-US" dirty="0"/>
+              <a:t>单击此处编辑标题</a:t>
             </a:r>
-            <a:endParaRPr lang="zh-CN" altLang="en-US"/>
+            <a:endParaRPr lang="zh-CN" altLang="en-US" dirty="0"/>
           </a:p>
         </p:txBody>
       </p:sp>
@@ -884,19 +1625,25 @@
         </p:nvSpPr>
         <p:spPr>
           <a:xfrm>
-            <a:off x="831850" y="4589463"/>
-            <a:ext cx="10515600" cy="1500187"/>
+            <a:off x="5743574" y="3574946"/>
+            <a:ext cx="5029088" cy="459169"/>
           </a:xfrm>
         </p:spPr>
         <p:txBody>
-          <a:bodyPr/>
+          <a:bodyPr>
+            <a:normAutofit/>
+          </a:bodyPr>
           <a:lstStyle>
             <a:lvl1pPr marL="0" indent="0">
+              <a:lnSpc>
+                <a:spcPct val="90000"/>
+              </a:lnSpc>
               <a:buNone/>
-              <a:defRPr sz="2400">
+              <a:defRPr sz="1600">
                 <a:solidFill>
                   <a:schemeClr val="tx1">
-                    <a:tint val="75000"/>
+                    <a:lumMod val="50000"/>
+                    <a:lumOff val="50000"/>
                   </a:schemeClr>
                 </a:solidFill>
               </a:defRPr>
@@ -985,10 +1732,10 @@
           <a:p>
             <a:pPr lvl="0"/>
             <a:r>
-              <a:rPr lang="zh-CN" altLang="en-US" smtClean="0"/>
+              <a:rPr lang="zh-CN" altLang="en-US" dirty="0"/>
               <a:t>单击此处编辑母版文本样式</a:t>
             </a:r>
-            <a:endParaRPr lang="zh-CN" altLang="en-US" smtClean="0"/>
+            <a:endParaRPr lang="zh-CN" altLang="en-US" dirty="0"/>
           </a:p>
         </p:txBody>
       </p:sp>
@@ -1007,7 +1754,7 @@
           <a:bodyPr/>
           <a:lstStyle/>
           <a:p>
-            <a:fld id="{D997B5FA-0921-464F-AAE1-844C04324D75}" type="datetimeFigureOut">
+            <a:fld id="{760FBDFE-C587-4B4C-A407-44438C67B59E}" type="datetimeFigureOut">
               <a:rPr lang="zh-CN" altLang="en-US" smtClean="0"/>
             </a:fld>
             <a:endParaRPr lang="zh-CN" altLang="en-US"/>
@@ -1048,7 +1795,7 @@
           <a:bodyPr/>
           <a:lstStyle/>
           <a:p>
-            <a:fld id="{565CE74E-AB26-4998-AD42-012C4C1AD076}" type="slidenum">
+            <a:fld id="{49AE70B2-8BF9-45C0-BB95-33D1B9D3A854}" type="slidenum">
               <a:rPr lang="zh-CN" altLang="en-US" smtClean="0"/>
             </a:fld>
             <a:endParaRPr lang="zh-CN" altLang="en-US"/>
@@ -1096,7 +1843,7 @@
           <a:lstStyle/>
           <a:p>
             <a:r>
-              <a:rPr lang="zh-CN" altLang="en-US" smtClean="0"/>
+              <a:rPr lang="zh-CN" altLang="en-US"/>
               <a:t>单击此处编辑母版标题样式</a:t>
             </a:r>
             <a:endParaRPr lang="zh-CN" altLang="en-US"/>
@@ -1125,42 +1872,42 @@
           <a:p>
             <a:pPr lvl="0"/>
             <a:r>
-              <a:rPr lang="zh-CN" altLang="en-US" smtClean="0"/>
+              <a:rPr lang="zh-CN" altLang="en-US" dirty="0"/>
               <a:t>单击此处编辑母版文本样式</a:t>
             </a:r>
-            <a:endParaRPr lang="zh-CN" altLang="en-US" smtClean="0"/>
+            <a:endParaRPr lang="zh-CN" altLang="en-US" dirty="0"/>
           </a:p>
           <a:p>
             <a:pPr lvl="1"/>
             <a:r>
-              <a:rPr lang="zh-CN" altLang="en-US" smtClean="0"/>
+              <a:rPr lang="zh-CN" altLang="en-US" dirty="0"/>
               <a:t>第二级</a:t>
             </a:r>
-            <a:endParaRPr lang="zh-CN" altLang="en-US" smtClean="0"/>
+            <a:endParaRPr lang="zh-CN" altLang="en-US" dirty="0"/>
           </a:p>
           <a:p>
             <a:pPr lvl="2"/>
             <a:r>
-              <a:rPr lang="zh-CN" altLang="en-US" smtClean="0"/>
+              <a:rPr lang="zh-CN" altLang="en-US" dirty="0"/>
               <a:t>第三级</a:t>
             </a:r>
-            <a:endParaRPr lang="zh-CN" altLang="en-US" smtClean="0"/>
+            <a:endParaRPr lang="zh-CN" altLang="en-US" dirty="0"/>
           </a:p>
           <a:p>
             <a:pPr lvl="3"/>
             <a:r>
-              <a:rPr lang="zh-CN" altLang="en-US" smtClean="0"/>
+              <a:rPr lang="zh-CN" altLang="en-US" dirty="0"/>
               <a:t>第四级</a:t>
             </a:r>
-            <a:endParaRPr lang="zh-CN" altLang="en-US" smtClean="0"/>
+            <a:endParaRPr lang="zh-CN" altLang="en-US" dirty="0"/>
           </a:p>
           <a:p>
             <a:pPr lvl="4"/>
             <a:r>
-              <a:rPr lang="zh-CN" altLang="en-US" smtClean="0"/>
+              <a:rPr lang="zh-CN" altLang="en-US" dirty="0"/>
               <a:t>第五级</a:t>
             </a:r>
-            <a:endParaRPr lang="zh-CN" altLang="en-US"/>
+            <a:endParaRPr lang="zh-CN" altLang="en-US" dirty="0"/>
           </a:p>
         </p:txBody>
       </p:sp>
@@ -1186,42 +1933,42 @@
           <a:p>
             <a:pPr lvl="0"/>
             <a:r>
-              <a:rPr lang="zh-CN" altLang="en-US" smtClean="0"/>
+              <a:rPr lang="zh-CN" altLang="en-US" dirty="0"/>
               <a:t>单击此处编辑母版文本样式</a:t>
             </a:r>
-            <a:endParaRPr lang="zh-CN" altLang="en-US" smtClean="0"/>
+            <a:endParaRPr lang="zh-CN" altLang="en-US" dirty="0"/>
           </a:p>
           <a:p>
             <a:pPr lvl="1"/>
             <a:r>
-              <a:rPr lang="zh-CN" altLang="en-US" smtClean="0"/>
+              <a:rPr lang="zh-CN" altLang="en-US" dirty="0"/>
               <a:t>第二级</a:t>
             </a:r>
-            <a:endParaRPr lang="zh-CN" altLang="en-US" smtClean="0"/>
+            <a:endParaRPr lang="zh-CN" altLang="en-US" dirty="0"/>
           </a:p>
           <a:p>
             <a:pPr lvl="2"/>
             <a:r>
-              <a:rPr lang="zh-CN" altLang="en-US" smtClean="0"/>
+              <a:rPr lang="zh-CN" altLang="en-US" dirty="0"/>
               <a:t>第三级</a:t>
             </a:r>
-            <a:endParaRPr lang="zh-CN" altLang="en-US" smtClean="0"/>
+            <a:endParaRPr lang="zh-CN" altLang="en-US" dirty="0"/>
           </a:p>
           <a:p>
             <a:pPr lvl="3"/>
             <a:r>
-              <a:rPr lang="zh-CN" altLang="en-US" smtClean="0"/>
+              <a:rPr lang="zh-CN" altLang="en-US" dirty="0"/>
               <a:t>第四级</a:t>
             </a:r>
-            <a:endParaRPr lang="zh-CN" altLang="en-US" smtClean="0"/>
+            <a:endParaRPr lang="zh-CN" altLang="en-US" dirty="0"/>
           </a:p>
           <a:p>
             <a:pPr lvl="4"/>
             <a:r>
-              <a:rPr lang="zh-CN" altLang="en-US" smtClean="0"/>
+              <a:rPr lang="zh-CN" altLang="en-US" dirty="0"/>
               <a:t>第五级</a:t>
             </a:r>
-            <a:endParaRPr lang="zh-CN" altLang="en-US"/>
+            <a:endParaRPr lang="zh-CN" altLang="en-US" dirty="0"/>
           </a:p>
         </p:txBody>
       </p:sp>
@@ -1240,7 +1987,7 @@
           <a:bodyPr/>
           <a:lstStyle/>
           <a:p>
-            <a:fld id="{D997B5FA-0921-464F-AAE1-844C04324D75}" type="datetimeFigureOut">
+            <a:fld id="{760FBDFE-C587-4B4C-A407-44438C67B59E}" type="datetimeFigureOut">
               <a:rPr lang="zh-CN" altLang="en-US" smtClean="0"/>
             </a:fld>
             <a:endParaRPr lang="zh-CN" altLang="en-US"/>
@@ -1281,7 +2028,7 @@
           <a:bodyPr/>
           <a:lstStyle/>
           <a:p>
-            <a:fld id="{565CE74E-AB26-4998-AD42-012C4C1AD076}" type="slidenum">
+            <a:fld id="{49AE70B2-8BF9-45C0-BB95-33D1B9D3A854}" type="slidenum">
               <a:rPr lang="zh-CN" altLang="en-US" smtClean="0"/>
             </a:fld>
             <a:endParaRPr lang="zh-CN" altLang="en-US"/>
@@ -1334,7 +2081,7 @@
           <a:lstStyle/>
           <a:p>
             <a:r>
-              <a:rPr lang="zh-CN" altLang="en-US" smtClean="0"/>
+              <a:rPr lang="zh-CN" altLang="en-US"/>
               <a:t>单击此处编辑母版标题样式</a:t>
             </a:r>
             <a:endParaRPr lang="zh-CN" altLang="en-US"/>
@@ -1353,7 +2100,7 @@
         </p:nvSpPr>
         <p:spPr>
           <a:xfrm>
-            <a:off x="839788" y="1681163"/>
+            <a:off x="839788" y="1744961"/>
             <a:ext cx="5157787" cy="823912"/>
           </a:xfrm>
         </p:spPr>
@@ -1400,10 +2147,10 @@
           <a:p>
             <a:pPr lvl="0"/>
             <a:r>
-              <a:rPr lang="zh-CN" altLang="en-US" smtClean="0"/>
+              <a:rPr lang="zh-CN" altLang="en-US" dirty="0"/>
               <a:t>单击此处编辑母版文本样式</a:t>
             </a:r>
-            <a:endParaRPr lang="zh-CN" altLang="en-US" smtClean="0"/>
+            <a:endParaRPr lang="zh-CN" altLang="en-US" dirty="0"/>
           </a:p>
         </p:txBody>
       </p:sp>
@@ -1419,8 +2166,8 @@
         </p:nvSpPr>
         <p:spPr>
           <a:xfrm>
-            <a:off x="839788" y="2505075"/>
-            <a:ext cx="5157787" cy="3684588"/>
+            <a:off x="839788" y="2615609"/>
+            <a:ext cx="5157787" cy="3574054"/>
           </a:xfrm>
         </p:spPr>
         <p:txBody>
@@ -1429,42 +2176,42 @@
           <a:p>
             <a:pPr lvl="0"/>
             <a:r>
-              <a:rPr lang="zh-CN" altLang="en-US" smtClean="0"/>
+              <a:rPr lang="zh-CN" altLang="en-US" dirty="0"/>
               <a:t>单击此处编辑母版文本样式</a:t>
             </a:r>
-            <a:endParaRPr lang="zh-CN" altLang="en-US" smtClean="0"/>
+            <a:endParaRPr lang="zh-CN" altLang="en-US" dirty="0"/>
           </a:p>
           <a:p>
             <a:pPr lvl="1"/>
             <a:r>
-              <a:rPr lang="zh-CN" altLang="en-US" smtClean="0"/>
+              <a:rPr lang="zh-CN" altLang="en-US" dirty="0"/>
               <a:t>第二级</a:t>
             </a:r>
-            <a:endParaRPr lang="zh-CN" altLang="en-US" smtClean="0"/>
+            <a:endParaRPr lang="zh-CN" altLang="en-US" dirty="0"/>
           </a:p>
           <a:p>
             <a:pPr lvl="2"/>
             <a:r>
-              <a:rPr lang="zh-CN" altLang="en-US" smtClean="0"/>
+              <a:rPr lang="zh-CN" altLang="en-US" dirty="0"/>
               <a:t>第三级</a:t>
             </a:r>
-            <a:endParaRPr lang="zh-CN" altLang="en-US" smtClean="0"/>
+            <a:endParaRPr lang="zh-CN" altLang="en-US" dirty="0"/>
           </a:p>
           <a:p>
             <a:pPr lvl="3"/>
             <a:r>
-              <a:rPr lang="zh-CN" altLang="en-US" smtClean="0"/>
+              <a:rPr lang="zh-CN" altLang="en-US" dirty="0"/>
               <a:t>第四级</a:t>
             </a:r>
-            <a:endParaRPr lang="zh-CN" altLang="en-US" smtClean="0"/>
+            <a:endParaRPr lang="zh-CN" altLang="en-US" dirty="0"/>
           </a:p>
           <a:p>
             <a:pPr lvl="4"/>
             <a:r>
-              <a:rPr lang="zh-CN" altLang="en-US" smtClean="0"/>
+              <a:rPr lang="zh-CN" altLang="en-US" dirty="0"/>
               <a:t>第五级</a:t>
             </a:r>
-            <a:endParaRPr lang="zh-CN" altLang="en-US"/>
+            <a:endParaRPr lang="zh-CN" altLang="en-US" dirty="0"/>
           </a:p>
         </p:txBody>
       </p:sp>
@@ -1480,7 +2227,7 @@
         </p:nvSpPr>
         <p:spPr>
           <a:xfrm>
-            <a:off x="6172200" y="1681163"/>
+            <a:off x="6172200" y="1744961"/>
             <a:ext cx="5183188" cy="823912"/>
           </a:xfrm>
         </p:spPr>
@@ -1527,10 +2274,10 @@
           <a:p>
             <a:pPr lvl="0"/>
             <a:r>
-              <a:rPr lang="zh-CN" altLang="en-US" smtClean="0"/>
+              <a:rPr lang="zh-CN" altLang="en-US" dirty="0"/>
               <a:t>单击此处编辑母版文本样式</a:t>
             </a:r>
-            <a:endParaRPr lang="zh-CN" altLang="en-US" smtClean="0"/>
+            <a:endParaRPr lang="zh-CN" altLang="en-US" dirty="0"/>
           </a:p>
         </p:txBody>
       </p:sp>
@@ -1546,8 +2293,8 @@
         </p:nvSpPr>
         <p:spPr>
           <a:xfrm>
-            <a:off x="6172200" y="2505075"/>
-            <a:ext cx="5183188" cy="3684588"/>
+            <a:off x="6172200" y="2615609"/>
+            <a:ext cx="5183188" cy="3574054"/>
           </a:xfrm>
         </p:spPr>
         <p:txBody>
@@ -1556,42 +2303,42 @@
           <a:p>
             <a:pPr lvl="0"/>
             <a:r>
-              <a:rPr lang="zh-CN" altLang="en-US" smtClean="0"/>
+              <a:rPr lang="zh-CN" altLang="en-US" dirty="0"/>
               <a:t>单击此处编辑母版文本样式</a:t>
             </a:r>
-            <a:endParaRPr lang="zh-CN" altLang="en-US" smtClean="0"/>
+            <a:endParaRPr lang="zh-CN" altLang="en-US" dirty="0"/>
           </a:p>
           <a:p>
             <a:pPr lvl="1"/>
             <a:r>
-              <a:rPr lang="zh-CN" altLang="en-US" smtClean="0"/>
+              <a:rPr lang="zh-CN" altLang="en-US" dirty="0"/>
               <a:t>第二级</a:t>
             </a:r>
-            <a:endParaRPr lang="zh-CN" altLang="en-US" smtClean="0"/>
+            <a:endParaRPr lang="zh-CN" altLang="en-US" dirty="0"/>
           </a:p>
           <a:p>
             <a:pPr lvl="2"/>
             <a:r>
-              <a:rPr lang="zh-CN" altLang="en-US" smtClean="0"/>
+              <a:rPr lang="zh-CN" altLang="en-US" dirty="0"/>
               <a:t>第三级</a:t>
             </a:r>
-            <a:endParaRPr lang="zh-CN" altLang="en-US" smtClean="0"/>
+            <a:endParaRPr lang="zh-CN" altLang="en-US" dirty="0"/>
           </a:p>
           <a:p>
             <a:pPr lvl="3"/>
             <a:r>
-              <a:rPr lang="zh-CN" altLang="en-US" smtClean="0"/>
+              <a:rPr lang="zh-CN" altLang="en-US" dirty="0"/>
               <a:t>第四级</a:t>
             </a:r>
-            <a:endParaRPr lang="zh-CN" altLang="en-US" smtClean="0"/>
+            <a:endParaRPr lang="zh-CN" altLang="en-US" dirty="0"/>
           </a:p>
           <a:p>
             <a:pPr lvl="4"/>
             <a:r>
-              <a:rPr lang="zh-CN" altLang="en-US" smtClean="0"/>
+              <a:rPr lang="zh-CN" altLang="en-US" dirty="0"/>
               <a:t>第五级</a:t>
             </a:r>
-            <a:endParaRPr lang="zh-CN" altLang="en-US"/>
+            <a:endParaRPr lang="zh-CN" altLang="en-US" dirty="0"/>
           </a:p>
         </p:txBody>
       </p:sp>
@@ -1610,7 +2357,7 @@
           <a:bodyPr/>
           <a:lstStyle/>
           <a:p>
-            <a:fld id="{D997B5FA-0921-464F-AAE1-844C04324D75}" type="datetimeFigureOut">
+            <a:fld id="{760FBDFE-C587-4B4C-A407-44438C67B59E}" type="datetimeFigureOut">
               <a:rPr lang="zh-CN" altLang="en-US" smtClean="0"/>
             </a:fld>
             <a:endParaRPr lang="zh-CN" altLang="en-US"/>
@@ -1651,7 +2398,7 @@
           <a:bodyPr/>
           <a:lstStyle/>
           <a:p>
-            <a:fld id="{565CE74E-AB26-4998-AD42-012C4C1AD076}" type="slidenum">
+            <a:fld id="{49AE70B2-8BF9-45C0-BB95-33D1B9D3A854}" type="slidenum">
               <a:rPr lang="zh-CN" altLang="en-US" smtClean="0"/>
             </a:fld>
             <a:endParaRPr lang="zh-CN" altLang="en-US"/>
@@ -1667,7 +2414,7 @@
 </file>
 
 <file path=ppt/slideLayouts/slideLayout6.xml><?xml version="1.0" encoding="utf-8"?>
-<p:sldLayout xmlns:a="http://schemas.openxmlformats.org/drawingml/2006/main" xmlns:r="http://schemas.openxmlformats.org/officeDocument/2006/relationships" xmlns:p="http://schemas.openxmlformats.org/presentationml/2006/main" type="titleOnly" preserve="1">
+<p:sldLayout xmlns:a="http://schemas.openxmlformats.org/drawingml/2006/main" xmlns:r="http://schemas.openxmlformats.org/officeDocument/2006/relationships" xmlns:p="http://schemas.openxmlformats.org/presentationml/2006/main" preserve="1" userDrawn="1">
   <p:cSld name="仅标题">
     <p:spTree>
       <p:nvGrpSpPr>
@@ -1685,24 +2432,131 @@
       </p:grpSpPr>
       <p:sp>
         <p:nvSpPr>
+          <p:cNvPr id="12" name="矩形 11"/>
+          <p:cNvSpPr/>
+          <p:nvPr/>
+        </p:nvSpPr>
+        <p:spPr>
+          <a:xfrm>
+            <a:off x="5154704" y="1412967"/>
+            <a:ext cx="1854654" cy="1854654"/>
+          </a:xfrm>
+          <a:prstGeom prst="rect">
+            <a:avLst/>
+          </a:prstGeom>
+          <a:noFill/>
+          <a:ln w="38100">
+            <a:solidFill>
+              <a:schemeClr val="accent1"/>
+            </a:solidFill>
+          </a:ln>
+        </p:spPr>
+        <p:style>
+          <a:lnRef idx="2">
+            <a:schemeClr val="accent1">
+              <a:shade val="50000"/>
+            </a:schemeClr>
+          </a:lnRef>
+          <a:fillRef idx="1">
+            <a:schemeClr val="accent1"/>
+          </a:fillRef>
+          <a:effectRef idx="0">
+            <a:schemeClr val="accent1"/>
+          </a:effectRef>
+          <a:fontRef idx="minor">
+            <a:schemeClr val="lt1"/>
+          </a:fontRef>
+        </p:style>
+        <p:txBody>
+          <a:bodyPr rtlCol="0" anchor="ctr"/>
+          <a:lstStyle/>
+          <a:p>
+            <a:pPr algn="ctr"/>
+            <a:endParaRPr kumimoji="1" lang="zh-CN" altLang="en-US"/>
+          </a:p>
+        </p:txBody>
+      </p:sp>
+      <p:sp>
+        <p:nvSpPr>
+          <p:cNvPr id="13" name="矩形 12"/>
+          <p:cNvSpPr/>
+          <p:nvPr/>
+        </p:nvSpPr>
+        <p:spPr>
+          <a:xfrm>
+            <a:off x="-37465" y="6025515"/>
+            <a:ext cx="12245975" cy="837565"/>
+          </a:xfrm>
+          <a:prstGeom prst="rect">
+            <a:avLst/>
+          </a:prstGeom>
+          <a:solidFill>
+            <a:schemeClr val="accent1"/>
+          </a:solidFill>
+          <a:ln>
+            <a:noFill/>
+          </a:ln>
+        </p:spPr>
+        <p:style>
+          <a:lnRef idx="2">
+            <a:schemeClr val="accent1">
+              <a:shade val="50000"/>
+            </a:schemeClr>
+          </a:lnRef>
+          <a:fillRef idx="1">
+            <a:schemeClr val="accent1"/>
+          </a:fillRef>
+          <a:effectRef idx="0">
+            <a:schemeClr val="accent1"/>
+          </a:effectRef>
+          <a:fontRef idx="minor">
+            <a:schemeClr val="lt1"/>
+          </a:fontRef>
+        </p:style>
+        <p:txBody>
+          <a:bodyPr rtlCol="0" anchor="ctr"/>
+          <a:lstStyle/>
+          <a:p>
+            <a:pPr algn="ctr"/>
+            <a:endParaRPr lang="zh-CN" altLang="en-US"/>
+          </a:p>
+        </p:txBody>
+      </p:sp>
+      <p:sp>
+        <p:nvSpPr>
           <p:cNvPr id="2" name="标题 1"/>
           <p:cNvSpPr>
             <a:spLocks noGrp="1"/>
           </p:cNvSpPr>
           <p:nvPr>
-            <p:ph type="title"/>
+            <p:ph type="title" hasCustomPrompt="1"/>
           </p:nvPr>
         </p:nvSpPr>
-        <p:spPr/>
+        <p:spPr>
+          <a:xfrm>
+            <a:off x="2495187" y="3584102"/>
+            <a:ext cx="7201626" cy="1281811"/>
+          </a:xfrm>
+        </p:spPr>
         <p:txBody>
-          <a:bodyPr/>
-          <a:lstStyle/>
+          <a:bodyPr>
+            <a:normAutofit/>
+          </a:bodyPr>
+          <a:lstStyle>
+            <a:lvl1pPr algn="ctr">
+              <a:defRPr sz="5400" b="0">
+                <a:solidFill>
+                  <a:schemeClr val="tx2"/>
+                </a:solidFill>
+              </a:defRPr>
+            </a:lvl1pPr>
+          </a:lstStyle>
           <a:p>
             <a:r>
-              <a:rPr lang="zh-CN" altLang="en-US" smtClean="0"/>
-              <a:t>单击此处编辑母版标题样式</a:t>
+              <a:rPr lang="zh-CN" altLang="en-US" dirty="0"/>
+              <a:t>单击此处编辑标题</a:t>
             </a:r>
-            <a:endParaRPr lang="zh-CN" altLang="en-US"/>
+            <a:endParaRPr lang="zh-CN" altLang="en-US" dirty="0"/>
           </a:p>
         </p:txBody>
       </p:sp>
@@ -1721,7 +2575,7 @@
           <a:bodyPr/>
           <a:lstStyle/>
           <a:p>
-            <a:fld id="{D997B5FA-0921-464F-AAE1-844C04324D75}" type="datetimeFigureOut">
+            <a:fld id="{760FBDFE-C587-4B4C-A407-44438C67B59E}" type="datetimeFigureOut">
               <a:rPr lang="zh-CN" altLang="en-US" smtClean="0"/>
             </a:fld>
             <a:endParaRPr lang="zh-CN" altLang="en-US"/>
@@ -1762,10 +2616,50 @@
           <a:bodyPr/>
           <a:lstStyle/>
           <a:p>
-            <a:fld id="{565CE74E-AB26-4998-AD42-012C4C1AD076}" type="slidenum">
+            <a:fld id="{49AE70B2-8BF9-45C0-BB95-33D1B9D3A854}" type="slidenum">
               <a:rPr lang="zh-CN" altLang="en-US" smtClean="0"/>
             </a:fld>
             <a:endParaRPr lang="zh-CN" altLang="en-US"/>
+          </a:p>
+        </p:txBody>
+      </p:sp>
+      <p:sp>
+        <p:nvSpPr>
+          <p:cNvPr id="7" name="内容占位符 6"/>
+          <p:cNvSpPr>
+            <a:spLocks noGrp="1"/>
+          </p:cNvSpPr>
+          <p:nvPr>
+            <p:ph sz="quarter" idx="13" hasCustomPrompt="1"/>
+          </p:nvPr>
+        </p:nvSpPr>
+        <p:spPr>
+          <a:xfrm>
+            <a:off x="5154613" y="1828800"/>
+            <a:ext cx="1854200" cy="1127125"/>
+          </a:xfrm>
+        </p:spPr>
+        <p:txBody>
+          <a:bodyPr anchor="ctr" anchorCtr="0">
+            <a:normAutofit/>
+          </a:bodyPr>
+          <a:lstStyle>
+            <a:lvl1pPr marL="0" indent="0" algn="ctr">
+              <a:buNone/>
+              <a:defRPr sz="2800" b="1" i="0">
+                <a:solidFill>
+                  <a:schemeClr val="tx2"/>
+                </a:solidFill>
+              </a:defRPr>
+            </a:lvl1pPr>
+          </a:lstStyle>
+          <a:p>
+            <a:pPr lvl="0"/>
+            <a:r>
+              <a:rPr lang="zh-CN" altLang="en-US" dirty="0"/>
+              <a:t>文本</a:t>
+            </a:r>
+            <a:endParaRPr lang="zh-CN" altLang="en-US" dirty="0"/>
           </a:p>
         </p:txBody>
       </p:sp>
@@ -1796,6 +2690,49 @@
       </p:grpSpPr>
       <p:sp>
         <p:nvSpPr>
+          <p:cNvPr id="5" name="矩形 4"/>
+          <p:cNvSpPr/>
+          <p:nvPr/>
+        </p:nvSpPr>
+        <p:spPr>
+          <a:xfrm>
+            <a:off x="0" y="6812281"/>
+            <a:ext cx="12192000" cy="45719"/>
+          </a:xfrm>
+          <a:prstGeom prst="rect">
+            <a:avLst/>
+          </a:prstGeom>
+          <a:ln>
+            <a:noFill/>
+          </a:ln>
+        </p:spPr>
+        <p:style>
+          <a:lnRef idx="2">
+            <a:schemeClr val="accent1">
+              <a:shade val="50000"/>
+            </a:schemeClr>
+          </a:lnRef>
+          <a:fillRef idx="1">
+            <a:schemeClr val="accent1"/>
+          </a:fillRef>
+          <a:effectRef idx="0">
+            <a:schemeClr val="accent1"/>
+          </a:effectRef>
+          <a:fontRef idx="minor">
+            <a:schemeClr val="lt1"/>
+          </a:fontRef>
+        </p:style>
+        <p:txBody>
+          <a:bodyPr rtlCol="0" anchor="ctr"/>
+          <a:lstStyle/>
+          <a:p>
+            <a:pPr algn="ctr"/>
+            <a:endParaRPr kumimoji="1" lang="zh-CN" altLang="en-US"/>
+          </a:p>
+        </p:txBody>
+      </p:sp>
+      <p:sp>
+        <p:nvSpPr>
           <p:cNvPr id="2" name="日期占位符 1"/>
           <p:cNvSpPr>
             <a:spLocks noGrp="1"/>
@@ -1809,7 +2746,7 @@
           <a:bodyPr/>
           <a:lstStyle/>
           <a:p>
-            <a:fld id="{D997B5FA-0921-464F-AAE1-844C04324D75}" type="datetimeFigureOut">
+            <a:fld id="{760FBDFE-C587-4B4C-A407-44438C67B59E}" type="datetimeFigureOut">
               <a:rPr lang="zh-CN" altLang="en-US" smtClean="0"/>
             </a:fld>
             <a:endParaRPr lang="zh-CN" altLang="en-US"/>
@@ -1850,7 +2787,7 @@
           <a:bodyPr/>
           <a:lstStyle/>
           <a:p>
-            <a:fld id="{565CE74E-AB26-4998-AD42-012C4C1AD076}" type="slidenum">
+            <a:fld id="{49AE70B2-8BF9-45C0-BB95-33D1B9D3A854}" type="slidenum">
               <a:rPr lang="zh-CN" altLang="en-US" smtClean="0"/>
             </a:fld>
             <a:endParaRPr lang="zh-CN" altLang="en-US"/>
@@ -1866,281 +2803,6 @@
 </file>
 
 <file path=ppt/slideLayouts/slideLayout8.xml><?xml version="1.0" encoding="utf-8"?>
-<p:sldLayout xmlns:a="http://schemas.openxmlformats.org/drawingml/2006/main" xmlns:r="http://schemas.openxmlformats.org/officeDocument/2006/relationships" xmlns:p="http://schemas.openxmlformats.org/presentationml/2006/main" type="objTx" preserve="1">
-  <p:cSld name="内容与标题">
-    <p:spTree>
-      <p:nvGrpSpPr>
-        <p:cNvPr id="1" name=""/>
-        <p:cNvGrpSpPr/>
-        <p:nvPr/>
-      </p:nvGrpSpPr>
-      <p:grpSpPr>
-        <a:xfrm>
-          <a:off x="0" y="0"/>
-          <a:ext cx="0" cy="0"/>
-          <a:chOff x="0" y="0"/>
-          <a:chExt cx="0" cy="0"/>
-        </a:xfrm>
-      </p:grpSpPr>
-      <p:sp>
-        <p:nvSpPr>
-          <p:cNvPr id="2" name="标题 1"/>
-          <p:cNvSpPr>
-            <a:spLocks noGrp="1"/>
-          </p:cNvSpPr>
-          <p:nvPr>
-            <p:ph type="title"/>
-          </p:nvPr>
-        </p:nvSpPr>
-        <p:spPr>
-          <a:xfrm>
-            <a:off x="839788" y="457200"/>
-            <a:ext cx="3932237" cy="1600200"/>
-          </a:xfrm>
-        </p:spPr>
-        <p:txBody>
-          <a:bodyPr anchor="b"/>
-          <a:lstStyle>
-            <a:lvl1pPr>
-              <a:defRPr sz="3200"/>
-            </a:lvl1pPr>
-          </a:lstStyle>
-          <a:p>
-            <a:r>
-              <a:rPr lang="zh-CN" altLang="en-US" smtClean="0"/>
-              <a:t>单击此处编辑母版标题样式</a:t>
-            </a:r>
-            <a:endParaRPr lang="zh-CN" altLang="en-US"/>
-          </a:p>
-        </p:txBody>
-      </p:sp>
-      <p:sp>
-        <p:nvSpPr>
-          <p:cNvPr id="3" name="内容占位符 2"/>
-          <p:cNvSpPr>
-            <a:spLocks noGrp="1"/>
-          </p:cNvSpPr>
-          <p:nvPr>
-            <p:ph idx="1"/>
-          </p:nvPr>
-        </p:nvSpPr>
-        <p:spPr>
-          <a:xfrm>
-            <a:off x="5183188" y="987425"/>
-            <a:ext cx="6172200" cy="4873625"/>
-          </a:xfrm>
-        </p:spPr>
-        <p:txBody>
-          <a:bodyPr/>
-          <a:lstStyle>
-            <a:lvl1pPr>
-              <a:defRPr sz="3200"/>
-            </a:lvl1pPr>
-            <a:lvl2pPr>
-              <a:defRPr sz="2800"/>
-            </a:lvl2pPr>
-            <a:lvl3pPr>
-              <a:defRPr sz="2400"/>
-            </a:lvl3pPr>
-            <a:lvl4pPr>
-              <a:defRPr sz="2000"/>
-            </a:lvl4pPr>
-            <a:lvl5pPr>
-              <a:defRPr sz="2000"/>
-            </a:lvl5pPr>
-            <a:lvl6pPr>
-              <a:defRPr sz="2000"/>
-            </a:lvl6pPr>
-            <a:lvl7pPr>
-              <a:defRPr sz="2000"/>
-            </a:lvl7pPr>
-            <a:lvl8pPr>
-              <a:defRPr sz="2000"/>
-            </a:lvl8pPr>
-            <a:lvl9pPr>
-              <a:defRPr sz="2000"/>
-            </a:lvl9pPr>
-          </a:lstStyle>
-          <a:p>
-            <a:pPr lvl="0"/>
-            <a:r>
-              <a:rPr lang="zh-CN" altLang="en-US" smtClean="0"/>
-              <a:t>单击此处编辑母版文本样式</a:t>
-            </a:r>
-            <a:endParaRPr lang="zh-CN" altLang="en-US" smtClean="0"/>
-          </a:p>
-          <a:p>
-            <a:pPr lvl="1"/>
-            <a:r>
-              <a:rPr lang="zh-CN" altLang="en-US" smtClean="0"/>
-              <a:t>第二级</a:t>
-            </a:r>
-            <a:endParaRPr lang="zh-CN" altLang="en-US" smtClean="0"/>
-          </a:p>
-          <a:p>
-            <a:pPr lvl="2"/>
-            <a:r>
-              <a:rPr lang="zh-CN" altLang="en-US" smtClean="0"/>
-              <a:t>第三级</a:t>
-            </a:r>
-            <a:endParaRPr lang="zh-CN" altLang="en-US" smtClean="0"/>
-          </a:p>
-          <a:p>
-            <a:pPr lvl="3"/>
-            <a:r>
-              <a:rPr lang="zh-CN" altLang="en-US" smtClean="0"/>
-              <a:t>第四级</a:t>
-            </a:r>
-            <a:endParaRPr lang="zh-CN" altLang="en-US" smtClean="0"/>
-          </a:p>
-          <a:p>
-            <a:pPr lvl="4"/>
-            <a:r>
-              <a:rPr lang="zh-CN" altLang="en-US" smtClean="0"/>
-              <a:t>第五级</a:t>
-            </a:r>
-            <a:endParaRPr lang="zh-CN" altLang="en-US"/>
-          </a:p>
-        </p:txBody>
-      </p:sp>
-      <p:sp>
-        <p:nvSpPr>
-          <p:cNvPr id="4" name="文本占位符 3"/>
-          <p:cNvSpPr>
-            <a:spLocks noGrp="1"/>
-          </p:cNvSpPr>
-          <p:nvPr>
-            <p:ph type="body" sz="half" idx="2"/>
-          </p:nvPr>
-        </p:nvSpPr>
-        <p:spPr>
-          <a:xfrm>
-            <a:off x="839788" y="2057400"/>
-            <a:ext cx="3932237" cy="3811588"/>
-          </a:xfrm>
-        </p:spPr>
-        <p:txBody>
-          <a:bodyPr/>
-          <a:lstStyle>
-            <a:lvl1pPr marL="0" indent="0">
-              <a:buNone/>
-              <a:defRPr sz="1600"/>
-            </a:lvl1pPr>
-            <a:lvl2pPr marL="457200" indent="0">
-              <a:buNone/>
-              <a:defRPr sz="1400"/>
-            </a:lvl2pPr>
-            <a:lvl3pPr marL="914400" indent="0">
-              <a:buNone/>
-              <a:defRPr sz="1200"/>
-            </a:lvl3pPr>
-            <a:lvl4pPr marL="1371600" indent="0">
-              <a:buNone/>
-              <a:defRPr sz="1000"/>
-            </a:lvl4pPr>
-            <a:lvl5pPr marL="1828800" indent="0">
-              <a:buNone/>
-              <a:defRPr sz="1000"/>
-            </a:lvl5pPr>
-            <a:lvl6pPr marL="2286000" indent="0">
-              <a:buNone/>
-              <a:defRPr sz="1000"/>
-            </a:lvl6pPr>
-            <a:lvl7pPr marL="2743200" indent="0">
-              <a:buNone/>
-              <a:defRPr sz="1000"/>
-            </a:lvl7pPr>
-            <a:lvl8pPr marL="3200400" indent="0">
-              <a:buNone/>
-              <a:defRPr sz="1000"/>
-            </a:lvl8pPr>
-            <a:lvl9pPr marL="3657600" indent="0">
-              <a:buNone/>
-              <a:defRPr sz="1000"/>
-            </a:lvl9pPr>
-          </a:lstStyle>
-          <a:p>
-            <a:pPr lvl="0"/>
-            <a:r>
-              <a:rPr lang="zh-CN" altLang="en-US" smtClean="0"/>
-              <a:t>单击此处编辑母版文本样式</a:t>
-            </a:r>
-            <a:endParaRPr lang="zh-CN" altLang="en-US" smtClean="0"/>
-          </a:p>
-        </p:txBody>
-      </p:sp>
-      <p:sp>
-        <p:nvSpPr>
-          <p:cNvPr id="5" name="日期占位符 4"/>
-          <p:cNvSpPr>
-            <a:spLocks noGrp="1"/>
-          </p:cNvSpPr>
-          <p:nvPr>
-            <p:ph type="dt" sz="half" idx="10"/>
-          </p:nvPr>
-        </p:nvSpPr>
-        <p:spPr/>
-        <p:txBody>
-          <a:bodyPr/>
-          <a:lstStyle/>
-          <a:p>
-            <a:fld id="{D997B5FA-0921-464F-AAE1-844C04324D75}" type="datetimeFigureOut">
-              <a:rPr lang="zh-CN" altLang="en-US" smtClean="0"/>
-            </a:fld>
-            <a:endParaRPr lang="zh-CN" altLang="en-US"/>
-          </a:p>
-        </p:txBody>
-      </p:sp>
-      <p:sp>
-        <p:nvSpPr>
-          <p:cNvPr id="6" name="页脚占位符 5"/>
-          <p:cNvSpPr>
-            <a:spLocks noGrp="1"/>
-          </p:cNvSpPr>
-          <p:nvPr>
-            <p:ph type="ftr" sz="quarter" idx="11"/>
-          </p:nvPr>
-        </p:nvSpPr>
-        <p:spPr/>
-        <p:txBody>
-          <a:bodyPr/>
-          <a:lstStyle/>
-          <a:p>
-            <a:endParaRPr lang="zh-CN" altLang="en-US"/>
-          </a:p>
-        </p:txBody>
-      </p:sp>
-      <p:sp>
-        <p:nvSpPr>
-          <p:cNvPr id="7" name="灯片编号占位符 6"/>
-          <p:cNvSpPr>
-            <a:spLocks noGrp="1"/>
-          </p:cNvSpPr>
-          <p:nvPr>
-            <p:ph type="sldNum" sz="quarter" idx="12"/>
-          </p:nvPr>
-        </p:nvSpPr>
-        <p:spPr/>
-        <p:txBody>
-          <a:bodyPr/>
-          <a:lstStyle/>
-          <a:p>
-            <a:fld id="{565CE74E-AB26-4998-AD42-012C4C1AD076}" type="slidenum">
-              <a:rPr lang="zh-CN" altLang="en-US" smtClean="0"/>
-            </a:fld>
-            <a:endParaRPr lang="zh-CN" altLang="en-US"/>
-          </a:p>
-        </p:txBody>
-      </p:sp>
-    </p:spTree>
-  </p:cSld>
-  <p:clrMapOvr>
-    <a:masterClrMapping/>
-  </p:clrMapOvr>
-</p:sldLayout>
-</file>
-
-<file path=ppt/slideLayouts/slideLayout9.xml><?xml version="1.0" encoding="utf-8"?>
 <p:sldLayout xmlns:a="http://schemas.openxmlformats.org/drawingml/2006/main" xmlns:r="http://schemas.openxmlformats.org/officeDocument/2006/relationships" xmlns:p="http://schemas.openxmlformats.org/presentationml/2006/main" type="picTx" preserve="1">
   <p:cSld name="图片与标题">
     <p:spTree>
@@ -2169,23 +2831,25 @@
         </p:nvSpPr>
         <p:spPr>
           <a:xfrm>
-            <a:off x="839788" y="457200"/>
-            <a:ext cx="3932237" cy="1600200"/>
+            <a:off x="839787" y="457200"/>
+            <a:ext cx="4165200" cy="1600200"/>
           </a:xfrm>
         </p:spPr>
         <p:txBody>
-          <a:bodyPr anchor="b"/>
+          <a:bodyPr anchor="t" anchorCtr="0">
+            <a:normAutofit/>
+          </a:bodyPr>
           <a:lstStyle>
             <a:lvl1pPr>
-              <a:defRPr sz="3200"/>
+              <a:defRPr sz="3600"/>
             </a:lvl1pPr>
           </a:lstStyle>
           <a:p>
             <a:r>
-              <a:rPr lang="zh-CN" altLang="en-US" smtClean="0"/>
+              <a:rPr lang="zh-CN" altLang="en-US" dirty="0"/>
               <a:t>单击此处编辑母版标题样式</a:t>
             </a:r>
-            <a:endParaRPr lang="zh-CN" altLang="en-US"/>
+            <a:endParaRPr lang="zh-CN" altLang="en-US" dirty="0"/>
           </a:p>
         </p:txBody>
       </p:sp>
@@ -2193,7 +2857,7 @@
         <p:nvSpPr>
           <p:cNvPr id="3" name="图片占位符 2"/>
           <p:cNvSpPr>
-            <a:spLocks noGrp="1"/>
+            <a:spLocks noGrp="1" noChangeAspect="1"/>
           </p:cNvSpPr>
           <p:nvPr>
             <p:ph type="pic" idx="1"/>
@@ -2201,8 +2865,8 @@
         </p:nvSpPr>
         <p:spPr>
           <a:xfrm>
-            <a:off x="5183188" y="987425"/>
-            <a:ext cx="6172200" cy="4873625"/>
+            <a:off x="5184000" y="457200"/>
+            <a:ext cx="6170400" cy="5403600"/>
           </a:xfrm>
         </p:spPr>
         <p:txBody>
@@ -2246,7 +2910,7 @@
             </a:lvl9pPr>
           </a:lstStyle>
           <a:p>
-            <a:endParaRPr lang="zh-CN" altLang="en-US"/>
+            <a:endParaRPr lang="zh-CN" altLang="en-US" dirty="0"/>
           </a:p>
         </p:txBody>
       </p:sp>
@@ -2262,16 +2926,18 @@
         </p:nvSpPr>
         <p:spPr>
           <a:xfrm>
-            <a:off x="839788" y="2057400"/>
-            <a:ext cx="3932237" cy="3811588"/>
+            <a:off x="839787" y="2057400"/>
+            <a:ext cx="4165200" cy="3811588"/>
           </a:xfrm>
         </p:spPr>
         <p:txBody>
-          <a:bodyPr/>
+          <a:bodyPr>
+            <a:normAutofit/>
+          </a:bodyPr>
           <a:lstStyle>
             <a:lvl1pPr marL="0" indent="0">
               <a:buNone/>
-              <a:defRPr sz="1600"/>
+              <a:defRPr sz="2000"/>
             </a:lvl1pPr>
             <a:lvl2pPr marL="457200" indent="0">
               <a:buNone/>
@@ -2309,10 +2975,10 @@
           <a:p>
             <a:pPr lvl="0"/>
             <a:r>
-              <a:rPr lang="zh-CN" altLang="en-US" smtClean="0"/>
+              <a:rPr lang="zh-CN" altLang="en-US" dirty="0"/>
               <a:t>单击此处编辑母版文本样式</a:t>
             </a:r>
-            <a:endParaRPr lang="zh-CN" altLang="en-US" smtClean="0"/>
+            <a:endParaRPr lang="zh-CN" altLang="en-US" dirty="0"/>
           </a:p>
         </p:txBody>
       </p:sp>
@@ -2331,10 +2997,10 @@
           <a:bodyPr/>
           <a:lstStyle/>
           <a:p>
-            <a:fld id="{D997B5FA-0921-464F-AAE1-844C04324D75}" type="datetimeFigureOut">
+            <a:fld id="{9EFD9D74-47D9-4702-A33C-335B63B48DBF}" type="datetimeFigureOut">
               <a:rPr lang="zh-CN" altLang="en-US" smtClean="0"/>
             </a:fld>
-            <a:endParaRPr lang="zh-CN" altLang="en-US"/>
+            <a:endParaRPr lang="zh-CN" altLang="en-US" dirty="0"/>
           </a:p>
         </p:txBody>
       </p:sp>
@@ -2353,7 +3019,7 @@
           <a:bodyPr/>
           <a:lstStyle/>
           <a:p>
-            <a:endParaRPr lang="zh-CN" altLang="en-US"/>
+            <a:endParaRPr lang="zh-CN" altLang="en-US" dirty="0"/>
           </a:p>
         </p:txBody>
       </p:sp>
@@ -2372,7 +3038,190 @@
           <a:bodyPr/>
           <a:lstStyle/>
           <a:p>
-            <a:fld id="{565CE74E-AB26-4998-AD42-012C4C1AD076}" type="slidenum">
+            <a:fld id="{FABC47A4-756D-490B-A52F-7D9E2C9FC05F}" type="slidenum">
+              <a:rPr lang="zh-CN" altLang="en-US" smtClean="0"/>
+            </a:fld>
+            <a:endParaRPr lang="zh-CN" altLang="en-US"/>
+          </a:p>
+        </p:txBody>
+      </p:sp>
+    </p:spTree>
+  </p:cSld>
+  <p:clrMapOvr>
+    <a:masterClrMapping/>
+  </p:clrMapOvr>
+</p:sldLayout>
+</file>
+
+<file path=ppt/slideLayouts/slideLayout9.xml><?xml version="1.0" encoding="utf-8"?>
+<p:sldLayout xmlns:a="http://schemas.openxmlformats.org/drawingml/2006/main" xmlns:r="http://schemas.openxmlformats.org/officeDocument/2006/relationships" xmlns:p="http://schemas.openxmlformats.org/presentationml/2006/main" type="vertTitleAndTx" preserve="1">
+  <p:cSld name="竖排标题与文本">
+    <p:spTree>
+      <p:nvGrpSpPr>
+        <p:cNvPr id="1" name=""/>
+        <p:cNvGrpSpPr/>
+        <p:nvPr/>
+      </p:nvGrpSpPr>
+      <p:grpSpPr>
+        <a:xfrm>
+          <a:off x="0" y="0"/>
+          <a:ext cx="0" cy="0"/>
+          <a:chOff x="0" y="0"/>
+          <a:chExt cx="0" cy="0"/>
+        </a:xfrm>
+      </p:grpSpPr>
+      <p:sp>
+        <p:nvSpPr>
+          <p:cNvPr id="2" name="竖排标题 1"/>
+          <p:cNvSpPr>
+            <a:spLocks noGrp="1"/>
+          </p:cNvSpPr>
+          <p:nvPr>
+            <p:ph type="title" orient="vert"/>
+          </p:nvPr>
+        </p:nvSpPr>
+        <p:spPr>
+          <a:xfrm>
+            <a:off x="9824484" y="365125"/>
+            <a:ext cx="1529316" cy="5811838"/>
+          </a:xfrm>
+        </p:spPr>
+        <p:txBody>
+          <a:bodyPr vert="eaVert">
+            <a:normAutofit/>
+          </a:bodyPr>
+          <a:lstStyle>
+            <a:lvl1pPr>
+              <a:defRPr sz="3600"/>
+            </a:lvl1pPr>
+          </a:lstStyle>
+          <a:p>
+            <a:r>
+              <a:rPr lang="zh-CN" altLang="en-US"/>
+              <a:t>单击此处编辑母版标题样式</a:t>
+            </a:r>
+            <a:endParaRPr lang="zh-CN" altLang="en-US"/>
+          </a:p>
+        </p:txBody>
+      </p:sp>
+      <p:sp>
+        <p:nvSpPr>
+          <p:cNvPr id="3" name="竖排文字占位符 2"/>
+          <p:cNvSpPr>
+            <a:spLocks noGrp="1"/>
+          </p:cNvSpPr>
+          <p:nvPr>
+            <p:ph type="body" orient="vert" idx="1"/>
+          </p:nvPr>
+        </p:nvSpPr>
+        <p:spPr>
+          <a:xfrm>
+            <a:off x="838200" y="365125"/>
+            <a:ext cx="8879958" cy="5811838"/>
+          </a:xfrm>
+        </p:spPr>
+        <p:txBody>
+          <a:bodyPr vert="eaVert"/>
+          <a:lstStyle/>
+          <a:p>
+            <a:pPr lvl="0"/>
+            <a:r>
+              <a:rPr lang="zh-CN" altLang="en-US" dirty="0"/>
+              <a:t>单击此处编辑母版文本样式</a:t>
+            </a:r>
+            <a:endParaRPr lang="zh-CN" altLang="en-US" dirty="0"/>
+          </a:p>
+          <a:p>
+            <a:pPr lvl="1"/>
+            <a:r>
+              <a:rPr lang="zh-CN" altLang="en-US" dirty="0"/>
+              <a:t>第二级</a:t>
+            </a:r>
+            <a:endParaRPr lang="zh-CN" altLang="en-US" dirty="0"/>
+          </a:p>
+          <a:p>
+            <a:pPr lvl="2"/>
+            <a:r>
+              <a:rPr lang="zh-CN" altLang="en-US" dirty="0"/>
+              <a:t>第三级</a:t>
+            </a:r>
+            <a:endParaRPr lang="zh-CN" altLang="en-US" dirty="0"/>
+          </a:p>
+          <a:p>
+            <a:pPr lvl="3"/>
+            <a:r>
+              <a:rPr lang="zh-CN" altLang="en-US" dirty="0"/>
+              <a:t>第四级</a:t>
+            </a:r>
+            <a:endParaRPr lang="zh-CN" altLang="en-US" dirty="0"/>
+          </a:p>
+          <a:p>
+            <a:pPr lvl="4"/>
+            <a:r>
+              <a:rPr lang="zh-CN" altLang="en-US" dirty="0"/>
+              <a:t>第五级</a:t>
+            </a:r>
+            <a:endParaRPr lang="zh-CN" altLang="en-US" dirty="0"/>
+          </a:p>
+        </p:txBody>
+      </p:sp>
+      <p:sp>
+        <p:nvSpPr>
+          <p:cNvPr id="4" name="日期占位符 3"/>
+          <p:cNvSpPr>
+            <a:spLocks noGrp="1"/>
+          </p:cNvSpPr>
+          <p:nvPr>
+            <p:ph type="dt" sz="half" idx="10"/>
+          </p:nvPr>
+        </p:nvSpPr>
+        <p:spPr/>
+        <p:txBody>
+          <a:bodyPr/>
+          <a:lstStyle/>
+          <a:p>
+            <a:fld id="{760FBDFE-C587-4B4C-A407-44438C67B59E}" type="datetimeFigureOut">
+              <a:rPr lang="zh-CN" altLang="en-US" smtClean="0"/>
+            </a:fld>
+            <a:endParaRPr lang="zh-CN" altLang="en-US"/>
+          </a:p>
+        </p:txBody>
+      </p:sp>
+      <p:sp>
+        <p:nvSpPr>
+          <p:cNvPr id="5" name="页脚占位符 4"/>
+          <p:cNvSpPr>
+            <a:spLocks noGrp="1"/>
+          </p:cNvSpPr>
+          <p:nvPr>
+            <p:ph type="ftr" sz="quarter" idx="11"/>
+          </p:nvPr>
+        </p:nvSpPr>
+        <p:spPr/>
+        <p:txBody>
+          <a:bodyPr/>
+          <a:lstStyle/>
+          <a:p>
+            <a:endParaRPr lang="zh-CN" altLang="en-US"/>
+          </a:p>
+        </p:txBody>
+      </p:sp>
+      <p:sp>
+        <p:nvSpPr>
+          <p:cNvPr id="6" name="灯片编号占位符 5"/>
+          <p:cNvSpPr>
+            <a:spLocks noGrp="1"/>
+          </p:cNvSpPr>
+          <p:nvPr>
+            <p:ph type="sldNum" sz="quarter" idx="12"/>
+          </p:nvPr>
+        </p:nvSpPr>
+        <p:spPr/>
+        <p:txBody>
+          <a:bodyPr/>
+          <a:lstStyle/>
+          <a:p>
+            <a:fld id="{49AE70B2-8BF9-45C0-BB95-33D1B9D3A854}" type="slidenum">
               <a:rPr lang="zh-CN" altLang="en-US" smtClean="0"/>
             </a:fld>
             <a:endParaRPr lang="zh-CN" altLang="en-US"/>
@@ -2391,9 +3240,12 @@
 <p:sldMaster xmlns:a="http://schemas.openxmlformats.org/drawingml/2006/main" xmlns:r="http://schemas.openxmlformats.org/officeDocument/2006/relationships" xmlns:p="http://schemas.openxmlformats.org/presentationml/2006/main">
   <p:cSld>
     <p:bg>
-      <p:bgRef idx="1001">
-        <a:schemeClr val="bg1"/>
-      </p:bgRef>
+      <p:bgPr>
+        <a:solidFill>
+          <a:schemeClr val="bg1"/>
+        </a:solidFill>
+        <a:effectLst/>
+      </p:bgPr>
     </p:bg>
     <p:spTree>
       <p:nvGrpSpPr>
@@ -2417,6 +3269,9 @@
           </p:cNvSpPr>
           <p:nvPr>
             <p:ph type="title"/>
+            <p:custDataLst>
+              <p:tags r:id="rId13"/>
+            </p:custDataLst>
           </p:nvPr>
         </p:nvSpPr>
         <p:spPr>
@@ -2435,10 +3290,10 @@
           <a:lstStyle/>
           <a:p>
             <a:r>
-              <a:rPr lang="zh-CN" altLang="en-US" smtClean="0"/>
+              <a:rPr lang="zh-CN" altLang="en-US" dirty="0"/>
               <a:t>单击此处编辑母版标题样式</a:t>
             </a:r>
-            <a:endParaRPr lang="zh-CN" altLang="en-US"/>
+            <a:endParaRPr lang="zh-CN" altLang="en-US" dirty="0"/>
           </a:p>
         </p:txBody>
       </p:sp>
@@ -2450,6 +3305,9 @@
           </p:cNvSpPr>
           <p:nvPr>
             <p:ph type="body" idx="1"/>
+            <p:custDataLst>
+              <p:tags r:id="rId14"/>
+            </p:custDataLst>
           </p:nvPr>
         </p:nvSpPr>
         <p:spPr>
@@ -2469,42 +3327,42 @@
           <a:p>
             <a:pPr lvl="0"/>
             <a:r>
-              <a:rPr lang="zh-CN" altLang="en-US" smtClean="0"/>
+              <a:rPr lang="zh-CN" altLang="en-US" dirty="0"/>
               <a:t>单击此处编辑母版文本样式</a:t>
             </a:r>
-            <a:endParaRPr lang="zh-CN" altLang="en-US" smtClean="0"/>
+            <a:endParaRPr lang="zh-CN" altLang="en-US" dirty="0"/>
           </a:p>
           <a:p>
             <a:pPr lvl="1"/>
             <a:r>
-              <a:rPr lang="zh-CN" altLang="en-US" smtClean="0"/>
+              <a:rPr lang="zh-CN" altLang="en-US" dirty="0"/>
               <a:t>第二级</a:t>
             </a:r>
-            <a:endParaRPr lang="zh-CN" altLang="en-US" smtClean="0"/>
+            <a:endParaRPr lang="zh-CN" altLang="en-US" dirty="0"/>
           </a:p>
           <a:p>
             <a:pPr lvl="2"/>
             <a:r>
-              <a:rPr lang="zh-CN" altLang="en-US" smtClean="0"/>
+              <a:rPr lang="zh-CN" altLang="en-US" dirty="0"/>
               <a:t>第三级</a:t>
             </a:r>
-            <a:endParaRPr lang="zh-CN" altLang="en-US" smtClean="0"/>
+            <a:endParaRPr lang="zh-CN" altLang="en-US" dirty="0"/>
           </a:p>
           <a:p>
             <a:pPr lvl="3"/>
             <a:r>
-              <a:rPr lang="zh-CN" altLang="en-US" smtClean="0"/>
+              <a:rPr lang="zh-CN" altLang="en-US" dirty="0"/>
               <a:t>第四级</a:t>
             </a:r>
-            <a:endParaRPr lang="zh-CN" altLang="en-US" smtClean="0"/>
+            <a:endParaRPr lang="zh-CN" altLang="en-US" dirty="0"/>
           </a:p>
           <a:p>
             <a:pPr lvl="4"/>
             <a:r>
-              <a:rPr lang="zh-CN" altLang="en-US" smtClean="0"/>
+              <a:rPr lang="zh-CN" altLang="en-US" dirty="0"/>
               <a:t>第五级</a:t>
             </a:r>
-            <a:endParaRPr lang="zh-CN" altLang="en-US"/>
+            <a:endParaRPr lang="zh-CN" altLang="en-US" dirty="0"/>
           </a:p>
         </p:txBody>
       </p:sp>
@@ -2528,20 +3386,25 @@
           </a:prstGeom>
         </p:spPr>
         <p:txBody>
-          <a:bodyPr vert="horz" lIns="91440" tIns="45720" rIns="91440" bIns="45720" rtlCol="0" anchor="ctr"/>
+          <a:bodyPr vert="horz" lIns="91440" tIns="45720" rIns="91440" bIns="45720" rtlCol="0" anchor="ctr">
+            <a:normAutofit/>
+          </a:bodyPr>
           <a:lstStyle>
             <a:lvl1pPr algn="l">
+              <a:lnSpc>
+                <a:spcPct val="120000"/>
+              </a:lnSpc>
               <a:defRPr sz="1200">
                 <a:solidFill>
-                  <a:schemeClr val="tx1">
-                    <a:tint val="75000"/>
+                  <a:schemeClr val="bg1">
+                    <a:lumMod val="50000"/>
                   </a:schemeClr>
                 </a:solidFill>
               </a:defRPr>
             </a:lvl1pPr>
           </a:lstStyle>
           <a:p>
-            <a:fld id="{D997B5FA-0921-464F-AAE1-844C04324D75}" type="datetimeFigureOut">
+            <a:fld id="{760FBDFE-C587-4B4C-A407-44438C67B59E}" type="datetimeFigureOut">
               <a:rPr lang="zh-CN" altLang="en-US" smtClean="0"/>
             </a:fld>
             <a:endParaRPr lang="zh-CN" altLang="en-US"/>
@@ -2568,13 +3431,18 @@
           </a:prstGeom>
         </p:spPr>
         <p:txBody>
-          <a:bodyPr vert="horz" lIns="91440" tIns="45720" rIns="91440" bIns="45720" rtlCol="0" anchor="ctr"/>
+          <a:bodyPr vert="horz" lIns="91440" tIns="45720" rIns="91440" bIns="45720" rtlCol="0" anchor="ctr">
+            <a:normAutofit/>
+          </a:bodyPr>
           <a:lstStyle>
             <a:lvl1pPr algn="ctr">
+              <a:lnSpc>
+                <a:spcPct val="120000"/>
+              </a:lnSpc>
               <a:defRPr sz="1200">
                 <a:solidFill>
-                  <a:schemeClr val="tx1">
-                    <a:tint val="75000"/>
+                  <a:schemeClr val="bg1">
+                    <a:lumMod val="50000"/>
                   </a:schemeClr>
                 </a:solidFill>
               </a:defRPr>
@@ -2605,22 +3473,71 @@
           </a:prstGeom>
         </p:spPr>
         <p:txBody>
-          <a:bodyPr vert="horz" lIns="91440" tIns="45720" rIns="91440" bIns="45720" rtlCol="0" anchor="ctr"/>
+          <a:bodyPr vert="horz" lIns="91440" tIns="45720" rIns="91440" bIns="45720" rtlCol="0" anchor="ctr">
+            <a:normAutofit/>
+          </a:bodyPr>
           <a:lstStyle>
             <a:lvl1pPr algn="r">
+              <a:lnSpc>
+                <a:spcPct val="120000"/>
+              </a:lnSpc>
               <a:defRPr sz="1200">
                 <a:solidFill>
-                  <a:schemeClr val="tx1">
-                    <a:tint val="75000"/>
+                  <a:schemeClr val="bg1">
+                    <a:lumMod val="50000"/>
                   </a:schemeClr>
                 </a:solidFill>
               </a:defRPr>
             </a:lvl1pPr>
           </a:lstStyle>
           <a:p>
-            <a:fld id="{565CE74E-AB26-4998-AD42-012C4C1AD076}" type="slidenum">
+            <a:fld id="{49AE70B2-8BF9-45C0-BB95-33D1B9D3A854}" type="slidenum">
               <a:rPr lang="zh-CN" altLang="en-US" smtClean="0"/>
             </a:fld>
+            <a:endParaRPr lang="zh-CN" altLang="en-US"/>
+          </a:p>
+        </p:txBody>
+      </p:sp>
+      <p:sp>
+        <p:nvSpPr>
+          <p:cNvPr id="7" name="KSO_TEMPLATE" hidden="1"/>
+          <p:cNvSpPr/>
+          <p:nvPr>
+            <p:custDataLst>
+              <p:tags r:id="rId15"/>
+            </p:custDataLst>
+          </p:nvPr>
+        </p:nvSpPr>
+        <p:spPr>
+          <a:xfrm>
+            <a:off x="0" y="0"/>
+            <a:ext cx="0" cy="0"/>
+          </a:xfrm>
+          <a:prstGeom prst="rect">
+            <a:avLst/>
+          </a:prstGeom>
+        </p:spPr>
+        <p:style>
+          <a:lnRef idx="2">
+            <a:schemeClr val="accent1">
+              <a:shade val="50000"/>
+            </a:schemeClr>
+          </a:lnRef>
+          <a:fillRef idx="1">
+            <a:schemeClr val="accent1"/>
+          </a:fillRef>
+          <a:effectRef idx="0">
+            <a:schemeClr val="accent1"/>
+          </a:effectRef>
+          <a:fontRef idx="minor">
+            <a:schemeClr val="lt1"/>
+          </a:fontRef>
+        </p:style>
+        <p:txBody>
+          <a:bodyPr rtlCol="0" anchor="ctr"/>
+          <a:lstStyle/>
+          <a:p>
+            <a:pPr algn="ctr"/>
             <a:endParaRPr lang="zh-CN" altLang="en-US"/>
           </a:p>
         </p:txBody>
@@ -2640,18 +3557,19 @@
     <p:sldLayoutId id="2147483657" r:id="rId9"/>
     <p:sldLayoutId id="2147483658" r:id="rId10"/>
     <p:sldLayoutId id="2147483659" r:id="rId11"/>
+    <p:sldLayoutId id="2147483660" r:id="rId12"/>
   </p:sldLayoutIdLst>
   <p:txStyles>
     <p:titleStyle>
       <a:lvl1pPr algn="l" defTabSz="914400" rtl="0" eaLnBrk="1" latinLnBrk="0" hangingPunct="1">
         <a:lnSpc>
-          <a:spcPct val="90000"/>
+          <a:spcPct val="120000"/>
         </a:lnSpc>
         <a:spcBef>
           <a:spcPct val="0"/>
         </a:spcBef>
         <a:buNone/>
-        <a:defRPr sz="4400" kern="1200">
+        <a:defRPr sz="4000" kern="1200">
           <a:solidFill>
             <a:schemeClr val="tx1"/>
           </a:solidFill>
@@ -2664,28 +3582,10 @@
     <p:bodyStyle>
       <a:lvl1pPr marL="228600" indent="-228600" algn="l" defTabSz="914400" rtl="0" eaLnBrk="1" latinLnBrk="0" hangingPunct="1">
         <a:lnSpc>
-          <a:spcPct val="90000"/>
+          <a:spcPct val="120000"/>
         </a:lnSpc>
         <a:spcBef>
           <a:spcPts val="1000"/>
-        </a:spcBef>
-        <a:buFont typeface="Arial" panose="020B0604020202020204" pitchFamily="34" charset="0"/>
-        <a:buChar char="•"/>
-        <a:defRPr sz="2800" kern="1200">
-          <a:solidFill>
-            <a:schemeClr val="tx1"/>
-          </a:solidFill>
-          <a:latin typeface="+mn-lt"/>
-          <a:ea typeface="+mn-ea"/>
-          <a:cs typeface="+mn-cs"/>
-        </a:defRPr>
-      </a:lvl1pPr>
-      <a:lvl2pPr marL="685800" indent="-228600" algn="l" defTabSz="914400" rtl="0" eaLnBrk="1" latinLnBrk="0" hangingPunct="1">
-        <a:lnSpc>
-          <a:spcPct val="90000"/>
-        </a:lnSpc>
-        <a:spcBef>
-          <a:spcPts val="500"/>
         </a:spcBef>
         <a:buFont typeface="Arial" panose="020B0604020202020204" pitchFamily="34" charset="0"/>
         <a:buChar char="•"/>
@@ -2697,10 +3597,10 @@
           <a:ea typeface="+mn-ea"/>
           <a:cs typeface="+mn-cs"/>
         </a:defRPr>
-      </a:lvl2pPr>
-      <a:lvl3pPr marL="1143000" indent="-228600" algn="l" defTabSz="914400" rtl="0" eaLnBrk="1" latinLnBrk="0" hangingPunct="1">
+      </a:lvl1pPr>
+      <a:lvl2pPr marL="685800" indent="-228600" algn="l" defTabSz="914400" rtl="0" eaLnBrk="1" latinLnBrk="0" hangingPunct="1">
         <a:lnSpc>
-          <a:spcPct val="90000"/>
+          <a:spcPct val="120000"/>
         </a:lnSpc>
         <a:spcBef>
           <a:spcPts val="500"/>
@@ -2715,10 +3615,28 @@
           <a:ea typeface="+mn-ea"/>
           <a:cs typeface="+mn-cs"/>
         </a:defRPr>
+      </a:lvl2pPr>
+      <a:lvl3pPr marL="1143000" indent="-228600" algn="l" defTabSz="914400" rtl="0" eaLnBrk="1" latinLnBrk="0" hangingPunct="1">
+        <a:lnSpc>
+          <a:spcPct val="120000"/>
+        </a:lnSpc>
+        <a:spcBef>
+          <a:spcPts val="500"/>
+        </a:spcBef>
+        <a:buFont typeface="Arial" panose="020B0604020202020204" pitchFamily="34" charset="0"/>
+        <a:buChar char="•"/>
+        <a:defRPr sz="1800" kern="1200">
+          <a:solidFill>
+            <a:schemeClr val="tx1"/>
+          </a:solidFill>
+          <a:latin typeface="+mn-lt"/>
+          <a:ea typeface="+mn-ea"/>
+          <a:cs typeface="+mn-cs"/>
+        </a:defRPr>
       </a:lvl3pPr>
       <a:lvl4pPr marL="1600200" indent="-228600" algn="l" defTabSz="914400" rtl="0" eaLnBrk="1" latinLnBrk="0" hangingPunct="1">
         <a:lnSpc>
-          <a:spcPct val="90000"/>
+          <a:spcPct val="120000"/>
         </a:lnSpc>
         <a:spcBef>
           <a:spcPts val="500"/>
@@ -2736,7 +3654,7 @@
       </a:lvl4pPr>
       <a:lvl5pPr marL="2057400" indent="-228600" algn="l" defTabSz="914400" rtl="0" eaLnBrk="1" latinLnBrk="0" hangingPunct="1">
         <a:lnSpc>
-          <a:spcPct val="90000"/>
+          <a:spcPct val="120000"/>
         </a:lnSpc>
         <a:spcBef>
           <a:spcPts val="500"/>
@@ -2953,7 +3871,7 @@
         </p:nvSpPr>
         <p:spPr>
           <a:xfrm>
-            <a:off x="838200" y="3797300"/>
+            <a:off x="979805" y="717550"/>
             <a:ext cx="10515600" cy="1663700"/>
           </a:xfrm>
           <a:prstGeom prst="rect">
@@ -2985,12 +3903,8 @@
           </a:lstStyle>
           <a:p>
             <a:r>
-              <a:rPr lang="en-US" altLang="zh-CN" dirty="0" smtClean="0"/>
-              <a:t>2017</a:t>
-            </a:r>
-            <a:r>
               <a:rPr lang="zh-CN" altLang="en-US" dirty="0" smtClean="0"/>
-              <a:t>级开题报告答辩</a:t>
+              <a:t>开题报告答辩</a:t>
             </a:r>
             <a:endParaRPr lang="zh-CN" altLang="en-US" dirty="0" smtClean="0"/>
           </a:p>
@@ -3017,7 +3931,7 @@
         </p:spPr>
         <p:txBody>
           <a:bodyPr>
-            <a:normAutofit fontScale="70000"/>
+            <a:normAutofit fontScale="60000"/>
           </a:bodyPr>
           <a:lstStyle>
             <a:lvl1pPr marL="0" indent="0" algn="ctr" defTabSz="914400" rtl="0" eaLnBrk="1" latinLnBrk="0" hangingPunct="1">
@@ -3217,43 +4131,147 @@
           </a:p>
         </p:txBody>
       </p:sp>
-      <p:pic>
-        <p:nvPicPr>
-          <p:cNvPr id="9" name="图片 8"/>
-          <p:cNvPicPr>
-            <a:picLocks noChangeAspect="1"/>
-          </p:cNvPicPr>
+      <p:sp>
+        <p:nvSpPr>
+          <p:cNvPr id="5" name="文本占位符 14"/>
+          <p:cNvSpPr txBox="1"/>
           <p:nvPr>
             <p:custDataLst>
               <p:tags r:id="rId3"/>
             </p:custDataLst>
           </p:nvPr>
-        </p:nvPicPr>
-        <p:blipFill>
-          <a:blip r:embed="rId4">
-            <a:extLst>
-              <a:ext uri="{28A0092B-C50C-407E-A947-70E740481C1C}">
-                <a14:useLocalDpi xmlns:a14="http://schemas.microsoft.com/office/drawing/2010/main" val="0"/>
-              </a:ext>
-            </a:extLst>
-          </a:blip>
-          <a:stretch>
-            <a:fillRect/>
-          </a:stretch>
-        </p:blipFill>
+        </p:nvSpPr>
         <p:spPr>
           <a:xfrm>
-            <a:off x="1098381" y="322279"/>
-            <a:ext cx="9978135" cy="3475021"/>
+            <a:off x="1442085" y="3040952"/>
+            <a:ext cx="9905157" cy="1602168"/>
           </a:xfrm>
           <a:prstGeom prst="rect">
             <a:avLst/>
           </a:prstGeom>
+          <a:ln>
+            <a:solidFill>
+              <a:schemeClr val="bg1">
+                <a:lumMod val="85000"/>
+              </a:schemeClr>
+            </a:solidFill>
+            <a:prstDash val="sysDash"/>
+          </a:ln>
         </p:spPr>
-      </p:pic>
+        <p:txBody>
+          <a:bodyPr vert="horz" lIns="91440" tIns="45720" rIns="91440" bIns="45720" rtlCol="0" anchor="ctr" anchorCtr="0">
+            <a:normAutofit/>
+          </a:bodyPr>
+          <a:lstStyle>
+            <a:defPPr>
+              <a:defRPr lang="zh-CN"/>
+            </a:defPPr>
+            <a:lvl1pPr indent="0" algn="ctr">
+              <a:lnSpc>
+                <a:spcPct val="90000"/>
+              </a:lnSpc>
+              <a:spcBef>
+                <a:spcPts val="1000"/>
+              </a:spcBef>
+              <a:buFont typeface="Arial" panose="020B0604020202020204" pitchFamily="34" charset="0"/>
+              <a:buNone/>
+              <a:defRPr sz="2800"/>
+            </a:lvl1pPr>
+            <a:lvl2pPr marL="685800" indent="-228600">
+              <a:lnSpc>
+                <a:spcPct val="90000"/>
+              </a:lnSpc>
+              <a:spcBef>
+                <a:spcPts val="500"/>
+              </a:spcBef>
+              <a:buFont typeface="Arial" panose="020B0604020202020204" pitchFamily="34" charset="0"/>
+              <a:buChar char="•"/>
+              <a:defRPr sz="2400"/>
+            </a:lvl2pPr>
+            <a:lvl3pPr marL="1143000" indent="-228600">
+              <a:lnSpc>
+                <a:spcPct val="90000"/>
+              </a:lnSpc>
+              <a:spcBef>
+                <a:spcPts val="500"/>
+              </a:spcBef>
+              <a:buFont typeface="Arial" panose="020B0604020202020204" pitchFamily="34" charset="0"/>
+              <a:buChar char="•"/>
+              <a:defRPr sz="2000"/>
+            </a:lvl3pPr>
+            <a:lvl4pPr marL="1600200" indent="-228600">
+              <a:lnSpc>
+                <a:spcPct val="90000"/>
+              </a:lnSpc>
+              <a:spcBef>
+                <a:spcPts val="500"/>
+              </a:spcBef>
+              <a:buFont typeface="Arial" panose="020B0604020202020204" pitchFamily="34" charset="0"/>
+              <a:buChar char="•"/>
+            </a:lvl4pPr>
+            <a:lvl5pPr marL="2057400" indent="-228600">
+              <a:lnSpc>
+                <a:spcPct val="90000"/>
+              </a:lnSpc>
+              <a:spcBef>
+                <a:spcPts val="500"/>
+              </a:spcBef>
+              <a:buFont typeface="Arial" panose="020B0604020202020204" pitchFamily="34" charset="0"/>
+              <a:buChar char="•"/>
+            </a:lvl5pPr>
+            <a:lvl6pPr marL="2514600" indent="-228600">
+              <a:lnSpc>
+                <a:spcPct val="90000"/>
+              </a:lnSpc>
+              <a:spcBef>
+                <a:spcPts val="500"/>
+              </a:spcBef>
+              <a:buFont typeface="Arial" panose="020B0604020202020204" pitchFamily="34" charset="0"/>
+              <a:buChar char="•"/>
+            </a:lvl6pPr>
+            <a:lvl7pPr marL="2971800" indent="-228600">
+              <a:lnSpc>
+                <a:spcPct val="90000"/>
+              </a:lnSpc>
+              <a:spcBef>
+                <a:spcPts val="500"/>
+              </a:spcBef>
+              <a:buFont typeface="Arial" panose="020B0604020202020204" pitchFamily="34" charset="0"/>
+              <a:buChar char="•"/>
+            </a:lvl7pPr>
+            <a:lvl8pPr marL="3429000" indent="-228600">
+              <a:lnSpc>
+                <a:spcPct val="90000"/>
+              </a:lnSpc>
+              <a:spcBef>
+                <a:spcPts val="500"/>
+              </a:spcBef>
+              <a:buFont typeface="Arial" panose="020B0604020202020204" pitchFamily="34" charset="0"/>
+              <a:buChar char="•"/>
+            </a:lvl8pPr>
+            <a:lvl9pPr marL="3886200" indent="-228600">
+              <a:lnSpc>
+                <a:spcPct val="90000"/>
+              </a:lnSpc>
+              <a:spcBef>
+                <a:spcPts val="500"/>
+              </a:spcBef>
+              <a:buFont typeface="Arial" panose="020B0604020202020204" pitchFamily="34" charset="0"/>
+              <a:buChar char="•"/>
+            </a:lvl9pPr>
+          </a:lstStyle>
+          <a:p>
+            <a:r>
+              <a:rPr lang="zh-CN" altLang="en-US" dirty="0" smtClean="0"/>
+              <a:t>基于生成对抗网络的电力设备图像扩充模型及算法研究</a:t>
+            </a:r>
+            <a:endParaRPr lang="zh-CN" altLang="en-US" dirty="0" smtClean="0"/>
+          </a:p>
+        </p:txBody>
+      </p:sp>
     </p:spTree>
     <p:custDataLst>
-      <p:tags r:id="rId5"/>
+      <p:tags r:id="rId4"/>
     </p:custDataLst>
   </p:cSld>
   <p:clrMapOvr>
@@ -3281,7 +4299,7 @@
       </p:grpSpPr>
       <p:sp>
         <p:nvSpPr>
-          <p:cNvPr id="14" name="标题 1"/>
+          <p:cNvPr id="2" name="文本框 1"/>
           <p:cNvSpPr txBox="1"/>
           <p:nvPr>
             <p:custDataLst>
@@ -3291,49 +4309,101 @@
         </p:nvSpPr>
         <p:spPr>
           <a:xfrm>
-            <a:off x="838200" y="352425"/>
-            <a:ext cx="10515600" cy="1325563"/>
+            <a:off x="922743" y="1608820"/>
+            <a:ext cx="9079400" cy="4604850"/>
           </a:xfrm>
           <a:prstGeom prst="rect">
             <a:avLst/>
           </a:prstGeom>
         </p:spPr>
         <p:txBody>
-          <a:bodyPr>
+          <a:bodyPr wrap="square" anchor="ctr">
             <a:normAutofit/>
           </a:bodyPr>
           <a:lstStyle>
-            <a:lvl1pPr algn="l" defTabSz="914400" rtl="0" eaLnBrk="1" latinLnBrk="0" hangingPunct="1">
-              <a:lnSpc>
-                <a:spcPct val="90000"/>
-              </a:lnSpc>
-              <a:spcBef>
-                <a:spcPct val="0"/>
-              </a:spcBef>
-              <a:buNone/>
-              <a:defRPr sz="4400" kern="1200">
-                <a:solidFill>
-                  <a:schemeClr val="tx1"/>
-                </a:solidFill>
-                <a:latin typeface="+mj-lt"/>
-                <a:ea typeface="+mj-ea"/>
-                <a:cs typeface="+mj-cs"/>
+            <a:defPPr>
+              <a:defRPr lang="zh-CN"/>
+            </a:defPPr>
+            <a:lvl1pPr>
+              <a:lnSpc>
+                <a:spcPct val="130000"/>
+              </a:lnSpc>
+              <a:defRPr>
+                <a:solidFill>
+                  <a:schemeClr val="tx1">
+                    <a:lumMod val="50000"/>
+                    <a:lumOff val="50000"/>
+                  </a:schemeClr>
+                </a:solidFill>
               </a:defRPr>
             </a:lvl1pPr>
           </a:lstStyle>
           <a:p>
+            <a:pPr marL="228600" indent="-228600" fontAlgn="auto">
+              <a:lnSpc>
+                <a:spcPct val="150000"/>
+              </a:lnSpc>
+              <a:buSzTx/>
+              <a:buFont typeface="Arial" panose="020B0604020202020204" pitchFamily="34" charset="0"/>
+              <a:buChar char="•"/>
+            </a:pPr>
             <a:r>
-              <a:rPr lang="zh-CN" altLang="en-US" dirty="0" smtClean="0"/>
-              <a:t>研究意义</a:t>
+              <a:rPr lang="zh-CN" altLang="en-US" sz="1600" dirty="0"/>
+              <a:t>弥补目前电力设备图像数据集不足的问题</a:t>
             </a:r>
-            <a:endParaRPr lang="zh-CN" altLang="en-US" dirty="0" smtClean="0"/>
+            <a:endParaRPr lang="zh-CN" altLang="en-US" sz="1600" dirty="0"/>
+          </a:p>
+          <a:p>
+            <a:pPr marL="228600" indent="-228600" fontAlgn="auto">
+              <a:lnSpc>
+                <a:spcPct val="150000"/>
+              </a:lnSpc>
+              <a:buSzTx/>
+              <a:buFont typeface="Arial" panose="020B0604020202020204" pitchFamily="34" charset="0"/>
+              <a:buChar char="•"/>
+            </a:pPr>
+            <a:r>
+              <a:rPr lang="zh-CN" altLang="en-US" sz="1600" dirty="0"/>
+              <a:t>最终数据集能够提高电力设备缺陷检测模型的准确率</a:t>
+            </a:r>
+            <a:endParaRPr lang="zh-CN" altLang="en-US" sz="1600" dirty="0"/>
+          </a:p>
+          <a:p>
+            <a:pPr marL="228600" indent="-228600" fontAlgn="auto">
+              <a:lnSpc>
+                <a:spcPct val="150000"/>
+              </a:lnSpc>
+              <a:buSzTx/>
+              <a:buFont typeface="Arial" panose="020B0604020202020204" pitchFamily="34" charset="0"/>
+              <a:buChar char="•"/>
+            </a:pPr>
+            <a:r>
+              <a:rPr lang="zh-CN" altLang="en-US" sz="1600" dirty="0"/>
+              <a:t>使得电力设备缺陷智能检测能够高效快速的进行，从而推进智能电网大数据平台的建设</a:t>
+            </a:r>
+            <a:endParaRPr lang="zh-CN" altLang="en-US" sz="1600" dirty="0"/>
+          </a:p>
+          <a:p>
+            <a:pPr marL="228600" indent="-228600" fontAlgn="auto">
+              <a:lnSpc>
+                <a:spcPct val="150000"/>
+              </a:lnSpc>
+              <a:buSzTx/>
+              <a:buFont typeface="Arial" panose="020B0604020202020204" pitchFamily="34" charset="0"/>
+              <a:buChar char="•"/>
+            </a:pPr>
+            <a:r>
+              <a:rPr lang="zh-CN" altLang="en-US" sz="1600" dirty="0"/>
+              <a:t>对于我国智能电网的建设及电力设备状态检测具有重大意义</a:t>
+            </a:r>
+            <a:endParaRPr lang="zh-CN" altLang="en-US" sz="1600" dirty="0"/>
           </a:p>
         </p:txBody>
       </p:sp>
       <p:sp>
         <p:nvSpPr>
-          <p:cNvPr id="15" name="内容占位符 7"/>
-          <p:cNvSpPr txBox="1"/>
+          <p:cNvPr id="23" name="矩形 22"/>
+          <p:cNvSpPr/>
           <p:nvPr>
             <p:custDataLst>
               <p:tags r:id="rId2"/>
@@ -3342,238 +4412,96 @@
         </p:nvSpPr>
         <p:spPr>
           <a:xfrm>
-            <a:off x="838200" y="1575435"/>
-            <a:ext cx="10515600" cy="4309110"/>
+            <a:off x="461078" y="-2073"/>
+            <a:ext cx="461665" cy="1142396"/>
           </a:xfrm>
           <a:prstGeom prst="rect">
             <a:avLst/>
           </a:prstGeom>
+          <a:ln>
+            <a:noFill/>
+          </a:ln>
+        </p:spPr>
+        <p:style>
+          <a:lnRef idx="2">
+            <a:schemeClr val="accent1">
+              <a:shade val="50000"/>
+            </a:schemeClr>
+          </a:lnRef>
+          <a:fillRef idx="1">
+            <a:schemeClr val="accent1"/>
+          </a:fillRef>
+          <a:effectRef idx="0">
+            <a:schemeClr val="accent1"/>
+          </a:effectRef>
+          <a:fontRef idx="minor">
+            <a:schemeClr val="lt1"/>
+          </a:fontRef>
+        </p:style>
+        <p:txBody>
+          <a:bodyPr rtlCol="0" anchor="ctr"/>
+          <a:p>
+            <a:pPr algn="ctr"/>
+            <a:endParaRPr lang="zh-CN" altLang="en-US"/>
+          </a:p>
+        </p:txBody>
+      </p:sp>
+      <p:sp>
+        <p:nvSpPr>
+          <p:cNvPr id="24" name="文本框 23"/>
+          <p:cNvSpPr txBox="1"/>
+          <p:nvPr>
+            <p:custDataLst>
+              <p:tags r:id="rId3"/>
+            </p:custDataLst>
+          </p:nvPr>
+        </p:nvSpPr>
+        <p:spPr>
+          <a:xfrm>
+            <a:off x="922743" y="338904"/>
+            <a:ext cx="3676263" cy="597215"/>
+          </a:xfrm>
+          <a:prstGeom prst="rect">
+            <a:avLst/>
+          </a:prstGeom>
+          <a:noFill/>
         </p:spPr>
         <p:txBody>
-          <a:bodyPr>
-            <a:normAutofit/>
+          <a:bodyPr wrap="square" rtlCol="0">
+            <a:normAutofit lnSpcReduction="20000"/>
           </a:bodyPr>
-          <a:lstStyle>
-            <a:lvl1pPr marL="228600" indent="-228600" algn="l" defTabSz="914400" rtl="0" eaLnBrk="1" latinLnBrk="0" hangingPunct="1">
-              <a:lnSpc>
-                <a:spcPct val="90000"/>
-              </a:lnSpc>
-              <a:spcBef>
-                <a:spcPts val="1000"/>
-              </a:spcBef>
-              <a:buFont typeface="Arial" panose="020B0604020202020204" pitchFamily="34" charset="0"/>
-              <a:buChar char="•"/>
-              <a:defRPr sz="2800" kern="1200">
-                <a:solidFill>
-                  <a:schemeClr val="tx1"/>
-                </a:solidFill>
-                <a:latin typeface="+mn-lt"/>
-                <a:ea typeface="+mn-ea"/>
-                <a:cs typeface="+mn-cs"/>
-              </a:defRPr>
-            </a:lvl1pPr>
-            <a:lvl2pPr marL="685800" indent="-228600" algn="l" defTabSz="914400" rtl="0" eaLnBrk="1" latinLnBrk="0" hangingPunct="1">
-              <a:lnSpc>
-                <a:spcPct val="90000"/>
-              </a:lnSpc>
-              <a:spcBef>
-                <a:spcPts val="500"/>
-              </a:spcBef>
-              <a:buFont typeface="Arial" panose="020B0604020202020204" pitchFamily="34" charset="0"/>
-              <a:buChar char="•"/>
-              <a:defRPr sz="2400" kern="1200">
-                <a:solidFill>
-                  <a:schemeClr val="tx1"/>
-                </a:solidFill>
-                <a:latin typeface="+mn-lt"/>
-                <a:ea typeface="+mn-ea"/>
-                <a:cs typeface="+mn-cs"/>
-              </a:defRPr>
-            </a:lvl2pPr>
-            <a:lvl3pPr marL="1143000" indent="-228600" algn="l" defTabSz="914400" rtl="0" eaLnBrk="1" latinLnBrk="0" hangingPunct="1">
-              <a:lnSpc>
-                <a:spcPct val="90000"/>
-              </a:lnSpc>
-              <a:spcBef>
-                <a:spcPts val="500"/>
-              </a:spcBef>
-              <a:buFont typeface="Arial" panose="020B0604020202020204" pitchFamily="34" charset="0"/>
-              <a:buChar char="•"/>
-              <a:defRPr sz="2000" kern="1200">
-                <a:solidFill>
-                  <a:schemeClr val="tx1"/>
-                </a:solidFill>
-                <a:latin typeface="+mn-lt"/>
-                <a:ea typeface="+mn-ea"/>
-                <a:cs typeface="+mn-cs"/>
-              </a:defRPr>
-            </a:lvl3pPr>
-            <a:lvl4pPr marL="1600200" indent="-228600" algn="l" defTabSz="914400" rtl="0" eaLnBrk="1" latinLnBrk="0" hangingPunct="1">
-              <a:lnSpc>
-                <a:spcPct val="90000"/>
-              </a:lnSpc>
-              <a:spcBef>
-                <a:spcPts val="500"/>
-              </a:spcBef>
-              <a:buFont typeface="Arial" panose="020B0604020202020204" pitchFamily="34" charset="0"/>
-              <a:buChar char="•"/>
-              <a:defRPr sz="1800" kern="1200">
-                <a:solidFill>
-                  <a:schemeClr val="tx1"/>
-                </a:solidFill>
-                <a:latin typeface="+mn-lt"/>
-                <a:ea typeface="+mn-ea"/>
-                <a:cs typeface="+mn-cs"/>
-              </a:defRPr>
-            </a:lvl4pPr>
-            <a:lvl5pPr marL="2057400" indent="-228600" algn="l" defTabSz="914400" rtl="0" eaLnBrk="1" latinLnBrk="0" hangingPunct="1">
-              <a:lnSpc>
-                <a:spcPct val="90000"/>
-              </a:lnSpc>
-              <a:spcBef>
-                <a:spcPts val="500"/>
-              </a:spcBef>
-              <a:buFont typeface="Arial" panose="020B0604020202020204" pitchFamily="34" charset="0"/>
-              <a:buChar char="•"/>
-              <a:defRPr sz="1800" kern="1200">
-                <a:solidFill>
-                  <a:schemeClr val="tx1"/>
-                </a:solidFill>
-                <a:latin typeface="+mn-lt"/>
-                <a:ea typeface="+mn-ea"/>
-                <a:cs typeface="+mn-cs"/>
-              </a:defRPr>
-            </a:lvl5pPr>
-            <a:lvl6pPr marL="2514600" indent="-228600" algn="l" defTabSz="914400" rtl="0" eaLnBrk="1" latinLnBrk="0" hangingPunct="1">
-              <a:lnSpc>
-                <a:spcPct val="90000"/>
-              </a:lnSpc>
-              <a:spcBef>
-                <a:spcPts val="500"/>
-              </a:spcBef>
-              <a:buFont typeface="Arial" panose="020B0604020202020204" pitchFamily="34" charset="0"/>
-              <a:buChar char="•"/>
-              <a:defRPr sz="1800" kern="1200">
-                <a:solidFill>
-                  <a:schemeClr val="tx1"/>
-                </a:solidFill>
-                <a:latin typeface="+mn-lt"/>
-                <a:ea typeface="+mn-ea"/>
-                <a:cs typeface="+mn-cs"/>
-              </a:defRPr>
-            </a:lvl6pPr>
-            <a:lvl7pPr marL="2971800" indent="-228600" algn="l" defTabSz="914400" rtl="0" eaLnBrk="1" latinLnBrk="0" hangingPunct="1">
-              <a:lnSpc>
-                <a:spcPct val="90000"/>
-              </a:lnSpc>
-              <a:spcBef>
-                <a:spcPts val="500"/>
-              </a:spcBef>
-              <a:buFont typeface="Arial" panose="020B0604020202020204" pitchFamily="34" charset="0"/>
-              <a:buChar char="•"/>
-              <a:defRPr sz="1800" kern="1200">
-                <a:solidFill>
-                  <a:schemeClr val="tx1"/>
-                </a:solidFill>
-                <a:latin typeface="+mn-lt"/>
-                <a:ea typeface="+mn-ea"/>
-                <a:cs typeface="+mn-cs"/>
-              </a:defRPr>
-            </a:lvl7pPr>
-            <a:lvl8pPr marL="3429000" indent="-228600" algn="l" defTabSz="914400" rtl="0" eaLnBrk="1" latinLnBrk="0" hangingPunct="1">
-              <a:lnSpc>
-                <a:spcPct val="90000"/>
-              </a:lnSpc>
-              <a:spcBef>
-                <a:spcPts val="500"/>
-              </a:spcBef>
-              <a:buFont typeface="Arial" panose="020B0604020202020204" pitchFamily="34" charset="0"/>
-              <a:buChar char="•"/>
-              <a:defRPr sz="1800" kern="1200">
-                <a:solidFill>
-                  <a:schemeClr val="tx1"/>
-                </a:solidFill>
-                <a:latin typeface="+mn-lt"/>
-                <a:ea typeface="+mn-ea"/>
-                <a:cs typeface="+mn-cs"/>
-              </a:defRPr>
-            </a:lvl8pPr>
-            <a:lvl9pPr marL="3886200" indent="-228600" algn="l" defTabSz="914400" rtl="0" eaLnBrk="1" latinLnBrk="0" hangingPunct="1">
-              <a:lnSpc>
-                <a:spcPct val="90000"/>
-              </a:lnSpc>
-              <a:spcBef>
-                <a:spcPts val="500"/>
-              </a:spcBef>
-              <a:buFont typeface="Arial" panose="020B0604020202020204" pitchFamily="34" charset="0"/>
-              <a:buChar char="•"/>
-              <a:defRPr sz="1800" kern="1200">
-                <a:solidFill>
-                  <a:schemeClr val="tx1"/>
-                </a:solidFill>
-                <a:latin typeface="+mn-lt"/>
-                <a:ea typeface="+mn-ea"/>
-                <a:cs typeface="+mn-cs"/>
-              </a:defRPr>
-            </a:lvl9pPr>
-          </a:lstStyle>
-          <a:p>
-            <a:pPr fontAlgn="auto">
-              <a:lnSpc>
-                <a:spcPct val="150000"/>
+          <a:lstStyle/>
+          <a:p>
+            <a:pPr>
+              <a:lnSpc>
+                <a:spcPct val="130000"/>
               </a:lnSpc>
             </a:pPr>
             <a:r>
-              <a:rPr lang="zh-CN" altLang="en-US" dirty="0" smtClean="0"/>
-              <a:t>弥补目前电力设备图像数据集不足的问题</a:t>
+              <a:rPr lang="zh-CN" altLang="en-US" sz="2800" dirty="0">
+                <a:solidFill>
+                  <a:schemeClr val="tx2"/>
+                </a:solidFill>
+                <a:latin typeface="+mj-lt"/>
+                <a:ea typeface="+mj-ea"/>
+                <a:cs typeface="+mj-cs"/>
+              </a:rPr>
+              <a:t>研究意义</a:t>
             </a:r>
-            <a:endParaRPr lang="zh-CN" altLang="en-US" dirty="0" smtClean="0"/>
-          </a:p>
-          <a:p>
-            <a:pPr fontAlgn="auto">
-              <a:lnSpc>
-                <a:spcPct val="150000"/>
-              </a:lnSpc>
-            </a:pPr>
-            <a:r>
-              <a:rPr lang="zh-CN" altLang="en-US" dirty="0" smtClean="0"/>
-              <a:t>最终数据集能够提高电力设备缺陷检测模型的准确率</a:t>
-            </a:r>
-            <a:endParaRPr lang="zh-CN" altLang="en-US" dirty="0" smtClean="0"/>
-          </a:p>
-          <a:p>
-            <a:pPr fontAlgn="auto">
-              <a:lnSpc>
-                <a:spcPct val="150000"/>
-              </a:lnSpc>
-            </a:pPr>
-            <a:r>
-              <a:rPr lang="zh-CN" altLang="en-US" dirty="0" smtClean="0"/>
-              <a:t>使得电力设备缺陷智能检测能够高效快速的进行，从而</a:t>
-            </a:r>
-            <a:r>
-              <a:rPr lang="zh-CN" altLang="en-US" dirty="0" smtClean="0"/>
-              <a:t>推进智能电网大数据平台的建设</a:t>
-            </a:r>
-            <a:endParaRPr lang="zh-CN" altLang="en-US" dirty="0" smtClean="0"/>
-          </a:p>
-          <a:p>
-            <a:pPr fontAlgn="auto">
-              <a:lnSpc>
-                <a:spcPct val="150000"/>
-              </a:lnSpc>
-            </a:pPr>
-            <a:r>
-              <a:rPr lang="zh-CN" altLang="en-US" dirty="0" smtClean="0"/>
-              <a:t>对于我国智能电网的建设及电力设备状态检测具有重大意义</a:t>
-            </a:r>
-            <a:endParaRPr lang="zh-CN" altLang="en-US" dirty="0" smtClean="0"/>
+            <a:endParaRPr lang="zh-CN" altLang="en-US" sz="2800" dirty="0">
+              <a:solidFill>
+                <a:schemeClr val="tx2"/>
+              </a:solidFill>
+              <a:latin typeface="+mj-lt"/>
+              <a:ea typeface="+mj-ea"/>
+              <a:cs typeface="+mj-cs"/>
+            </a:endParaRPr>
           </a:p>
         </p:txBody>
       </p:sp>
     </p:spTree>
     <p:custDataLst>
-      <p:tags r:id="rId3"/>
+      <p:tags r:id="rId4"/>
     </p:custDataLst>
   </p:cSld>
   <p:clrMapOvr>
@@ -3608,7 +4536,7 @@
       </p:grpSpPr>
       <p:sp>
         <p:nvSpPr>
-          <p:cNvPr id="14" name="标题 1"/>
+          <p:cNvPr id="2" name="文本框 1"/>
           <p:cNvSpPr txBox="1"/>
           <p:nvPr>
             <p:custDataLst>
@@ -3618,49 +4546,86 @@
         </p:nvSpPr>
         <p:spPr>
           <a:xfrm>
-            <a:off x="838200" y="352425"/>
-            <a:ext cx="10515600" cy="1325563"/>
+            <a:off x="922743" y="1608820"/>
+            <a:ext cx="9079400" cy="4604850"/>
           </a:xfrm>
           <a:prstGeom prst="rect">
             <a:avLst/>
           </a:prstGeom>
         </p:spPr>
         <p:txBody>
-          <a:bodyPr>
+          <a:bodyPr wrap="square" anchor="ctr">
             <a:normAutofit/>
           </a:bodyPr>
           <a:lstStyle>
-            <a:lvl1pPr algn="l" defTabSz="914400" rtl="0" eaLnBrk="1" latinLnBrk="0" hangingPunct="1">
-              <a:lnSpc>
-                <a:spcPct val="90000"/>
-              </a:lnSpc>
-              <a:spcBef>
-                <a:spcPct val="0"/>
-              </a:spcBef>
-              <a:buNone/>
-              <a:defRPr sz="4400" kern="1200">
-                <a:solidFill>
-                  <a:schemeClr val="tx1"/>
-                </a:solidFill>
-                <a:latin typeface="+mj-lt"/>
-                <a:ea typeface="+mj-ea"/>
-                <a:cs typeface="+mj-cs"/>
+            <a:defPPr>
+              <a:defRPr lang="zh-CN"/>
+            </a:defPPr>
+            <a:lvl1pPr>
+              <a:lnSpc>
+                <a:spcPct val="130000"/>
+              </a:lnSpc>
+              <a:defRPr>
+                <a:solidFill>
+                  <a:schemeClr val="tx1">
+                    <a:lumMod val="50000"/>
+                    <a:lumOff val="50000"/>
+                  </a:schemeClr>
+                </a:solidFill>
               </a:defRPr>
             </a:lvl1pPr>
           </a:lstStyle>
           <a:p>
+            <a:pPr marL="228600" indent="-228600" fontAlgn="auto">
+              <a:lnSpc>
+                <a:spcPct val="150000"/>
+              </a:lnSpc>
+              <a:buSzTx/>
+              <a:buFont typeface="Arial" panose="020B0604020202020204" pitchFamily="34" charset="0"/>
+              <a:buChar char="•"/>
+            </a:pPr>
             <a:r>
-              <a:rPr lang="zh-CN" altLang="en-US" dirty="0" smtClean="0"/>
-              <a:t>国内外研究现状及发展态势</a:t>
+              <a:rPr lang="zh-CN" altLang="en-US" sz="1600" dirty="0"/>
+              <a:t>电力设备检测研究现状</a:t>
             </a:r>
-            <a:endParaRPr lang="zh-CN" altLang="en-US" dirty="0" smtClean="0"/>
+            <a:endParaRPr lang="zh-CN" altLang="en-US" sz="1600" dirty="0"/>
+          </a:p>
+          <a:p>
+            <a:pPr marL="228600" indent="-228600" fontAlgn="auto">
+              <a:lnSpc>
+                <a:spcPct val="150000"/>
+              </a:lnSpc>
+              <a:buSzTx/>
+              <a:buFont typeface="Arial" panose="020B0604020202020204" pitchFamily="34" charset="0"/>
+              <a:buChar char="•"/>
+            </a:pPr>
+            <a:r>
+              <a:rPr lang="zh-CN" altLang="en-US" sz="1600" dirty="0"/>
+              <a:t>生成对抗网络研究现状</a:t>
+            </a:r>
+            <a:endParaRPr lang="zh-CN" altLang="en-US" sz="1600" dirty="0"/>
+          </a:p>
+          <a:p>
+            <a:pPr marL="228600" indent="-228600" fontAlgn="auto">
+              <a:lnSpc>
+                <a:spcPct val="150000"/>
+              </a:lnSpc>
+              <a:buSzTx/>
+              <a:buFont typeface="Arial" panose="020B0604020202020204" pitchFamily="34" charset="0"/>
+              <a:buChar char="•"/>
+            </a:pPr>
+            <a:r>
+              <a:rPr lang="zh-CN" altLang="en-US" sz="1600" dirty="0"/>
+              <a:t>生成对抗网络应用现状</a:t>
+            </a:r>
+            <a:endParaRPr lang="zh-CN" altLang="en-US" sz="1600" dirty="0"/>
           </a:p>
         </p:txBody>
       </p:sp>
       <p:sp>
         <p:nvSpPr>
-          <p:cNvPr id="15" name="内容占位符 7"/>
-          <p:cNvSpPr txBox="1"/>
+          <p:cNvPr id="23" name="矩形 22"/>
+          <p:cNvSpPr/>
           <p:nvPr>
             <p:custDataLst>
               <p:tags r:id="rId2"/>
@@ -3669,222 +4634,96 @@
         </p:nvSpPr>
         <p:spPr>
           <a:xfrm>
-            <a:off x="838200" y="1575435"/>
-            <a:ext cx="10515600" cy="4309110"/>
+            <a:off x="461078" y="-2073"/>
+            <a:ext cx="461665" cy="1142396"/>
           </a:xfrm>
           <a:prstGeom prst="rect">
             <a:avLst/>
           </a:prstGeom>
+          <a:ln>
+            <a:noFill/>
+          </a:ln>
+        </p:spPr>
+        <p:style>
+          <a:lnRef idx="2">
+            <a:schemeClr val="accent1">
+              <a:shade val="50000"/>
+            </a:schemeClr>
+          </a:lnRef>
+          <a:fillRef idx="1">
+            <a:schemeClr val="accent1"/>
+          </a:fillRef>
+          <a:effectRef idx="0">
+            <a:schemeClr val="accent1"/>
+          </a:effectRef>
+          <a:fontRef idx="minor">
+            <a:schemeClr val="lt1"/>
+          </a:fontRef>
+        </p:style>
+        <p:txBody>
+          <a:bodyPr rtlCol="0" anchor="ctr"/>
+          <a:p>
+            <a:pPr algn="ctr"/>
+            <a:endParaRPr lang="zh-CN" altLang="en-US"/>
+          </a:p>
+        </p:txBody>
+      </p:sp>
+      <p:sp>
+        <p:nvSpPr>
+          <p:cNvPr id="24" name="文本框 23"/>
+          <p:cNvSpPr txBox="1"/>
+          <p:nvPr>
+            <p:custDataLst>
+              <p:tags r:id="rId3"/>
+            </p:custDataLst>
+          </p:nvPr>
+        </p:nvSpPr>
+        <p:spPr>
+          <a:xfrm>
+            <a:off x="922743" y="338904"/>
+            <a:ext cx="3676263" cy="597215"/>
+          </a:xfrm>
+          <a:prstGeom prst="rect">
+            <a:avLst/>
+          </a:prstGeom>
+          <a:noFill/>
         </p:spPr>
         <p:txBody>
-          <a:bodyPr>
-            <a:normAutofit/>
+          <a:bodyPr wrap="square" rtlCol="0">
+            <a:normAutofit fontScale="80000"/>
           </a:bodyPr>
-          <a:lstStyle>
-            <a:lvl1pPr marL="228600" indent="-228600" algn="l" defTabSz="914400" rtl="0" eaLnBrk="1" latinLnBrk="0" hangingPunct="1">
-              <a:lnSpc>
-                <a:spcPct val="90000"/>
-              </a:lnSpc>
-              <a:spcBef>
-                <a:spcPts val="1000"/>
-              </a:spcBef>
-              <a:buFont typeface="Arial" panose="020B0604020202020204" pitchFamily="34" charset="0"/>
-              <a:buChar char="•"/>
-              <a:defRPr sz="2800" kern="1200">
-                <a:solidFill>
-                  <a:schemeClr val="tx1"/>
-                </a:solidFill>
-                <a:latin typeface="+mn-lt"/>
-                <a:ea typeface="+mn-ea"/>
-                <a:cs typeface="+mn-cs"/>
-              </a:defRPr>
-            </a:lvl1pPr>
-            <a:lvl2pPr marL="685800" indent="-228600" algn="l" defTabSz="914400" rtl="0" eaLnBrk="1" latinLnBrk="0" hangingPunct="1">
-              <a:lnSpc>
-                <a:spcPct val="90000"/>
-              </a:lnSpc>
-              <a:spcBef>
-                <a:spcPts val="500"/>
-              </a:spcBef>
-              <a:buFont typeface="Arial" panose="020B0604020202020204" pitchFamily="34" charset="0"/>
-              <a:buChar char="•"/>
-              <a:defRPr sz="2400" kern="1200">
-                <a:solidFill>
-                  <a:schemeClr val="tx1"/>
-                </a:solidFill>
-                <a:latin typeface="+mn-lt"/>
-                <a:ea typeface="+mn-ea"/>
-                <a:cs typeface="+mn-cs"/>
-              </a:defRPr>
-            </a:lvl2pPr>
-            <a:lvl3pPr marL="1143000" indent="-228600" algn="l" defTabSz="914400" rtl="0" eaLnBrk="1" latinLnBrk="0" hangingPunct="1">
-              <a:lnSpc>
-                <a:spcPct val="90000"/>
-              </a:lnSpc>
-              <a:spcBef>
-                <a:spcPts val="500"/>
-              </a:spcBef>
-              <a:buFont typeface="Arial" panose="020B0604020202020204" pitchFamily="34" charset="0"/>
-              <a:buChar char="•"/>
-              <a:defRPr sz="2000" kern="1200">
-                <a:solidFill>
-                  <a:schemeClr val="tx1"/>
-                </a:solidFill>
-                <a:latin typeface="+mn-lt"/>
-                <a:ea typeface="+mn-ea"/>
-                <a:cs typeface="+mn-cs"/>
-              </a:defRPr>
-            </a:lvl3pPr>
-            <a:lvl4pPr marL="1600200" indent="-228600" algn="l" defTabSz="914400" rtl="0" eaLnBrk="1" latinLnBrk="0" hangingPunct="1">
-              <a:lnSpc>
-                <a:spcPct val="90000"/>
-              </a:lnSpc>
-              <a:spcBef>
-                <a:spcPts val="500"/>
-              </a:spcBef>
-              <a:buFont typeface="Arial" panose="020B0604020202020204" pitchFamily="34" charset="0"/>
-              <a:buChar char="•"/>
-              <a:defRPr sz="1800" kern="1200">
-                <a:solidFill>
-                  <a:schemeClr val="tx1"/>
-                </a:solidFill>
-                <a:latin typeface="+mn-lt"/>
-                <a:ea typeface="+mn-ea"/>
-                <a:cs typeface="+mn-cs"/>
-              </a:defRPr>
-            </a:lvl4pPr>
-            <a:lvl5pPr marL="2057400" indent="-228600" algn="l" defTabSz="914400" rtl="0" eaLnBrk="1" latinLnBrk="0" hangingPunct="1">
-              <a:lnSpc>
-                <a:spcPct val="90000"/>
-              </a:lnSpc>
-              <a:spcBef>
-                <a:spcPts val="500"/>
-              </a:spcBef>
-              <a:buFont typeface="Arial" panose="020B0604020202020204" pitchFamily="34" charset="0"/>
-              <a:buChar char="•"/>
-              <a:defRPr sz="1800" kern="1200">
-                <a:solidFill>
-                  <a:schemeClr val="tx1"/>
-                </a:solidFill>
-                <a:latin typeface="+mn-lt"/>
-                <a:ea typeface="+mn-ea"/>
-                <a:cs typeface="+mn-cs"/>
-              </a:defRPr>
-            </a:lvl5pPr>
-            <a:lvl6pPr marL="2514600" indent="-228600" algn="l" defTabSz="914400" rtl="0" eaLnBrk="1" latinLnBrk="0" hangingPunct="1">
-              <a:lnSpc>
-                <a:spcPct val="90000"/>
-              </a:lnSpc>
-              <a:spcBef>
-                <a:spcPts val="500"/>
-              </a:spcBef>
-              <a:buFont typeface="Arial" panose="020B0604020202020204" pitchFamily="34" charset="0"/>
-              <a:buChar char="•"/>
-              <a:defRPr sz="1800" kern="1200">
-                <a:solidFill>
-                  <a:schemeClr val="tx1"/>
-                </a:solidFill>
-                <a:latin typeface="+mn-lt"/>
-                <a:ea typeface="+mn-ea"/>
-                <a:cs typeface="+mn-cs"/>
-              </a:defRPr>
-            </a:lvl6pPr>
-            <a:lvl7pPr marL="2971800" indent="-228600" algn="l" defTabSz="914400" rtl="0" eaLnBrk="1" latinLnBrk="0" hangingPunct="1">
-              <a:lnSpc>
-                <a:spcPct val="90000"/>
-              </a:lnSpc>
-              <a:spcBef>
-                <a:spcPts val="500"/>
-              </a:spcBef>
-              <a:buFont typeface="Arial" panose="020B0604020202020204" pitchFamily="34" charset="0"/>
-              <a:buChar char="•"/>
-              <a:defRPr sz="1800" kern="1200">
-                <a:solidFill>
-                  <a:schemeClr val="tx1"/>
-                </a:solidFill>
-                <a:latin typeface="+mn-lt"/>
-                <a:ea typeface="+mn-ea"/>
-                <a:cs typeface="+mn-cs"/>
-              </a:defRPr>
-            </a:lvl7pPr>
-            <a:lvl8pPr marL="3429000" indent="-228600" algn="l" defTabSz="914400" rtl="0" eaLnBrk="1" latinLnBrk="0" hangingPunct="1">
-              <a:lnSpc>
-                <a:spcPct val="90000"/>
-              </a:lnSpc>
-              <a:spcBef>
-                <a:spcPts val="500"/>
-              </a:spcBef>
-              <a:buFont typeface="Arial" panose="020B0604020202020204" pitchFamily="34" charset="0"/>
-              <a:buChar char="•"/>
-              <a:defRPr sz="1800" kern="1200">
-                <a:solidFill>
-                  <a:schemeClr val="tx1"/>
-                </a:solidFill>
-                <a:latin typeface="+mn-lt"/>
-                <a:ea typeface="+mn-ea"/>
-                <a:cs typeface="+mn-cs"/>
-              </a:defRPr>
-            </a:lvl8pPr>
-            <a:lvl9pPr marL="3886200" indent="-228600" algn="l" defTabSz="914400" rtl="0" eaLnBrk="1" latinLnBrk="0" hangingPunct="1">
-              <a:lnSpc>
-                <a:spcPct val="90000"/>
-              </a:lnSpc>
-              <a:spcBef>
-                <a:spcPts val="500"/>
-              </a:spcBef>
-              <a:buFont typeface="Arial" panose="020B0604020202020204" pitchFamily="34" charset="0"/>
-              <a:buChar char="•"/>
-              <a:defRPr sz="1800" kern="1200">
-                <a:solidFill>
-                  <a:schemeClr val="tx1"/>
-                </a:solidFill>
-                <a:latin typeface="+mn-lt"/>
-                <a:ea typeface="+mn-ea"/>
-                <a:cs typeface="+mn-cs"/>
-              </a:defRPr>
-            </a:lvl9pPr>
-          </a:lstStyle>
-          <a:p>
-            <a:pPr fontAlgn="auto">
-              <a:lnSpc>
-                <a:spcPct val="150000"/>
+          <a:lstStyle/>
+          <a:p>
+            <a:pPr>
+              <a:lnSpc>
+                <a:spcPct val="130000"/>
               </a:lnSpc>
             </a:pPr>
             <a:r>
-              <a:rPr lang="zh-CN" altLang="en-US" dirty="0" smtClean="0"/>
-              <a:t>电力设备检测研究现状</a:t>
+              <a:rPr lang="zh-CN" altLang="en-US" sz="2800" dirty="0">
+                <a:solidFill>
+                  <a:schemeClr val="tx2"/>
+                </a:solidFill>
+                <a:latin typeface="+mj-lt"/>
+                <a:ea typeface="+mj-ea"/>
+                <a:cs typeface="+mj-cs"/>
+              </a:rPr>
+              <a:t>国内外研究现状及发展态势</a:t>
             </a:r>
-            <a:endParaRPr lang="zh-CN" altLang="en-US" dirty="0" smtClean="0"/>
-          </a:p>
-          <a:p>
-            <a:pPr fontAlgn="auto">
-              <a:lnSpc>
-                <a:spcPct val="150000"/>
-              </a:lnSpc>
-            </a:pPr>
-            <a:r>
-              <a:rPr lang="zh-CN" altLang="en-US" dirty="0" smtClean="0"/>
-              <a:t>生成对抗网络研究现状</a:t>
-            </a:r>
-            <a:endParaRPr lang="zh-CN" altLang="en-US" dirty="0" smtClean="0"/>
-          </a:p>
-          <a:p>
-            <a:pPr fontAlgn="auto">
-              <a:lnSpc>
-                <a:spcPct val="150000"/>
-              </a:lnSpc>
-            </a:pPr>
-            <a:r>
-              <a:rPr lang="zh-CN" altLang="en-US" dirty="0" smtClean="0"/>
-              <a:t>生成对抗网络应用现状</a:t>
-            </a:r>
-            <a:endParaRPr lang="zh-CN" altLang="en-US" dirty="0" smtClean="0"/>
+            <a:endParaRPr lang="zh-CN" altLang="en-US" sz="2800" dirty="0">
+              <a:solidFill>
+                <a:schemeClr val="tx2"/>
+              </a:solidFill>
+              <a:latin typeface="+mj-lt"/>
+              <a:ea typeface="+mj-ea"/>
+              <a:cs typeface="+mj-cs"/>
+            </a:endParaRPr>
           </a:p>
         </p:txBody>
       </p:sp>
     </p:spTree>
     <p:custDataLst>
-      <p:tags r:id="rId3"/>
+      <p:tags r:id="rId4"/>
     </p:custDataLst>
   </p:cSld>
   <p:clrMapOvr>
@@ -4386,11 +5225,7 @@
           <a:p>
             <a:r>
               <a:rPr lang="zh-CN" altLang="en-US" sz="2400" dirty="0" smtClean="0"/>
-              <a:t>目前电力设备状态检测技术主要采用无损检测技术</a:t>
-            </a:r>
-            <a:r>
-              <a:rPr lang="zh-CN" altLang="en-US" sz="2400" dirty="0" smtClean="0"/>
-              <a:t>，常用的无损检测技术包括射线检测、红外检测等。</a:t>
+              <a:t>目前电力设备状态检测技术主要采用无损检测技术，常用的无损检测技术包括射线检测、红外检测等。</a:t>
             </a:r>
             <a:endParaRPr lang="zh-CN" altLang="en-US" sz="2400" dirty="0" smtClean="0"/>
           </a:p>
@@ -7144,11 +7979,7 @@
             </a:pPr>
             <a:r>
               <a:rPr lang="zh-CN" altLang="en-US" dirty="0" smtClean="0"/>
-              <a:t>模型复现，选出模型和算法，构建图像扩充模型的初始模型，</a:t>
-            </a:r>
-            <a:r>
-              <a:rPr lang="zh-CN" altLang="en-US" dirty="0" smtClean="0"/>
-              <a:t>包括生成器和判别器的构建、生成器与判别器目标函数、优化器的选择，参数的初始化等。</a:t>
+              <a:t>模型复现，选出模型和算法，构建图像扩充模型的初始模型，包括生成器和判别器的构建、生成器与判别器目标函数、优化器的选择，参数的初始化等。</a:t>
             </a:r>
             <a:endParaRPr lang="zh-CN" altLang="en-US" dirty="0" smtClean="0"/>
           </a:p>
@@ -7184,11 +8015,7 @@
             </a:pPr>
             <a:r>
               <a:rPr lang="zh-CN" altLang="en-US" dirty="0" smtClean="0"/>
-              <a:t>利用缺陷智能检测模型对模型生成的最终数据集进行测试和评估，从而评价该模型，最终实现图像扩充</a:t>
-            </a:r>
-            <a:r>
-              <a:rPr lang="zh-CN" altLang="en-US" dirty="0" smtClean="0"/>
-              <a:t>模型</a:t>
+              <a:t>利用缺陷智能检测模型对模型生成的最终数据集进行测试和评估，从而评价该模型，最终实现图像扩充模型</a:t>
             </a:r>
             <a:endParaRPr lang="zh-CN" altLang="en-US" dirty="0" smtClean="0"/>
           </a:p>
@@ -8010,7 +8837,7 @@
         </p:spPr>
         <p:txBody>
           <a:bodyPr anchor="ctr" anchorCtr="0">
-            <a:normAutofit/>
+            <a:normAutofit lnSpcReduction="10000"/>
           </a:bodyPr>
           <a:lstStyle>
             <a:defPPr>
@@ -10498,7 +11325,9 @@
         </p:nvSpPr>
         <p:spPr/>
         <p:txBody>
-          <a:bodyPr/>
+          <a:bodyPr>
+            <a:normAutofit fontScale="90000"/>
+          </a:bodyPr>
           <a:p>
             <a:r>
               <a:rPr lang="zh-CN" altLang="en-US"/>
@@ -11879,7 +12708,7 @@
       </p:grpSpPr>
       <p:sp>
         <p:nvSpPr>
-          <p:cNvPr id="14" name="标题 1"/>
+          <p:cNvPr id="7" name="文本框 6"/>
           <p:cNvSpPr txBox="1"/>
           <p:nvPr>
             <p:custDataLst>
@@ -11889,49 +12718,94 @@
         </p:nvSpPr>
         <p:spPr>
           <a:xfrm>
-            <a:off x="838200" y="352425"/>
-            <a:ext cx="10515600" cy="1325563"/>
+            <a:off x="922743" y="1608820"/>
+            <a:ext cx="9079400" cy="4604850"/>
           </a:xfrm>
           <a:prstGeom prst="rect">
             <a:avLst/>
           </a:prstGeom>
         </p:spPr>
         <p:txBody>
-          <a:bodyPr>
+          <a:bodyPr wrap="square" anchor="ctr">
             <a:normAutofit/>
           </a:bodyPr>
           <a:lstStyle>
-            <a:lvl1pPr algn="l" defTabSz="914400" rtl="0" eaLnBrk="1" latinLnBrk="0" hangingPunct="1">
-              <a:lnSpc>
-                <a:spcPct val="90000"/>
-              </a:lnSpc>
-              <a:spcBef>
-                <a:spcPct val="0"/>
-              </a:spcBef>
-              <a:buNone/>
-              <a:defRPr sz="4400" kern="1200">
-                <a:solidFill>
-                  <a:schemeClr val="tx1"/>
-                </a:solidFill>
-                <a:latin typeface="+mj-lt"/>
-                <a:ea typeface="+mj-ea"/>
-                <a:cs typeface="+mj-cs"/>
+            <a:defPPr>
+              <a:defRPr lang="zh-CN"/>
+            </a:defPPr>
+            <a:lvl1pPr>
+              <a:lnSpc>
+                <a:spcPct val="130000"/>
+              </a:lnSpc>
+              <a:defRPr>
+                <a:solidFill>
+                  <a:schemeClr val="tx1">
+                    <a:lumMod val="50000"/>
+                    <a:lumOff val="50000"/>
+                  </a:schemeClr>
+                </a:solidFill>
               </a:defRPr>
             </a:lvl1pPr>
           </a:lstStyle>
           <a:p>
+            <a:pPr marL="228600" indent="-228600" fontAlgn="auto">
+              <a:lnSpc>
+                <a:spcPct val="100000"/>
+              </a:lnSpc>
+              <a:buSzTx/>
+              <a:buFont typeface="Arial" panose="020B0604020202020204" pitchFamily="34" charset="0"/>
+              <a:buChar char="•"/>
+            </a:pPr>
             <a:r>
-              <a:rPr lang="zh-CN" altLang="en-US" dirty="0" smtClean="0"/>
-              <a:t>研究目标</a:t>
+              <a:rPr lang="zh-CN" altLang="en-US" sz="1600" dirty="0">
+                <a:sym typeface="+mn-ea"/>
+              </a:rPr>
+              <a:t>针对电力设备图像（X射线、红外图像等）数据集不足的问题，利用生成对抗网络（GAN）的思想及其相关算法，建立并实现基于生成对抗网络的电力设备图像扩充模型。</a:t>
             </a:r>
-            <a:endParaRPr lang="zh-CN" altLang="en-US" dirty="0" smtClean="0"/>
+            <a:endParaRPr lang="zh-CN" altLang="en-US" sz="1600" dirty="0"/>
+          </a:p>
+          <a:p>
+            <a:pPr marL="228600" indent="-228600" fontAlgn="auto">
+              <a:lnSpc>
+                <a:spcPct val="100000"/>
+              </a:lnSpc>
+              <a:buSzTx/>
+              <a:buFont typeface="Arial" panose="020B0604020202020204" pitchFamily="34" charset="0"/>
+              <a:buChar char="•"/>
+            </a:pPr>
+            <a:r>
+              <a:rPr lang="zh-CN" altLang="en-US" sz="1600" dirty="0">
+                <a:sym typeface="+mn-ea"/>
+              </a:rPr>
+              <a:t>该模型针对应用在电力设备缺陷检测模型中的图像数据集（原始样本），生成符合原始样本分布的新数据（人工样本），即生成与原始图像类似的电力设备图像。利用生成的人工样本对原始样本进行扩充，使得扩充后的数据集（最终数据集）能够满足缺陷检测模型的训练要求。</a:t>
+            </a:r>
+            <a:endParaRPr lang="zh-CN" altLang="en-US" sz="1600" dirty="0"/>
+          </a:p>
+          <a:p>
+            <a:pPr marL="228600" indent="-228600" fontAlgn="auto">
+              <a:lnSpc>
+                <a:spcPct val="100000"/>
+              </a:lnSpc>
+              <a:buSzTx/>
+              <a:buFont typeface="Arial" panose="020B0604020202020204" pitchFamily="34" charset="0"/>
+              <a:buChar char="•"/>
+            </a:pPr>
+            <a:r>
+              <a:rPr lang="zh-CN" altLang="en-US" sz="1600" dirty="0">
+                <a:sym typeface="+mn-ea"/>
+              </a:rPr>
+              <a:t>利用最终数据集对缺陷检测模型进行训练，使得缺陷检测模型的准确率至少提高2%。</a:t>
+            </a:r>
+            <a:endParaRPr lang="zh-CN" altLang="en-US" sz="1600" dirty="0">
+              <a:sym typeface="+mn-ea"/>
+            </a:endParaRPr>
           </a:p>
         </p:txBody>
       </p:sp>
       <p:sp>
         <p:nvSpPr>
-          <p:cNvPr id="15" name="内容占位符 7"/>
-          <p:cNvSpPr txBox="1"/>
+          <p:cNvPr id="23" name="矩形 22"/>
+          <p:cNvSpPr/>
           <p:nvPr>
             <p:custDataLst>
               <p:tags r:id="rId2"/>
@@ -11940,228 +12814,96 @@
         </p:nvSpPr>
         <p:spPr>
           <a:xfrm>
-            <a:off x="838200" y="1588770"/>
-            <a:ext cx="10515600" cy="4309110"/>
+            <a:off x="461078" y="-2073"/>
+            <a:ext cx="461665" cy="1142396"/>
           </a:xfrm>
           <a:prstGeom prst="rect">
             <a:avLst/>
           </a:prstGeom>
+          <a:ln>
+            <a:noFill/>
+          </a:ln>
+        </p:spPr>
+        <p:style>
+          <a:lnRef idx="2">
+            <a:schemeClr val="accent1">
+              <a:shade val="50000"/>
+            </a:schemeClr>
+          </a:lnRef>
+          <a:fillRef idx="1">
+            <a:schemeClr val="accent1"/>
+          </a:fillRef>
+          <a:effectRef idx="0">
+            <a:schemeClr val="accent1"/>
+          </a:effectRef>
+          <a:fontRef idx="minor">
+            <a:schemeClr val="lt1"/>
+          </a:fontRef>
+        </p:style>
+        <p:txBody>
+          <a:bodyPr rtlCol="0" anchor="ctr"/>
+          <a:p>
+            <a:pPr algn="ctr"/>
+            <a:endParaRPr lang="zh-CN" altLang="en-US"/>
+          </a:p>
+        </p:txBody>
+      </p:sp>
+      <p:sp>
+        <p:nvSpPr>
+          <p:cNvPr id="24" name="文本框 23"/>
+          <p:cNvSpPr txBox="1"/>
+          <p:nvPr>
+            <p:custDataLst>
+              <p:tags r:id="rId3"/>
+            </p:custDataLst>
+          </p:nvPr>
+        </p:nvSpPr>
+        <p:spPr>
+          <a:xfrm>
+            <a:off x="922743" y="338904"/>
+            <a:ext cx="3676263" cy="597215"/>
+          </a:xfrm>
+          <a:prstGeom prst="rect">
+            <a:avLst/>
+          </a:prstGeom>
+          <a:noFill/>
         </p:spPr>
         <p:txBody>
-          <a:bodyPr>
+          <a:bodyPr wrap="square" rtlCol="0">
             <a:normAutofit lnSpcReduction="20000"/>
           </a:bodyPr>
-          <a:lstStyle>
-            <a:lvl1pPr marL="228600" indent="-228600" algn="l" defTabSz="914400" rtl="0" eaLnBrk="1" latinLnBrk="0" hangingPunct="1">
-              <a:lnSpc>
-                <a:spcPct val="90000"/>
-              </a:lnSpc>
-              <a:spcBef>
-                <a:spcPts val="1000"/>
-              </a:spcBef>
-              <a:buFont typeface="Arial" panose="020B0604020202020204" pitchFamily="34" charset="0"/>
-              <a:buChar char="•"/>
-              <a:defRPr sz="2800" kern="1200">
-                <a:solidFill>
-                  <a:schemeClr val="tx1"/>
-                </a:solidFill>
-                <a:latin typeface="+mn-lt"/>
-                <a:ea typeface="+mn-ea"/>
-                <a:cs typeface="+mn-cs"/>
-              </a:defRPr>
-            </a:lvl1pPr>
-            <a:lvl2pPr marL="685800" indent="-228600" algn="l" defTabSz="914400" rtl="0" eaLnBrk="1" latinLnBrk="0" hangingPunct="1">
-              <a:lnSpc>
-                <a:spcPct val="90000"/>
-              </a:lnSpc>
-              <a:spcBef>
-                <a:spcPts val="500"/>
-              </a:spcBef>
-              <a:buFont typeface="Arial" panose="020B0604020202020204" pitchFamily="34" charset="0"/>
-              <a:buChar char="•"/>
-              <a:defRPr sz="2400" kern="1200">
-                <a:solidFill>
-                  <a:schemeClr val="tx1"/>
-                </a:solidFill>
-                <a:latin typeface="+mn-lt"/>
-                <a:ea typeface="+mn-ea"/>
-                <a:cs typeface="+mn-cs"/>
-              </a:defRPr>
-            </a:lvl2pPr>
-            <a:lvl3pPr marL="1143000" indent="-228600" algn="l" defTabSz="914400" rtl="0" eaLnBrk="1" latinLnBrk="0" hangingPunct="1">
-              <a:lnSpc>
-                <a:spcPct val="90000"/>
-              </a:lnSpc>
-              <a:spcBef>
-                <a:spcPts val="500"/>
-              </a:spcBef>
-              <a:buFont typeface="Arial" panose="020B0604020202020204" pitchFamily="34" charset="0"/>
-              <a:buChar char="•"/>
-              <a:defRPr sz="2000" kern="1200">
-                <a:solidFill>
-                  <a:schemeClr val="tx1"/>
-                </a:solidFill>
-                <a:latin typeface="+mn-lt"/>
-                <a:ea typeface="+mn-ea"/>
-                <a:cs typeface="+mn-cs"/>
-              </a:defRPr>
-            </a:lvl3pPr>
-            <a:lvl4pPr marL="1600200" indent="-228600" algn="l" defTabSz="914400" rtl="0" eaLnBrk="1" latinLnBrk="0" hangingPunct="1">
-              <a:lnSpc>
-                <a:spcPct val="90000"/>
-              </a:lnSpc>
-              <a:spcBef>
-                <a:spcPts val="500"/>
-              </a:spcBef>
-              <a:buFont typeface="Arial" panose="020B0604020202020204" pitchFamily="34" charset="0"/>
-              <a:buChar char="•"/>
-              <a:defRPr sz="1800" kern="1200">
-                <a:solidFill>
-                  <a:schemeClr val="tx1"/>
-                </a:solidFill>
-                <a:latin typeface="+mn-lt"/>
-                <a:ea typeface="+mn-ea"/>
-                <a:cs typeface="+mn-cs"/>
-              </a:defRPr>
-            </a:lvl4pPr>
-            <a:lvl5pPr marL="2057400" indent="-228600" algn="l" defTabSz="914400" rtl="0" eaLnBrk="1" latinLnBrk="0" hangingPunct="1">
-              <a:lnSpc>
-                <a:spcPct val="90000"/>
-              </a:lnSpc>
-              <a:spcBef>
-                <a:spcPts val="500"/>
-              </a:spcBef>
-              <a:buFont typeface="Arial" panose="020B0604020202020204" pitchFamily="34" charset="0"/>
-              <a:buChar char="•"/>
-              <a:defRPr sz="1800" kern="1200">
-                <a:solidFill>
-                  <a:schemeClr val="tx1"/>
-                </a:solidFill>
-                <a:latin typeface="+mn-lt"/>
-                <a:ea typeface="+mn-ea"/>
-                <a:cs typeface="+mn-cs"/>
-              </a:defRPr>
-            </a:lvl5pPr>
-            <a:lvl6pPr marL="2514600" indent="-228600" algn="l" defTabSz="914400" rtl="0" eaLnBrk="1" latinLnBrk="0" hangingPunct="1">
-              <a:lnSpc>
-                <a:spcPct val="90000"/>
-              </a:lnSpc>
-              <a:spcBef>
-                <a:spcPts val="500"/>
-              </a:spcBef>
-              <a:buFont typeface="Arial" panose="020B0604020202020204" pitchFamily="34" charset="0"/>
-              <a:buChar char="•"/>
-              <a:defRPr sz="1800" kern="1200">
-                <a:solidFill>
-                  <a:schemeClr val="tx1"/>
-                </a:solidFill>
-                <a:latin typeface="+mn-lt"/>
-                <a:ea typeface="+mn-ea"/>
-                <a:cs typeface="+mn-cs"/>
-              </a:defRPr>
-            </a:lvl6pPr>
-            <a:lvl7pPr marL="2971800" indent="-228600" algn="l" defTabSz="914400" rtl="0" eaLnBrk="1" latinLnBrk="0" hangingPunct="1">
-              <a:lnSpc>
-                <a:spcPct val="90000"/>
-              </a:lnSpc>
-              <a:spcBef>
-                <a:spcPts val="500"/>
-              </a:spcBef>
-              <a:buFont typeface="Arial" panose="020B0604020202020204" pitchFamily="34" charset="0"/>
-              <a:buChar char="•"/>
-              <a:defRPr sz="1800" kern="1200">
-                <a:solidFill>
-                  <a:schemeClr val="tx1"/>
-                </a:solidFill>
-                <a:latin typeface="+mn-lt"/>
-                <a:ea typeface="+mn-ea"/>
-                <a:cs typeface="+mn-cs"/>
-              </a:defRPr>
-            </a:lvl7pPr>
-            <a:lvl8pPr marL="3429000" indent="-228600" algn="l" defTabSz="914400" rtl="0" eaLnBrk="1" latinLnBrk="0" hangingPunct="1">
-              <a:lnSpc>
-                <a:spcPct val="90000"/>
-              </a:lnSpc>
-              <a:spcBef>
-                <a:spcPts val="500"/>
-              </a:spcBef>
-              <a:buFont typeface="Arial" panose="020B0604020202020204" pitchFamily="34" charset="0"/>
-              <a:buChar char="•"/>
-              <a:defRPr sz="1800" kern="1200">
-                <a:solidFill>
-                  <a:schemeClr val="tx1"/>
-                </a:solidFill>
-                <a:latin typeface="+mn-lt"/>
-                <a:ea typeface="+mn-ea"/>
-                <a:cs typeface="+mn-cs"/>
-              </a:defRPr>
-            </a:lvl8pPr>
-            <a:lvl9pPr marL="3886200" indent="-228600" algn="l" defTabSz="914400" rtl="0" eaLnBrk="1" latinLnBrk="0" hangingPunct="1">
-              <a:lnSpc>
-                <a:spcPct val="90000"/>
-              </a:lnSpc>
-              <a:spcBef>
-                <a:spcPts val="500"/>
-              </a:spcBef>
-              <a:buFont typeface="Arial" panose="020B0604020202020204" pitchFamily="34" charset="0"/>
-              <a:buChar char="•"/>
-              <a:defRPr sz="1800" kern="1200">
-                <a:solidFill>
-                  <a:schemeClr val="tx1"/>
-                </a:solidFill>
-                <a:latin typeface="+mn-lt"/>
-                <a:ea typeface="+mn-ea"/>
-                <a:cs typeface="+mn-cs"/>
-              </a:defRPr>
-            </a:lvl9pPr>
-          </a:lstStyle>
-          <a:p>
-            <a:pPr fontAlgn="auto">
-              <a:lnSpc>
-                <a:spcPct val="100000"/>
+          <a:lstStyle/>
+          <a:p>
+            <a:pPr>
+              <a:lnSpc>
+                <a:spcPct val="130000"/>
               </a:lnSpc>
             </a:pPr>
             <a:r>
-              <a:rPr lang="zh-CN" altLang="en-US" dirty="0" smtClean="0">
-                <a:sym typeface="+mn-ea"/>
+              <a:rPr lang="zh-CN" altLang="en-US" sz="2800" dirty="0">
+                <a:solidFill>
+                  <a:schemeClr val="tx2"/>
+                </a:solidFill>
+                <a:latin typeface="+mj-lt"/>
+                <a:ea typeface="+mj-ea"/>
+                <a:cs typeface="+mj-cs"/>
               </a:rPr>
-              <a:t>针对电力设备图像（X射线、红外图像等）数据集不足的问题，利用生成对抗网络（GAN）的思想及其相关算法，建立并实现基于生成对抗网络的电力设备图像扩充模型。</a:t>
+              <a:t>研究目标</a:t>
             </a:r>
-            <a:endParaRPr lang="zh-CN" altLang="en-US" dirty="0" smtClean="0"/>
-          </a:p>
-          <a:p>
-            <a:pPr fontAlgn="auto">
-              <a:lnSpc>
-                <a:spcPct val="100000"/>
-              </a:lnSpc>
-            </a:pPr>
-            <a:r>
-              <a:rPr lang="zh-CN" altLang="en-US" dirty="0" smtClean="0">
-                <a:sym typeface="+mn-ea"/>
-              </a:rPr>
-              <a:t>该模型针对应用在电力设备缺陷检测模型中的图像数据集（原始样本），生成符合原始样本分布的新数据（人工样本），即生成与原始图像类似的电力设备图像。利用生成的人工样本对原始样本进行扩充，使得扩充后的数据集（最终数据集）能够满足缺陷检测模型的训练要求。</a:t>
-            </a:r>
-            <a:endParaRPr lang="zh-CN" altLang="en-US" dirty="0" smtClean="0"/>
-          </a:p>
-          <a:p>
-            <a:pPr fontAlgn="auto">
-              <a:lnSpc>
-                <a:spcPct val="100000"/>
-              </a:lnSpc>
-            </a:pPr>
-            <a:r>
-              <a:rPr lang="zh-CN" altLang="en-US" dirty="0" smtClean="0">
-                <a:sym typeface="+mn-ea"/>
-              </a:rPr>
-              <a:t>利用最终数据集对缺陷检测模型进行训练，使得缺陷检测模型的准确率至少提高2%。</a:t>
-            </a:r>
-            <a:endParaRPr lang="zh-CN" altLang="en-US" dirty="0" smtClean="0"/>
+            <a:endParaRPr lang="zh-CN" altLang="en-US" sz="2800" dirty="0">
+              <a:solidFill>
+                <a:schemeClr val="tx2"/>
+              </a:solidFill>
+              <a:latin typeface="+mj-lt"/>
+              <a:ea typeface="+mj-ea"/>
+              <a:cs typeface="+mj-cs"/>
+            </a:endParaRPr>
           </a:p>
         </p:txBody>
       </p:sp>
     </p:spTree>
     <p:custDataLst>
-      <p:tags r:id="rId3"/>
+      <p:tags r:id="rId4"/>
     </p:custDataLst>
   </p:cSld>
   <p:clrMapOvr>
@@ -13551,11 +14293,7 @@
           <a:p>
             <a:r>
               <a:rPr lang="zh-CN" altLang="en-US" sz="2400" dirty="0" smtClean="0"/>
-              <a:t>针对训练过程中出现的问题及生成图像质量，选用合适的优化方法，比如修改学习率等</a:t>
-            </a:r>
-            <a:r>
-              <a:rPr lang="zh-CN" altLang="en-US" sz="2400" dirty="0" smtClean="0"/>
-              <a:t>，实现对图像扩充模型的优化</a:t>
+              <a:t>针对训练过程中出现的问题及生成图像质量，选用合适的优化方法，比如修改学习率等，实现对图像扩充模型的优化</a:t>
             </a:r>
             <a:endParaRPr lang="zh-CN" altLang="en-US" sz="2400" dirty="0" smtClean="0"/>
           </a:p>
@@ -15046,7 +15784,7 @@
       </p:grpSpPr>
       <p:sp>
         <p:nvSpPr>
-          <p:cNvPr id="14" name="标题 1"/>
+          <p:cNvPr id="7" name="文本框 6"/>
           <p:cNvSpPr txBox="1"/>
           <p:nvPr>
             <p:custDataLst>
@@ -15056,49 +15794,58 @@
         </p:nvSpPr>
         <p:spPr>
           <a:xfrm>
-            <a:off x="838200" y="352425"/>
-            <a:ext cx="10515600" cy="1325563"/>
+            <a:off x="922743" y="1608820"/>
+            <a:ext cx="9079400" cy="4604850"/>
           </a:xfrm>
           <a:prstGeom prst="rect">
             <a:avLst/>
           </a:prstGeom>
         </p:spPr>
         <p:txBody>
-          <a:bodyPr>
+          <a:bodyPr wrap="square" anchor="ctr">
             <a:normAutofit/>
           </a:bodyPr>
           <a:lstStyle>
-            <a:lvl1pPr algn="l" defTabSz="914400" rtl="0" eaLnBrk="1" latinLnBrk="0" hangingPunct="1">
-              <a:lnSpc>
-                <a:spcPct val="90000"/>
-              </a:lnSpc>
-              <a:spcBef>
-                <a:spcPct val="0"/>
-              </a:spcBef>
-              <a:buNone/>
-              <a:defRPr sz="4400" kern="1200">
-                <a:solidFill>
-                  <a:schemeClr val="tx1"/>
-                </a:solidFill>
-                <a:latin typeface="+mj-lt"/>
-                <a:ea typeface="+mj-ea"/>
-                <a:cs typeface="+mj-cs"/>
+            <a:defPPr>
+              <a:defRPr lang="zh-CN"/>
+            </a:defPPr>
+            <a:lvl1pPr>
+              <a:lnSpc>
+                <a:spcPct val="130000"/>
+              </a:lnSpc>
+              <a:defRPr>
+                <a:solidFill>
+                  <a:schemeClr val="tx1">
+                    <a:lumMod val="50000"/>
+                    <a:lumOff val="50000"/>
+                  </a:schemeClr>
+                </a:solidFill>
               </a:defRPr>
             </a:lvl1pPr>
           </a:lstStyle>
           <a:p>
+            <a:pPr marL="0" indent="0" fontAlgn="auto">
+              <a:lnSpc>
+                <a:spcPct val="150000"/>
+              </a:lnSpc>
+              <a:buNone/>
+            </a:pPr>
             <a:r>
-              <a:rPr lang="zh-CN" altLang="en-US" dirty="0" smtClean="0"/>
-              <a:t>选题依据</a:t>
+              <a:rPr lang="en-US" altLang="zh-CN" sz="1600" dirty="0"/>
+              <a:t>         </a:t>
             </a:r>
-            <a:endParaRPr lang="zh-CN" altLang="en-US" dirty="0" smtClean="0"/>
+            <a:r>
+              <a:rPr lang="zh-CN" altLang="en-US" sz="1600" dirty="0"/>
+              <a:t>随着人工智能的兴起与发展，人工智能被应用到各个领域。国家对于人工智能在各个领域的发展进行了规划和指导。根据国家人工智能总体规划，四川赛康智能科技股份有限公司提出了智能电网大数据平台。而该平台的建设需要用到大量深度学习的有关模型及算法，其中核心部分就包括电力设备缺陷智能检测模型，对于模型的训练需要大量的数据集。现有的电力设备图像数据集不足以支持缺陷智能检测模型的训练。因此，非常需要一种扩充数据集的方法来解决电力设备图像数据集过少的问题。</a:t>
+            </a:r>
+            <a:endParaRPr lang="zh-CN" altLang="en-US" sz="1600" dirty="0"/>
           </a:p>
         </p:txBody>
       </p:sp>
       <p:sp>
         <p:nvSpPr>
-          <p:cNvPr id="15" name="内容占位符 7"/>
-          <p:cNvSpPr txBox="1"/>
+          <p:cNvPr id="23" name="矩形 22"/>
+          <p:cNvSpPr/>
           <p:nvPr>
             <p:custDataLst>
               <p:tags r:id="rId2"/>
@@ -15107,203 +15854,96 @@
         </p:nvSpPr>
         <p:spPr>
           <a:xfrm>
-            <a:off x="838200" y="1588770"/>
-            <a:ext cx="10515600" cy="4309110"/>
+            <a:off x="461078" y="-2073"/>
+            <a:ext cx="461665" cy="1142396"/>
           </a:xfrm>
           <a:prstGeom prst="rect">
             <a:avLst/>
           </a:prstGeom>
+          <a:ln>
+            <a:noFill/>
+          </a:ln>
+        </p:spPr>
+        <p:style>
+          <a:lnRef idx="2">
+            <a:schemeClr val="accent1">
+              <a:shade val="50000"/>
+            </a:schemeClr>
+          </a:lnRef>
+          <a:fillRef idx="1">
+            <a:schemeClr val="accent1"/>
+          </a:fillRef>
+          <a:effectRef idx="0">
+            <a:schemeClr val="accent1"/>
+          </a:effectRef>
+          <a:fontRef idx="minor">
+            <a:schemeClr val="lt1"/>
+          </a:fontRef>
+        </p:style>
+        <p:txBody>
+          <a:bodyPr rtlCol="0" anchor="ctr"/>
+          <a:p>
+            <a:pPr algn="ctr"/>
+            <a:endParaRPr lang="zh-CN" altLang="en-US"/>
+          </a:p>
+        </p:txBody>
+      </p:sp>
+      <p:sp>
+        <p:nvSpPr>
+          <p:cNvPr id="24" name="文本框 23"/>
+          <p:cNvSpPr txBox="1"/>
+          <p:nvPr>
+            <p:custDataLst>
+              <p:tags r:id="rId3"/>
+            </p:custDataLst>
+          </p:nvPr>
+        </p:nvSpPr>
+        <p:spPr>
+          <a:xfrm>
+            <a:off x="922743" y="338904"/>
+            <a:ext cx="3676263" cy="597215"/>
+          </a:xfrm>
+          <a:prstGeom prst="rect">
+            <a:avLst/>
+          </a:prstGeom>
+          <a:noFill/>
         </p:spPr>
         <p:txBody>
-          <a:bodyPr>
-            <a:normAutofit fontScale="90000"/>
+          <a:bodyPr wrap="square" rtlCol="0">
+            <a:normAutofit lnSpcReduction="20000"/>
           </a:bodyPr>
-          <a:lstStyle>
-            <a:lvl1pPr marL="228600" indent="-228600" algn="l" defTabSz="914400" rtl="0" eaLnBrk="1" latinLnBrk="0" hangingPunct="1">
-              <a:lnSpc>
-                <a:spcPct val="90000"/>
-              </a:lnSpc>
-              <a:spcBef>
-                <a:spcPts val="1000"/>
-              </a:spcBef>
-              <a:buFont typeface="Arial" panose="020B0604020202020204" pitchFamily="34" charset="0"/>
-              <a:buChar char="•"/>
-              <a:defRPr sz="2800" kern="1200">
-                <a:solidFill>
-                  <a:schemeClr val="tx1"/>
-                </a:solidFill>
-                <a:latin typeface="+mn-lt"/>
-                <a:ea typeface="+mn-ea"/>
-                <a:cs typeface="+mn-cs"/>
-              </a:defRPr>
-            </a:lvl1pPr>
-            <a:lvl2pPr marL="685800" indent="-228600" algn="l" defTabSz="914400" rtl="0" eaLnBrk="1" latinLnBrk="0" hangingPunct="1">
-              <a:lnSpc>
-                <a:spcPct val="90000"/>
-              </a:lnSpc>
-              <a:spcBef>
-                <a:spcPts val="500"/>
-              </a:spcBef>
-              <a:buFont typeface="Arial" panose="020B0604020202020204" pitchFamily="34" charset="0"/>
-              <a:buChar char="•"/>
-              <a:defRPr sz="2400" kern="1200">
-                <a:solidFill>
-                  <a:schemeClr val="tx1"/>
-                </a:solidFill>
-                <a:latin typeface="+mn-lt"/>
-                <a:ea typeface="+mn-ea"/>
-                <a:cs typeface="+mn-cs"/>
-              </a:defRPr>
-            </a:lvl2pPr>
-            <a:lvl3pPr marL="1143000" indent="-228600" algn="l" defTabSz="914400" rtl="0" eaLnBrk="1" latinLnBrk="0" hangingPunct="1">
-              <a:lnSpc>
-                <a:spcPct val="90000"/>
-              </a:lnSpc>
-              <a:spcBef>
-                <a:spcPts val="500"/>
-              </a:spcBef>
-              <a:buFont typeface="Arial" panose="020B0604020202020204" pitchFamily="34" charset="0"/>
-              <a:buChar char="•"/>
-              <a:defRPr sz="2000" kern="1200">
-                <a:solidFill>
-                  <a:schemeClr val="tx1"/>
-                </a:solidFill>
-                <a:latin typeface="+mn-lt"/>
-                <a:ea typeface="+mn-ea"/>
-                <a:cs typeface="+mn-cs"/>
-              </a:defRPr>
-            </a:lvl3pPr>
-            <a:lvl4pPr marL="1600200" indent="-228600" algn="l" defTabSz="914400" rtl="0" eaLnBrk="1" latinLnBrk="0" hangingPunct="1">
-              <a:lnSpc>
-                <a:spcPct val="90000"/>
-              </a:lnSpc>
-              <a:spcBef>
-                <a:spcPts val="500"/>
-              </a:spcBef>
-              <a:buFont typeface="Arial" panose="020B0604020202020204" pitchFamily="34" charset="0"/>
-              <a:buChar char="•"/>
-              <a:defRPr sz="1800" kern="1200">
-                <a:solidFill>
-                  <a:schemeClr val="tx1"/>
-                </a:solidFill>
-                <a:latin typeface="+mn-lt"/>
-                <a:ea typeface="+mn-ea"/>
-                <a:cs typeface="+mn-cs"/>
-              </a:defRPr>
-            </a:lvl4pPr>
-            <a:lvl5pPr marL="2057400" indent="-228600" algn="l" defTabSz="914400" rtl="0" eaLnBrk="1" latinLnBrk="0" hangingPunct="1">
-              <a:lnSpc>
-                <a:spcPct val="90000"/>
-              </a:lnSpc>
-              <a:spcBef>
-                <a:spcPts val="500"/>
-              </a:spcBef>
-              <a:buFont typeface="Arial" panose="020B0604020202020204" pitchFamily="34" charset="0"/>
-              <a:buChar char="•"/>
-              <a:defRPr sz="1800" kern="1200">
-                <a:solidFill>
-                  <a:schemeClr val="tx1"/>
-                </a:solidFill>
-                <a:latin typeface="+mn-lt"/>
-                <a:ea typeface="+mn-ea"/>
-                <a:cs typeface="+mn-cs"/>
-              </a:defRPr>
-            </a:lvl5pPr>
-            <a:lvl6pPr marL="2514600" indent="-228600" algn="l" defTabSz="914400" rtl="0" eaLnBrk="1" latinLnBrk="0" hangingPunct="1">
-              <a:lnSpc>
-                <a:spcPct val="90000"/>
-              </a:lnSpc>
-              <a:spcBef>
-                <a:spcPts val="500"/>
-              </a:spcBef>
-              <a:buFont typeface="Arial" panose="020B0604020202020204" pitchFamily="34" charset="0"/>
-              <a:buChar char="•"/>
-              <a:defRPr sz="1800" kern="1200">
-                <a:solidFill>
-                  <a:schemeClr val="tx1"/>
-                </a:solidFill>
-                <a:latin typeface="+mn-lt"/>
-                <a:ea typeface="+mn-ea"/>
-                <a:cs typeface="+mn-cs"/>
-              </a:defRPr>
-            </a:lvl6pPr>
-            <a:lvl7pPr marL="2971800" indent="-228600" algn="l" defTabSz="914400" rtl="0" eaLnBrk="1" latinLnBrk="0" hangingPunct="1">
-              <a:lnSpc>
-                <a:spcPct val="90000"/>
-              </a:lnSpc>
-              <a:spcBef>
-                <a:spcPts val="500"/>
-              </a:spcBef>
-              <a:buFont typeface="Arial" panose="020B0604020202020204" pitchFamily="34" charset="0"/>
-              <a:buChar char="•"/>
-              <a:defRPr sz="1800" kern="1200">
-                <a:solidFill>
-                  <a:schemeClr val="tx1"/>
-                </a:solidFill>
-                <a:latin typeface="+mn-lt"/>
-                <a:ea typeface="+mn-ea"/>
-                <a:cs typeface="+mn-cs"/>
-              </a:defRPr>
-            </a:lvl7pPr>
-            <a:lvl8pPr marL="3429000" indent="-228600" algn="l" defTabSz="914400" rtl="0" eaLnBrk="1" latinLnBrk="0" hangingPunct="1">
-              <a:lnSpc>
-                <a:spcPct val="90000"/>
-              </a:lnSpc>
-              <a:spcBef>
-                <a:spcPts val="500"/>
-              </a:spcBef>
-              <a:buFont typeface="Arial" panose="020B0604020202020204" pitchFamily="34" charset="0"/>
-              <a:buChar char="•"/>
-              <a:defRPr sz="1800" kern="1200">
-                <a:solidFill>
-                  <a:schemeClr val="tx1"/>
-                </a:solidFill>
-                <a:latin typeface="+mn-lt"/>
-                <a:ea typeface="+mn-ea"/>
-                <a:cs typeface="+mn-cs"/>
-              </a:defRPr>
-            </a:lvl8pPr>
-            <a:lvl9pPr marL="3886200" indent="-228600" algn="l" defTabSz="914400" rtl="0" eaLnBrk="1" latinLnBrk="0" hangingPunct="1">
-              <a:lnSpc>
-                <a:spcPct val="90000"/>
-              </a:lnSpc>
-              <a:spcBef>
-                <a:spcPts val="500"/>
-              </a:spcBef>
-              <a:buFont typeface="Arial" panose="020B0604020202020204" pitchFamily="34" charset="0"/>
-              <a:buChar char="•"/>
-              <a:defRPr sz="1800" kern="1200">
-                <a:solidFill>
-                  <a:schemeClr val="tx1"/>
-                </a:solidFill>
-                <a:latin typeface="+mn-lt"/>
-                <a:ea typeface="+mn-ea"/>
-                <a:cs typeface="+mn-cs"/>
-              </a:defRPr>
-            </a:lvl9pPr>
-          </a:lstStyle>
-          <a:p>
-            <a:pPr marL="0" indent="0" fontAlgn="auto">
-              <a:lnSpc>
-                <a:spcPct val="150000"/>
-              </a:lnSpc>
-              <a:buNone/>
+          <a:lstStyle/>
+          <a:p>
+            <a:pPr>
+              <a:lnSpc>
+                <a:spcPct val="130000"/>
+              </a:lnSpc>
             </a:pPr>
             <a:r>
-              <a:rPr lang="en-US" altLang="zh-CN" dirty="0" smtClean="0"/>
-              <a:t>         </a:t>
+              <a:rPr lang="zh-CN" altLang="en-US" sz="2800" dirty="0">
+                <a:solidFill>
+                  <a:schemeClr val="tx2"/>
+                </a:solidFill>
+                <a:latin typeface="+mj-lt"/>
+                <a:ea typeface="+mj-ea"/>
+                <a:cs typeface="+mj-cs"/>
+              </a:rPr>
+              <a:t>选题依据</a:t>
             </a:r>
-            <a:r>
-              <a:rPr lang="zh-CN" altLang="en-US" dirty="0" smtClean="0"/>
-              <a:t>随着人工智能的兴起与发展，人工智能被应用到各个领域。国家对于人工智能在各个领域的发展进行了规划和指导。根据国家人工智能总体规划，四川赛康智能科技股份有限公司提出了智能电网大数据平台。而该平台的建设需要用到大量深度学习的有关模型及算法，其中核心部分就包括电力设备缺陷智能检测模型，对于模型的训练需要大量的数据集。现有的电力设备图像数据集不足以支持缺陷智能检测模型的训练。因此，非常需要一种扩充数据集的方法来解决电力设备图像数据集过少的问题。</a:t>
-            </a:r>
-            <a:endParaRPr lang="zh-CN" altLang="en-US" dirty="0" smtClean="0"/>
+            <a:endParaRPr lang="zh-CN" altLang="en-US" sz="2800" dirty="0">
+              <a:solidFill>
+                <a:schemeClr val="tx2"/>
+              </a:solidFill>
+              <a:latin typeface="+mj-lt"/>
+              <a:ea typeface="+mj-ea"/>
+              <a:cs typeface="+mj-cs"/>
+            </a:endParaRPr>
           </a:p>
         </p:txBody>
       </p:sp>
     </p:spTree>
     <p:custDataLst>
-      <p:tags r:id="rId3"/>
+      <p:tags r:id="rId4"/>
     </p:custDataLst>
   </p:cSld>
   <p:clrMapOvr>
@@ -15322,23 +15962,226 @@
 <file path=ppt/tags/tag1.xml><?xml version="1.0" encoding="utf-8"?>
 <p:tagLst xmlns:p="http://schemas.openxmlformats.org/presentationml/2006/main">
   <p:tag name="KSO_WM_TAG_VERSION" val="1.0"/>
-  <p:tag name="KSO_WM_TEMPLATE_CATEGORY" val="preset"/>
-  <p:tag name="KSO_WM_TEMPLATE_INDEX" val="1"/>
-  <p:tag name="KSO_WM_UNIT_TYPE" val="a"/>
-  <p:tag name="KSO_WM_UNIT_INDEX" val="1"/>
-  <p:tag name="KSO_WM_UNIT_ID" val="150995208*a*1"/>
-  <p:tag name="KSO_WM_UNIT_CLEAR" val="1"/>
-  <p:tag name="KSO_WM_UNIT_LAYERLEVEL" val="1"/>
-  <p:tag name="KSO_WM_UNIT_VALUE" val="30"/>
-  <p:tag name="KSO_WM_UNIT_ISCONTENTSTITLE" val="0"/>
-  <p:tag name="KSO_WM_UNIT_HIGHLIGHT" val="0"/>
-  <p:tag name="KSO_WM_UNIT_COMPATIBLE" val="0"/>
   <p:tag name="KSO_WM_BEAUTIFY_FLAG" val="#wm#"/>
-  <p:tag name="KSO_WM_UNIT_PRESET_TEXT" val="请在此处添加标题"/>
+  <p:tag name="KSO_WM_UNIT_TYPE" val="i"/>
+  <p:tag name="KSO_WM_UNIT_ID" val="custom20185073_1*i*0"/>
+  <p:tag name="KSO_WM_TEMPLATE_CATEGORY" val="custom"/>
+  <p:tag name="KSO_WM_TEMPLATE_INDEX" val="20185073"/>
+  <p:tag name="KSO_WM_UNIT_INDEX" val="0"/>
 </p:tagLst>
 </file>
 
 <file path=ppt/tags/tag10.xml><?xml version="1.0" encoding="utf-8"?>
+<p:tagLst xmlns:p="http://schemas.openxmlformats.org/presentationml/2006/main">
+  <p:tag name="KSO_WM_TAG_VERSION" val="1.0"/>
+  <p:tag name="KSO_WM_TEMPLATE_CATEGORY" val="preset"/>
+  <p:tag name="KSO_WM_TEMPLATE_INDEX" val="1"/>
+  <p:tag name="KSO_WM_UNIT_TYPE" val="l_h_f"/>
+  <p:tag name="KSO_WM_UNIT_INDEX" val="1_2_1"/>
+  <p:tag name="KSO_WM_UNIT_ID" val="150995254*l_h_f*1_2_1"/>
+  <p:tag name="KSO_WM_UNIT_CLEAR" val="1"/>
+  <p:tag name="KSO_WM_UNIT_LAYERLEVEL" val="1_1_1"/>
+  <p:tag name="KSO_WM_UNIT_VALUE" val="40"/>
+  <p:tag name="KSO_WM_UNIT_HIGHLIGHT" val="0"/>
+  <p:tag name="KSO_WM_UNIT_COMPATIBLE" val="0"/>
+  <p:tag name="KSO_WM_UNIT_PRESET_TEXT" val="请在此处添加文本"/>
+  <p:tag name="KSO_WM_BEAUTIFY_FLAG" val="#wm#"/>
+  <p:tag name="KSO_WM_DIAGRAM_GROUP_CODE" val="第六组"/>
+  <p:tag name="KSO_WM_UNIT_LINE_FORE_SCHEMECOLOR_INDEX" val="14"/>
+  <p:tag name="KSO_WM_UNIT_LINE_FILL_TYPE" val="2"/>
+  <p:tag name="KSO_WM_UNIT_TEXT_FILL_FORE_SCHEMECOLOR_INDEX" val="13"/>
+  <p:tag name="KSO_WM_UNIT_TEXT_FILL_TYPE" val="1"/>
+  <p:tag name="KSO_WM_UNIT_USESOURCEFORMAT_APPLY" val="0"/>
+</p:tagLst>
+</file>
+
+<file path=ppt/tags/tag100.xml><?xml version="1.0" encoding="utf-8"?>
+<p:tagLst xmlns:p="http://schemas.openxmlformats.org/presentationml/2006/main">
+  <p:tag name="KSO_WM_BEAUTIFY_FLAG" val="#wm#"/>
+  <p:tag name="KSO_WM_TEMPLATE_CATEGORY" val="custom"/>
+  <p:tag name="KSO_WM_TEMPLATE_INDEX" val="20188997"/>
+</p:tagLst>
+</file>
+
+<file path=ppt/tags/tag101.xml><?xml version="1.0" encoding="utf-8"?>
+<p:tagLst xmlns:p="http://schemas.openxmlformats.org/presentationml/2006/main">
+  <p:tag name="KSO_WM_TAG_VERSION" val="1.0"/>
+  <p:tag name="KSO_WM_TEMPLATE_CATEGORY" val="preset"/>
+  <p:tag name="KSO_WM_TEMPLATE_INDEX" val="1"/>
+  <p:tag name="KSO_WM_UNIT_TYPE" val="l_h_a"/>
+  <p:tag name="KSO_WM_UNIT_INDEX" val="1_1_1"/>
+  <p:tag name="KSO_WM_UNIT_ID" val="150995237*l_h_a*1_1_1"/>
+  <p:tag name="KSO_WM_UNIT_CLEAR" val="1"/>
+  <p:tag name="KSO_WM_UNIT_LAYERLEVEL" val="1_1_1"/>
+  <p:tag name="KSO_WM_UNIT_VALUE" val="28"/>
+  <p:tag name="KSO_WM_UNIT_HIGHLIGHT" val="0"/>
+  <p:tag name="KSO_WM_UNIT_COMPATIBLE" val="0"/>
+  <p:tag name="KSO_WM_UNIT_PRESET_TEXT" val="在此添加小标题"/>
+  <p:tag name="KSO_WM_BEAUTIFY_FLAG" val="#wm#"/>
+  <p:tag name="KSO_WM_DIAGRAM_GROUP_CODE" val="第三组"/>
+  <p:tag name="KSO_WM_UNIT_LINE_FORE_SCHEMECOLOR_INDEX" val="14"/>
+  <p:tag name="KSO_WM_UNIT_LINE_FILL_TYPE" val="2"/>
+  <p:tag name="KSO_WM_UNIT_TEXT_FILL_FORE_SCHEMECOLOR_INDEX" val="13"/>
+  <p:tag name="KSO_WM_UNIT_TEXT_FILL_TYPE" val="1"/>
+  <p:tag name="KSO_WM_UNIT_USESOURCEFORMAT_APPLY" val="0"/>
+</p:tagLst>
+</file>
+
+<file path=ppt/tags/tag102.xml><?xml version="1.0" encoding="utf-8"?>
+<p:tagLst xmlns:p="http://schemas.openxmlformats.org/presentationml/2006/main">
+  <p:tag name="KSO_WM_TAG_VERSION" val="1.0"/>
+  <p:tag name="KSO_WM_TEMPLATE_CATEGORY" val="preset"/>
+  <p:tag name="KSO_WM_TEMPLATE_INDEX" val="1"/>
+  <p:tag name="KSO_WM_UNIT_TYPE" val="l_h_f"/>
+  <p:tag name="KSO_WM_UNIT_INDEX" val="1_1_1"/>
+  <p:tag name="KSO_WM_UNIT_ID" val="150995237*l_h_f*1_1_1"/>
+  <p:tag name="KSO_WM_UNIT_CLEAR" val="1"/>
+  <p:tag name="KSO_WM_UNIT_LAYERLEVEL" val="1_1_1"/>
+  <p:tag name="KSO_WM_UNIT_VALUE" val="168"/>
+  <p:tag name="KSO_WM_UNIT_HIGHLIGHT" val="0"/>
+  <p:tag name="KSO_WM_UNIT_COMPATIBLE" val="0"/>
+  <p:tag name="KSO_WM_UNIT_PRESET_TEXT" val="请在此处添加文本"/>
+  <p:tag name="KSO_WM_BEAUTIFY_FLAG" val="#wm#"/>
+  <p:tag name="KSO_WM_DIAGRAM_GROUP_CODE" val="第三组"/>
+  <p:tag name="KSO_WM_UNIT_LINE_FORE_SCHEMECOLOR_INDEX" val="14"/>
+  <p:tag name="KSO_WM_UNIT_LINE_FILL_TYPE" val="2"/>
+  <p:tag name="KSO_WM_UNIT_TEXT_FILL_FORE_SCHEMECOLOR_INDEX" val="13"/>
+  <p:tag name="KSO_WM_UNIT_TEXT_FILL_TYPE" val="1"/>
+  <p:tag name="KSO_WM_UNIT_USESOURCEFORMAT_APPLY" val="0"/>
+</p:tagLst>
+</file>
+
+<file path=ppt/tags/tag103.xml><?xml version="1.0" encoding="utf-8"?>
+<p:tagLst xmlns:p="http://schemas.openxmlformats.org/presentationml/2006/main">
+  <p:tag name="KSO_WM_TAG_VERSION" val="1.0"/>
+  <p:tag name="KSO_WM_TEMPLATE_CATEGORY" val="preset"/>
+  <p:tag name="KSO_WM_TEMPLATE_INDEX" val="1"/>
+  <p:tag name="KSO_WM_UNIT_TYPE" val="l_h_a"/>
+  <p:tag name="KSO_WM_UNIT_INDEX" val="1_2_1"/>
+  <p:tag name="KSO_WM_UNIT_ID" val="150995237*l_h_a*1_2_1"/>
+  <p:tag name="KSO_WM_UNIT_CLEAR" val="1"/>
+  <p:tag name="KSO_WM_UNIT_LAYERLEVEL" val="1_1_1"/>
+  <p:tag name="KSO_WM_UNIT_VALUE" val="28"/>
+  <p:tag name="KSO_WM_UNIT_HIGHLIGHT" val="0"/>
+  <p:tag name="KSO_WM_UNIT_COMPATIBLE" val="0"/>
+  <p:tag name="KSO_WM_UNIT_PRESET_TEXT" val="在此添加小标题"/>
+  <p:tag name="KSO_WM_BEAUTIFY_FLAG" val="#wm#"/>
+  <p:tag name="KSO_WM_DIAGRAM_GROUP_CODE" val="第三组"/>
+  <p:tag name="KSO_WM_UNIT_LINE_FORE_SCHEMECOLOR_INDEX" val="14"/>
+  <p:tag name="KSO_WM_UNIT_LINE_FILL_TYPE" val="2"/>
+  <p:tag name="KSO_WM_UNIT_TEXT_FILL_FORE_SCHEMECOLOR_INDEX" val="13"/>
+  <p:tag name="KSO_WM_UNIT_TEXT_FILL_TYPE" val="1"/>
+  <p:tag name="KSO_WM_UNIT_USESOURCEFORMAT_APPLY" val="0"/>
+</p:tagLst>
+</file>
+
+<file path=ppt/tags/tag104.xml><?xml version="1.0" encoding="utf-8"?>
+<p:tagLst xmlns:p="http://schemas.openxmlformats.org/presentationml/2006/main">
+  <p:tag name="KSO_WM_TAG_VERSION" val="1.0"/>
+  <p:tag name="KSO_WM_TEMPLATE_CATEGORY" val="preset"/>
+  <p:tag name="KSO_WM_TEMPLATE_INDEX" val="1"/>
+  <p:tag name="KSO_WM_UNIT_TYPE" val="l_h_f"/>
+  <p:tag name="KSO_WM_UNIT_INDEX" val="1_2_1"/>
+  <p:tag name="KSO_WM_UNIT_ID" val="150995237*l_h_f*1_2_1"/>
+  <p:tag name="KSO_WM_UNIT_CLEAR" val="1"/>
+  <p:tag name="KSO_WM_UNIT_LAYERLEVEL" val="1_1_1"/>
+  <p:tag name="KSO_WM_UNIT_VALUE" val="168"/>
+  <p:tag name="KSO_WM_UNIT_HIGHLIGHT" val="0"/>
+  <p:tag name="KSO_WM_UNIT_COMPATIBLE" val="0"/>
+  <p:tag name="KSO_WM_UNIT_PRESET_TEXT" val="请在此处添加文本"/>
+  <p:tag name="KSO_WM_BEAUTIFY_FLAG" val="#wm#"/>
+  <p:tag name="KSO_WM_DIAGRAM_GROUP_CODE" val="第三组"/>
+  <p:tag name="KSO_WM_UNIT_LINE_FORE_SCHEMECOLOR_INDEX" val="14"/>
+  <p:tag name="KSO_WM_UNIT_LINE_FILL_TYPE" val="2"/>
+  <p:tag name="KSO_WM_UNIT_TEXT_FILL_FORE_SCHEMECOLOR_INDEX" val="13"/>
+  <p:tag name="KSO_WM_UNIT_TEXT_FILL_TYPE" val="1"/>
+  <p:tag name="KSO_WM_UNIT_USESOURCEFORMAT_APPLY" val="0"/>
+</p:tagLst>
+</file>
+
+<file path=ppt/tags/tag105.xml><?xml version="1.0" encoding="utf-8"?>
+<p:tagLst xmlns:p="http://schemas.openxmlformats.org/presentationml/2006/main">
+  <p:tag name="KSO_WM_SLIDE_ID" val="150995237"/>
+  <p:tag name="KSO_WM_SLIDE_INDEX" val="53"/>
+  <p:tag name="KSO_WM_SLIDE_ITEM_CNT" val="2"/>
+  <p:tag name="KSO_WM_SLIDE_LAYOUT" val="l"/>
+  <p:tag name="KSO_WM_SLIDE_LAYOUT_CNT" val="1"/>
+  <p:tag name="KSO_WM_SLIDE_TYPE" val="text"/>
+  <p:tag name="KSO_WM_BEAUTIFY_FLAG" val="#wm#"/>
+  <p:tag name="KSO_WM_SLIDE_POSITION" val="97*76"/>
+  <p:tag name="KSO_WM_SLIDE_SIZE" val="764*391"/>
+  <p:tag name="KSO_WM_TEMPLATE_CATEGORY" val="custom"/>
+  <p:tag name="KSO_WM_TEMPLATE_INDEX" val="20188997"/>
+  <p:tag name="KSO_WM_TAG_VERSION" val="1.0"/>
+  <p:tag name="KSO_WM_DIAGRAM_GROUP_CODE" val="第三组"/>
+</p:tagLst>
+</file>
+
+<file path=ppt/tags/tag106.xml><?xml version="1.0" encoding="utf-8"?>
+<p:tagLst xmlns:p="http://schemas.openxmlformats.org/presentationml/2006/main">
+  <p:tag name="KSO_WM_BEAUTIFY_FLAG" val="#wm#"/>
+  <p:tag name="KSO_WM_TEMPLATE_CATEGORY" val="custom"/>
+  <p:tag name="KSO_WM_TEMPLATE_INDEX" val="20188997"/>
+</p:tagLst>
+</file>
+
+<file path=ppt/tags/tag11.xml><?xml version="1.0" encoding="utf-8"?>
+<p:tagLst xmlns:p="http://schemas.openxmlformats.org/presentationml/2006/main">
+  <p:tag name="KSO_WM_SLIDE_ID" val="150995254"/>
+  <p:tag name="KSO_WM_SLIDE_INDEX" val="56"/>
+  <p:tag name="KSO_WM_SLIDE_ITEM_CNT" val="2"/>
+  <p:tag name="KSO_WM_SLIDE_LAYOUT" val="l"/>
+  <p:tag name="KSO_WM_SLIDE_LAYOUT_CNT" val="1"/>
+  <p:tag name="KSO_WM_SLIDE_TYPE" val="contents"/>
+  <p:tag name="KSO_WM_BEAUTIFY_FLAG" val="#wm#"/>
+  <p:tag name="KSO_WM_TEMPLATE_CATEGORY" val="custom"/>
+  <p:tag name="KSO_WM_TEMPLATE_INDEX" val="20188997"/>
+  <p:tag name="KSO_WM_TAG_VERSION" val="1.0"/>
+  <p:tag name="KSO_WM_DIAGRAM_GROUP_CODE" val="第六组"/>
+</p:tagLst>
+</file>
+
+<file path=ppt/tags/tag12.xml><?xml version="1.0" encoding="utf-8"?>
+<p:tagLst xmlns:p="http://schemas.openxmlformats.org/presentationml/2006/main">
+  <p:tag name="KSO_WM_TAG_VERSION" val="1.0"/>
+  <p:tag name="KSO_WM_TEMPLATE_CATEGORY" val="preset"/>
+  <p:tag name="KSO_WM_TEMPLATE_INDEX" val="1"/>
+  <p:tag name="KSO_WM_UNIT_TYPE" val="l_i"/>
+  <p:tag name="KSO_WM_UNIT_INDEX" val="1_1"/>
+  <p:tag name="KSO_WM_UNIT_ID" val="150995264*l_i*1_1"/>
+  <p:tag name="KSO_WM_UNIT_CLEAR" val="1"/>
+  <p:tag name="KSO_WM_UNIT_LAYERLEVEL" val="1_1"/>
+  <p:tag name="KSO_WM_BEAUTIFY_FLAG" val="#wm#"/>
+  <p:tag name="KSO_WM_DIAGRAM_GROUP_CODE" val="第七组"/>
+  <p:tag name="KSO_WM_UNIT_FILL_FORE_SCHEMECOLOR_INDEX" val="16"/>
+  <p:tag name="KSO_WM_UNIT_FILL_TYPE" val="1"/>
+  <p:tag name="KSO_WM_UNIT_TEXT_FILL_FORE_SCHEMECOLOR_INDEX" val="2"/>
+  <p:tag name="KSO_WM_UNIT_TEXT_FILL_TYPE" val="1"/>
+  <p:tag name="KSO_WM_UNIT_USESOURCEFORMAT_APPLY" val="0"/>
+</p:tagLst>
+</file>
+
+<file path=ppt/tags/tag13.xml><?xml version="1.0" encoding="utf-8"?>
+<p:tagLst xmlns:p="http://schemas.openxmlformats.org/presentationml/2006/main">
+  <p:tag name="KSO_WM_TAG_VERSION" val="1.0"/>
+  <p:tag name="KSO_WM_TEMPLATE_CATEGORY" val="preset"/>
+  <p:tag name="KSO_WM_TEMPLATE_INDEX" val="1"/>
+  <p:tag name="KSO_WM_UNIT_TYPE" val="l_i"/>
+  <p:tag name="KSO_WM_UNIT_INDEX" val="1_2"/>
+  <p:tag name="KSO_WM_UNIT_ID" val="150995264*l_i*1_2"/>
+  <p:tag name="KSO_WM_UNIT_CLEAR" val="1"/>
+  <p:tag name="KSO_WM_UNIT_LAYERLEVEL" val="1_1"/>
+  <p:tag name="KSO_WM_BEAUTIFY_FLAG" val="#wm#"/>
+  <p:tag name="KSO_WM_DIAGRAM_GROUP_CODE" val="第七组"/>
+  <p:tag name="KSO_WM_UNIT_FILL_FORE_SCHEMECOLOR_INDEX" val="16"/>
+  <p:tag name="KSO_WM_UNIT_FILL_TYPE" val="1"/>
+  <p:tag name="KSO_WM_UNIT_TEXT_FILL_FORE_SCHEMECOLOR_INDEX" val="2"/>
+  <p:tag name="KSO_WM_UNIT_TEXT_FILL_TYPE" val="1"/>
+  <p:tag name="KSO_WM_UNIT_USESOURCEFORMAT_APPLY" val="0"/>
+</p:tagLst>
+</file>
+
+<file path=ppt/tags/tag14.xml><?xml version="1.0" encoding="utf-8"?>
 <p:tagLst xmlns:p="http://schemas.openxmlformats.org/presentationml/2006/main">
   <p:tag name="KSO_WM_TAG_VERSION" val="1.0"/>
   <p:tag name="KSO_WM_TEMPLATE_CATEGORY" val="preset"/>
@@ -15358,7 +16201,7 @@
 </p:tagLst>
 </file>
 
-<file path=ppt/tags/tag11.xml><?xml version="1.0" encoding="utf-8"?>
+<file path=ppt/tags/tag15.xml><?xml version="1.0" encoding="utf-8"?>
 <p:tagLst xmlns:p="http://schemas.openxmlformats.org/presentationml/2006/main">
   <p:tag name="KSO_WM_TAG_VERSION" val="1.0"/>
   <p:tag name="KSO_WM_TEMPLATE_CATEGORY" val="preset"/>
@@ -15380,7 +16223,7 @@
 </p:tagLst>
 </file>
 
-<file path=ppt/tags/tag12.xml><?xml version="1.0" encoding="utf-8"?>
+<file path=ppt/tags/tag16.xml><?xml version="1.0" encoding="utf-8"?>
 <p:tagLst xmlns:p="http://schemas.openxmlformats.org/presentationml/2006/main">
   <p:tag name="KSO_WM_TAG_VERSION" val="1.0"/>
   <p:tag name="KSO_WM_TEMPLATE_CATEGORY" val="preset"/>
@@ -15402,7 +16245,7 @@
 </p:tagLst>
 </file>
 
-<file path=ppt/tags/tag13.xml><?xml version="1.0" encoding="utf-8"?>
+<file path=ppt/tags/tag17.xml><?xml version="1.0" encoding="utf-8"?>
 <p:tagLst xmlns:p="http://schemas.openxmlformats.org/presentationml/2006/main">
   <p:tag name="KSO_WM_TAG_VERSION" val="1.0"/>
   <p:tag name="KSO_WM_TEMPLATE_CATEGORY" val="preset"/>
@@ -15424,7 +16267,7 @@
 </p:tagLst>
 </file>
 
-<file path=ppt/tags/tag14.xml><?xml version="1.0" encoding="utf-8"?>
+<file path=ppt/tags/tag18.xml><?xml version="1.0" encoding="utf-8"?>
 <p:tagLst xmlns:p="http://schemas.openxmlformats.org/presentationml/2006/main">
   <p:tag name="KSO_WM_SLIDE_ID" val="150995264"/>
   <p:tag name="KSO_WM_SLIDE_INDEX" val="9"/>
@@ -15433,14 +16276,14 @@
   <p:tag name="KSO_WM_SLIDE_LAYOUT_CNT" val="1"/>
   <p:tag name="KSO_WM_SLIDE_TYPE" val="contents"/>
   <p:tag name="KSO_WM_BEAUTIFY_FLAG" val="#wm#"/>
-  <p:tag name="KSO_WM_TEMPLATE_CATEGORY" val="preset"/>
-  <p:tag name="KSO_WM_TEMPLATE_INDEX" val="1"/>
+  <p:tag name="KSO_WM_TEMPLATE_CATEGORY" val="custom"/>
+  <p:tag name="KSO_WM_TEMPLATE_INDEX" val="20188997"/>
   <p:tag name="KSO_WM_TAG_VERSION" val="1.0"/>
   <p:tag name="KSO_WM_DIAGRAM_GROUP_CODE" val="第七组"/>
 </p:tagLst>
 </file>
 
-<file path=ppt/tags/tag15.xml><?xml version="1.0" encoding="utf-8"?>
+<file path=ppt/tags/tag19.xml><?xml version="1.0" encoding="utf-8"?>
 <p:tagLst xmlns:p="http://schemas.openxmlformats.org/presentationml/2006/main">
   <p:tag name="KSO_WM_TAG_VERSION" val="1.0"/>
   <p:tag name="KSO_WM_TEMPLATE_CATEGORY" val="preset"/>
@@ -15464,7 +16307,15 @@
 </p:tagLst>
 </file>
 
-<file path=ppt/tags/tag16.xml><?xml version="1.0" encoding="utf-8"?>
+<file path=ppt/tags/tag2.xml><?xml version="1.0" encoding="utf-8"?>
+<p:tagLst xmlns:p="http://schemas.openxmlformats.org/presentationml/2006/main">
+  <p:tag name="KSO_WM_TAG_VERSION" val="1.0"/>
+  <p:tag name="KSO_WM_TEMPLATE_CATEGORY" val="custom"/>
+  <p:tag name="KSO_WM_TEMPLATE_INDEX" val="20188997"/>
+</p:tagLst>
+</file>
+
+<file path=ppt/tags/tag20.xml><?xml version="1.0" encoding="utf-8"?>
 <p:tagLst xmlns:p="http://schemas.openxmlformats.org/presentationml/2006/main">
   <p:tag name="KSO_WM_TAG_VERSION" val="1.0"/>
   <p:tag name="KSO_WM_TEMPLATE_CATEGORY" val="preset"/>
@@ -15488,7 +16339,7 @@
 </p:tagLst>
 </file>
 
-<file path=ppt/tags/tag17.xml><?xml version="1.0" encoding="utf-8"?>
+<file path=ppt/tags/tag21.xml><?xml version="1.0" encoding="utf-8"?>
 <p:tagLst xmlns:p="http://schemas.openxmlformats.org/presentationml/2006/main">
   <p:tag name="KSO_WM_TAG_VERSION" val="1.0"/>
   <p:tag name="KSO_WM_TEMPLATE_CATEGORY" val="preset"/>
@@ -15512,7 +16363,7 @@
 </p:tagLst>
 </file>
 
-<file path=ppt/tags/tag18.xml><?xml version="1.0" encoding="utf-8"?>
+<file path=ppt/tags/tag22.xml><?xml version="1.0" encoding="utf-8"?>
 <p:tagLst xmlns:p="http://schemas.openxmlformats.org/presentationml/2006/main">
   <p:tag name="KSO_WM_TAG_VERSION" val="1.0"/>
   <p:tag name="KSO_WM_TEMPLATE_CATEGORY" val="preset"/>
@@ -15532,7 +16383,7 @@
 </p:tagLst>
 </file>
 
-<file path=ppt/tags/tag19.xml><?xml version="1.0" encoding="utf-8"?>
+<file path=ppt/tags/tag23.xml><?xml version="1.0" encoding="utf-8"?>
 <p:tagLst xmlns:p="http://schemas.openxmlformats.org/presentationml/2006/main">
   <p:tag name="KSO_WM_TAG_VERSION" val="1.0"/>
   <p:tag name="KSO_WM_TEMPLATE_CATEGORY" val="preset"/>
@@ -15552,26 +16403,7 @@
 </p:tagLst>
 </file>
 
-<file path=ppt/tags/tag2.xml><?xml version="1.0" encoding="utf-8"?>
-<p:tagLst xmlns:p="http://schemas.openxmlformats.org/presentationml/2006/main">
-  <p:tag name="KSO_WM_TAG_VERSION" val="1.0"/>
-  <p:tag name="KSO_WM_TEMPLATE_CATEGORY" val="preset"/>
-  <p:tag name="KSO_WM_TEMPLATE_INDEX" val="1"/>
-  <p:tag name="KSO_WM_UNIT_TYPE" val="b"/>
-  <p:tag name="KSO_WM_UNIT_INDEX" val="1"/>
-  <p:tag name="KSO_WM_UNIT_ID" val="150995208*b*1"/>
-  <p:tag name="KSO_WM_UNIT_CLEAR" val="1"/>
-  <p:tag name="KSO_WM_UNIT_LAYERLEVEL" val="1"/>
-  <p:tag name="KSO_WM_UNIT_VALUE" val="80"/>
-  <p:tag name="KSO_WM_UNIT_ISCONTENTSTITLE" val="0"/>
-  <p:tag name="KSO_WM_UNIT_HIGHLIGHT" val="0"/>
-  <p:tag name="KSO_WM_UNIT_COMPATIBLE" val="0"/>
-  <p:tag name="KSO_WM_BEAUTIFY_FLAG" val="#wm#"/>
-  <p:tag name="KSO_WM_UNIT_PRESET_TEXT" val="请在此处添加副标题"/>
-</p:tagLst>
-</file>
-
-<file path=ppt/tags/tag20.xml><?xml version="1.0" encoding="utf-8"?>
+<file path=ppt/tags/tag24.xml><?xml version="1.0" encoding="utf-8"?>
 <p:tagLst xmlns:p="http://schemas.openxmlformats.org/presentationml/2006/main">
   <p:tag name="KSO_WM_TAG_VERSION" val="1.0"/>
   <p:tag name="KSO_WM_TEMPLATE_CATEGORY" val="preset"/>
@@ -15591,7 +16423,7 @@
 </p:tagLst>
 </file>
 
-<file path=ppt/tags/tag21.xml><?xml version="1.0" encoding="utf-8"?>
+<file path=ppt/tags/tag25.xml><?xml version="1.0" encoding="utf-8"?>
 <p:tagLst xmlns:p="http://schemas.openxmlformats.org/presentationml/2006/main">
   <p:tag name="KSO_WM_TAG_VERSION" val="1.0"/>
   <p:tag name="KSO_WM_TEMPLATE_CATEGORY" val="preset"/>
@@ -15610,7 +16442,7 @@
 </p:tagLst>
 </file>
 
-<file path=ppt/tags/tag22.xml><?xml version="1.0" encoding="utf-8"?>
+<file path=ppt/tags/tag26.xml><?xml version="1.0" encoding="utf-8"?>
 <p:tagLst xmlns:p="http://schemas.openxmlformats.org/presentationml/2006/main">
   <p:tag name="KSO_WM_SLIDE_ID" val="150995273"/>
   <p:tag name="KSO_WM_SLIDE_INDEX" val="12"/>
@@ -15621,69 +16453,96 @@
   <p:tag name="KSO_WM_BEAUTIFY_FLAG" val="#wm#"/>
   <p:tag name="KSO_WM_SLIDE_POSITION" val="61*142"/>
   <p:tag name="KSO_WM_SLIDE_SIZE" val="821*318"/>
-  <p:tag name="KSO_WM_TEMPLATE_CATEGORY" val="preset"/>
-  <p:tag name="KSO_WM_TEMPLATE_INDEX" val="1"/>
+  <p:tag name="KSO_WM_TEMPLATE_CATEGORY" val="custom"/>
+  <p:tag name="KSO_WM_TEMPLATE_INDEX" val="20188997"/>
   <p:tag name="KSO_WM_TAG_VERSION" val="1.0"/>
   <p:tag name="KSO_WM_DIAGRAM_GROUP_CODE" val="第十组"/>
 </p:tagLst>
 </file>
 
-<file path=ppt/tags/tag23.xml><?xml version="1.0" encoding="utf-8"?>
+<file path=ppt/tags/tag27.xml><?xml version="1.0" encoding="utf-8"?>
+<p:tagLst xmlns:p="http://schemas.openxmlformats.org/presentationml/2006/main">
+  <p:tag name="KSO_WM_TEMPLATE_CATEGORY" val="custom"/>
+  <p:tag name="KSO_WM_TEMPLATE_INDEX" val="20188997"/>
+  <p:tag name="KSO_WM_UNIT_TYPE" val="f"/>
+  <p:tag name="KSO_WM_UNIT_INDEX" val="1"/>
+  <p:tag name="KSO_WM_UNIT_LAYERLEVEL" val="1"/>
+  <p:tag name="KSO_WM_UNIT_VALUE" val="602"/>
+  <p:tag name="KSO_WM_UNIT_HIGHLIGHT" val="0"/>
+  <p:tag name="KSO_WM_UNIT_COMPATIBLE" val="0"/>
+  <p:tag name="KSO_WM_UNIT_CLEAR" val="0"/>
+  <p:tag name="KSO_WM_DIAGRAM_GROUP_CODE" val="l1-9"/>
+  <p:tag name="KSO_WM_BEAUTIFY_FLAG" val="#wm#"/>
+  <p:tag name="KSO_WM_TAG_VERSION" val="1.0"/>
+  <p:tag name="KSO_WM_UNIT_ID" val="custom20188997_13*f*1"/>
+  <p:tag name="KSO_WM_UNIT_PRESET_TEXT" val="[1] 点击输入本栏的具体文字，简明扼要地说明分项内容,作为概念的解说。&#13;[2] 点击输入本栏的具体文字，简明扼要地说明分项内容,作为概念的解说。&#13;[3] 点击输入本栏的具体文字，简明扼要地说明分项内容,作为概念的解说。&#13;[4] 点击输入本栏的具体文字，简明扼要地说明分项内容,作为概念的解说。&#13;[5] 点击输入本栏的具体文字，简明扼要地说明分项内容,作为概念的解说。&#13;[6] 点击输入本栏的具体文字，简明扼要地说明分项内容,作为概念的解说。&#13;[7] 点击输入本栏的具体文字，简明扼要地说明分项内容,作为概念的解说。&#13;[8] 点击输入本栏的具体文字，简明扼要地说明分项内容,作为概念的解说。&#13;[9] 点击输入本栏的具体文字，简明扼要地说明分项内容,作为概念的解说。"/>
+  <p:tag name="KSO_WM_UNIT_TEXT_FILL_FORE_SCHEMECOLOR_INDEX" val="13"/>
+  <p:tag name="KSO_WM_UNIT_TEXT_FILL_TYPE" val="1"/>
+  <p:tag name="KSO_WM_UNIT_USESOURCEFORMAT_APPLY" val="1"/>
+</p:tagLst>
+</file>
+
+<file path=ppt/tags/tag28.xml><?xml version="1.0" encoding="utf-8"?>
 <p:tagLst xmlns:p="http://schemas.openxmlformats.org/presentationml/2006/main">
   <p:tag name="KSO_WM_TAG_VERSION" val="1.0"/>
-  <p:tag name="KSO_WM_TEMPLATE_CATEGORY" val="preset"/>
-  <p:tag name="KSO_WM_TEMPLATE_INDEX" val="1"/>
+  <p:tag name="KSO_WM_BEAUTIFY_FLAG" val="#wm#"/>
+  <p:tag name="KSO_WM_UNIT_TYPE" val="i"/>
+  <p:tag name="KSO_WM_UNIT_ID" val="custom20188997_13*i*1"/>
+  <p:tag name="KSO_WM_TEMPLATE_CATEGORY" val="custom"/>
+  <p:tag name="KSO_WM_TEMPLATE_INDEX" val="20188997"/>
+  <p:tag name="KSO_WM_UNIT_INDEX" val="1"/>
+</p:tagLst>
+</file>
+
+<file path=ppt/tags/tag29.xml><?xml version="1.0" encoding="utf-8"?>
+<p:tagLst xmlns:p="http://schemas.openxmlformats.org/presentationml/2006/main">
+  <p:tag name="KSO_WM_TEMPLATE_CATEGORY" val="custom"/>
+  <p:tag name="KSO_WM_TEMPLATE_INDEX" val="20188997"/>
   <p:tag name="KSO_WM_UNIT_TYPE" val="a"/>
   <p:tag name="KSO_WM_UNIT_INDEX" val="1"/>
-  <p:tag name="KSO_WM_UNIT_ID" val="150995287*a*1"/>
-  <p:tag name="KSO_WM_UNIT_CLEAR" val="1"/>
   <p:tag name="KSO_WM_UNIT_LAYERLEVEL" val="1"/>
-  <p:tag name="KSO_WM_UNIT_VALUE" val="40"/>
+  <p:tag name="KSO_WM_UNIT_VALUE" val="11"/>
   <p:tag name="KSO_WM_UNIT_ISCONTENTSTITLE" val="0"/>
   <p:tag name="KSO_WM_UNIT_HIGHLIGHT" val="0"/>
   <p:tag name="KSO_WM_UNIT_COMPATIBLE" val="0"/>
-  <p:tag name="KSO_WM_UNIT_PRESET_TEXT" val="请在此处添加标题"/>
+  <p:tag name="KSO_WM_UNIT_CLEAR" val="0"/>
   <p:tag name="KSO_WM_BEAUTIFY_FLAG" val="#wm#"/>
+  <p:tag name="KSO_WM_TAG_VERSION" val="1.0"/>
+  <p:tag name="KSO_WM_UNIT_ID" val="custom20188997_13*a*1"/>
+  <p:tag name="KSO_WM_UNIT_PRESET_TEXT" val="5.3参考文献"/>
 </p:tagLst>
 </file>
 
-<file path=ppt/tags/tag24.xml><?xml version="1.0" encoding="utf-8"?>
+<file path=ppt/tags/tag3.xml><?xml version="1.0" encoding="utf-8"?>
 <p:tagLst xmlns:p="http://schemas.openxmlformats.org/presentationml/2006/main">
   <p:tag name="KSO_WM_TAG_VERSION" val="1.0"/>
-  <p:tag name="KSO_WM_TEMPLATE_CATEGORY" val="preset"/>
-  <p:tag name="KSO_WM_TEMPLATE_INDEX" val="1"/>
-  <p:tag name="KSO_WM_UNIT_TYPE" val="f"/>
-  <p:tag name="KSO_WM_UNIT_INDEX" val="1"/>
-  <p:tag name="KSO_WM_UNIT_ID" val="150995287*f*1"/>
-  <p:tag name="KSO_WM_UNIT_CLEAR" val="1"/>
-  <p:tag name="KSO_WM_UNIT_LAYERLEVEL" val="1"/>
-  <p:tag name="KSO_WM_UNIT_VALUE" val="130"/>
-  <p:tag name="KSO_WM_UNIT_HIGHLIGHT" val="0"/>
-  <p:tag name="KSO_WM_UNIT_COMPATIBLE" val="0"/>
-  <p:tag name="KSO_WM_UNIT_PRESET_TEXT" val="请在此处添加文本"/>
-  <p:tag name="KSO_WM_BEAUTIFY_FLAG" val="#wm#"/>
+  <p:tag name="KSO_WM_TEMPLATE_CATEGORY" val="custom"/>
+  <p:tag name="KSO_WM_TEMPLATE_INDEX" val="20188997"/>
 </p:tagLst>
 </file>
 
-<file path=ppt/tags/tag25.xml><?xml version="1.0" encoding="utf-8"?>
+<file path=ppt/tags/tag30.xml><?xml version="1.0" encoding="utf-8"?>
 <p:tagLst xmlns:p="http://schemas.openxmlformats.org/presentationml/2006/main">
-  <p:tag name="KSO_WM_SLIDE_ID" val="150995287"/>
-  <p:tag name="KSO_WM_SLIDE_INDEX" val="15"/>
-  <p:tag name="KSO_WM_SLIDE_ITEM_CNT" val="4"/>
-  <p:tag name="KSO_WM_SLIDE_LAYOUT" val="a_f_o"/>
-  <p:tag name="KSO_WM_SLIDE_LAYOUT_CNT" val="1_1_1"/>
+  <p:tag name="KSO_WM_SLIDE_ID" val="custom20188997_13"/>
+  <p:tag name="KSO_WM_SLIDE_INDEX" val="13"/>
+  <p:tag name="KSO_WM_SLIDE_ITEM_CNT" val="5"/>
+  <p:tag name="KSO_WM_SLIDE_LAYOUT" val="a_f"/>
+  <p:tag name="KSO_WM_SLIDE_LAYOUT_CNT" val="1_1"/>
   <p:tag name="KSO_WM_SLIDE_TYPE" val="text"/>
   <p:tag name="KSO_WM_BEAUTIFY_FLAG" val="#wm#"/>
-  <p:tag name="KSO_WM_SLIDE_POSITION" val="66*147"/>
-  <p:tag name="KSO_WM_SLIDE_SIZE" val="801*313"/>
-  <p:tag name="KSO_WM_TEMPLATE_CATEGORY" val="preset"/>
-  <p:tag name="KSO_WM_TEMPLATE_INDEX" val="1"/>
+  <p:tag name="KSO_WM_SLIDE_POSITION" val="72*126"/>
+  <p:tag name="KSO_WM_SLIDE_SIZE" val="714*362"/>
+  <p:tag name="KSO_WM_TEMPLATE_CATEGORY" val="custom"/>
+  <p:tag name="KSO_WM_TEMPLATE_INDEX" val="20188997"/>
   <p:tag name="KSO_WM_TAG_VERSION" val="1.0"/>
   <p:tag name="KSO_WM_DIAGRAM_GROUP_CODE" val="第十三组"/>
+  <p:tag name="KSO_WM_SLIDE_SUBTYPE" val="diag"/>
+  <p:tag name="KSO_WM_COMBINE_RELATE_SLIDE_ID" val="background20185107_13"/>
+  <p:tag name="KSO_WM_TEMPLATE_SUBCATEGORY" val="combine"/>
 </p:tagLst>
 </file>
 
-<file path=ppt/tags/tag26.xml><?xml version="1.0" encoding="utf-8"?>
+<file path=ppt/tags/tag31.xml><?xml version="1.0" encoding="utf-8"?>
 <p:tagLst xmlns:p="http://schemas.openxmlformats.org/presentationml/2006/main">
   <p:tag name="KSO_WM_TAG_VERSION" val="1.0"/>
   <p:tag name="KSO_WM_TEMPLATE_CATEGORY" val="preset"/>
@@ -15702,7 +16561,7 @@
 </p:tagLst>
 </file>
 
-<file path=ppt/tags/tag27.xml><?xml version="1.0" encoding="utf-8"?>
+<file path=ppt/tags/tag32.xml><?xml version="1.0" encoding="utf-8"?>
 <p:tagLst xmlns:p="http://schemas.openxmlformats.org/presentationml/2006/main">
   <p:tag name="KSO_WM_TAG_VERSION" val="1.0"/>
   <p:tag name="KSO_WM_TEMPLATE_CATEGORY" val="preset"/>
@@ -15726,7 +16585,7 @@
 </p:tagLst>
 </file>
 
-<file path=ppt/tags/tag28.xml><?xml version="1.0" encoding="utf-8"?>
+<file path=ppt/tags/tag33.xml><?xml version="1.0" encoding="utf-8"?>
 <p:tagLst xmlns:p="http://schemas.openxmlformats.org/presentationml/2006/main">
   <p:tag name="KSO_WM_TAG_VERSION" val="1.0"/>
   <p:tag name="KSO_WM_TEMPLATE_CATEGORY" val="preset"/>
@@ -15750,7 +16609,7 @@
 </p:tagLst>
 </file>
 
-<file path=ppt/tags/tag29.xml><?xml version="1.0" encoding="utf-8"?>
+<file path=ppt/tags/tag34.xml><?xml version="1.0" encoding="utf-8"?>
 <p:tagLst xmlns:p="http://schemas.openxmlformats.org/presentationml/2006/main">
   <p:tag name="KSO_WM_TAG_VERSION" val="1.0"/>
   <p:tag name="KSO_WM_TEMPLATE_CATEGORY" val="preset"/>
@@ -15774,24 +16633,7 @@
 </p:tagLst>
 </file>
 
-<file path=ppt/tags/tag3.xml><?xml version="1.0" encoding="utf-8"?>
-<p:tagLst xmlns:p="http://schemas.openxmlformats.org/presentationml/2006/main">
-  <p:tag name="KSO_WM_TAG_VERSION" val="1.0"/>
-  <p:tag name="KSO_WM_TEMPLATE_CATEGORY" val="preset"/>
-  <p:tag name="KSO_WM_TEMPLATE_INDEX" val="1"/>
-  <p:tag name="KSO_WM_UNIT_TYPE" val="d"/>
-  <p:tag name="KSO_WM_UNIT_INDEX" val="1"/>
-  <p:tag name="KSO_WM_UNIT_ID" val="150995208*d*1"/>
-  <p:tag name="KSO_WM_UNIT_CLEAR" val="0"/>
-  <p:tag name="KSO_WM_UNIT_LAYERLEVEL" val="1"/>
-  <p:tag name="KSO_WM_UNIT_VALUE" val="965*2770"/>
-  <p:tag name="KSO_WM_UNIT_HIGHLIGHT" val="0"/>
-  <p:tag name="KSO_WM_UNIT_COMPATIBLE" val="0"/>
-  <p:tag name="KSO_WM_BEAUTIFY_FLAG" val="#wm#"/>
-</p:tagLst>
-</file>
-
-<file path=ppt/tags/tag30.xml><?xml version="1.0" encoding="utf-8"?>
+<file path=ppt/tags/tag35.xml><?xml version="1.0" encoding="utf-8"?>
 <p:tagLst xmlns:p="http://schemas.openxmlformats.org/presentationml/2006/main">
   <p:tag name="KSO_WM_TAG_VERSION" val="1.0"/>
   <p:tag name="KSO_WM_TEMPLATE_CATEGORY" val="preset"/>
@@ -15815,7 +16657,7 @@
 </p:tagLst>
 </file>
 
-<file path=ppt/tags/tag31.xml><?xml version="1.0" encoding="utf-8"?>
+<file path=ppt/tags/tag36.xml><?xml version="1.0" encoding="utf-8"?>
 <p:tagLst xmlns:p="http://schemas.openxmlformats.org/presentationml/2006/main">
   <p:tag name="KSO_WM_TAG_VERSION" val="1.0"/>
   <p:tag name="KSO_WM_TEMPLATE_CATEGORY" val="preset"/>
@@ -15839,7 +16681,7 @@
 </p:tagLst>
 </file>
 
-<file path=ppt/tags/tag32.xml><?xml version="1.0" encoding="utf-8"?>
+<file path=ppt/tags/tag37.xml><?xml version="1.0" encoding="utf-8"?>
 <p:tagLst xmlns:p="http://schemas.openxmlformats.org/presentationml/2006/main">
   <p:tag name="KSO_WM_TAG_VERSION" val="1.0"/>
   <p:tag name="KSO_WM_TEMPLATE_CATEGORY" val="preset"/>
@@ -15863,7 +16705,7 @@
 </p:tagLst>
 </file>
 
-<file path=ppt/tags/tag33.xml><?xml version="1.0" encoding="utf-8"?>
+<file path=ppt/tags/tag38.xml><?xml version="1.0" encoding="utf-8"?>
 <p:tagLst xmlns:p="http://schemas.openxmlformats.org/presentationml/2006/main">
   <p:tag name="KSO_WM_SLIDE_ID" val="150995233"/>
   <p:tag name="KSO_WM_SLIDE_INDEX" val="4"/>
@@ -15874,14 +16716,14 @@
   <p:tag name="KSO_WM_BEAUTIFY_FLAG" val="#wm#"/>
   <p:tag name="KSO_WM_SLIDE_POSITION" val="84*124"/>
   <p:tag name="KSO_WM_SLIDE_SIZE" val="790*359"/>
-  <p:tag name="KSO_WM_TEMPLATE_CATEGORY" val="preset"/>
-  <p:tag name="KSO_WM_TEMPLATE_INDEX" val="1"/>
+  <p:tag name="KSO_WM_TEMPLATE_CATEGORY" val="custom"/>
+  <p:tag name="KSO_WM_TEMPLATE_INDEX" val="20188997"/>
   <p:tag name="KSO_WM_TAG_VERSION" val="1.0"/>
   <p:tag name="KSO_WM_DIAGRAM_GROUP_CODE" val="第二组"/>
 </p:tagLst>
 </file>
 
-<file path=ppt/tags/tag34.xml><?xml version="1.0" encoding="utf-8"?>
+<file path=ppt/tags/tag39.xml><?xml version="1.0" encoding="utf-8"?>
 <p:tagLst xmlns:p="http://schemas.openxmlformats.org/presentationml/2006/main">
   <p:tag name="KSO_WM_TAG_VERSION" val="1.0"/>
   <p:tag name="KSO_WM_TEMPLATE_CATEGORY" val="preset"/>
@@ -15901,7 +16743,19 @@
 </p:tagLst>
 </file>
 
-<file path=ppt/tags/tag35.xml><?xml version="1.0" encoding="utf-8"?>
+<file path=ppt/tags/tag4.xml><?xml version="1.0" encoding="utf-8"?>
+<p:tagLst xmlns:p="http://schemas.openxmlformats.org/presentationml/2006/main">
+  <p:tag name="KSO_WM_TAG_VERSION" val="1.0"/>
+  <p:tag name="KSO_WM_BEAUTIFY_FLAG" val="#wm#"/>
+  <p:tag name="KSO_WM_COMBINE_RELATE_SLIDE_ID" val="background20185107_1"/>
+  <p:tag name="KSO_WM_TEMPLATE_CATEGORY" val="custom"/>
+  <p:tag name="KSO_WM_TEMPLATE_INDEX" val="20188997"/>
+  <p:tag name="KSO_WM_TEMPLATE_SUBCATEGORY" val="combine"/>
+  <p:tag name="KSO_WM_TEMPLATE_THUMBS_INDEX" val="1、2、3、4、6、8、10、12、13、14"/>
+</p:tagLst>
+</file>
+
+<file path=ppt/tags/tag40.xml><?xml version="1.0" encoding="utf-8"?>
 <p:tagLst xmlns:p="http://schemas.openxmlformats.org/presentationml/2006/main">
   <p:tag name="KSO_WM_TAG_VERSION" val="1.0"/>
   <p:tag name="KSO_WM_TEMPLATE_CATEGORY" val="preset"/>
@@ -15921,7 +16775,7 @@
 </p:tagLst>
 </file>
 
-<file path=ppt/tags/tag36.xml><?xml version="1.0" encoding="utf-8"?>
+<file path=ppt/tags/tag41.xml><?xml version="1.0" encoding="utf-8"?>
 <p:tagLst xmlns:p="http://schemas.openxmlformats.org/presentationml/2006/main">
   <p:tag name="KSO_WM_TAG_VERSION" val="1.0"/>
   <p:tag name="KSO_WM_TEMPLATE_CATEGORY" val="preset"/>
@@ -15943,7 +16797,7 @@
 </p:tagLst>
 </file>
 
-<file path=ppt/tags/tag37.xml><?xml version="1.0" encoding="utf-8"?>
+<file path=ppt/tags/tag42.xml><?xml version="1.0" encoding="utf-8"?>
 <p:tagLst xmlns:p="http://schemas.openxmlformats.org/presentationml/2006/main">
   <p:tag name="KSO_WM_TAG_VERSION" val="1.0"/>
   <p:tag name="KSO_WM_TEMPLATE_CATEGORY" val="preset"/>
@@ -15965,7 +16819,7 @@
 </p:tagLst>
 </file>
 
-<file path=ppt/tags/tag38.xml><?xml version="1.0" encoding="utf-8"?>
+<file path=ppt/tags/tag43.xml><?xml version="1.0" encoding="utf-8"?>
 <p:tagLst xmlns:p="http://schemas.openxmlformats.org/presentationml/2006/main">
   <p:tag name="KSO_WM_TAG_VERSION" val="1.0"/>
   <p:tag name="KSO_WM_TEMPLATE_CATEGORY" val="preset"/>
@@ -15984,7 +16838,7 @@
 </p:tagLst>
 </file>
 
-<file path=ppt/tags/tag39.xml><?xml version="1.0" encoding="utf-8"?>
+<file path=ppt/tags/tag44.xml><?xml version="1.0" encoding="utf-8"?>
 <p:tagLst xmlns:p="http://schemas.openxmlformats.org/presentationml/2006/main">
   <p:tag name="KSO_WM_SLIDE_ID" val="150995263"/>
   <p:tag name="KSO_WM_SLIDE_INDEX" val="57"/>
@@ -15993,29 +16847,14 @@
   <p:tag name="KSO_WM_SLIDE_LAYOUT_CNT" val="1"/>
   <p:tag name="KSO_WM_SLIDE_TYPE" val="contents"/>
   <p:tag name="KSO_WM_BEAUTIFY_FLAG" val="#wm#"/>
-  <p:tag name="KSO_WM_TEMPLATE_CATEGORY" val="preset"/>
-  <p:tag name="KSO_WM_TEMPLATE_INDEX" val="1"/>
+  <p:tag name="KSO_WM_TEMPLATE_CATEGORY" val="custom"/>
+  <p:tag name="KSO_WM_TEMPLATE_INDEX" val="20188997"/>
   <p:tag name="KSO_WM_TAG_VERSION" val="1.0"/>
   <p:tag name="KSO_WM_DIAGRAM_GROUP_CODE" val="第七组"/>
 </p:tagLst>
 </file>
 
-<file path=ppt/tags/tag4.xml><?xml version="1.0" encoding="utf-8"?>
-<p:tagLst xmlns:p="http://schemas.openxmlformats.org/presentationml/2006/main">
-  <p:tag name="KSO_WM_SLIDE_ID" val="150995208"/>
-  <p:tag name="KSO_WM_SLIDE_INDEX" val="1"/>
-  <p:tag name="KSO_WM_SLIDE_ITEM_CNT" val="3"/>
-  <p:tag name="KSO_WM_SLIDE_LAYOUT" val="a_b_d"/>
-  <p:tag name="KSO_WM_SLIDE_LAYOUT_CNT" val="1_1_1"/>
-  <p:tag name="KSO_WM_SLIDE_TYPE" val="title"/>
-  <p:tag name="KSO_WM_BEAUTIFY_FLAG" val="#wm#"/>
-  <p:tag name="KSO_WM_TEMPLATE_CATEGORY" val="preset"/>
-  <p:tag name="KSO_WM_TEMPLATE_INDEX" val="1"/>
-  <p:tag name="KSO_WM_TAG_VERSION" val="1.0"/>
-</p:tagLst>
-</file>
-
-<file path=ppt/tags/tag40.xml><?xml version="1.0" encoding="utf-8"?>
+<file path=ppt/tags/tag45.xml><?xml version="1.0" encoding="utf-8"?>
 <p:tagLst xmlns:p="http://schemas.openxmlformats.org/presentationml/2006/main">
   <p:tag name="KSO_WM_TAG_VERSION" val="1.0"/>
   <p:tag name="KSO_WM_TEMPLATE_CATEGORY" val="preset"/>
@@ -16039,7 +16878,7 @@
 </p:tagLst>
 </file>
 
-<file path=ppt/tags/tag41.xml><?xml version="1.0" encoding="utf-8"?>
+<file path=ppt/tags/tag46.xml><?xml version="1.0" encoding="utf-8"?>
 <p:tagLst xmlns:p="http://schemas.openxmlformats.org/presentationml/2006/main">
   <p:tag name="KSO_WM_TAG_VERSION" val="1.0"/>
   <p:tag name="KSO_WM_TEMPLATE_CATEGORY" val="preset"/>
@@ -16063,7 +16902,7 @@
 </p:tagLst>
 </file>
 
-<file path=ppt/tags/tag42.xml><?xml version="1.0" encoding="utf-8"?>
+<file path=ppt/tags/tag47.xml><?xml version="1.0" encoding="utf-8"?>
 <p:tagLst xmlns:p="http://schemas.openxmlformats.org/presentationml/2006/main">
   <p:tag name="KSO_WM_TAG_VERSION" val="1.0"/>
   <p:tag name="KSO_WM_TEMPLATE_CATEGORY" val="preset"/>
@@ -16087,7 +16926,7 @@
 </p:tagLst>
 </file>
 
-<file path=ppt/tags/tag43.xml><?xml version="1.0" encoding="utf-8"?>
+<file path=ppt/tags/tag48.xml><?xml version="1.0" encoding="utf-8"?>
 <p:tagLst xmlns:p="http://schemas.openxmlformats.org/presentationml/2006/main">
   <p:tag name="KSO_WM_TAG_VERSION" val="1.0"/>
   <p:tag name="KSO_WM_TEMPLATE_CATEGORY" val="preset"/>
@@ -16107,7 +16946,7 @@
 </p:tagLst>
 </file>
 
-<file path=ppt/tags/tag44.xml><?xml version="1.0" encoding="utf-8"?>
+<file path=ppt/tags/tag49.xml><?xml version="1.0" encoding="utf-8"?>
 <p:tagLst xmlns:p="http://schemas.openxmlformats.org/presentationml/2006/main">
   <p:tag name="KSO_WM_TAG_VERSION" val="1.0"/>
   <p:tag name="KSO_WM_TEMPLATE_CATEGORY" val="preset"/>
@@ -16127,7 +16966,26 @@
 </p:tagLst>
 </file>
 
-<file path=ppt/tags/tag45.xml><?xml version="1.0" encoding="utf-8"?>
+<file path=ppt/tags/tag5.xml><?xml version="1.0" encoding="utf-8"?>
+<p:tagLst xmlns:p="http://schemas.openxmlformats.org/presentationml/2006/main">
+  <p:tag name="KSO_WM_TAG_VERSION" val="1.0"/>
+  <p:tag name="KSO_WM_TEMPLATE_CATEGORY" val="preset"/>
+  <p:tag name="KSO_WM_TEMPLATE_INDEX" val="1"/>
+  <p:tag name="KSO_WM_UNIT_TYPE" val="a"/>
+  <p:tag name="KSO_WM_UNIT_INDEX" val="1"/>
+  <p:tag name="KSO_WM_UNIT_ID" val="150995208*a*1"/>
+  <p:tag name="KSO_WM_UNIT_CLEAR" val="1"/>
+  <p:tag name="KSO_WM_UNIT_LAYERLEVEL" val="1"/>
+  <p:tag name="KSO_WM_UNIT_VALUE" val="30"/>
+  <p:tag name="KSO_WM_UNIT_ISCONTENTSTITLE" val="0"/>
+  <p:tag name="KSO_WM_UNIT_HIGHLIGHT" val="0"/>
+  <p:tag name="KSO_WM_UNIT_COMPATIBLE" val="0"/>
+  <p:tag name="KSO_WM_BEAUTIFY_FLAG" val="#wm#"/>
+  <p:tag name="KSO_WM_UNIT_PRESET_TEXT" val="请在此处添加标题"/>
+</p:tagLst>
+</file>
+
+<file path=ppt/tags/tag50.xml><?xml version="1.0" encoding="utf-8"?>
 <p:tagLst xmlns:p="http://schemas.openxmlformats.org/presentationml/2006/main">
   <p:tag name="KSO_WM_TAG_VERSION" val="1.0"/>
   <p:tag name="KSO_WM_TEMPLATE_CATEGORY" val="preset"/>
@@ -16147,7 +17005,7 @@
 </p:tagLst>
 </file>
 
-<file path=ppt/tags/tag46.xml><?xml version="1.0" encoding="utf-8"?>
+<file path=ppt/tags/tag51.xml><?xml version="1.0" encoding="utf-8"?>
 <p:tagLst xmlns:p="http://schemas.openxmlformats.org/presentationml/2006/main">
   <p:tag name="KSO_WM_TAG_VERSION" val="1.0"/>
   <p:tag name="KSO_WM_TEMPLATE_CATEGORY" val="preset"/>
@@ -16166,7 +17024,7 @@
 </p:tagLst>
 </file>
 
-<file path=ppt/tags/tag47.xml><?xml version="1.0" encoding="utf-8"?>
+<file path=ppt/tags/tag52.xml><?xml version="1.0" encoding="utf-8"?>
 <p:tagLst xmlns:p="http://schemas.openxmlformats.org/presentationml/2006/main">
   <p:tag name="KSO_WM_SLIDE_ID" val="150995273"/>
   <p:tag name="KSO_WM_SLIDE_INDEX" val="12"/>
@@ -16177,14 +17035,460 @@
   <p:tag name="KSO_WM_BEAUTIFY_FLAG" val="#wm#"/>
   <p:tag name="KSO_WM_SLIDE_POSITION" val="61*142"/>
   <p:tag name="KSO_WM_SLIDE_SIZE" val="821*318"/>
-  <p:tag name="KSO_WM_TEMPLATE_CATEGORY" val="preset"/>
-  <p:tag name="KSO_WM_TEMPLATE_INDEX" val="1"/>
+  <p:tag name="KSO_WM_TEMPLATE_CATEGORY" val="custom"/>
+  <p:tag name="KSO_WM_TEMPLATE_INDEX" val="20188997"/>
   <p:tag name="KSO_WM_TAG_VERSION" val="1.0"/>
   <p:tag name="KSO_WM_DIAGRAM_GROUP_CODE" val="第十组"/>
 </p:tagLst>
 </file>
 
-<file path=ppt/tags/tag48.xml><?xml version="1.0" encoding="utf-8"?>
+<file path=ppt/tags/tag53.xml><?xml version="1.0" encoding="utf-8"?>
+<p:tagLst xmlns:p="http://schemas.openxmlformats.org/presentationml/2006/main">
+  <p:tag name="KSO_WM_TEMPLATE_CATEGORY" val="custom"/>
+  <p:tag name="KSO_WM_TEMPLATE_INDEX" val="20188997"/>
+  <p:tag name="KSO_WM_UNIT_TYPE" val="f"/>
+  <p:tag name="KSO_WM_UNIT_INDEX" val="1"/>
+  <p:tag name="KSO_WM_UNIT_LAYERLEVEL" val="1"/>
+  <p:tag name="KSO_WM_UNIT_VALUE" val="602"/>
+  <p:tag name="KSO_WM_UNIT_HIGHLIGHT" val="0"/>
+  <p:tag name="KSO_WM_UNIT_COMPATIBLE" val="0"/>
+  <p:tag name="KSO_WM_UNIT_CLEAR" val="0"/>
+  <p:tag name="KSO_WM_DIAGRAM_GROUP_CODE" val="l1-9"/>
+  <p:tag name="KSO_WM_BEAUTIFY_FLAG" val="#wm#"/>
+  <p:tag name="KSO_WM_TAG_VERSION" val="1.0"/>
+  <p:tag name="KSO_WM_UNIT_ID" val="custom20188997_13*f*1"/>
+  <p:tag name="KSO_WM_UNIT_PRESET_TEXT" val="[1] 点击输入本栏的具体文字，简明扼要地说明分项内容,作为概念的解说。&#13;[2] 点击输入本栏的具体文字，简明扼要地说明分项内容,作为概念的解说。&#13;[3] 点击输入本栏的具体文字，简明扼要地说明分项内容,作为概念的解说。&#13;[4] 点击输入本栏的具体文字，简明扼要地说明分项内容,作为概念的解说。&#13;[5] 点击输入本栏的具体文字，简明扼要地说明分项内容,作为概念的解说。&#13;[6] 点击输入本栏的具体文字，简明扼要地说明分项内容,作为概念的解说。&#13;[7] 点击输入本栏的具体文字，简明扼要地说明分项内容,作为概念的解说。&#13;[8] 点击输入本栏的具体文字，简明扼要地说明分项内容,作为概念的解说。&#13;[9] 点击输入本栏的具体文字，简明扼要地说明分项内容,作为概念的解说。"/>
+  <p:tag name="KSO_WM_UNIT_TEXT_FILL_FORE_SCHEMECOLOR_INDEX" val="13"/>
+  <p:tag name="KSO_WM_UNIT_TEXT_FILL_TYPE" val="1"/>
+  <p:tag name="KSO_WM_UNIT_USESOURCEFORMAT_APPLY" val="1"/>
+</p:tagLst>
+</file>
+
+<file path=ppt/tags/tag54.xml><?xml version="1.0" encoding="utf-8"?>
+<p:tagLst xmlns:p="http://schemas.openxmlformats.org/presentationml/2006/main">
+  <p:tag name="KSO_WM_TAG_VERSION" val="1.0"/>
+  <p:tag name="KSO_WM_BEAUTIFY_FLAG" val="#wm#"/>
+  <p:tag name="KSO_WM_UNIT_TYPE" val="i"/>
+  <p:tag name="KSO_WM_UNIT_ID" val="custom20188997_13*i*1"/>
+  <p:tag name="KSO_WM_TEMPLATE_CATEGORY" val="custom"/>
+  <p:tag name="KSO_WM_TEMPLATE_INDEX" val="20188997"/>
+  <p:tag name="KSO_WM_UNIT_INDEX" val="1"/>
+</p:tagLst>
+</file>
+
+<file path=ppt/tags/tag55.xml><?xml version="1.0" encoding="utf-8"?>
+<p:tagLst xmlns:p="http://schemas.openxmlformats.org/presentationml/2006/main">
+  <p:tag name="KSO_WM_TEMPLATE_CATEGORY" val="custom"/>
+  <p:tag name="KSO_WM_TEMPLATE_INDEX" val="20188997"/>
+  <p:tag name="KSO_WM_UNIT_TYPE" val="a"/>
+  <p:tag name="KSO_WM_UNIT_INDEX" val="1"/>
+  <p:tag name="KSO_WM_UNIT_LAYERLEVEL" val="1"/>
+  <p:tag name="KSO_WM_UNIT_VALUE" val="11"/>
+  <p:tag name="KSO_WM_UNIT_ISCONTENTSTITLE" val="0"/>
+  <p:tag name="KSO_WM_UNIT_HIGHLIGHT" val="0"/>
+  <p:tag name="KSO_WM_UNIT_COMPATIBLE" val="0"/>
+  <p:tag name="KSO_WM_UNIT_CLEAR" val="0"/>
+  <p:tag name="KSO_WM_BEAUTIFY_FLAG" val="#wm#"/>
+  <p:tag name="KSO_WM_TAG_VERSION" val="1.0"/>
+  <p:tag name="KSO_WM_UNIT_ID" val="custom20188997_13*a*1"/>
+  <p:tag name="KSO_WM_UNIT_PRESET_TEXT" val="5.3参考文献"/>
+</p:tagLst>
+</file>
+
+<file path=ppt/tags/tag56.xml><?xml version="1.0" encoding="utf-8"?>
+<p:tagLst xmlns:p="http://schemas.openxmlformats.org/presentationml/2006/main">
+  <p:tag name="KSO_WM_SLIDE_ID" val="custom20188997_13"/>
+  <p:tag name="KSO_WM_SLIDE_INDEX" val="13"/>
+  <p:tag name="KSO_WM_SLIDE_ITEM_CNT" val="5"/>
+  <p:tag name="KSO_WM_SLIDE_LAYOUT" val="a_f"/>
+  <p:tag name="KSO_WM_SLIDE_LAYOUT_CNT" val="1_1"/>
+  <p:tag name="KSO_WM_SLIDE_TYPE" val="text"/>
+  <p:tag name="KSO_WM_BEAUTIFY_FLAG" val="#wm#"/>
+  <p:tag name="KSO_WM_SLIDE_POSITION" val="72*126"/>
+  <p:tag name="KSO_WM_SLIDE_SIZE" val="714*362"/>
+  <p:tag name="KSO_WM_TEMPLATE_CATEGORY" val="custom"/>
+  <p:tag name="KSO_WM_TEMPLATE_INDEX" val="20188997"/>
+  <p:tag name="KSO_WM_TAG_VERSION" val="1.0"/>
+  <p:tag name="KSO_WM_DIAGRAM_GROUP_CODE" val="第十三组"/>
+  <p:tag name="KSO_WM_SLIDE_SUBTYPE" val="diag"/>
+  <p:tag name="KSO_WM_COMBINE_RELATE_SLIDE_ID" val="background20185107_13"/>
+  <p:tag name="KSO_WM_TEMPLATE_SUBCATEGORY" val="combine"/>
+</p:tagLst>
+</file>
+
+<file path=ppt/tags/tag57.xml><?xml version="1.0" encoding="utf-8"?>
+<p:tagLst xmlns:p="http://schemas.openxmlformats.org/presentationml/2006/main">
+  <p:tag name="KSO_WM_TEMPLATE_CATEGORY" val="custom"/>
+  <p:tag name="KSO_WM_TEMPLATE_INDEX" val="20188997"/>
+  <p:tag name="KSO_WM_UNIT_TYPE" val="f"/>
+  <p:tag name="KSO_WM_UNIT_INDEX" val="1"/>
+  <p:tag name="KSO_WM_UNIT_LAYERLEVEL" val="1"/>
+  <p:tag name="KSO_WM_UNIT_VALUE" val="602"/>
+  <p:tag name="KSO_WM_UNIT_HIGHLIGHT" val="0"/>
+  <p:tag name="KSO_WM_UNIT_COMPATIBLE" val="0"/>
+  <p:tag name="KSO_WM_UNIT_CLEAR" val="0"/>
+  <p:tag name="KSO_WM_DIAGRAM_GROUP_CODE" val="l1-9"/>
+  <p:tag name="KSO_WM_BEAUTIFY_FLAG" val="#wm#"/>
+  <p:tag name="KSO_WM_TAG_VERSION" val="1.0"/>
+  <p:tag name="KSO_WM_UNIT_ID" val="custom20188997_13*f*1"/>
+  <p:tag name="KSO_WM_UNIT_PRESET_TEXT" val="[1] 点击输入本栏的具体文字，简明扼要地说明分项内容,作为概念的解说。&#13;[2] 点击输入本栏的具体文字，简明扼要地说明分项内容,作为概念的解说。&#13;[3] 点击输入本栏的具体文字，简明扼要地说明分项内容,作为概念的解说。&#13;[4] 点击输入本栏的具体文字，简明扼要地说明分项内容,作为概念的解说。&#13;[5] 点击输入本栏的具体文字，简明扼要地说明分项内容,作为概念的解说。&#13;[6] 点击输入本栏的具体文字，简明扼要地说明分项内容,作为概念的解说。&#13;[7] 点击输入本栏的具体文字，简明扼要地说明分项内容,作为概念的解说。&#13;[8] 点击输入本栏的具体文字，简明扼要地说明分项内容,作为概念的解说。&#13;[9] 点击输入本栏的具体文字，简明扼要地说明分项内容,作为概念的解说。"/>
+  <p:tag name="KSO_WM_UNIT_TEXT_FILL_FORE_SCHEMECOLOR_INDEX" val="13"/>
+  <p:tag name="KSO_WM_UNIT_TEXT_FILL_TYPE" val="1"/>
+  <p:tag name="KSO_WM_UNIT_USESOURCEFORMAT_APPLY" val="1"/>
+</p:tagLst>
+</file>
+
+<file path=ppt/tags/tag58.xml><?xml version="1.0" encoding="utf-8"?>
+<p:tagLst xmlns:p="http://schemas.openxmlformats.org/presentationml/2006/main">
+  <p:tag name="KSO_WM_TAG_VERSION" val="1.0"/>
+  <p:tag name="KSO_WM_BEAUTIFY_FLAG" val="#wm#"/>
+  <p:tag name="KSO_WM_UNIT_TYPE" val="i"/>
+  <p:tag name="KSO_WM_UNIT_ID" val="custom20188997_13*i*1"/>
+  <p:tag name="KSO_WM_TEMPLATE_CATEGORY" val="custom"/>
+  <p:tag name="KSO_WM_TEMPLATE_INDEX" val="20188997"/>
+  <p:tag name="KSO_WM_UNIT_INDEX" val="1"/>
+</p:tagLst>
+</file>
+
+<file path=ppt/tags/tag59.xml><?xml version="1.0" encoding="utf-8"?>
+<p:tagLst xmlns:p="http://schemas.openxmlformats.org/presentationml/2006/main">
+  <p:tag name="KSO_WM_TEMPLATE_CATEGORY" val="custom"/>
+  <p:tag name="KSO_WM_TEMPLATE_INDEX" val="20188997"/>
+  <p:tag name="KSO_WM_UNIT_TYPE" val="a"/>
+  <p:tag name="KSO_WM_UNIT_INDEX" val="1"/>
+  <p:tag name="KSO_WM_UNIT_LAYERLEVEL" val="1"/>
+  <p:tag name="KSO_WM_UNIT_VALUE" val="11"/>
+  <p:tag name="KSO_WM_UNIT_ISCONTENTSTITLE" val="0"/>
+  <p:tag name="KSO_WM_UNIT_HIGHLIGHT" val="0"/>
+  <p:tag name="KSO_WM_UNIT_COMPATIBLE" val="0"/>
+  <p:tag name="KSO_WM_UNIT_CLEAR" val="0"/>
+  <p:tag name="KSO_WM_BEAUTIFY_FLAG" val="#wm#"/>
+  <p:tag name="KSO_WM_TAG_VERSION" val="1.0"/>
+  <p:tag name="KSO_WM_UNIT_ID" val="custom20188997_13*a*1"/>
+  <p:tag name="KSO_WM_UNIT_PRESET_TEXT" val="5.3参考文献"/>
+</p:tagLst>
+</file>
+
+<file path=ppt/tags/tag6.xml><?xml version="1.0" encoding="utf-8"?>
+<p:tagLst xmlns:p="http://schemas.openxmlformats.org/presentationml/2006/main">
+  <p:tag name="KSO_WM_TAG_VERSION" val="1.0"/>
+  <p:tag name="KSO_WM_TEMPLATE_CATEGORY" val="preset"/>
+  <p:tag name="KSO_WM_TEMPLATE_INDEX" val="1"/>
+  <p:tag name="KSO_WM_UNIT_TYPE" val="b"/>
+  <p:tag name="KSO_WM_UNIT_INDEX" val="1"/>
+  <p:tag name="KSO_WM_UNIT_ID" val="150995208*b*1"/>
+  <p:tag name="KSO_WM_UNIT_CLEAR" val="1"/>
+  <p:tag name="KSO_WM_UNIT_LAYERLEVEL" val="1"/>
+  <p:tag name="KSO_WM_UNIT_VALUE" val="80"/>
+  <p:tag name="KSO_WM_UNIT_ISCONTENTSTITLE" val="0"/>
+  <p:tag name="KSO_WM_UNIT_HIGHLIGHT" val="0"/>
+  <p:tag name="KSO_WM_UNIT_COMPATIBLE" val="0"/>
+  <p:tag name="KSO_WM_BEAUTIFY_FLAG" val="#wm#"/>
+  <p:tag name="KSO_WM_UNIT_PRESET_TEXT" val="请在此处添加副标题"/>
+</p:tagLst>
+</file>
+
+<file path=ppt/tags/tag60.xml><?xml version="1.0" encoding="utf-8"?>
+<p:tagLst xmlns:p="http://schemas.openxmlformats.org/presentationml/2006/main">
+  <p:tag name="KSO_WM_SLIDE_ID" val="custom20188997_13"/>
+  <p:tag name="KSO_WM_SLIDE_INDEX" val="13"/>
+  <p:tag name="KSO_WM_SLIDE_ITEM_CNT" val="5"/>
+  <p:tag name="KSO_WM_SLIDE_LAYOUT" val="a_f"/>
+  <p:tag name="KSO_WM_SLIDE_LAYOUT_CNT" val="1_1"/>
+  <p:tag name="KSO_WM_SLIDE_TYPE" val="text"/>
+  <p:tag name="KSO_WM_BEAUTIFY_FLAG" val="#wm#"/>
+  <p:tag name="KSO_WM_SLIDE_POSITION" val="72*126"/>
+  <p:tag name="KSO_WM_SLIDE_SIZE" val="714*362"/>
+  <p:tag name="KSO_WM_TEMPLATE_CATEGORY" val="custom"/>
+  <p:tag name="KSO_WM_TEMPLATE_INDEX" val="20188997"/>
+  <p:tag name="KSO_WM_TAG_VERSION" val="1.0"/>
+  <p:tag name="KSO_WM_DIAGRAM_GROUP_CODE" val="第十三组"/>
+  <p:tag name="KSO_WM_SLIDE_SUBTYPE" val="diag"/>
+  <p:tag name="KSO_WM_COMBINE_RELATE_SLIDE_ID" val="background20185107_13"/>
+  <p:tag name="KSO_WM_TEMPLATE_SUBCATEGORY" val="combine"/>
+</p:tagLst>
+</file>
+
+<file path=ppt/tags/tag61.xml><?xml version="1.0" encoding="utf-8"?>
+<p:tagLst xmlns:p="http://schemas.openxmlformats.org/presentationml/2006/main">
+  <p:tag name="KSO_WM_TEMPLATE_CATEGORY" val="custom"/>
+  <p:tag name="KSO_WM_TEMPLATE_INDEX" val="20188997"/>
+  <p:tag name="KSO_WM_UNIT_TYPE" val="f"/>
+  <p:tag name="KSO_WM_UNIT_INDEX" val="1"/>
+  <p:tag name="KSO_WM_UNIT_LAYERLEVEL" val="1"/>
+  <p:tag name="KSO_WM_UNIT_VALUE" val="602"/>
+  <p:tag name="KSO_WM_UNIT_HIGHLIGHT" val="0"/>
+  <p:tag name="KSO_WM_UNIT_COMPATIBLE" val="0"/>
+  <p:tag name="KSO_WM_UNIT_CLEAR" val="0"/>
+  <p:tag name="KSO_WM_DIAGRAM_GROUP_CODE" val="l1-9"/>
+  <p:tag name="KSO_WM_BEAUTIFY_FLAG" val="#wm#"/>
+  <p:tag name="KSO_WM_TAG_VERSION" val="1.0"/>
+  <p:tag name="KSO_WM_UNIT_ID" val="custom20188997_13*f*1"/>
+  <p:tag name="KSO_WM_UNIT_PRESET_TEXT" val="[1] 点击输入本栏的具体文字，简明扼要地说明分项内容,作为概念的解说。&#13;[2] 点击输入本栏的具体文字，简明扼要地说明分项内容,作为概念的解说。&#13;[3] 点击输入本栏的具体文字，简明扼要地说明分项内容,作为概念的解说。&#13;[4] 点击输入本栏的具体文字，简明扼要地说明分项内容,作为概念的解说。&#13;[5] 点击输入本栏的具体文字，简明扼要地说明分项内容,作为概念的解说。&#13;[6] 点击输入本栏的具体文字，简明扼要地说明分项内容,作为概念的解说。&#13;[7] 点击输入本栏的具体文字，简明扼要地说明分项内容,作为概念的解说。&#13;[8] 点击输入本栏的具体文字，简明扼要地说明分项内容,作为概念的解说。&#13;[9] 点击输入本栏的具体文字，简明扼要地说明分项内容,作为概念的解说。"/>
+  <p:tag name="KSO_WM_UNIT_TEXT_FILL_FORE_SCHEMECOLOR_INDEX" val="13"/>
+  <p:tag name="KSO_WM_UNIT_TEXT_FILL_TYPE" val="1"/>
+  <p:tag name="KSO_WM_UNIT_USESOURCEFORMAT_APPLY" val="1"/>
+</p:tagLst>
+</file>
+
+<file path=ppt/tags/tag62.xml><?xml version="1.0" encoding="utf-8"?>
+<p:tagLst xmlns:p="http://schemas.openxmlformats.org/presentationml/2006/main">
+  <p:tag name="KSO_WM_TAG_VERSION" val="1.0"/>
+  <p:tag name="KSO_WM_BEAUTIFY_FLAG" val="#wm#"/>
+  <p:tag name="KSO_WM_UNIT_TYPE" val="i"/>
+  <p:tag name="KSO_WM_UNIT_ID" val="custom20188997_13*i*1"/>
+  <p:tag name="KSO_WM_TEMPLATE_CATEGORY" val="custom"/>
+  <p:tag name="KSO_WM_TEMPLATE_INDEX" val="20188997"/>
+  <p:tag name="KSO_WM_UNIT_INDEX" val="1"/>
+</p:tagLst>
+</file>
+
+<file path=ppt/tags/tag63.xml><?xml version="1.0" encoding="utf-8"?>
+<p:tagLst xmlns:p="http://schemas.openxmlformats.org/presentationml/2006/main">
+  <p:tag name="KSO_WM_TEMPLATE_CATEGORY" val="custom"/>
+  <p:tag name="KSO_WM_TEMPLATE_INDEX" val="20188997"/>
+  <p:tag name="KSO_WM_UNIT_TYPE" val="a"/>
+  <p:tag name="KSO_WM_UNIT_INDEX" val="1"/>
+  <p:tag name="KSO_WM_UNIT_LAYERLEVEL" val="1"/>
+  <p:tag name="KSO_WM_UNIT_VALUE" val="11"/>
+  <p:tag name="KSO_WM_UNIT_ISCONTENTSTITLE" val="0"/>
+  <p:tag name="KSO_WM_UNIT_HIGHLIGHT" val="0"/>
+  <p:tag name="KSO_WM_UNIT_COMPATIBLE" val="0"/>
+  <p:tag name="KSO_WM_UNIT_CLEAR" val="0"/>
+  <p:tag name="KSO_WM_BEAUTIFY_FLAG" val="#wm#"/>
+  <p:tag name="KSO_WM_TAG_VERSION" val="1.0"/>
+  <p:tag name="KSO_WM_UNIT_ID" val="custom20188997_13*a*1"/>
+  <p:tag name="KSO_WM_UNIT_PRESET_TEXT" val="5.3参考文献"/>
+</p:tagLst>
+</file>
+
+<file path=ppt/tags/tag64.xml><?xml version="1.0" encoding="utf-8"?>
+<p:tagLst xmlns:p="http://schemas.openxmlformats.org/presentationml/2006/main">
+  <p:tag name="KSO_WM_SLIDE_ID" val="custom20188997_13"/>
+  <p:tag name="KSO_WM_SLIDE_INDEX" val="13"/>
+  <p:tag name="KSO_WM_SLIDE_ITEM_CNT" val="5"/>
+  <p:tag name="KSO_WM_SLIDE_LAYOUT" val="a_f"/>
+  <p:tag name="KSO_WM_SLIDE_LAYOUT_CNT" val="1_1"/>
+  <p:tag name="KSO_WM_SLIDE_TYPE" val="text"/>
+  <p:tag name="KSO_WM_BEAUTIFY_FLAG" val="#wm#"/>
+  <p:tag name="KSO_WM_SLIDE_POSITION" val="72*126"/>
+  <p:tag name="KSO_WM_SLIDE_SIZE" val="714*362"/>
+  <p:tag name="KSO_WM_TEMPLATE_CATEGORY" val="custom"/>
+  <p:tag name="KSO_WM_TEMPLATE_INDEX" val="20188997"/>
+  <p:tag name="KSO_WM_TAG_VERSION" val="1.0"/>
+  <p:tag name="KSO_WM_DIAGRAM_GROUP_CODE" val="第十三组"/>
+  <p:tag name="KSO_WM_SLIDE_SUBTYPE" val="diag"/>
+  <p:tag name="KSO_WM_COMBINE_RELATE_SLIDE_ID" val="background20185107_13"/>
+  <p:tag name="KSO_WM_TEMPLATE_SUBCATEGORY" val="combine"/>
+</p:tagLst>
+</file>
+
+<file path=ppt/tags/tag65.xml><?xml version="1.0" encoding="utf-8"?>
+<p:tagLst xmlns:p="http://schemas.openxmlformats.org/presentationml/2006/main">
+  <p:tag name="KSO_WM_TAG_VERSION" val="1.0"/>
+  <p:tag name="KSO_WM_TEMPLATE_CATEGORY" val="preset"/>
+  <p:tag name="KSO_WM_TEMPLATE_INDEX" val="1"/>
+  <p:tag name="KSO_WM_UNIT_TYPE" val="a"/>
+  <p:tag name="KSO_WM_UNIT_INDEX" val="1"/>
+  <p:tag name="KSO_WM_UNIT_ID" val="150995233*a*1"/>
+  <p:tag name="KSO_WM_UNIT_CLEAR" val="1"/>
+  <p:tag name="KSO_WM_UNIT_LAYERLEVEL" val="1"/>
+  <p:tag name="KSO_WM_UNIT_VALUE" val="22"/>
+  <p:tag name="KSO_WM_UNIT_ISCONTENTSTITLE" val="0"/>
+  <p:tag name="KSO_WM_UNIT_HIGHLIGHT" val="0"/>
+  <p:tag name="KSO_WM_UNIT_COMPATIBLE" val="0"/>
+  <p:tag name="KSO_WM_UNIT_PRESET_TEXT" val="请在此处添加标题"/>
+  <p:tag name="KSO_WM_BEAUTIFY_FLAG" val="#wm#"/>
+</p:tagLst>
+</file>
+
+<file path=ppt/tags/tag66.xml><?xml version="1.0" encoding="utf-8"?>
+<p:tagLst xmlns:p="http://schemas.openxmlformats.org/presentationml/2006/main">
+  <p:tag name="KSO_WM_TAG_VERSION" val="1.0"/>
+  <p:tag name="KSO_WM_TEMPLATE_CATEGORY" val="preset"/>
+  <p:tag name="KSO_WM_TEMPLATE_INDEX" val="1"/>
+  <p:tag name="KSO_WM_UNIT_TYPE" val="l_h_a"/>
+  <p:tag name="KSO_WM_UNIT_INDEX" val="1_1_1"/>
+  <p:tag name="KSO_WM_UNIT_ID" val="150995233*l_h_a*1_1_1"/>
+  <p:tag name="KSO_WM_UNIT_CLEAR" val="1"/>
+  <p:tag name="KSO_WM_UNIT_LAYERLEVEL" val="1_1_1"/>
+  <p:tag name="KSO_WM_UNIT_VALUE" val="9"/>
+  <p:tag name="KSO_WM_UNIT_HIGHLIGHT" val="0"/>
+  <p:tag name="KSO_WM_UNIT_COMPATIBLE" val="0"/>
+  <p:tag name="KSO_WM_UNIT_PRESET_TEXT" val="在此处添加小标题"/>
+  <p:tag name="KSO_WM_BEAUTIFY_FLAG" val="#wm#"/>
+  <p:tag name="KSO_WM_DIAGRAM_GROUP_CODE" val="第二组"/>
+  <p:tag name="KSO_WM_UNIT_LINE_FORE_SCHEMECOLOR_INDEX" val="14"/>
+  <p:tag name="KSO_WM_UNIT_LINE_FILL_TYPE" val="2"/>
+  <p:tag name="KSO_WM_UNIT_TEXT_FILL_FORE_SCHEMECOLOR_INDEX" val="13"/>
+  <p:tag name="KSO_WM_UNIT_TEXT_FILL_TYPE" val="1"/>
+  <p:tag name="KSO_WM_UNIT_USESOURCEFORMAT_APPLY" val="0"/>
+</p:tagLst>
+</file>
+
+<file path=ppt/tags/tag67.xml><?xml version="1.0" encoding="utf-8"?>
+<p:tagLst xmlns:p="http://schemas.openxmlformats.org/presentationml/2006/main">
+  <p:tag name="KSO_WM_TAG_VERSION" val="1.0"/>
+  <p:tag name="KSO_WM_TEMPLATE_CATEGORY" val="preset"/>
+  <p:tag name="KSO_WM_TEMPLATE_INDEX" val="1"/>
+  <p:tag name="KSO_WM_UNIT_TYPE" val="l_h_f"/>
+  <p:tag name="KSO_WM_UNIT_INDEX" val="1_1_1"/>
+  <p:tag name="KSO_WM_UNIT_ID" val="150995233*l_h_f*1_1_1"/>
+  <p:tag name="KSO_WM_UNIT_CLEAR" val="1"/>
+  <p:tag name="KSO_WM_UNIT_LAYERLEVEL" val="1_1_1"/>
+  <p:tag name="KSO_WM_UNIT_VALUE" val="99"/>
+  <p:tag name="KSO_WM_UNIT_HIGHLIGHT" val="0"/>
+  <p:tag name="KSO_WM_UNIT_COMPATIBLE" val="0"/>
+  <p:tag name="KSO_WM_UNIT_PRESET_TEXT" val="请在此处添加文本"/>
+  <p:tag name="KSO_WM_BEAUTIFY_FLAG" val="#wm#"/>
+  <p:tag name="KSO_WM_DIAGRAM_GROUP_CODE" val="第二组"/>
+  <p:tag name="KSO_WM_UNIT_LINE_FORE_SCHEMECOLOR_INDEX" val="14"/>
+  <p:tag name="KSO_WM_UNIT_LINE_FILL_TYPE" val="2"/>
+  <p:tag name="KSO_WM_UNIT_TEXT_FILL_FORE_SCHEMECOLOR_INDEX" val="13"/>
+  <p:tag name="KSO_WM_UNIT_TEXT_FILL_TYPE" val="1"/>
+  <p:tag name="KSO_WM_UNIT_USESOURCEFORMAT_APPLY" val="0"/>
+</p:tagLst>
+</file>
+
+<file path=ppt/tags/tag68.xml><?xml version="1.0" encoding="utf-8"?>
+<p:tagLst xmlns:p="http://schemas.openxmlformats.org/presentationml/2006/main">
+  <p:tag name="KSO_WM_TAG_VERSION" val="1.0"/>
+  <p:tag name="KSO_WM_TEMPLATE_CATEGORY" val="preset"/>
+  <p:tag name="KSO_WM_TEMPLATE_INDEX" val="1"/>
+  <p:tag name="KSO_WM_UNIT_TYPE" val="l_h_a"/>
+  <p:tag name="KSO_WM_UNIT_INDEX" val="1_2_1"/>
+  <p:tag name="KSO_WM_UNIT_ID" val="150995233*l_h_a*1_2_1"/>
+  <p:tag name="KSO_WM_UNIT_CLEAR" val="1"/>
+  <p:tag name="KSO_WM_UNIT_LAYERLEVEL" val="1_1_1"/>
+  <p:tag name="KSO_WM_UNIT_VALUE" val="9"/>
+  <p:tag name="KSO_WM_UNIT_HIGHLIGHT" val="0"/>
+  <p:tag name="KSO_WM_UNIT_COMPATIBLE" val="0"/>
+  <p:tag name="KSO_WM_UNIT_PRESET_TEXT" val="在此处添加小标题"/>
+  <p:tag name="KSO_WM_BEAUTIFY_FLAG" val="#wm#"/>
+  <p:tag name="KSO_WM_DIAGRAM_GROUP_CODE" val="第二组"/>
+  <p:tag name="KSO_WM_UNIT_LINE_FORE_SCHEMECOLOR_INDEX" val="14"/>
+  <p:tag name="KSO_WM_UNIT_LINE_FILL_TYPE" val="2"/>
+  <p:tag name="KSO_WM_UNIT_TEXT_FILL_FORE_SCHEMECOLOR_INDEX" val="13"/>
+  <p:tag name="KSO_WM_UNIT_TEXT_FILL_TYPE" val="1"/>
+  <p:tag name="KSO_WM_UNIT_USESOURCEFORMAT_APPLY" val="0"/>
+</p:tagLst>
+</file>
+
+<file path=ppt/tags/tag69.xml><?xml version="1.0" encoding="utf-8"?>
+<p:tagLst xmlns:p="http://schemas.openxmlformats.org/presentationml/2006/main">
+  <p:tag name="KSO_WM_TAG_VERSION" val="1.0"/>
+  <p:tag name="KSO_WM_TEMPLATE_CATEGORY" val="preset"/>
+  <p:tag name="KSO_WM_TEMPLATE_INDEX" val="1"/>
+  <p:tag name="KSO_WM_UNIT_TYPE" val="l_h_f"/>
+  <p:tag name="KSO_WM_UNIT_INDEX" val="1_2_1"/>
+  <p:tag name="KSO_WM_UNIT_ID" val="150995233*l_h_f*1_2_1"/>
+  <p:tag name="KSO_WM_UNIT_CLEAR" val="1"/>
+  <p:tag name="KSO_WM_UNIT_LAYERLEVEL" val="1_1_1"/>
+  <p:tag name="KSO_WM_UNIT_VALUE" val="99"/>
+  <p:tag name="KSO_WM_UNIT_HIGHLIGHT" val="0"/>
+  <p:tag name="KSO_WM_UNIT_COMPATIBLE" val="0"/>
+  <p:tag name="KSO_WM_UNIT_PRESET_TEXT" val="请在此处添加文本"/>
+  <p:tag name="KSO_WM_BEAUTIFY_FLAG" val="#wm#"/>
+  <p:tag name="KSO_WM_DIAGRAM_GROUP_CODE" val="第二组"/>
+  <p:tag name="KSO_WM_UNIT_LINE_FORE_SCHEMECOLOR_INDEX" val="14"/>
+  <p:tag name="KSO_WM_UNIT_LINE_FILL_TYPE" val="2"/>
+  <p:tag name="KSO_WM_UNIT_TEXT_FILL_FORE_SCHEMECOLOR_INDEX" val="13"/>
+  <p:tag name="KSO_WM_UNIT_TEXT_FILL_TYPE" val="1"/>
+  <p:tag name="KSO_WM_UNIT_USESOURCEFORMAT_APPLY" val="0"/>
+</p:tagLst>
+</file>
+
+<file path=ppt/tags/tag7.xml><?xml version="1.0" encoding="utf-8"?>
+<p:tagLst xmlns:p="http://schemas.openxmlformats.org/presentationml/2006/main">
+  <p:tag name="KSO_WM_TAG_VERSION" val="1.0"/>
+  <p:tag name="KSO_WM_TEMPLATE_CATEGORY" val="preset"/>
+  <p:tag name="KSO_WM_TEMPLATE_INDEX" val="1"/>
+  <p:tag name="KSO_WM_UNIT_TYPE" val="l_h_f"/>
+  <p:tag name="KSO_WM_UNIT_INDEX" val="1_2_1"/>
+  <p:tag name="KSO_WM_UNIT_ID" val="150995254*l_h_f*1_2_1"/>
+  <p:tag name="KSO_WM_UNIT_CLEAR" val="1"/>
+  <p:tag name="KSO_WM_UNIT_LAYERLEVEL" val="1_1_1"/>
+  <p:tag name="KSO_WM_UNIT_VALUE" val="40"/>
+  <p:tag name="KSO_WM_UNIT_HIGHLIGHT" val="0"/>
+  <p:tag name="KSO_WM_UNIT_COMPATIBLE" val="0"/>
+  <p:tag name="KSO_WM_UNIT_PRESET_TEXT" val="请在此处添加文本"/>
+  <p:tag name="KSO_WM_BEAUTIFY_FLAG" val="#wm#"/>
+  <p:tag name="KSO_WM_DIAGRAM_GROUP_CODE" val="第六组"/>
+  <p:tag name="KSO_WM_UNIT_LINE_FORE_SCHEMECOLOR_INDEX" val="14"/>
+  <p:tag name="KSO_WM_UNIT_LINE_FILL_TYPE" val="2"/>
+  <p:tag name="KSO_WM_UNIT_TEXT_FILL_FORE_SCHEMECOLOR_INDEX" val="13"/>
+  <p:tag name="KSO_WM_UNIT_TEXT_FILL_TYPE" val="1"/>
+  <p:tag name="KSO_WM_UNIT_USESOURCEFORMAT_APPLY" val="0"/>
+</p:tagLst>
+</file>
+
+<file path=ppt/tags/tag70.xml><?xml version="1.0" encoding="utf-8"?>
+<p:tagLst xmlns:p="http://schemas.openxmlformats.org/presentationml/2006/main">
+  <p:tag name="KSO_WM_TAG_VERSION" val="1.0"/>
+  <p:tag name="KSO_WM_TEMPLATE_CATEGORY" val="preset"/>
+  <p:tag name="KSO_WM_TEMPLATE_INDEX" val="1"/>
+  <p:tag name="KSO_WM_UNIT_TYPE" val="l_h_a"/>
+  <p:tag name="KSO_WM_UNIT_INDEX" val="1_3_1"/>
+  <p:tag name="KSO_WM_UNIT_ID" val="150995233*l_h_a*1_3_1"/>
+  <p:tag name="KSO_WM_UNIT_CLEAR" val="1"/>
+  <p:tag name="KSO_WM_UNIT_LAYERLEVEL" val="1_1_1"/>
+  <p:tag name="KSO_WM_UNIT_VALUE" val="9"/>
+  <p:tag name="KSO_WM_UNIT_HIGHLIGHT" val="0"/>
+  <p:tag name="KSO_WM_UNIT_COMPATIBLE" val="0"/>
+  <p:tag name="KSO_WM_UNIT_PRESET_TEXT" val="在此处添加小标题"/>
+  <p:tag name="KSO_WM_BEAUTIFY_FLAG" val="#wm#"/>
+  <p:tag name="KSO_WM_DIAGRAM_GROUP_CODE" val="第二组"/>
+  <p:tag name="KSO_WM_UNIT_LINE_FORE_SCHEMECOLOR_INDEX" val="14"/>
+  <p:tag name="KSO_WM_UNIT_LINE_FILL_TYPE" val="2"/>
+  <p:tag name="KSO_WM_UNIT_TEXT_FILL_FORE_SCHEMECOLOR_INDEX" val="13"/>
+  <p:tag name="KSO_WM_UNIT_TEXT_FILL_TYPE" val="1"/>
+  <p:tag name="KSO_WM_UNIT_USESOURCEFORMAT_APPLY" val="0"/>
+</p:tagLst>
+</file>
+
+<file path=ppt/tags/tag71.xml><?xml version="1.0" encoding="utf-8"?>
+<p:tagLst xmlns:p="http://schemas.openxmlformats.org/presentationml/2006/main">
+  <p:tag name="KSO_WM_TAG_VERSION" val="1.0"/>
+  <p:tag name="KSO_WM_TEMPLATE_CATEGORY" val="preset"/>
+  <p:tag name="KSO_WM_TEMPLATE_INDEX" val="1"/>
+  <p:tag name="KSO_WM_UNIT_TYPE" val="l_h_f"/>
+  <p:tag name="KSO_WM_UNIT_INDEX" val="1_3_1"/>
+  <p:tag name="KSO_WM_UNIT_ID" val="150995233*l_h_f*1_3_1"/>
+  <p:tag name="KSO_WM_UNIT_CLEAR" val="1"/>
+  <p:tag name="KSO_WM_UNIT_LAYERLEVEL" val="1_1_1"/>
+  <p:tag name="KSO_WM_UNIT_VALUE" val="99"/>
+  <p:tag name="KSO_WM_UNIT_HIGHLIGHT" val="0"/>
+  <p:tag name="KSO_WM_UNIT_COMPATIBLE" val="0"/>
+  <p:tag name="KSO_WM_UNIT_PRESET_TEXT" val="请在此处添加文本"/>
+  <p:tag name="KSO_WM_BEAUTIFY_FLAG" val="#wm#"/>
+  <p:tag name="KSO_WM_DIAGRAM_GROUP_CODE" val="第二组"/>
+  <p:tag name="KSO_WM_UNIT_LINE_FORE_SCHEMECOLOR_INDEX" val="14"/>
+  <p:tag name="KSO_WM_UNIT_LINE_FILL_TYPE" val="2"/>
+  <p:tag name="KSO_WM_UNIT_TEXT_FILL_FORE_SCHEMECOLOR_INDEX" val="13"/>
+  <p:tag name="KSO_WM_UNIT_TEXT_FILL_TYPE" val="1"/>
+  <p:tag name="KSO_WM_UNIT_USESOURCEFORMAT_APPLY" val="0"/>
+</p:tagLst>
+</file>
+
+<file path=ppt/tags/tag72.xml><?xml version="1.0" encoding="utf-8"?>
+<p:tagLst xmlns:p="http://schemas.openxmlformats.org/presentationml/2006/main">
+  <p:tag name="KSO_WM_SLIDE_ID" val="150995233"/>
+  <p:tag name="KSO_WM_SLIDE_INDEX" val="4"/>
+  <p:tag name="KSO_WM_SLIDE_ITEM_CNT" val="3"/>
+  <p:tag name="KSO_WM_SLIDE_LAYOUT" val="a_l"/>
+  <p:tag name="KSO_WM_SLIDE_LAYOUT_CNT" val="1_1"/>
+  <p:tag name="KSO_WM_SLIDE_TYPE" val="text"/>
+  <p:tag name="KSO_WM_BEAUTIFY_FLAG" val="#wm#"/>
+  <p:tag name="KSO_WM_SLIDE_POSITION" val="84*124"/>
+  <p:tag name="KSO_WM_SLIDE_SIZE" val="790*359"/>
+  <p:tag name="KSO_WM_TEMPLATE_CATEGORY" val="custom"/>
+  <p:tag name="KSO_WM_TEMPLATE_INDEX" val="20188997"/>
+  <p:tag name="KSO_WM_TAG_VERSION" val="1.0"/>
+  <p:tag name="KSO_WM_DIAGRAM_GROUP_CODE" val="第二组"/>
+</p:tagLst>
+</file>
+
+<file path=ppt/tags/tag73.xml><?xml version="1.0" encoding="utf-8"?>
 <p:tagLst xmlns:p="http://schemas.openxmlformats.org/presentationml/2006/main">
   <p:tag name="KSO_WM_TAG_VERSION" val="1.0"/>
   <p:tag name="KSO_WM_TEMPLATE_CATEGORY" val="preset"/>
@@ -16203,25 +17507,340 @@
 </p:tagLst>
 </file>
 
-<file path=ppt/tags/tag49.xml><?xml version="1.0" encoding="utf-8"?>
+<file path=ppt/tags/tag74.xml><?xml version="1.0" encoding="utf-8"?>
+<p:tagLst xmlns:p="http://schemas.openxmlformats.org/presentationml/2006/main">
+  <p:tag name="KSO_WM_BEAUTIFY_FLAG" val="#wm#"/>
+  <p:tag name="KSO_WM_TEMPLATE_CATEGORY" val="custom"/>
+  <p:tag name="KSO_WM_TEMPLATE_INDEX" val="20188997"/>
+</p:tagLst>
+</file>
+
+<file path=ppt/tags/tag75.xml><?xml version="1.0" encoding="utf-8"?>
 <p:tagLst xmlns:p="http://schemas.openxmlformats.org/presentationml/2006/main">
   <p:tag name="KSO_WM_TAG_VERSION" val="1.0"/>
   <p:tag name="KSO_WM_TEMPLATE_CATEGORY" val="preset"/>
   <p:tag name="KSO_WM_TEMPLATE_INDEX" val="1"/>
-  <p:tag name="KSO_WM_UNIT_TYPE" val="f"/>
-  <p:tag name="KSO_WM_UNIT_INDEX" val="1"/>
-  <p:tag name="KSO_WM_UNIT_ID" val="150995287*f*1"/>
+  <p:tag name="KSO_WM_UNIT_TYPE" val="m_h_f"/>
+  <p:tag name="KSO_WM_UNIT_INDEX" val="1_1_1"/>
+  <p:tag name="KSO_WM_UNIT_ID" val="150995273*m_h_f*1_1_1"/>
   <p:tag name="KSO_WM_UNIT_CLEAR" val="1"/>
-  <p:tag name="KSO_WM_UNIT_LAYERLEVEL" val="1"/>
-  <p:tag name="KSO_WM_UNIT_VALUE" val="130"/>
+  <p:tag name="KSO_WM_UNIT_LAYERLEVEL" val="1_1_1"/>
+  <p:tag name="KSO_WM_UNIT_VALUE" val="63"/>
   <p:tag name="KSO_WM_UNIT_HIGHLIGHT" val="0"/>
   <p:tag name="KSO_WM_UNIT_COMPATIBLE" val="0"/>
   <p:tag name="KSO_WM_UNIT_PRESET_TEXT" val="请在此处添加文本"/>
   <p:tag name="KSO_WM_BEAUTIFY_FLAG" val="#wm#"/>
+  <p:tag name="KSO_WM_DIAGRAM_GROUP_CODE" val="第十组"/>
+  <p:tag name="KSO_WM_UNIT_LINE_FORE_SCHEMECOLOR_INDEX" val="14"/>
+  <p:tag name="KSO_WM_UNIT_LINE_FILL_TYPE" val="2"/>
+  <p:tag name="KSO_WM_UNIT_TEXT_FILL_FORE_SCHEMECOLOR_INDEX" val="13"/>
+  <p:tag name="KSO_WM_UNIT_TEXT_FILL_TYPE" val="1"/>
+  <p:tag name="KSO_WM_UNIT_USESOURCEFORMAT_APPLY" val="0"/>
 </p:tagLst>
 </file>
 
-<file path=ppt/tags/tag5.xml><?xml version="1.0" encoding="utf-8"?>
+<file path=ppt/tags/tag76.xml><?xml version="1.0" encoding="utf-8"?>
+<p:tagLst xmlns:p="http://schemas.openxmlformats.org/presentationml/2006/main">
+  <p:tag name="KSO_WM_TAG_VERSION" val="1.0"/>
+  <p:tag name="KSO_WM_TEMPLATE_CATEGORY" val="preset"/>
+  <p:tag name="KSO_WM_TEMPLATE_INDEX" val="1"/>
+  <p:tag name="KSO_WM_UNIT_TYPE" val="m_h_f"/>
+  <p:tag name="KSO_WM_UNIT_INDEX" val="1_2_1"/>
+  <p:tag name="KSO_WM_UNIT_ID" val="150995273*m_h_f*1_2_1"/>
+  <p:tag name="KSO_WM_UNIT_CLEAR" val="1"/>
+  <p:tag name="KSO_WM_UNIT_LAYERLEVEL" val="1_1_1"/>
+  <p:tag name="KSO_WM_UNIT_VALUE" val="63"/>
+  <p:tag name="KSO_WM_UNIT_HIGHLIGHT" val="0"/>
+  <p:tag name="KSO_WM_UNIT_COMPATIBLE" val="0"/>
+  <p:tag name="KSO_WM_UNIT_PRESET_TEXT" val="请在此处添加文本"/>
+  <p:tag name="KSO_WM_BEAUTIFY_FLAG" val="#wm#"/>
+  <p:tag name="KSO_WM_DIAGRAM_GROUP_CODE" val="第十组"/>
+  <p:tag name="KSO_WM_UNIT_LINE_FORE_SCHEMECOLOR_INDEX" val="14"/>
+  <p:tag name="KSO_WM_UNIT_LINE_FILL_TYPE" val="2"/>
+  <p:tag name="KSO_WM_UNIT_TEXT_FILL_FORE_SCHEMECOLOR_INDEX" val="13"/>
+  <p:tag name="KSO_WM_UNIT_TEXT_FILL_TYPE" val="1"/>
+  <p:tag name="KSO_WM_UNIT_USESOURCEFORMAT_APPLY" val="0"/>
+</p:tagLst>
+</file>
+
+<file path=ppt/tags/tag77.xml><?xml version="1.0" encoding="utf-8"?>
+<p:tagLst xmlns:p="http://schemas.openxmlformats.org/presentationml/2006/main">
+  <p:tag name="KSO_WM_TAG_VERSION" val="1.0"/>
+  <p:tag name="KSO_WM_TEMPLATE_CATEGORY" val="preset"/>
+  <p:tag name="KSO_WM_TEMPLATE_INDEX" val="1"/>
+  <p:tag name="KSO_WM_UNIT_TYPE" val="m_h_f"/>
+  <p:tag name="KSO_WM_UNIT_INDEX" val="1_3_1"/>
+  <p:tag name="KSO_WM_UNIT_ID" val="150995273*m_h_f*1_3_1"/>
+  <p:tag name="KSO_WM_UNIT_CLEAR" val="1"/>
+  <p:tag name="KSO_WM_UNIT_LAYERLEVEL" val="1_1_1"/>
+  <p:tag name="KSO_WM_UNIT_VALUE" val="63"/>
+  <p:tag name="KSO_WM_UNIT_HIGHLIGHT" val="0"/>
+  <p:tag name="KSO_WM_UNIT_COMPATIBLE" val="0"/>
+  <p:tag name="KSO_WM_UNIT_PRESET_TEXT" val="请在此处添加文本"/>
+  <p:tag name="KSO_WM_BEAUTIFY_FLAG" val="#wm#"/>
+  <p:tag name="KSO_WM_DIAGRAM_GROUP_CODE" val="第十组"/>
+  <p:tag name="KSO_WM_UNIT_LINE_FORE_SCHEMECOLOR_INDEX" val="14"/>
+  <p:tag name="KSO_WM_UNIT_LINE_FILL_TYPE" val="2"/>
+  <p:tag name="KSO_WM_UNIT_TEXT_FILL_FORE_SCHEMECOLOR_INDEX" val="13"/>
+  <p:tag name="KSO_WM_UNIT_TEXT_FILL_TYPE" val="1"/>
+  <p:tag name="KSO_WM_UNIT_USESOURCEFORMAT_APPLY" val="0"/>
+</p:tagLst>
+</file>
+
+<file path=ppt/tags/tag78.xml><?xml version="1.0" encoding="utf-8"?>
+<p:tagLst xmlns:p="http://schemas.openxmlformats.org/presentationml/2006/main">
+  <p:tag name="KSO_WM_TAG_VERSION" val="1.0"/>
+  <p:tag name="KSO_WM_TEMPLATE_CATEGORY" val="preset"/>
+  <p:tag name="KSO_WM_TEMPLATE_INDEX" val="1"/>
+  <p:tag name="KSO_WM_UNIT_TYPE" val="m_i"/>
+  <p:tag name="KSO_WM_UNIT_INDEX" val="1_1"/>
+  <p:tag name="KSO_WM_UNIT_ID" val="150995273*m_i*1_1"/>
+  <p:tag name="KSO_WM_UNIT_CLEAR" val="1"/>
+  <p:tag name="KSO_WM_UNIT_LAYERLEVEL" val="1_1"/>
+  <p:tag name="KSO_WM_BEAUTIFY_FLAG" val="#wm#"/>
+  <p:tag name="KSO_WM_DIAGRAM_GROUP_CODE" val="第十组"/>
+  <p:tag name="KSO_WM_UNIT_FILL_FORE_SCHEMECOLOR_INDEX" val="16"/>
+  <p:tag name="KSO_WM_UNIT_FILL_TYPE" val="1"/>
+  <p:tag name="KSO_WM_UNIT_TEXT_FILL_FORE_SCHEMECOLOR_INDEX" val="2"/>
+  <p:tag name="KSO_WM_UNIT_TEXT_FILL_TYPE" val="1"/>
+  <p:tag name="KSO_WM_UNIT_USESOURCEFORMAT_APPLY" val="0"/>
+</p:tagLst>
+</file>
+
+<file path=ppt/tags/tag79.xml><?xml version="1.0" encoding="utf-8"?>
+<p:tagLst xmlns:p="http://schemas.openxmlformats.org/presentationml/2006/main">
+  <p:tag name="KSO_WM_TAG_VERSION" val="1.0"/>
+  <p:tag name="KSO_WM_TEMPLATE_CATEGORY" val="preset"/>
+  <p:tag name="KSO_WM_TEMPLATE_INDEX" val="1"/>
+  <p:tag name="KSO_WM_UNIT_TYPE" val="m_i"/>
+  <p:tag name="KSO_WM_UNIT_INDEX" val="1_2"/>
+  <p:tag name="KSO_WM_UNIT_ID" val="150995273*m_i*1_2"/>
+  <p:tag name="KSO_WM_UNIT_CLEAR" val="1"/>
+  <p:tag name="KSO_WM_UNIT_LAYERLEVEL" val="1_1"/>
+  <p:tag name="KSO_WM_BEAUTIFY_FLAG" val="#wm#"/>
+  <p:tag name="KSO_WM_DIAGRAM_GROUP_CODE" val="第十组"/>
+  <p:tag name="KSO_WM_UNIT_FILL_FORE_SCHEMECOLOR_INDEX" val="16"/>
+  <p:tag name="KSO_WM_UNIT_FILL_TYPE" val="1"/>
+  <p:tag name="KSO_WM_UNIT_TEXT_FILL_FORE_SCHEMECOLOR_INDEX" val="2"/>
+  <p:tag name="KSO_WM_UNIT_TEXT_FILL_TYPE" val="1"/>
+  <p:tag name="KSO_WM_UNIT_USESOURCEFORMAT_APPLY" val="0"/>
+</p:tagLst>
+</file>
+
+<file path=ppt/tags/tag8.xml><?xml version="1.0" encoding="utf-8"?>
+<p:tagLst xmlns:p="http://schemas.openxmlformats.org/presentationml/2006/main">
+  <p:tag name="KSO_WM_SLIDE_ID" val="150995208"/>
+  <p:tag name="KSO_WM_SLIDE_INDEX" val="1"/>
+  <p:tag name="KSO_WM_SLIDE_ITEM_CNT" val="3"/>
+  <p:tag name="KSO_WM_SLIDE_LAYOUT" val="a_b_d"/>
+  <p:tag name="KSO_WM_SLIDE_LAYOUT_CNT" val="1_1_1"/>
+  <p:tag name="KSO_WM_SLIDE_TYPE" val="title"/>
+  <p:tag name="KSO_WM_BEAUTIFY_FLAG" val="#wm#"/>
+  <p:tag name="KSO_WM_TEMPLATE_CATEGORY" val="custom"/>
+  <p:tag name="KSO_WM_TEMPLATE_INDEX" val="20188997"/>
+  <p:tag name="KSO_WM_TAG_VERSION" val="1.0"/>
+</p:tagLst>
+</file>
+
+<file path=ppt/tags/tag80.xml><?xml version="1.0" encoding="utf-8"?>
+<p:tagLst xmlns:p="http://schemas.openxmlformats.org/presentationml/2006/main">
+  <p:tag name="KSO_WM_TAG_VERSION" val="1.0"/>
+  <p:tag name="KSO_WM_TEMPLATE_CATEGORY" val="preset"/>
+  <p:tag name="KSO_WM_TEMPLATE_INDEX" val="1"/>
+  <p:tag name="KSO_WM_UNIT_TYPE" val="m_i"/>
+  <p:tag name="KSO_WM_UNIT_INDEX" val="1_3"/>
+  <p:tag name="KSO_WM_UNIT_ID" val="150995273*m_i*1_3"/>
+  <p:tag name="KSO_WM_UNIT_CLEAR" val="1"/>
+  <p:tag name="KSO_WM_UNIT_LAYERLEVEL" val="1_1"/>
+  <p:tag name="KSO_WM_BEAUTIFY_FLAG" val="#wm#"/>
+  <p:tag name="KSO_WM_DIAGRAM_GROUP_CODE" val="第十组"/>
+  <p:tag name="KSO_WM_UNIT_FILL_FORE_SCHEMECOLOR_INDEX" val="16"/>
+  <p:tag name="KSO_WM_UNIT_FILL_TYPE" val="1"/>
+  <p:tag name="KSO_WM_UNIT_TEXT_FILL_FORE_SCHEMECOLOR_INDEX" val="2"/>
+  <p:tag name="KSO_WM_UNIT_TEXT_FILL_TYPE" val="1"/>
+  <p:tag name="KSO_WM_UNIT_USESOURCEFORMAT_APPLY" val="0"/>
+</p:tagLst>
+</file>
+
+<file path=ppt/tags/tag81.xml><?xml version="1.0" encoding="utf-8"?>
+<p:tagLst xmlns:p="http://schemas.openxmlformats.org/presentationml/2006/main">
+  <p:tag name="KSO_WM_TAG_VERSION" val="1.0"/>
+  <p:tag name="KSO_WM_TEMPLATE_CATEGORY" val="preset"/>
+  <p:tag name="KSO_WM_TEMPLATE_INDEX" val="1"/>
+  <p:tag name="KSO_WM_UNIT_TYPE" val="a"/>
+  <p:tag name="KSO_WM_UNIT_INDEX" val="1"/>
+  <p:tag name="KSO_WM_UNIT_ID" val="150995273*a*1"/>
+  <p:tag name="KSO_WM_UNIT_CLEAR" val="1"/>
+  <p:tag name="KSO_WM_UNIT_LAYERLEVEL" val="1"/>
+  <p:tag name="KSO_WM_UNIT_VALUE" val="40"/>
+  <p:tag name="KSO_WM_UNIT_ISCONTENTSTITLE" val="0"/>
+  <p:tag name="KSO_WM_UNIT_HIGHLIGHT" val="0"/>
+  <p:tag name="KSO_WM_UNIT_COMPATIBLE" val="0"/>
+  <p:tag name="KSO_WM_UNIT_PRESET_TEXT" val="请在此处添加标题"/>
+  <p:tag name="KSO_WM_BEAUTIFY_FLAG" val="#wm#"/>
+</p:tagLst>
+</file>
+
+<file path=ppt/tags/tag82.xml><?xml version="1.0" encoding="utf-8"?>
+<p:tagLst xmlns:p="http://schemas.openxmlformats.org/presentationml/2006/main">
+  <p:tag name="KSO_WM_SLIDE_ID" val="150995273"/>
+  <p:tag name="KSO_WM_SLIDE_INDEX" val="12"/>
+  <p:tag name="KSO_WM_SLIDE_ITEM_CNT" val="3"/>
+  <p:tag name="KSO_WM_SLIDE_LAYOUT" val="a_m"/>
+  <p:tag name="KSO_WM_SLIDE_LAYOUT_CNT" val="1_1"/>
+  <p:tag name="KSO_WM_SLIDE_TYPE" val="text"/>
+  <p:tag name="KSO_WM_BEAUTIFY_FLAG" val="#wm#"/>
+  <p:tag name="KSO_WM_SLIDE_POSITION" val="61*142"/>
+  <p:tag name="KSO_WM_SLIDE_SIZE" val="821*318"/>
+  <p:tag name="KSO_WM_TEMPLATE_CATEGORY" val="custom"/>
+  <p:tag name="KSO_WM_TEMPLATE_INDEX" val="20188997"/>
+  <p:tag name="KSO_WM_TAG_VERSION" val="1.0"/>
+  <p:tag name="KSO_WM_DIAGRAM_GROUP_CODE" val="第十组"/>
+</p:tagLst>
+</file>
+
+<file path=ppt/tags/tag83.xml><?xml version="1.0" encoding="utf-8"?>
+<p:tagLst xmlns:p="http://schemas.openxmlformats.org/presentationml/2006/main">
+  <p:tag name="KSO_WM_TAG_VERSION" val="1.0"/>
+  <p:tag name="KSO_WM_TEMPLATE_CATEGORY" val="preset"/>
+  <p:tag name="KSO_WM_TEMPLATE_INDEX" val="1"/>
+  <p:tag name="KSO_WM_UNIT_TYPE" val="l_h_a"/>
+  <p:tag name="KSO_WM_UNIT_INDEX" val="1_1_1"/>
+  <p:tag name="KSO_WM_UNIT_ID" val="150995237*l_h_a*1_1_1"/>
+  <p:tag name="KSO_WM_UNIT_CLEAR" val="1"/>
+  <p:tag name="KSO_WM_UNIT_LAYERLEVEL" val="1_1_1"/>
+  <p:tag name="KSO_WM_UNIT_VALUE" val="28"/>
+  <p:tag name="KSO_WM_UNIT_HIGHLIGHT" val="0"/>
+  <p:tag name="KSO_WM_UNIT_COMPATIBLE" val="0"/>
+  <p:tag name="KSO_WM_UNIT_PRESET_TEXT" val="在此添加小标题"/>
+  <p:tag name="KSO_WM_BEAUTIFY_FLAG" val="#wm#"/>
+  <p:tag name="KSO_WM_DIAGRAM_GROUP_CODE" val="第三组"/>
+  <p:tag name="KSO_WM_UNIT_LINE_FORE_SCHEMECOLOR_INDEX" val="14"/>
+  <p:tag name="KSO_WM_UNIT_LINE_FILL_TYPE" val="2"/>
+  <p:tag name="KSO_WM_UNIT_TEXT_FILL_FORE_SCHEMECOLOR_INDEX" val="13"/>
+  <p:tag name="KSO_WM_UNIT_TEXT_FILL_TYPE" val="1"/>
+  <p:tag name="KSO_WM_UNIT_USESOURCEFORMAT_APPLY" val="0"/>
+</p:tagLst>
+</file>
+
+<file path=ppt/tags/tag84.xml><?xml version="1.0" encoding="utf-8"?>
+<p:tagLst xmlns:p="http://schemas.openxmlformats.org/presentationml/2006/main">
+  <p:tag name="KSO_WM_TAG_VERSION" val="1.0"/>
+  <p:tag name="KSO_WM_TEMPLATE_CATEGORY" val="preset"/>
+  <p:tag name="KSO_WM_TEMPLATE_INDEX" val="1"/>
+  <p:tag name="KSO_WM_UNIT_TYPE" val="l_h_f"/>
+  <p:tag name="KSO_WM_UNIT_INDEX" val="1_1_1"/>
+  <p:tag name="KSO_WM_UNIT_ID" val="150995237*l_h_f*1_1_1"/>
+  <p:tag name="KSO_WM_UNIT_CLEAR" val="1"/>
+  <p:tag name="KSO_WM_UNIT_LAYERLEVEL" val="1_1_1"/>
+  <p:tag name="KSO_WM_UNIT_VALUE" val="168"/>
+  <p:tag name="KSO_WM_UNIT_HIGHLIGHT" val="0"/>
+  <p:tag name="KSO_WM_UNIT_COMPATIBLE" val="0"/>
+  <p:tag name="KSO_WM_UNIT_PRESET_TEXT" val="请在此处添加文本"/>
+  <p:tag name="KSO_WM_BEAUTIFY_FLAG" val="#wm#"/>
+  <p:tag name="KSO_WM_DIAGRAM_GROUP_CODE" val="第三组"/>
+  <p:tag name="KSO_WM_UNIT_LINE_FORE_SCHEMECOLOR_INDEX" val="14"/>
+  <p:tag name="KSO_WM_UNIT_LINE_FILL_TYPE" val="2"/>
+  <p:tag name="KSO_WM_UNIT_TEXT_FILL_FORE_SCHEMECOLOR_INDEX" val="13"/>
+  <p:tag name="KSO_WM_UNIT_TEXT_FILL_TYPE" val="1"/>
+  <p:tag name="KSO_WM_UNIT_USESOURCEFORMAT_APPLY" val="0"/>
+</p:tagLst>
+</file>
+
+<file path=ppt/tags/tag85.xml><?xml version="1.0" encoding="utf-8"?>
+<p:tagLst xmlns:p="http://schemas.openxmlformats.org/presentationml/2006/main">
+  <p:tag name="KSO_WM_TAG_VERSION" val="1.0"/>
+  <p:tag name="KSO_WM_TEMPLATE_CATEGORY" val="preset"/>
+  <p:tag name="KSO_WM_TEMPLATE_INDEX" val="1"/>
+  <p:tag name="KSO_WM_UNIT_TYPE" val="l_h_a"/>
+  <p:tag name="KSO_WM_UNIT_INDEX" val="1_2_1"/>
+  <p:tag name="KSO_WM_UNIT_ID" val="150995237*l_h_a*1_2_1"/>
+  <p:tag name="KSO_WM_UNIT_CLEAR" val="1"/>
+  <p:tag name="KSO_WM_UNIT_LAYERLEVEL" val="1_1_1"/>
+  <p:tag name="KSO_WM_UNIT_VALUE" val="28"/>
+  <p:tag name="KSO_WM_UNIT_HIGHLIGHT" val="0"/>
+  <p:tag name="KSO_WM_UNIT_COMPATIBLE" val="0"/>
+  <p:tag name="KSO_WM_UNIT_PRESET_TEXT" val="在此添加小标题"/>
+  <p:tag name="KSO_WM_BEAUTIFY_FLAG" val="#wm#"/>
+  <p:tag name="KSO_WM_DIAGRAM_GROUP_CODE" val="第三组"/>
+  <p:tag name="KSO_WM_UNIT_LINE_FORE_SCHEMECOLOR_INDEX" val="14"/>
+  <p:tag name="KSO_WM_UNIT_LINE_FILL_TYPE" val="2"/>
+  <p:tag name="KSO_WM_UNIT_TEXT_FILL_FORE_SCHEMECOLOR_INDEX" val="13"/>
+  <p:tag name="KSO_WM_UNIT_TEXT_FILL_TYPE" val="1"/>
+  <p:tag name="KSO_WM_UNIT_USESOURCEFORMAT_APPLY" val="0"/>
+</p:tagLst>
+</file>
+
+<file path=ppt/tags/tag86.xml><?xml version="1.0" encoding="utf-8"?>
+<p:tagLst xmlns:p="http://schemas.openxmlformats.org/presentationml/2006/main">
+  <p:tag name="KSO_WM_TAG_VERSION" val="1.0"/>
+  <p:tag name="KSO_WM_TEMPLATE_CATEGORY" val="preset"/>
+  <p:tag name="KSO_WM_TEMPLATE_INDEX" val="1"/>
+  <p:tag name="KSO_WM_UNIT_TYPE" val="l_h_f"/>
+  <p:tag name="KSO_WM_UNIT_INDEX" val="1_2_1"/>
+  <p:tag name="KSO_WM_UNIT_ID" val="150995237*l_h_f*1_2_1"/>
+  <p:tag name="KSO_WM_UNIT_CLEAR" val="1"/>
+  <p:tag name="KSO_WM_UNIT_LAYERLEVEL" val="1_1_1"/>
+  <p:tag name="KSO_WM_UNIT_VALUE" val="168"/>
+  <p:tag name="KSO_WM_UNIT_HIGHLIGHT" val="0"/>
+  <p:tag name="KSO_WM_UNIT_COMPATIBLE" val="0"/>
+  <p:tag name="KSO_WM_UNIT_PRESET_TEXT" val="请在此处添加文本"/>
+  <p:tag name="KSO_WM_BEAUTIFY_FLAG" val="#wm#"/>
+  <p:tag name="KSO_WM_DIAGRAM_GROUP_CODE" val="第三组"/>
+  <p:tag name="KSO_WM_UNIT_LINE_FORE_SCHEMECOLOR_INDEX" val="14"/>
+  <p:tag name="KSO_WM_UNIT_LINE_FILL_TYPE" val="2"/>
+  <p:tag name="KSO_WM_UNIT_TEXT_FILL_FORE_SCHEMECOLOR_INDEX" val="13"/>
+  <p:tag name="KSO_WM_UNIT_TEXT_FILL_TYPE" val="1"/>
+  <p:tag name="KSO_WM_UNIT_USESOURCEFORMAT_APPLY" val="0"/>
+</p:tagLst>
+</file>
+
+<file path=ppt/tags/tag87.xml><?xml version="1.0" encoding="utf-8"?>
+<p:tagLst xmlns:p="http://schemas.openxmlformats.org/presentationml/2006/main">
+  <p:tag name="KSO_WM_SLIDE_ID" val="150995237"/>
+  <p:tag name="KSO_WM_SLIDE_INDEX" val="53"/>
+  <p:tag name="KSO_WM_SLIDE_ITEM_CNT" val="2"/>
+  <p:tag name="KSO_WM_SLIDE_LAYOUT" val="l"/>
+  <p:tag name="KSO_WM_SLIDE_LAYOUT_CNT" val="1"/>
+  <p:tag name="KSO_WM_SLIDE_TYPE" val="text"/>
+  <p:tag name="KSO_WM_BEAUTIFY_FLAG" val="#wm#"/>
+  <p:tag name="KSO_WM_SLIDE_POSITION" val="97*76"/>
+  <p:tag name="KSO_WM_SLIDE_SIZE" val="764*391"/>
+  <p:tag name="KSO_WM_TEMPLATE_CATEGORY" val="custom"/>
+  <p:tag name="KSO_WM_TEMPLATE_INDEX" val="20188997"/>
+  <p:tag name="KSO_WM_TAG_VERSION" val="1.0"/>
+  <p:tag name="KSO_WM_DIAGRAM_GROUP_CODE" val="第三组"/>
+</p:tagLst>
+</file>
+
+<file path=ppt/tags/tag88.xml><?xml version="1.0" encoding="utf-8"?>
+<p:tagLst xmlns:p="http://schemas.openxmlformats.org/presentationml/2006/main">
+  <p:tag name="KSO_WM_TAG_VERSION" val="1.0"/>
+  <p:tag name="KSO_WM_TEMPLATE_CATEGORY" val="preset"/>
+  <p:tag name="KSO_WM_TEMPLATE_INDEX" val="1"/>
+  <p:tag name="KSO_WM_UNIT_TYPE" val="a"/>
+  <p:tag name="KSO_WM_UNIT_INDEX" val="1"/>
+  <p:tag name="KSO_WM_UNIT_ID" val="150995287*a*1"/>
+  <p:tag name="KSO_WM_UNIT_CLEAR" val="1"/>
+  <p:tag name="KSO_WM_UNIT_LAYERLEVEL" val="1"/>
+  <p:tag name="KSO_WM_UNIT_VALUE" val="40"/>
+  <p:tag name="KSO_WM_UNIT_ISCONTENTSTITLE" val="0"/>
+  <p:tag name="KSO_WM_UNIT_HIGHLIGHT" val="0"/>
+  <p:tag name="KSO_WM_UNIT_COMPATIBLE" val="0"/>
+  <p:tag name="KSO_WM_UNIT_PRESET_TEXT" val="请在此处添加标题"/>
+  <p:tag name="KSO_WM_BEAUTIFY_FLAG" val="#wm#"/>
+</p:tagLst>
+</file>
+
+<file path=ppt/tags/tag89.xml><?xml version="1.0" encoding="utf-8"?>
+<p:tagLst xmlns:p="http://schemas.openxmlformats.org/presentationml/2006/main">
+  <p:tag name="KSO_WM_BEAUTIFY_FLAG" val="#wm#"/>
+  <p:tag name="KSO_WM_TEMPLATE_CATEGORY" val="custom"/>
+  <p:tag name="KSO_WM_TEMPLATE_INDEX" val="20188997"/>
+</p:tagLst>
+</file>
+
+<file path=ppt/tags/tag9.xml><?xml version="1.0" encoding="utf-8"?>
 <p:tagLst xmlns:p="http://schemas.openxmlformats.org/presentationml/2006/main">
   <p:tag name="KSO_WM_TAG_VERSION" val="1.0"/>
   <p:tag name="KSO_WM_TEMPLATE_CATEGORY" val="preset"/>
@@ -16245,44 +17864,7 @@
 </p:tagLst>
 </file>
 
-<file path=ppt/tags/tag50.xml><?xml version="1.0" encoding="utf-8"?>
-<p:tagLst xmlns:p="http://schemas.openxmlformats.org/presentationml/2006/main">
-  <p:tag name="KSO_WM_SLIDE_ID" val="150995287"/>
-  <p:tag name="KSO_WM_SLIDE_INDEX" val="15"/>
-  <p:tag name="KSO_WM_SLIDE_ITEM_CNT" val="4"/>
-  <p:tag name="KSO_WM_SLIDE_LAYOUT" val="a_f_o"/>
-  <p:tag name="KSO_WM_SLIDE_LAYOUT_CNT" val="1_1_1"/>
-  <p:tag name="KSO_WM_SLIDE_TYPE" val="text"/>
-  <p:tag name="KSO_WM_BEAUTIFY_FLAG" val="#wm#"/>
-  <p:tag name="KSO_WM_SLIDE_POSITION" val="66*147"/>
-  <p:tag name="KSO_WM_SLIDE_SIZE" val="801*313"/>
-  <p:tag name="KSO_WM_TEMPLATE_CATEGORY" val="preset"/>
-  <p:tag name="KSO_WM_TEMPLATE_INDEX" val="1"/>
-  <p:tag name="KSO_WM_TAG_VERSION" val="1.0"/>
-  <p:tag name="KSO_WM_DIAGRAM_GROUP_CODE" val="第十三组"/>
-</p:tagLst>
-</file>
-
-<file path=ppt/tags/tag51.xml><?xml version="1.0" encoding="utf-8"?>
-<p:tagLst xmlns:p="http://schemas.openxmlformats.org/presentationml/2006/main">
-  <p:tag name="KSO_WM_TAG_VERSION" val="1.0"/>
-  <p:tag name="KSO_WM_TEMPLATE_CATEGORY" val="preset"/>
-  <p:tag name="KSO_WM_TEMPLATE_INDEX" val="1"/>
-  <p:tag name="KSO_WM_UNIT_TYPE" val="a"/>
-  <p:tag name="KSO_WM_UNIT_INDEX" val="1"/>
-  <p:tag name="KSO_WM_UNIT_ID" val="150995287*a*1"/>
-  <p:tag name="KSO_WM_UNIT_CLEAR" val="1"/>
-  <p:tag name="KSO_WM_UNIT_LAYERLEVEL" val="1"/>
-  <p:tag name="KSO_WM_UNIT_VALUE" val="40"/>
-  <p:tag name="KSO_WM_UNIT_ISCONTENTSTITLE" val="0"/>
-  <p:tag name="KSO_WM_UNIT_HIGHLIGHT" val="0"/>
-  <p:tag name="KSO_WM_UNIT_COMPATIBLE" val="0"/>
-  <p:tag name="KSO_WM_UNIT_PRESET_TEXT" val="请在此处添加标题"/>
-  <p:tag name="KSO_WM_BEAUTIFY_FLAG" val="#wm#"/>
-</p:tagLst>
-</file>
-
-<file path=ppt/tags/tag52.xml><?xml version="1.0" encoding="utf-8"?>
+<file path=ppt/tags/tag90.xml><?xml version="1.0" encoding="utf-8"?>
 <p:tagLst xmlns:p="http://schemas.openxmlformats.org/presentationml/2006/main">
   <p:tag name="KSO_WM_TAG_VERSION" val="1.0"/>
   <p:tag name="KSO_WM_TEMPLATE_CATEGORY" val="preset"/>
@@ -16300,684 +17882,15 @@
 </p:tagLst>
 </file>
 
-<file path=ppt/tags/tag53.xml><?xml version="1.0" encoding="utf-8"?>
+<file path=ppt/tags/tag91.xml><?xml version="1.0" encoding="utf-8"?>
 <p:tagLst xmlns:p="http://schemas.openxmlformats.org/presentationml/2006/main">
-  <p:tag name="KSO_WM_SLIDE_ID" val="150995287"/>
-  <p:tag name="KSO_WM_SLIDE_INDEX" val="15"/>
-  <p:tag name="KSO_WM_SLIDE_ITEM_CNT" val="4"/>
-  <p:tag name="KSO_WM_SLIDE_LAYOUT" val="a_f_o"/>
-  <p:tag name="KSO_WM_SLIDE_LAYOUT_CNT" val="1_1_1"/>
-  <p:tag name="KSO_WM_SLIDE_TYPE" val="text"/>
   <p:tag name="KSO_WM_BEAUTIFY_FLAG" val="#wm#"/>
-  <p:tag name="KSO_WM_SLIDE_POSITION" val="66*147"/>
-  <p:tag name="KSO_WM_SLIDE_SIZE" val="801*313"/>
-  <p:tag name="KSO_WM_TEMPLATE_CATEGORY" val="preset"/>
-  <p:tag name="KSO_WM_TEMPLATE_INDEX" val="1"/>
-  <p:tag name="KSO_WM_TAG_VERSION" val="1.0"/>
-  <p:tag name="KSO_WM_DIAGRAM_GROUP_CODE" val="第十三组"/>
+  <p:tag name="KSO_WM_TEMPLATE_CATEGORY" val="custom"/>
+  <p:tag name="KSO_WM_TEMPLATE_INDEX" val="20188997"/>
 </p:tagLst>
 </file>
 
-<file path=ppt/tags/tag54.xml><?xml version="1.0" encoding="utf-8"?>
-<p:tagLst xmlns:p="http://schemas.openxmlformats.org/presentationml/2006/main">
-  <p:tag name="KSO_WM_TAG_VERSION" val="1.0"/>
-  <p:tag name="KSO_WM_TEMPLATE_CATEGORY" val="preset"/>
-  <p:tag name="KSO_WM_TEMPLATE_INDEX" val="1"/>
-  <p:tag name="KSO_WM_UNIT_TYPE" val="a"/>
-  <p:tag name="KSO_WM_UNIT_INDEX" val="1"/>
-  <p:tag name="KSO_WM_UNIT_ID" val="150995287*a*1"/>
-  <p:tag name="KSO_WM_UNIT_CLEAR" val="1"/>
-  <p:tag name="KSO_WM_UNIT_LAYERLEVEL" val="1"/>
-  <p:tag name="KSO_WM_UNIT_VALUE" val="40"/>
-  <p:tag name="KSO_WM_UNIT_ISCONTENTSTITLE" val="0"/>
-  <p:tag name="KSO_WM_UNIT_HIGHLIGHT" val="0"/>
-  <p:tag name="KSO_WM_UNIT_COMPATIBLE" val="0"/>
-  <p:tag name="KSO_WM_UNIT_PRESET_TEXT" val="请在此处添加标题"/>
-  <p:tag name="KSO_WM_BEAUTIFY_FLAG" val="#wm#"/>
-</p:tagLst>
-</file>
-
-<file path=ppt/tags/tag55.xml><?xml version="1.0" encoding="utf-8"?>
-<p:tagLst xmlns:p="http://schemas.openxmlformats.org/presentationml/2006/main">
-  <p:tag name="KSO_WM_TAG_VERSION" val="1.0"/>
-  <p:tag name="KSO_WM_TEMPLATE_CATEGORY" val="preset"/>
-  <p:tag name="KSO_WM_TEMPLATE_INDEX" val="1"/>
-  <p:tag name="KSO_WM_UNIT_TYPE" val="f"/>
-  <p:tag name="KSO_WM_UNIT_INDEX" val="1"/>
-  <p:tag name="KSO_WM_UNIT_ID" val="150995287*f*1"/>
-  <p:tag name="KSO_WM_UNIT_CLEAR" val="1"/>
-  <p:tag name="KSO_WM_UNIT_LAYERLEVEL" val="1"/>
-  <p:tag name="KSO_WM_UNIT_VALUE" val="130"/>
-  <p:tag name="KSO_WM_UNIT_HIGHLIGHT" val="0"/>
-  <p:tag name="KSO_WM_UNIT_COMPATIBLE" val="0"/>
-  <p:tag name="KSO_WM_UNIT_PRESET_TEXT" val="请在此处添加文本"/>
-  <p:tag name="KSO_WM_BEAUTIFY_FLAG" val="#wm#"/>
-</p:tagLst>
-</file>
-
-<file path=ppt/tags/tag56.xml><?xml version="1.0" encoding="utf-8"?>
-<p:tagLst xmlns:p="http://schemas.openxmlformats.org/presentationml/2006/main">
-  <p:tag name="KSO_WM_SLIDE_ID" val="150995287"/>
-  <p:tag name="KSO_WM_SLIDE_INDEX" val="15"/>
-  <p:tag name="KSO_WM_SLIDE_ITEM_CNT" val="4"/>
-  <p:tag name="KSO_WM_SLIDE_LAYOUT" val="a_f_o"/>
-  <p:tag name="KSO_WM_SLIDE_LAYOUT_CNT" val="1_1_1"/>
-  <p:tag name="KSO_WM_SLIDE_TYPE" val="text"/>
-  <p:tag name="KSO_WM_BEAUTIFY_FLAG" val="#wm#"/>
-  <p:tag name="KSO_WM_SLIDE_POSITION" val="66*147"/>
-  <p:tag name="KSO_WM_SLIDE_SIZE" val="801*313"/>
-  <p:tag name="KSO_WM_TEMPLATE_CATEGORY" val="preset"/>
-  <p:tag name="KSO_WM_TEMPLATE_INDEX" val="1"/>
-  <p:tag name="KSO_WM_TAG_VERSION" val="1.0"/>
-  <p:tag name="KSO_WM_DIAGRAM_GROUP_CODE" val="第十三组"/>
-</p:tagLst>
-</file>
-
-<file path=ppt/tags/tag57.xml><?xml version="1.0" encoding="utf-8"?>
-<p:tagLst xmlns:p="http://schemas.openxmlformats.org/presentationml/2006/main">
-  <p:tag name="KSO_WM_TAG_VERSION" val="1.0"/>
-  <p:tag name="KSO_WM_TEMPLATE_CATEGORY" val="preset"/>
-  <p:tag name="KSO_WM_TEMPLATE_INDEX" val="1"/>
-  <p:tag name="KSO_WM_UNIT_TYPE" val="a"/>
-  <p:tag name="KSO_WM_UNIT_INDEX" val="1"/>
-  <p:tag name="KSO_WM_UNIT_ID" val="150995233*a*1"/>
-  <p:tag name="KSO_WM_UNIT_CLEAR" val="1"/>
-  <p:tag name="KSO_WM_UNIT_LAYERLEVEL" val="1"/>
-  <p:tag name="KSO_WM_UNIT_VALUE" val="22"/>
-  <p:tag name="KSO_WM_UNIT_ISCONTENTSTITLE" val="0"/>
-  <p:tag name="KSO_WM_UNIT_HIGHLIGHT" val="0"/>
-  <p:tag name="KSO_WM_UNIT_COMPATIBLE" val="0"/>
-  <p:tag name="KSO_WM_UNIT_PRESET_TEXT" val="请在此处添加标题"/>
-  <p:tag name="KSO_WM_BEAUTIFY_FLAG" val="#wm#"/>
-</p:tagLst>
-</file>
-
-<file path=ppt/tags/tag58.xml><?xml version="1.0" encoding="utf-8"?>
-<p:tagLst xmlns:p="http://schemas.openxmlformats.org/presentationml/2006/main">
-  <p:tag name="KSO_WM_TAG_VERSION" val="1.0"/>
-  <p:tag name="KSO_WM_TEMPLATE_CATEGORY" val="preset"/>
-  <p:tag name="KSO_WM_TEMPLATE_INDEX" val="1"/>
-  <p:tag name="KSO_WM_UNIT_TYPE" val="l_h_a"/>
-  <p:tag name="KSO_WM_UNIT_INDEX" val="1_1_1"/>
-  <p:tag name="KSO_WM_UNIT_ID" val="150995233*l_h_a*1_1_1"/>
-  <p:tag name="KSO_WM_UNIT_CLEAR" val="1"/>
-  <p:tag name="KSO_WM_UNIT_LAYERLEVEL" val="1_1_1"/>
-  <p:tag name="KSO_WM_UNIT_VALUE" val="9"/>
-  <p:tag name="KSO_WM_UNIT_HIGHLIGHT" val="0"/>
-  <p:tag name="KSO_WM_UNIT_COMPATIBLE" val="0"/>
-  <p:tag name="KSO_WM_UNIT_PRESET_TEXT" val="在此处添加小标题"/>
-  <p:tag name="KSO_WM_BEAUTIFY_FLAG" val="#wm#"/>
-  <p:tag name="KSO_WM_DIAGRAM_GROUP_CODE" val="第二组"/>
-  <p:tag name="KSO_WM_UNIT_LINE_FORE_SCHEMECOLOR_INDEX" val="14"/>
-  <p:tag name="KSO_WM_UNIT_LINE_FILL_TYPE" val="2"/>
-  <p:tag name="KSO_WM_UNIT_TEXT_FILL_FORE_SCHEMECOLOR_INDEX" val="13"/>
-  <p:tag name="KSO_WM_UNIT_TEXT_FILL_TYPE" val="1"/>
-  <p:tag name="KSO_WM_UNIT_USESOURCEFORMAT_APPLY" val="0"/>
-</p:tagLst>
-</file>
-
-<file path=ppt/tags/tag59.xml><?xml version="1.0" encoding="utf-8"?>
-<p:tagLst xmlns:p="http://schemas.openxmlformats.org/presentationml/2006/main">
-  <p:tag name="KSO_WM_TAG_VERSION" val="1.0"/>
-  <p:tag name="KSO_WM_TEMPLATE_CATEGORY" val="preset"/>
-  <p:tag name="KSO_WM_TEMPLATE_INDEX" val="1"/>
-  <p:tag name="KSO_WM_UNIT_TYPE" val="l_h_f"/>
-  <p:tag name="KSO_WM_UNIT_INDEX" val="1_1_1"/>
-  <p:tag name="KSO_WM_UNIT_ID" val="150995233*l_h_f*1_1_1"/>
-  <p:tag name="KSO_WM_UNIT_CLEAR" val="1"/>
-  <p:tag name="KSO_WM_UNIT_LAYERLEVEL" val="1_1_1"/>
-  <p:tag name="KSO_WM_UNIT_VALUE" val="99"/>
-  <p:tag name="KSO_WM_UNIT_HIGHLIGHT" val="0"/>
-  <p:tag name="KSO_WM_UNIT_COMPATIBLE" val="0"/>
-  <p:tag name="KSO_WM_UNIT_PRESET_TEXT" val="请在此处添加文本"/>
-  <p:tag name="KSO_WM_BEAUTIFY_FLAG" val="#wm#"/>
-  <p:tag name="KSO_WM_DIAGRAM_GROUP_CODE" val="第二组"/>
-  <p:tag name="KSO_WM_UNIT_LINE_FORE_SCHEMECOLOR_INDEX" val="14"/>
-  <p:tag name="KSO_WM_UNIT_LINE_FILL_TYPE" val="2"/>
-  <p:tag name="KSO_WM_UNIT_TEXT_FILL_FORE_SCHEMECOLOR_INDEX" val="13"/>
-  <p:tag name="KSO_WM_UNIT_TEXT_FILL_TYPE" val="1"/>
-  <p:tag name="KSO_WM_UNIT_USESOURCEFORMAT_APPLY" val="0"/>
-</p:tagLst>
-</file>
-
-<file path=ppt/tags/tag6.xml><?xml version="1.0" encoding="utf-8"?>
-<p:tagLst xmlns:p="http://schemas.openxmlformats.org/presentationml/2006/main">
-  <p:tag name="KSO_WM_TAG_VERSION" val="1.0"/>
-  <p:tag name="KSO_WM_TEMPLATE_CATEGORY" val="preset"/>
-  <p:tag name="KSO_WM_TEMPLATE_INDEX" val="1"/>
-  <p:tag name="KSO_WM_UNIT_TYPE" val="l_h_f"/>
-  <p:tag name="KSO_WM_UNIT_INDEX" val="1_2_1"/>
-  <p:tag name="KSO_WM_UNIT_ID" val="150995254*l_h_f*1_2_1"/>
-  <p:tag name="KSO_WM_UNIT_CLEAR" val="1"/>
-  <p:tag name="KSO_WM_UNIT_LAYERLEVEL" val="1_1_1"/>
-  <p:tag name="KSO_WM_UNIT_VALUE" val="40"/>
-  <p:tag name="KSO_WM_UNIT_HIGHLIGHT" val="0"/>
-  <p:tag name="KSO_WM_UNIT_COMPATIBLE" val="0"/>
-  <p:tag name="KSO_WM_UNIT_PRESET_TEXT" val="请在此处添加文本"/>
-  <p:tag name="KSO_WM_BEAUTIFY_FLAG" val="#wm#"/>
-  <p:tag name="KSO_WM_DIAGRAM_GROUP_CODE" val="第六组"/>
-  <p:tag name="KSO_WM_UNIT_LINE_FORE_SCHEMECOLOR_INDEX" val="14"/>
-  <p:tag name="KSO_WM_UNIT_LINE_FILL_TYPE" val="2"/>
-  <p:tag name="KSO_WM_UNIT_TEXT_FILL_FORE_SCHEMECOLOR_INDEX" val="13"/>
-  <p:tag name="KSO_WM_UNIT_TEXT_FILL_TYPE" val="1"/>
-  <p:tag name="KSO_WM_UNIT_USESOURCEFORMAT_APPLY" val="0"/>
-</p:tagLst>
-</file>
-
-<file path=ppt/tags/tag60.xml><?xml version="1.0" encoding="utf-8"?>
-<p:tagLst xmlns:p="http://schemas.openxmlformats.org/presentationml/2006/main">
-  <p:tag name="KSO_WM_TAG_VERSION" val="1.0"/>
-  <p:tag name="KSO_WM_TEMPLATE_CATEGORY" val="preset"/>
-  <p:tag name="KSO_WM_TEMPLATE_INDEX" val="1"/>
-  <p:tag name="KSO_WM_UNIT_TYPE" val="l_h_a"/>
-  <p:tag name="KSO_WM_UNIT_INDEX" val="1_2_1"/>
-  <p:tag name="KSO_WM_UNIT_ID" val="150995233*l_h_a*1_2_1"/>
-  <p:tag name="KSO_WM_UNIT_CLEAR" val="1"/>
-  <p:tag name="KSO_WM_UNIT_LAYERLEVEL" val="1_1_1"/>
-  <p:tag name="KSO_WM_UNIT_VALUE" val="9"/>
-  <p:tag name="KSO_WM_UNIT_HIGHLIGHT" val="0"/>
-  <p:tag name="KSO_WM_UNIT_COMPATIBLE" val="0"/>
-  <p:tag name="KSO_WM_UNIT_PRESET_TEXT" val="在此处添加小标题"/>
-  <p:tag name="KSO_WM_BEAUTIFY_FLAG" val="#wm#"/>
-  <p:tag name="KSO_WM_DIAGRAM_GROUP_CODE" val="第二组"/>
-  <p:tag name="KSO_WM_UNIT_LINE_FORE_SCHEMECOLOR_INDEX" val="14"/>
-  <p:tag name="KSO_WM_UNIT_LINE_FILL_TYPE" val="2"/>
-  <p:tag name="KSO_WM_UNIT_TEXT_FILL_FORE_SCHEMECOLOR_INDEX" val="13"/>
-  <p:tag name="KSO_WM_UNIT_TEXT_FILL_TYPE" val="1"/>
-  <p:tag name="KSO_WM_UNIT_USESOURCEFORMAT_APPLY" val="0"/>
-</p:tagLst>
-</file>
-
-<file path=ppt/tags/tag61.xml><?xml version="1.0" encoding="utf-8"?>
-<p:tagLst xmlns:p="http://schemas.openxmlformats.org/presentationml/2006/main">
-  <p:tag name="KSO_WM_TAG_VERSION" val="1.0"/>
-  <p:tag name="KSO_WM_TEMPLATE_CATEGORY" val="preset"/>
-  <p:tag name="KSO_WM_TEMPLATE_INDEX" val="1"/>
-  <p:tag name="KSO_WM_UNIT_TYPE" val="l_h_f"/>
-  <p:tag name="KSO_WM_UNIT_INDEX" val="1_2_1"/>
-  <p:tag name="KSO_WM_UNIT_ID" val="150995233*l_h_f*1_2_1"/>
-  <p:tag name="KSO_WM_UNIT_CLEAR" val="1"/>
-  <p:tag name="KSO_WM_UNIT_LAYERLEVEL" val="1_1_1"/>
-  <p:tag name="KSO_WM_UNIT_VALUE" val="99"/>
-  <p:tag name="KSO_WM_UNIT_HIGHLIGHT" val="0"/>
-  <p:tag name="KSO_WM_UNIT_COMPATIBLE" val="0"/>
-  <p:tag name="KSO_WM_UNIT_PRESET_TEXT" val="请在此处添加文本"/>
-  <p:tag name="KSO_WM_BEAUTIFY_FLAG" val="#wm#"/>
-  <p:tag name="KSO_WM_DIAGRAM_GROUP_CODE" val="第二组"/>
-  <p:tag name="KSO_WM_UNIT_LINE_FORE_SCHEMECOLOR_INDEX" val="14"/>
-  <p:tag name="KSO_WM_UNIT_LINE_FILL_TYPE" val="2"/>
-  <p:tag name="KSO_WM_UNIT_TEXT_FILL_FORE_SCHEMECOLOR_INDEX" val="13"/>
-  <p:tag name="KSO_WM_UNIT_TEXT_FILL_TYPE" val="1"/>
-  <p:tag name="KSO_WM_UNIT_USESOURCEFORMAT_APPLY" val="0"/>
-</p:tagLst>
-</file>
-
-<file path=ppt/tags/tag62.xml><?xml version="1.0" encoding="utf-8"?>
-<p:tagLst xmlns:p="http://schemas.openxmlformats.org/presentationml/2006/main">
-  <p:tag name="KSO_WM_TAG_VERSION" val="1.0"/>
-  <p:tag name="KSO_WM_TEMPLATE_CATEGORY" val="preset"/>
-  <p:tag name="KSO_WM_TEMPLATE_INDEX" val="1"/>
-  <p:tag name="KSO_WM_UNIT_TYPE" val="l_h_a"/>
-  <p:tag name="KSO_WM_UNIT_INDEX" val="1_3_1"/>
-  <p:tag name="KSO_WM_UNIT_ID" val="150995233*l_h_a*1_3_1"/>
-  <p:tag name="KSO_WM_UNIT_CLEAR" val="1"/>
-  <p:tag name="KSO_WM_UNIT_LAYERLEVEL" val="1_1_1"/>
-  <p:tag name="KSO_WM_UNIT_VALUE" val="9"/>
-  <p:tag name="KSO_WM_UNIT_HIGHLIGHT" val="0"/>
-  <p:tag name="KSO_WM_UNIT_COMPATIBLE" val="0"/>
-  <p:tag name="KSO_WM_UNIT_PRESET_TEXT" val="在此处添加小标题"/>
-  <p:tag name="KSO_WM_BEAUTIFY_FLAG" val="#wm#"/>
-  <p:tag name="KSO_WM_DIAGRAM_GROUP_CODE" val="第二组"/>
-  <p:tag name="KSO_WM_UNIT_LINE_FORE_SCHEMECOLOR_INDEX" val="14"/>
-  <p:tag name="KSO_WM_UNIT_LINE_FILL_TYPE" val="2"/>
-  <p:tag name="KSO_WM_UNIT_TEXT_FILL_FORE_SCHEMECOLOR_INDEX" val="13"/>
-  <p:tag name="KSO_WM_UNIT_TEXT_FILL_TYPE" val="1"/>
-  <p:tag name="KSO_WM_UNIT_USESOURCEFORMAT_APPLY" val="0"/>
-</p:tagLst>
-</file>
-
-<file path=ppt/tags/tag63.xml><?xml version="1.0" encoding="utf-8"?>
-<p:tagLst xmlns:p="http://schemas.openxmlformats.org/presentationml/2006/main">
-  <p:tag name="KSO_WM_TAG_VERSION" val="1.0"/>
-  <p:tag name="KSO_WM_TEMPLATE_CATEGORY" val="preset"/>
-  <p:tag name="KSO_WM_TEMPLATE_INDEX" val="1"/>
-  <p:tag name="KSO_WM_UNIT_TYPE" val="l_h_f"/>
-  <p:tag name="KSO_WM_UNIT_INDEX" val="1_3_1"/>
-  <p:tag name="KSO_WM_UNIT_ID" val="150995233*l_h_f*1_3_1"/>
-  <p:tag name="KSO_WM_UNIT_CLEAR" val="1"/>
-  <p:tag name="KSO_WM_UNIT_LAYERLEVEL" val="1_1_1"/>
-  <p:tag name="KSO_WM_UNIT_VALUE" val="99"/>
-  <p:tag name="KSO_WM_UNIT_HIGHLIGHT" val="0"/>
-  <p:tag name="KSO_WM_UNIT_COMPATIBLE" val="0"/>
-  <p:tag name="KSO_WM_UNIT_PRESET_TEXT" val="请在此处添加文本"/>
-  <p:tag name="KSO_WM_BEAUTIFY_FLAG" val="#wm#"/>
-  <p:tag name="KSO_WM_DIAGRAM_GROUP_CODE" val="第二组"/>
-  <p:tag name="KSO_WM_UNIT_LINE_FORE_SCHEMECOLOR_INDEX" val="14"/>
-  <p:tag name="KSO_WM_UNIT_LINE_FILL_TYPE" val="2"/>
-  <p:tag name="KSO_WM_UNIT_TEXT_FILL_FORE_SCHEMECOLOR_INDEX" val="13"/>
-  <p:tag name="KSO_WM_UNIT_TEXT_FILL_TYPE" val="1"/>
-  <p:tag name="KSO_WM_UNIT_USESOURCEFORMAT_APPLY" val="0"/>
-</p:tagLst>
-</file>
-
-<file path=ppt/tags/tag64.xml><?xml version="1.0" encoding="utf-8"?>
-<p:tagLst xmlns:p="http://schemas.openxmlformats.org/presentationml/2006/main">
-  <p:tag name="KSO_WM_SLIDE_ID" val="150995233"/>
-  <p:tag name="KSO_WM_SLIDE_INDEX" val="4"/>
-  <p:tag name="KSO_WM_SLIDE_ITEM_CNT" val="3"/>
-  <p:tag name="KSO_WM_SLIDE_LAYOUT" val="a_l"/>
-  <p:tag name="KSO_WM_SLIDE_LAYOUT_CNT" val="1_1"/>
-  <p:tag name="KSO_WM_SLIDE_TYPE" val="text"/>
-  <p:tag name="KSO_WM_BEAUTIFY_FLAG" val="#wm#"/>
-  <p:tag name="KSO_WM_SLIDE_POSITION" val="84*124"/>
-  <p:tag name="KSO_WM_SLIDE_SIZE" val="790*359"/>
-  <p:tag name="KSO_WM_TEMPLATE_CATEGORY" val="preset"/>
-  <p:tag name="KSO_WM_TEMPLATE_INDEX" val="1"/>
-  <p:tag name="KSO_WM_TAG_VERSION" val="1.0"/>
-  <p:tag name="KSO_WM_DIAGRAM_GROUP_CODE" val="第二组"/>
-</p:tagLst>
-</file>
-
-<file path=ppt/tags/tag65.xml><?xml version="1.0" encoding="utf-8"?>
-<p:tagLst xmlns:p="http://schemas.openxmlformats.org/presentationml/2006/main">
-  <p:tag name="KSO_WM_TAG_VERSION" val="1.0"/>
-  <p:tag name="KSO_WM_TEMPLATE_CATEGORY" val="preset"/>
-  <p:tag name="KSO_WM_TEMPLATE_INDEX" val="1"/>
-  <p:tag name="KSO_WM_UNIT_TYPE" val="a"/>
-  <p:tag name="KSO_WM_UNIT_INDEX" val="1"/>
-  <p:tag name="KSO_WM_UNIT_ID" val="150995287*a*1"/>
-  <p:tag name="KSO_WM_UNIT_CLEAR" val="1"/>
-  <p:tag name="KSO_WM_UNIT_LAYERLEVEL" val="1"/>
-  <p:tag name="KSO_WM_UNIT_VALUE" val="40"/>
-  <p:tag name="KSO_WM_UNIT_ISCONTENTSTITLE" val="0"/>
-  <p:tag name="KSO_WM_UNIT_HIGHLIGHT" val="0"/>
-  <p:tag name="KSO_WM_UNIT_COMPATIBLE" val="0"/>
-  <p:tag name="KSO_WM_UNIT_PRESET_TEXT" val="请在此处添加标题"/>
-  <p:tag name="KSO_WM_BEAUTIFY_FLAG" val="#wm#"/>
-</p:tagLst>
-</file>
-
-<file path=ppt/tags/tag66.xml><?xml version="1.0" encoding="utf-8"?>
-<p:tagLst xmlns:p="http://schemas.openxmlformats.org/presentationml/2006/main">
-  <p:tag name="KSO_WM_BEAUTIFY_FLAG" val="#wm#"/>
-  <p:tag name="KSO_WM_TEMPLATE_CATEGORY" val="preset"/>
-  <p:tag name="KSO_WM_TEMPLATE_INDEX" val="1"/>
-</p:tagLst>
-</file>
-
-<file path=ppt/tags/tag67.xml><?xml version="1.0" encoding="utf-8"?>
-<p:tagLst xmlns:p="http://schemas.openxmlformats.org/presentationml/2006/main">
-  <p:tag name="KSO_WM_TAG_VERSION" val="1.0"/>
-  <p:tag name="KSO_WM_TEMPLATE_CATEGORY" val="preset"/>
-  <p:tag name="KSO_WM_TEMPLATE_INDEX" val="1"/>
-  <p:tag name="KSO_WM_UNIT_TYPE" val="m_h_f"/>
-  <p:tag name="KSO_WM_UNIT_INDEX" val="1_1_1"/>
-  <p:tag name="KSO_WM_UNIT_ID" val="150995273*m_h_f*1_1_1"/>
-  <p:tag name="KSO_WM_UNIT_CLEAR" val="1"/>
-  <p:tag name="KSO_WM_UNIT_LAYERLEVEL" val="1_1_1"/>
-  <p:tag name="KSO_WM_UNIT_VALUE" val="63"/>
-  <p:tag name="KSO_WM_UNIT_HIGHLIGHT" val="0"/>
-  <p:tag name="KSO_WM_UNIT_COMPATIBLE" val="0"/>
-  <p:tag name="KSO_WM_UNIT_PRESET_TEXT" val="请在此处添加文本"/>
-  <p:tag name="KSO_WM_BEAUTIFY_FLAG" val="#wm#"/>
-  <p:tag name="KSO_WM_DIAGRAM_GROUP_CODE" val="第十组"/>
-  <p:tag name="KSO_WM_UNIT_LINE_FORE_SCHEMECOLOR_INDEX" val="14"/>
-  <p:tag name="KSO_WM_UNIT_LINE_FILL_TYPE" val="2"/>
-  <p:tag name="KSO_WM_UNIT_TEXT_FILL_FORE_SCHEMECOLOR_INDEX" val="13"/>
-  <p:tag name="KSO_WM_UNIT_TEXT_FILL_TYPE" val="1"/>
-  <p:tag name="KSO_WM_UNIT_USESOURCEFORMAT_APPLY" val="0"/>
-</p:tagLst>
-</file>
-
-<file path=ppt/tags/tag68.xml><?xml version="1.0" encoding="utf-8"?>
-<p:tagLst xmlns:p="http://schemas.openxmlformats.org/presentationml/2006/main">
-  <p:tag name="KSO_WM_TAG_VERSION" val="1.0"/>
-  <p:tag name="KSO_WM_TEMPLATE_CATEGORY" val="preset"/>
-  <p:tag name="KSO_WM_TEMPLATE_INDEX" val="1"/>
-  <p:tag name="KSO_WM_UNIT_TYPE" val="m_h_f"/>
-  <p:tag name="KSO_WM_UNIT_INDEX" val="1_2_1"/>
-  <p:tag name="KSO_WM_UNIT_ID" val="150995273*m_h_f*1_2_1"/>
-  <p:tag name="KSO_WM_UNIT_CLEAR" val="1"/>
-  <p:tag name="KSO_WM_UNIT_LAYERLEVEL" val="1_1_1"/>
-  <p:tag name="KSO_WM_UNIT_VALUE" val="63"/>
-  <p:tag name="KSO_WM_UNIT_HIGHLIGHT" val="0"/>
-  <p:tag name="KSO_WM_UNIT_COMPATIBLE" val="0"/>
-  <p:tag name="KSO_WM_UNIT_PRESET_TEXT" val="请在此处添加文本"/>
-  <p:tag name="KSO_WM_BEAUTIFY_FLAG" val="#wm#"/>
-  <p:tag name="KSO_WM_DIAGRAM_GROUP_CODE" val="第十组"/>
-  <p:tag name="KSO_WM_UNIT_LINE_FORE_SCHEMECOLOR_INDEX" val="14"/>
-  <p:tag name="KSO_WM_UNIT_LINE_FILL_TYPE" val="2"/>
-  <p:tag name="KSO_WM_UNIT_TEXT_FILL_FORE_SCHEMECOLOR_INDEX" val="13"/>
-  <p:tag name="KSO_WM_UNIT_TEXT_FILL_TYPE" val="1"/>
-  <p:tag name="KSO_WM_UNIT_USESOURCEFORMAT_APPLY" val="0"/>
-</p:tagLst>
-</file>
-
-<file path=ppt/tags/tag69.xml><?xml version="1.0" encoding="utf-8"?>
-<p:tagLst xmlns:p="http://schemas.openxmlformats.org/presentationml/2006/main">
-  <p:tag name="KSO_WM_TAG_VERSION" val="1.0"/>
-  <p:tag name="KSO_WM_TEMPLATE_CATEGORY" val="preset"/>
-  <p:tag name="KSO_WM_TEMPLATE_INDEX" val="1"/>
-  <p:tag name="KSO_WM_UNIT_TYPE" val="m_h_f"/>
-  <p:tag name="KSO_WM_UNIT_INDEX" val="1_3_1"/>
-  <p:tag name="KSO_WM_UNIT_ID" val="150995273*m_h_f*1_3_1"/>
-  <p:tag name="KSO_WM_UNIT_CLEAR" val="1"/>
-  <p:tag name="KSO_WM_UNIT_LAYERLEVEL" val="1_1_1"/>
-  <p:tag name="KSO_WM_UNIT_VALUE" val="63"/>
-  <p:tag name="KSO_WM_UNIT_HIGHLIGHT" val="0"/>
-  <p:tag name="KSO_WM_UNIT_COMPATIBLE" val="0"/>
-  <p:tag name="KSO_WM_UNIT_PRESET_TEXT" val="请在此处添加文本"/>
-  <p:tag name="KSO_WM_BEAUTIFY_FLAG" val="#wm#"/>
-  <p:tag name="KSO_WM_DIAGRAM_GROUP_CODE" val="第十组"/>
-  <p:tag name="KSO_WM_UNIT_LINE_FORE_SCHEMECOLOR_INDEX" val="14"/>
-  <p:tag name="KSO_WM_UNIT_LINE_FILL_TYPE" val="2"/>
-  <p:tag name="KSO_WM_UNIT_TEXT_FILL_FORE_SCHEMECOLOR_INDEX" val="13"/>
-  <p:tag name="KSO_WM_UNIT_TEXT_FILL_TYPE" val="1"/>
-  <p:tag name="KSO_WM_UNIT_USESOURCEFORMAT_APPLY" val="0"/>
-</p:tagLst>
-</file>
-
-<file path=ppt/tags/tag7.xml><?xml version="1.0" encoding="utf-8"?>
-<p:tagLst xmlns:p="http://schemas.openxmlformats.org/presentationml/2006/main">
-  <p:tag name="KSO_WM_SLIDE_ID" val="150995254"/>
-  <p:tag name="KSO_WM_SLIDE_INDEX" val="56"/>
-  <p:tag name="KSO_WM_SLIDE_ITEM_CNT" val="2"/>
-  <p:tag name="KSO_WM_SLIDE_LAYOUT" val="l"/>
-  <p:tag name="KSO_WM_SLIDE_LAYOUT_CNT" val="1"/>
-  <p:tag name="KSO_WM_SLIDE_TYPE" val="contents"/>
-  <p:tag name="KSO_WM_BEAUTIFY_FLAG" val="#wm#"/>
-  <p:tag name="KSO_WM_TEMPLATE_CATEGORY" val="preset"/>
-  <p:tag name="KSO_WM_TEMPLATE_INDEX" val="1"/>
-  <p:tag name="KSO_WM_TAG_VERSION" val="1.0"/>
-  <p:tag name="KSO_WM_DIAGRAM_GROUP_CODE" val="第六组"/>
-</p:tagLst>
-</file>
-
-<file path=ppt/tags/tag70.xml><?xml version="1.0" encoding="utf-8"?>
-<p:tagLst xmlns:p="http://schemas.openxmlformats.org/presentationml/2006/main">
-  <p:tag name="KSO_WM_TAG_VERSION" val="1.0"/>
-  <p:tag name="KSO_WM_TEMPLATE_CATEGORY" val="preset"/>
-  <p:tag name="KSO_WM_TEMPLATE_INDEX" val="1"/>
-  <p:tag name="KSO_WM_UNIT_TYPE" val="m_i"/>
-  <p:tag name="KSO_WM_UNIT_INDEX" val="1_1"/>
-  <p:tag name="KSO_WM_UNIT_ID" val="150995273*m_i*1_1"/>
-  <p:tag name="KSO_WM_UNIT_CLEAR" val="1"/>
-  <p:tag name="KSO_WM_UNIT_LAYERLEVEL" val="1_1"/>
-  <p:tag name="KSO_WM_BEAUTIFY_FLAG" val="#wm#"/>
-  <p:tag name="KSO_WM_DIAGRAM_GROUP_CODE" val="第十组"/>
-  <p:tag name="KSO_WM_UNIT_FILL_FORE_SCHEMECOLOR_INDEX" val="16"/>
-  <p:tag name="KSO_WM_UNIT_FILL_TYPE" val="1"/>
-  <p:tag name="KSO_WM_UNIT_TEXT_FILL_FORE_SCHEMECOLOR_INDEX" val="2"/>
-  <p:tag name="KSO_WM_UNIT_TEXT_FILL_TYPE" val="1"/>
-  <p:tag name="KSO_WM_UNIT_USESOURCEFORMAT_APPLY" val="0"/>
-</p:tagLst>
-</file>
-
-<file path=ppt/tags/tag71.xml><?xml version="1.0" encoding="utf-8"?>
-<p:tagLst xmlns:p="http://schemas.openxmlformats.org/presentationml/2006/main">
-  <p:tag name="KSO_WM_TAG_VERSION" val="1.0"/>
-  <p:tag name="KSO_WM_TEMPLATE_CATEGORY" val="preset"/>
-  <p:tag name="KSO_WM_TEMPLATE_INDEX" val="1"/>
-  <p:tag name="KSO_WM_UNIT_TYPE" val="m_i"/>
-  <p:tag name="KSO_WM_UNIT_INDEX" val="1_2"/>
-  <p:tag name="KSO_WM_UNIT_ID" val="150995273*m_i*1_2"/>
-  <p:tag name="KSO_WM_UNIT_CLEAR" val="1"/>
-  <p:tag name="KSO_WM_UNIT_LAYERLEVEL" val="1_1"/>
-  <p:tag name="KSO_WM_BEAUTIFY_FLAG" val="#wm#"/>
-  <p:tag name="KSO_WM_DIAGRAM_GROUP_CODE" val="第十组"/>
-  <p:tag name="KSO_WM_UNIT_FILL_FORE_SCHEMECOLOR_INDEX" val="16"/>
-  <p:tag name="KSO_WM_UNIT_FILL_TYPE" val="1"/>
-  <p:tag name="KSO_WM_UNIT_TEXT_FILL_FORE_SCHEMECOLOR_INDEX" val="2"/>
-  <p:tag name="KSO_WM_UNIT_TEXT_FILL_TYPE" val="1"/>
-  <p:tag name="KSO_WM_UNIT_USESOURCEFORMAT_APPLY" val="0"/>
-</p:tagLst>
-</file>
-
-<file path=ppt/tags/tag72.xml><?xml version="1.0" encoding="utf-8"?>
-<p:tagLst xmlns:p="http://schemas.openxmlformats.org/presentationml/2006/main">
-  <p:tag name="KSO_WM_TAG_VERSION" val="1.0"/>
-  <p:tag name="KSO_WM_TEMPLATE_CATEGORY" val="preset"/>
-  <p:tag name="KSO_WM_TEMPLATE_INDEX" val="1"/>
-  <p:tag name="KSO_WM_UNIT_TYPE" val="m_i"/>
-  <p:tag name="KSO_WM_UNIT_INDEX" val="1_3"/>
-  <p:tag name="KSO_WM_UNIT_ID" val="150995273*m_i*1_3"/>
-  <p:tag name="KSO_WM_UNIT_CLEAR" val="1"/>
-  <p:tag name="KSO_WM_UNIT_LAYERLEVEL" val="1_1"/>
-  <p:tag name="KSO_WM_BEAUTIFY_FLAG" val="#wm#"/>
-  <p:tag name="KSO_WM_DIAGRAM_GROUP_CODE" val="第十组"/>
-  <p:tag name="KSO_WM_UNIT_FILL_FORE_SCHEMECOLOR_INDEX" val="16"/>
-  <p:tag name="KSO_WM_UNIT_FILL_TYPE" val="1"/>
-  <p:tag name="KSO_WM_UNIT_TEXT_FILL_FORE_SCHEMECOLOR_INDEX" val="2"/>
-  <p:tag name="KSO_WM_UNIT_TEXT_FILL_TYPE" val="1"/>
-  <p:tag name="KSO_WM_UNIT_USESOURCEFORMAT_APPLY" val="0"/>
-</p:tagLst>
-</file>
-
-<file path=ppt/tags/tag73.xml><?xml version="1.0" encoding="utf-8"?>
-<p:tagLst xmlns:p="http://schemas.openxmlformats.org/presentationml/2006/main">
-  <p:tag name="KSO_WM_TAG_VERSION" val="1.0"/>
-  <p:tag name="KSO_WM_TEMPLATE_CATEGORY" val="preset"/>
-  <p:tag name="KSO_WM_TEMPLATE_INDEX" val="1"/>
-  <p:tag name="KSO_WM_UNIT_TYPE" val="a"/>
-  <p:tag name="KSO_WM_UNIT_INDEX" val="1"/>
-  <p:tag name="KSO_WM_UNIT_ID" val="150995273*a*1"/>
-  <p:tag name="KSO_WM_UNIT_CLEAR" val="1"/>
-  <p:tag name="KSO_WM_UNIT_LAYERLEVEL" val="1"/>
-  <p:tag name="KSO_WM_UNIT_VALUE" val="40"/>
-  <p:tag name="KSO_WM_UNIT_ISCONTENTSTITLE" val="0"/>
-  <p:tag name="KSO_WM_UNIT_HIGHLIGHT" val="0"/>
-  <p:tag name="KSO_WM_UNIT_COMPATIBLE" val="0"/>
-  <p:tag name="KSO_WM_UNIT_PRESET_TEXT" val="请在此处添加标题"/>
-  <p:tag name="KSO_WM_BEAUTIFY_FLAG" val="#wm#"/>
-</p:tagLst>
-</file>
-
-<file path=ppt/tags/tag74.xml><?xml version="1.0" encoding="utf-8"?>
-<p:tagLst xmlns:p="http://schemas.openxmlformats.org/presentationml/2006/main">
-  <p:tag name="KSO_WM_SLIDE_ID" val="150995273"/>
-  <p:tag name="KSO_WM_SLIDE_INDEX" val="12"/>
-  <p:tag name="KSO_WM_SLIDE_ITEM_CNT" val="3"/>
-  <p:tag name="KSO_WM_SLIDE_LAYOUT" val="a_m"/>
-  <p:tag name="KSO_WM_SLIDE_LAYOUT_CNT" val="1_1"/>
-  <p:tag name="KSO_WM_SLIDE_TYPE" val="text"/>
-  <p:tag name="KSO_WM_BEAUTIFY_FLAG" val="#wm#"/>
-  <p:tag name="KSO_WM_SLIDE_POSITION" val="61*142"/>
-  <p:tag name="KSO_WM_SLIDE_SIZE" val="821*318"/>
-  <p:tag name="KSO_WM_TEMPLATE_CATEGORY" val="preset"/>
-  <p:tag name="KSO_WM_TEMPLATE_INDEX" val="1"/>
-  <p:tag name="KSO_WM_TAG_VERSION" val="1.0"/>
-  <p:tag name="KSO_WM_DIAGRAM_GROUP_CODE" val="第十组"/>
-</p:tagLst>
-</file>
-
-<file path=ppt/tags/tag75.xml><?xml version="1.0" encoding="utf-8"?>
-<p:tagLst xmlns:p="http://schemas.openxmlformats.org/presentationml/2006/main">
-  <p:tag name="KSO_WM_TAG_VERSION" val="1.0"/>
-  <p:tag name="KSO_WM_TEMPLATE_CATEGORY" val="preset"/>
-  <p:tag name="KSO_WM_TEMPLATE_INDEX" val="1"/>
-  <p:tag name="KSO_WM_UNIT_TYPE" val="l_h_a"/>
-  <p:tag name="KSO_WM_UNIT_INDEX" val="1_1_1"/>
-  <p:tag name="KSO_WM_UNIT_ID" val="150995237*l_h_a*1_1_1"/>
-  <p:tag name="KSO_WM_UNIT_CLEAR" val="1"/>
-  <p:tag name="KSO_WM_UNIT_LAYERLEVEL" val="1_1_1"/>
-  <p:tag name="KSO_WM_UNIT_VALUE" val="28"/>
-  <p:tag name="KSO_WM_UNIT_HIGHLIGHT" val="0"/>
-  <p:tag name="KSO_WM_UNIT_COMPATIBLE" val="0"/>
-  <p:tag name="KSO_WM_UNIT_PRESET_TEXT" val="在此添加小标题"/>
-  <p:tag name="KSO_WM_BEAUTIFY_FLAG" val="#wm#"/>
-  <p:tag name="KSO_WM_DIAGRAM_GROUP_CODE" val="第三组"/>
-  <p:tag name="KSO_WM_UNIT_LINE_FORE_SCHEMECOLOR_INDEX" val="14"/>
-  <p:tag name="KSO_WM_UNIT_LINE_FILL_TYPE" val="2"/>
-  <p:tag name="KSO_WM_UNIT_TEXT_FILL_FORE_SCHEMECOLOR_INDEX" val="13"/>
-  <p:tag name="KSO_WM_UNIT_TEXT_FILL_TYPE" val="1"/>
-  <p:tag name="KSO_WM_UNIT_USESOURCEFORMAT_APPLY" val="0"/>
-</p:tagLst>
-</file>
-
-<file path=ppt/tags/tag76.xml><?xml version="1.0" encoding="utf-8"?>
-<p:tagLst xmlns:p="http://schemas.openxmlformats.org/presentationml/2006/main">
-  <p:tag name="KSO_WM_TAG_VERSION" val="1.0"/>
-  <p:tag name="KSO_WM_TEMPLATE_CATEGORY" val="preset"/>
-  <p:tag name="KSO_WM_TEMPLATE_INDEX" val="1"/>
-  <p:tag name="KSO_WM_UNIT_TYPE" val="l_h_f"/>
-  <p:tag name="KSO_WM_UNIT_INDEX" val="1_1_1"/>
-  <p:tag name="KSO_WM_UNIT_ID" val="150995237*l_h_f*1_1_1"/>
-  <p:tag name="KSO_WM_UNIT_CLEAR" val="1"/>
-  <p:tag name="KSO_WM_UNIT_LAYERLEVEL" val="1_1_1"/>
-  <p:tag name="KSO_WM_UNIT_VALUE" val="168"/>
-  <p:tag name="KSO_WM_UNIT_HIGHLIGHT" val="0"/>
-  <p:tag name="KSO_WM_UNIT_COMPATIBLE" val="0"/>
-  <p:tag name="KSO_WM_UNIT_PRESET_TEXT" val="请在此处添加文本"/>
-  <p:tag name="KSO_WM_BEAUTIFY_FLAG" val="#wm#"/>
-  <p:tag name="KSO_WM_DIAGRAM_GROUP_CODE" val="第三组"/>
-  <p:tag name="KSO_WM_UNIT_LINE_FORE_SCHEMECOLOR_INDEX" val="14"/>
-  <p:tag name="KSO_WM_UNIT_LINE_FILL_TYPE" val="2"/>
-  <p:tag name="KSO_WM_UNIT_TEXT_FILL_FORE_SCHEMECOLOR_INDEX" val="13"/>
-  <p:tag name="KSO_WM_UNIT_TEXT_FILL_TYPE" val="1"/>
-  <p:tag name="KSO_WM_UNIT_USESOURCEFORMAT_APPLY" val="0"/>
-</p:tagLst>
-</file>
-
-<file path=ppt/tags/tag77.xml><?xml version="1.0" encoding="utf-8"?>
-<p:tagLst xmlns:p="http://schemas.openxmlformats.org/presentationml/2006/main">
-  <p:tag name="KSO_WM_TAG_VERSION" val="1.0"/>
-  <p:tag name="KSO_WM_TEMPLATE_CATEGORY" val="preset"/>
-  <p:tag name="KSO_WM_TEMPLATE_INDEX" val="1"/>
-  <p:tag name="KSO_WM_UNIT_TYPE" val="l_h_a"/>
-  <p:tag name="KSO_WM_UNIT_INDEX" val="1_2_1"/>
-  <p:tag name="KSO_WM_UNIT_ID" val="150995237*l_h_a*1_2_1"/>
-  <p:tag name="KSO_WM_UNIT_CLEAR" val="1"/>
-  <p:tag name="KSO_WM_UNIT_LAYERLEVEL" val="1_1_1"/>
-  <p:tag name="KSO_WM_UNIT_VALUE" val="28"/>
-  <p:tag name="KSO_WM_UNIT_HIGHLIGHT" val="0"/>
-  <p:tag name="KSO_WM_UNIT_COMPATIBLE" val="0"/>
-  <p:tag name="KSO_WM_UNIT_PRESET_TEXT" val="在此添加小标题"/>
-  <p:tag name="KSO_WM_BEAUTIFY_FLAG" val="#wm#"/>
-  <p:tag name="KSO_WM_DIAGRAM_GROUP_CODE" val="第三组"/>
-  <p:tag name="KSO_WM_UNIT_LINE_FORE_SCHEMECOLOR_INDEX" val="14"/>
-  <p:tag name="KSO_WM_UNIT_LINE_FILL_TYPE" val="2"/>
-  <p:tag name="KSO_WM_UNIT_TEXT_FILL_FORE_SCHEMECOLOR_INDEX" val="13"/>
-  <p:tag name="KSO_WM_UNIT_TEXT_FILL_TYPE" val="1"/>
-  <p:tag name="KSO_WM_UNIT_USESOURCEFORMAT_APPLY" val="0"/>
-</p:tagLst>
-</file>
-
-<file path=ppt/tags/tag78.xml><?xml version="1.0" encoding="utf-8"?>
-<p:tagLst xmlns:p="http://schemas.openxmlformats.org/presentationml/2006/main">
-  <p:tag name="KSO_WM_TAG_VERSION" val="1.0"/>
-  <p:tag name="KSO_WM_TEMPLATE_CATEGORY" val="preset"/>
-  <p:tag name="KSO_WM_TEMPLATE_INDEX" val="1"/>
-  <p:tag name="KSO_WM_UNIT_TYPE" val="l_h_f"/>
-  <p:tag name="KSO_WM_UNIT_INDEX" val="1_2_1"/>
-  <p:tag name="KSO_WM_UNIT_ID" val="150995237*l_h_f*1_2_1"/>
-  <p:tag name="KSO_WM_UNIT_CLEAR" val="1"/>
-  <p:tag name="KSO_WM_UNIT_LAYERLEVEL" val="1_1_1"/>
-  <p:tag name="KSO_WM_UNIT_VALUE" val="168"/>
-  <p:tag name="KSO_WM_UNIT_HIGHLIGHT" val="0"/>
-  <p:tag name="KSO_WM_UNIT_COMPATIBLE" val="0"/>
-  <p:tag name="KSO_WM_UNIT_PRESET_TEXT" val="请在此处添加文本"/>
-  <p:tag name="KSO_WM_BEAUTIFY_FLAG" val="#wm#"/>
-  <p:tag name="KSO_WM_DIAGRAM_GROUP_CODE" val="第三组"/>
-  <p:tag name="KSO_WM_UNIT_LINE_FORE_SCHEMECOLOR_INDEX" val="14"/>
-  <p:tag name="KSO_WM_UNIT_LINE_FILL_TYPE" val="2"/>
-  <p:tag name="KSO_WM_UNIT_TEXT_FILL_FORE_SCHEMECOLOR_INDEX" val="13"/>
-  <p:tag name="KSO_WM_UNIT_TEXT_FILL_TYPE" val="1"/>
-  <p:tag name="KSO_WM_UNIT_USESOURCEFORMAT_APPLY" val="0"/>
-</p:tagLst>
-</file>
-
-<file path=ppt/tags/tag79.xml><?xml version="1.0" encoding="utf-8"?>
-<p:tagLst xmlns:p="http://schemas.openxmlformats.org/presentationml/2006/main">
-  <p:tag name="KSO_WM_SLIDE_ID" val="150995237"/>
-  <p:tag name="KSO_WM_SLIDE_INDEX" val="53"/>
-  <p:tag name="KSO_WM_SLIDE_ITEM_CNT" val="2"/>
-  <p:tag name="KSO_WM_SLIDE_LAYOUT" val="l"/>
-  <p:tag name="KSO_WM_SLIDE_LAYOUT_CNT" val="1"/>
-  <p:tag name="KSO_WM_SLIDE_TYPE" val="text"/>
-  <p:tag name="KSO_WM_BEAUTIFY_FLAG" val="#wm#"/>
-  <p:tag name="KSO_WM_SLIDE_POSITION" val="97*76"/>
-  <p:tag name="KSO_WM_SLIDE_SIZE" val="764*391"/>
-  <p:tag name="KSO_WM_TEMPLATE_CATEGORY" val="preset"/>
-  <p:tag name="KSO_WM_TEMPLATE_INDEX" val="1"/>
-  <p:tag name="KSO_WM_TAG_VERSION" val="1.0"/>
-  <p:tag name="KSO_WM_DIAGRAM_GROUP_CODE" val="第三组"/>
-</p:tagLst>
-</file>
-
-<file path=ppt/tags/tag8.xml><?xml version="1.0" encoding="utf-8"?>
-<p:tagLst xmlns:p="http://schemas.openxmlformats.org/presentationml/2006/main">
-  <p:tag name="KSO_WM_TAG_VERSION" val="1.0"/>
-  <p:tag name="KSO_WM_TEMPLATE_CATEGORY" val="preset"/>
-  <p:tag name="KSO_WM_TEMPLATE_INDEX" val="1"/>
-  <p:tag name="KSO_WM_UNIT_TYPE" val="l_i"/>
-  <p:tag name="KSO_WM_UNIT_INDEX" val="1_1"/>
-  <p:tag name="KSO_WM_UNIT_ID" val="150995264*l_i*1_1"/>
-  <p:tag name="KSO_WM_UNIT_CLEAR" val="1"/>
-  <p:tag name="KSO_WM_UNIT_LAYERLEVEL" val="1_1"/>
-  <p:tag name="KSO_WM_BEAUTIFY_FLAG" val="#wm#"/>
-  <p:tag name="KSO_WM_DIAGRAM_GROUP_CODE" val="第七组"/>
-  <p:tag name="KSO_WM_UNIT_FILL_FORE_SCHEMECOLOR_INDEX" val="16"/>
-  <p:tag name="KSO_WM_UNIT_FILL_TYPE" val="1"/>
-  <p:tag name="KSO_WM_UNIT_TEXT_FILL_FORE_SCHEMECOLOR_INDEX" val="2"/>
-  <p:tag name="KSO_WM_UNIT_TEXT_FILL_TYPE" val="1"/>
-  <p:tag name="KSO_WM_UNIT_USESOURCEFORMAT_APPLY" val="0"/>
-</p:tagLst>
-</file>
-
-<file path=ppt/tags/tag80.xml><?xml version="1.0" encoding="utf-8"?>
-<p:tagLst xmlns:p="http://schemas.openxmlformats.org/presentationml/2006/main">
-  <p:tag name="KSO_WM_TAG_VERSION" val="1.0"/>
-  <p:tag name="KSO_WM_TEMPLATE_CATEGORY" val="preset"/>
-  <p:tag name="KSO_WM_TEMPLATE_INDEX" val="1"/>
-  <p:tag name="KSO_WM_UNIT_TYPE" val="a"/>
-  <p:tag name="KSO_WM_UNIT_INDEX" val="1"/>
-  <p:tag name="KSO_WM_UNIT_ID" val="150995287*a*1"/>
-  <p:tag name="KSO_WM_UNIT_CLEAR" val="1"/>
-  <p:tag name="KSO_WM_UNIT_LAYERLEVEL" val="1"/>
-  <p:tag name="KSO_WM_UNIT_VALUE" val="40"/>
-  <p:tag name="KSO_WM_UNIT_ISCONTENTSTITLE" val="0"/>
-  <p:tag name="KSO_WM_UNIT_HIGHLIGHT" val="0"/>
-  <p:tag name="KSO_WM_UNIT_COMPATIBLE" val="0"/>
-  <p:tag name="KSO_WM_UNIT_PRESET_TEXT" val="请在此处添加标题"/>
-  <p:tag name="KSO_WM_BEAUTIFY_FLAG" val="#wm#"/>
-</p:tagLst>
-</file>
-
-<file path=ppt/tags/tag81.xml><?xml version="1.0" encoding="utf-8"?>
-<p:tagLst xmlns:p="http://schemas.openxmlformats.org/presentationml/2006/main">
-  <p:tag name="KSO_WM_BEAUTIFY_FLAG" val="#wm#"/>
-  <p:tag name="KSO_WM_TEMPLATE_CATEGORY" val="preset"/>
-  <p:tag name="KSO_WM_TEMPLATE_INDEX" val="1"/>
-</p:tagLst>
-</file>
-
-<file path=ppt/tags/tag82.xml><?xml version="1.0" encoding="utf-8"?>
-<p:tagLst xmlns:p="http://schemas.openxmlformats.org/presentationml/2006/main">
-  <p:tag name="KSO_WM_TAG_VERSION" val="1.0"/>
-  <p:tag name="KSO_WM_TEMPLATE_CATEGORY" val="preset"/>
-  <p:tag name="KSO_WM_TEMPLATE_INDEX" val="1"/>
-  <p:tag name="KSO_WM_UNIT_TYPE" val="f"/>
-  <p:tag name="KSO_WM_UNIT_INDEX" val="1"/>
-  <p:tag name="KSO_WM_UNIT_ID" val="150995287*f*1"/>
-  <p:tag name="KSO_WM_UNIT_CLEAR" val="1"/>
-  <p:tag name="KSO_WM_UNIT_LAYERLEVEL" val="1"/>
-  <p:tag name="KSO_WM_UNIT_VALUE" val="130"/>
-  <p:tag name="KSO_WM_UNIT_HIGHLIGHT" val="0"/>
-  <p:tag name="KSO_WM_UNIT_COMPATIBLE" val="0"/>
-  <p:tag name="KSO_WM_UNIT_PRESET_TEXT" val="请在此处添加文本"/>
-  <p:tag name="KSO_WM_BEAUTIFY_FLAG" val="#wm#"/>
-</p:tagLst>
-</file>
-
-<file path=ppt/tags/tag83.xml><?xml version="1.0" encoding="utf-8"?>
-<p:tagLst xmlns:p="http://schemas.openxmlformats.org/presentationml/2006/main">
-  <p:tag name="KSO_WM_BEAUTIFY_FLAG" val="#wm#"/>
-  <p:tag name="KSO_WM_TEMPLATE_CATEGORY" val="preset"/>
-  <p:tag name="KSO_WM_TEMPLATE_INDEX" val="1"/>
-</p:tagLst>
-</file>
-
-<file path=ppt/tags/tag84.xml><?xml version="1.0" encoding="utf-8"?>
+<file path=ppt/tags/tag92.xml><?xml version="1.0" encoding="utf-8"?>
 <p:tagLst xmlns:p="http://schemas.openxmlformats.org/presentationml/2006/main">
   <p:tag name="KSO_WM_TAG_VERSION" val="1.0"/>
   <p:tag name="KSO_WM_TEMPLATE_CATEGORY" val="preset"/>
@@ -17001,7 +17914,7 @@
 </p:tagLst>
 </file>
 
-<file path=ppt/tags/tag85.xml><?xml version="1.0" encoding="utf-8"?>
+<file path=ppt/tags/tag93.xml><?xml version="1.0" encoding="utf-8"?>
 <p:tagLst xmlns:p="http://schemas.openxmlformats.org/presentationml/2006/main">
   <p:tag name="KSO_WM_TAG_VERSION" val="1.0"/>
   <p:tag name="KSO_WM_TEMPLATE_CATEGORY" val="preset"/>
@@ -17025,7 +17938,7 @@
 </p:tagLst>
 </file>
 
-<file path=ppt/tags/tag86.xml><?xml version="1.0" encoding="utf-8"?>
+<file path=ppt/tags/tag94.xml><?xml version="1.0" encoding="utf-8"?>
 <p:tagLst xmlns:p="http://schemas.openxmlformats.org/presentationml/2006/main">
   <p:tag name="KSO_WM_TAG_VERSION" val="1.0"/>
   <p:tag name="KSO_WM_TEMPLATE_CATEGORY" val="preset"/>
@@ -17049,7 +17962,7 @@
 </p:tagLst>
 </file>
 
-<file path=ppt/tags/tag87.xml><?xml version="1.0" encoding="utf-8"?>
+<file path=ppt/tags/tag95.xml><?xml version="1.0" encoding="utf-8"?>
 <p:tagLst xmlns:p="http://schemas.openxmlformats.org/presentationml/2006/main">
   <p:tag name="KSO_WM_TAG_VERSION" val="1.0"/>
   <p:tag name="KSO_WM_TEMPLATE_CATEGORY" val="preset"/>
@@ -17073,7 +17986,7 @@
 </p:tagLst>
 </file>
 
-<file path=ppt/tags/tag88.xml><?xml version="1.0" encoding="utf-8"?>
+<file path=ppt/tags/tag96.xml><?xml version="1.0" encoding="utf-8"?>
 <p:tagLst xmlns:p="http://schemas.openxmlformats.org/presentationml/2006/main">
   <p:tag name="KSO_WM_TAG_VERSION" val="1.0"/>
   <p:tag name="KSO_WM_TEMPLATE_CATEGORY" val="preset"/>
@@ -17097,7 +18010,7 @@
 </p:tagLst>
 </file>
 
-<file path=ppt/tags/tag89.xml><?xml version="1.0" encoding="utf-8"?>
+<file path=ppt/tags/tag97.xml><?xml version="1.0" encoding="utf-8"?>
 <p:tagLst xmlns:p="http://schemas.openxmlformats.org/presentationml/2006/main">
   <p:tag name="KSO_WM_TAG_VERSION" val="1.0"/>
   <p:tag name="KSO_WM_TEMPLATE_CATEGORY" val="preset"/>
@@ -17121,27 +18034,7 @@
 </p:tagLst>
 </file>
 
-<file path=ppt/tags/tag9.xml><?xml version="1.0" encoding="utf-8"?>
-<p:tagLst xmlns:p="http://schemas.openxmlformats.org/presentationml/2006/main">
-  <p:tag name="KSO_WM_TAG_VERSION" val="1.0"/>
-  <p:tag name="KSO_WM_TEMPLATE_CATEGORY" val="preset"/>
-  <p:tag name="KSO_WM_TEMPLATE_INDEX" val="1"/>
-  <p:tag name="KSO_WM_UNIT_TYPE" val="l_i"/>
-  <p:tag name="KSO_WM_UNIT_INDEX" val="1_2"/>
-  <p:tag name="KSO_WM_UNIT_ID" val="150995264*l_i*1_2"/>
-  <p:tag name="KSO_WM_UNIT_CLEAR" val="1"/>
-  <p:tag name="KSO_WM_UNIT_LAYERLEVEL" val="1_1"/>
-  <p:tag name="KSO_WM_BEAUTIFY_FLAG" val="#wm#"/>
-  <p:tag name="KSO_WM_DIAGRAM_GROUP_CODE" val="第七组"/>
-  <p:tag name="KSO_WM_UNIT_FILL_FORE_SCHEMECOLOR_INDEX" val="16"/>
-  <p:tag name="KSO_WM_UNIT_FILL_TYPE" val="1"/>
-  <p:tag name="KSO_WM_UNIT_TEXT_FILL_FORE_SCHEMECOLOR_INDEX" val="2"/>
-  <p:tag name="KSO_WM_UNIT_TEXT_FILL_TYPE" val="1"/>
-  <p:tag name="KSO_WM_UNIT_USESOURCEFORMAT_APPLY" val="0"/>
-</p:tagLst>
-</file>
-
-<file path=ppt/tags/tag90.xml><?xml version="1.0" encoding="utf-8"?>
+<file path=ppt/tags/tag98.xml><?xml version="1.0" encoding="utf-8"?>
 <p:tagLst xmlns:p="http://schemas.openxmlformats.org/presentationml/2006/main">
   <p:tag name="KSO_WM_SLIDE_ID" val="150995238"/>
   <p:tag name="KSO_WM_SLIDE_INDEX" val="5"/>
@@ -17152,14 +18045,14 @@
   <p:tag name="KSO_WM_BEAUTIFY_FLAG" val="#wm#"/>
   <p:tag name="KSO_WM_SLIDE_POSITION" val="82*78"/>
   <p:tag name="KSO_WM_SLIDE_SIZE" val="792*391"/>
-  <p:tag name="KSO_WM_TEMPLATE_CATEGORY" val="preset"/>
-  <p:tag name="KSO_WM_TEMPLATE_INDEX" val="1"/>
+  <p:tag name="KSO_WM_TEMPLATE_CATEGORY" val="custom"/>
+  <p:tag name="KSO_WM_TEMPLATE_INDEX" val="20188997"/>
   <p:tag name="KSO_WM_TAG_VERSION" val="1.0"/>
   <p:tag name="KSO_WM_DIAGRAM_GROUP_CODE" val="第三组"/>
 </p:tagLst>
 </file>
 
-<file path=ppt/tags/tag91.xml><?xml version="1.0" encoding="utf-8"?>
+<file path=ppt/tags/tag99.xml><?xml version="1.0" encoding="utf-8"?>
 <p:tagLst xmlns:p="http://schemas.openxmlformats.org/presentationml/2006/main">
   <p:tag name="KSO_WM_TAG_VERSION" val="1.0"/>
   <p:tag name="KSO_WM_TEMPLATE_CATEGORY" val="preset"/>
@@ -17177,137 +18070,206 @@
 </p:tagLst>
 </file>
 
-<file path=ppt/tags/tag92.xml><?xml version="1.0" encoding="utf-8"?>
-<p:tagLst xmlns:p="http://schemas.openxmlformats.org/presentationml/2006/main">
-  <p:tag name="KSO_WM_BEAUTIFY_FLAG" val="#wm#"/>
-  <p:tag name="KSO_WM_TEMPLATE_CATEGORY" val="preset"/>
-  <p:tag name="KSO_WM_TEMPLATE_INDEX" val="1"/>
-</p:tagLst>
+<file path=ppt/theme/theme1.xml><?xml version="1.0" encoding="utf-8"?>
+<a:theme xmlns:a="http://schemas.openxmlformats.org/drawingml/2006/main" name="2_Office 主题​​">
+  <a:themeElements>
+    <a:clrScheme name="自定义 305">
+      <a:dk1>
+        <a:srgbClr val="000000"/>
+      </a:dk1>
+      <a:lt1>
+        <a:srgbClr val="FFFFFF"/>
+      </a:lt1>
+      <a:dk2>
+        <a:srgbClr val="1E7EF2"/>
+      </a:dk2>
+      <a:lt2>
+        <a:srgbClr val="E7E6E6"/>
+      </a:lt2>
+      <a:accent1>
+        <a:srgbClr val="1E7EF2"/>
+      </a:accent1>
+      <a:accent2>
+        <a:srgbClr val="4E4E4E"/>
+      </a:accent2>
+      <a:accent3>
+        <a:srgbClr val="FFFFFF"/>
+      </a:accent3>
+      <a:accent4>
+        <a:srgbClr val="1A45F3"/>
+      </a:accent4>
+      <a:accent5>
+        <a:srgbClr val="1A45F3"/>
+      </a:accent5>
+      <a:accent6>
+        <a:srgbClr val="1A45F3"/>
+      </a:accent6>
+      <a:hlink>
+        <a:srgbClr val="0563C1"/>
+      </a:hlink>
+      <a:folHlink>
+        <a:srgbClr val="954F72"/>
+      </a:folHlink>
+    </a:clrScheme>
+    <a:fontScheme name="自定义 4">
+      <a:majorFont>
+        <a:latin typeface="Arial"/>
+        <a:ea typeface="微软雅黑"/>
+        <a:cs typeface=""/>
+      </a:majorFont>
+      <a:minorFont>
+        <a:latin typeface="Arial"/>
+        <a:ea typeface="微软雅黑"/>
+        <a:cs typeface=""/>
+      </a:minorFont>
+    </a:fontScheme>
+    <a:fmtScheme name="Office">
+      <a:fillStyleLst>
+        <a:solidFill>
+          <a:schemeClr val="phClr"/>
+        </a:solidFill>
+        <a:gradFill rotWithShape="1">
+          <a:gsLst>
+            <a:gs pos="0">
+              <a:schemeClr val="phClr">
+                <a:lumMod val="110000"/>
+                <a:satMod val="105000"/>
+                <a:tint val="67000"/>
+              </a:schemeClr>
+            </a:gs>
+            <a:gs pos="50000">
+              <a:schemeClr val="phClr">
+                <a:lumMod val="105000"/>
+                <a:satMod val="103000"/>
+                <a:tint val="73000"/>
+              </a:schemeClr>
+            </a:gs>
+            <a:gs pos="100000">
+              <a:schemeClr val="phClr">
+                <a:lumMod val="105000"/>
+                <a:satMod val="109000"/>
+                <a:tint val="81000"/>
+              </a:schemeClr>
+            </a:gs>
+          </a:gsLst>
+          <a:lin ang="5400000" scaled="0"/>
+        </a:gradFill>
+        <a:gradFill rotWithShape="1">
+          <a:gsLst>
+            <a:gs pos="0">
+              <a:schemeClr val="phClr">
+                <a:satMod val="103000"/>
+                <a:lumMod val="102000"/>
+                <a:tint val="94000"/>
+              </a:schemeClr>
+            </a:gs>
+            <a:gs pos="50000">
+              <a:schemeClr val="phClr">
+                <a:satMod val="110000"/>
+                <a:lumMod val="100000"/>
+                <a:shade val="100000"/>
+              </a:schemeClr>
+            </a:gs>
+            <a:gs pos="100000">
+              <a:schemeClr val="phClr">
+                <a:lumMod val="99000"/>
+                <a:satMod val="120000"/>
+                <a:shade val="78000"/>
+              </a:schemeClr>
+            </a:gs>
+          </a:gsLst>
+          <a:lin ang="5400000" scaled="0"/>
+        </a:gradFill>
+      </a:fillStyleLst>
+      <a:lnStyleLst>
+        <a:ln w="6350" cap="flat" cmpd="sng" algn="ctr">
+          <a:solidFill>
+            <a:schemeClr val="phClr"/>
+          </a:solidFill>
+          <a:prstDash val="solid"/>
+          <a:miter lim="800000"/>
+        </a:ln>
+        <a:ln w="12700" cap="flat" cmpd="sng" algn="ctr">
+          <a:solidFill>
+            <a:schemeClr val="phClr"/>
+          </a:solidFill>
+          <a:prstDash val="solid"/>
+          <a:miter lim="800000"/>
+        </a:ln>
+        <a:ln w="19050" cap="flat" cmpd="sng" algn="ctr">
+          <a:solidFill>
+            <a:schemeClr val="phClr"/>
+          </a:solidFill>
+          <a:prstDash val="solid"/>
+          <a:miter lim="800000"/>
+        </a:ln>
+      </a:lnStyleLst>
+      <a:effectStyleLst>
+        <a:effectStyle>
+          <a:effectLst/>
+        </a:effectStyle>
+        <a:effectStyle>
+          <a:effectLst/>
+        </a:effectStyle>
+        <a:effectStyle>
+          <a:effectLst>
+            <a:outerShdw blurRad="57150" dist="19050" dir="5400000" algn="ctr" rotWithShape="0">
+              <a:srgbClr val="000000">
+                <a:alpha val="63000"/>
+              </a:srgbClr>
+            </a:outerShdw>
+          </a:effectLst>
+        </a:effectStyle>
+      </a:effectStyleLst>
+      <a:bgFillStyleLst>
+        <a:solidFill>
+          <a:schemeClr val="phClr"/>
+        </a:solidFill>
+        <a:solidFill>
+          <a:schemeClr val="phClr">
+            <a:tint val="95000"/>
+            <a:satMod val="170000"/>
+          </a:schemeClr>
+        </a:solidFill>
+        <a:gradFill rotWithShape="1">
+          <a:gsLst>
+            <a:gs pos="0">
+              <a:schemeClr val="phClr">
+                <a:tint val="93000"/>
+                <a:satMod val="150000"/>
+                <a:shade val="98000"/>
+                <a:lumMod val="102000"/>
+              </a:schemeClr>
+            </a:gs>
+            <a:gs pos="50000">
+              <a:schemeClr val="phClr">
+                <a:tint val="98000"/>
+                <a:satMod val="130000"/>
+                <a:shade val="90000"/>
+                <a:lumMod val="103000"/>
+              </a:schemeClr>
+            </a:gs>
+            <a:gs pos="100000">
+              <a:schemeClr val="phClr">
+                <a:shade val="63000"/>
+                <a:satMod val="120000"/>
+              </a:schemeClr>
+            </a:gs>
+          </a:gsLst>
+          <a:lin ang="5400000" scaled="0"/>
+        </a:gradFill>
+      </a:bgFillStyleLst>
+    </a:fmtScheme>
+  </a:themeElements>
+  <a:extLst>
+    <a:ext uri="{05A4C25C-085E-4340-85A3-A5531E510DB2}">
+      <thm15:themeFamily xmlns:thm15="http://schemas.microsoft.com/office/thememl/2012/main" name="Office Theme" id="{62F939B6-93AF-4DB8-9C6B-D6C7DFDC589F}" vid="{4A3C46E8-61CC-4603-A589-7422A47A8E4A}"/>
+    </a:ext>
+  </a:extLst>
+</a:theme>
 </file>
 
-<file path=ppt/tags/tag93.xml><?xml version="1.0" encoding="utf-8"?>
-<p:tagLst xmlns:p="http://schemas.openxmlformats.org/presentationml/2006/main">
-  <p:tag name="KSO_WM_TAG_VERSION" val="1.0"/>
-  <p:tag name="KSO_WM_TEMPLATE_CATEGORY" val="preset"/>
-  <p:tag name="KSO_WM_TEMPLATE_INDEX" val="1"/>
-  <p:tag name="KSO_WM_UNIT_TYPE" val="l_h_a"/>
-  <p:tag name="KSO_WM_UNIT_INDEX" val="1_1_1"/>
-  <p:tag name="KSO_WM_UNIT_ID" val="150995237*l_h_a*1_1_1"/>
-  <p:tag name="KSO_WM_UNIT_CLEAR" val="1"/>
-  <p:tag name="KSO_WM_UNIT_LAYERLEVEL" val="1_1_1"/>
-  <p:tag name="KSO_WM_UNIT_VALUE" val="28"/>
-  <p:tag name="KSO_WM_UNIT_HIGHLIGHT" val="0"/>
-  <p:tag name="KSO_WM_UNIT_COMPATIBLE" val="0"/>
-  <p:tag name="KSO_WM_UNIT_PRESET_TEXT" val="在此添加小标题"/>
-  <p:tag name="KSO_WM_BEAUTIFY_FLAG" val="#wm#"/>
-  <p:tag name="KSO_WM_DIAGRAM_GROUP_CODE" val="第三组"/>
-  <p:tag name="KSO_WM_UNIT_LINE_FORE_SCHEMECOLOR_INDEX" val="14"/>
-  <p:tag name="KSO_WM_UNIT_LINE_FILL_TYPE" val="2"/>
-  <p:tag name="KSO_WM_UNIT_TEXT_FILL_FORE_SCHEMECOLOR_INDEX" val="13"/>
-  <p:tag name="KSO_WM_UNIT_TEXT_FILL_TYPE" val="1"/>
-  <p:tag name="KSO_WM_UNIT_USESOURCEFORMAT_APPLY" val="0"/>
-</p:tagLst>
-</file>
-
-<file path=ppt/tags/tag94.xml><?xml version="1.0" encoding="utf-8"?>
-<p:tagLst xmlns:p="http://schemas.openxmlformats.org/presentationml/2006/main">
-  <p:tag name="KSO_WM_TAG_VERSION" val="1.0"/>
-  <p:tag name="KSO_WM_TEMPLATE_CATEGORY" val="preset"/>
-  <p:tag name="KSO_WM_TEMPLATE_INDEX" val="1"/>
-  <p:tag name="KSO_WM_UNIT_TYPE" val="l_h_f"/>
-  <p:tag name="KSO_WM_UNIT_INDEX" val="1_1_1"/>
-  <p:tag name="KSO_WM_UNIT_ID" val="150995237*l_h_f*1_1_1"/>
-  <p:tag name="KSO_WM_UNIT_CLEAR" val="1"/>
-  <p:tag name="KSO_WM_UNIT_LAYERLEVEL" val="1_1_1"/>
-  <p:tag name="KSO_WM_UNIT_VALUE" val="168"/>
-  <p:tag name="KSO_WM_UNIT_HIGHLIGHT" val="0"/>
-  <p:tag name="KSO_WM_UNIT_COMPATIBLE" val="0"/>
-  <p:tag name="KSO_WM_UNIT_PRESET_TEXT" val="请在此处添加文本"/>
-  <p:tag name="KSO_WM_BEAUTIFY_FLAG" val="#wm#"/>
-  <p:tag name="KSO_WM_DIAGRAM_GROUP_CODE" val="第三组"/>
-  <p:tag name="KSO_WM_UNIT_LINE_FORE_SCHEMECOLOR_INDEX" val="14"/>
-  <p:tag name="KSO_WM_UNIT_LINE_FILL_TYPE" val="2"/>
-  <p:tag name="KSO_WM_UNIT_TEXT_FILL_FORE_SCHEMECOLOR_INDEX" val="13"/>
-  <p:tag name="KSO_WM_UNIT_TEXT_FILL_TYPE" val="1"/>
-  <p:tag name="KSO_WM_UNIT_USESOURCEFORMAT_APPLY" val="0"/>
-</p:tagLst>
-</file>
-
-<file path=ppt/tags/tag95.xml><?xml version="1.0" encoding="utf-8"?>
-<p:tagLst xmlns:p="http://schemas.openxmlformats.org/presentationml/2006/main">
-  <p:tag name="KSO_WM_TAG_VERSION" val="1.0"/>
-  <p:tag name="KSO_WM_TEMPLATE_CATEGORY" val="preset"/>
-  <p:tag name="KSO_WM_TEMPLATE_INDEX" val="1"/>
-  <p:tag name="KSO_WM_UNIT_TYPE" val="l_h_a"/>
-  <p:tag name="KSO_WM_UNIT_INDEX" val="1_2_1"/>
-  <p:tag name="KSO_WM_UNIT_ID" val="150995237*l_h_a*1_2_1"/>
-  <p:tag name="KSO_WM_UNIT_CLEAR" val="1"/>
-  <p:tag name="KSO_WM_UNIT_LAYERLEVEL" val="1_1_1"/>
-  <p:tag name="KSO_WM_UNIT_VALUE" val="28"/>
-  <p:tag name="KSO_WM_UNIT_HIGHLIGHT" val="0"/>
-  <p:tag name="KSO_WM_UNIT_COMPATIBLE" val="0"/>
-  <p:tag name="KSO_WM_UNIT_PRESET_TEXT" val="在此添加小标题"/>
-  <p:tag name="KSO_WM_BEAUTIFY_FLAG" val="#wm#"/>
-  <p:tag name="KSO_WM_DIAGRAM_GROUP_CODE" val="第三组"/>
-  <p:tag name="KSO_WM_UNIT_LINE_FORE_SCHEMECOLOR_INDEX" val="14"/>
-  <p:tag name="KSO_WM_UNIT_LINE_FILL_TYPE" val="2"/>
-  <p:tag name="KSO_WM_UNIT_TEXT_FILL_FORE_SCHEMECOLOR_INDEX" val="13"/>
-  <p:tag name="KSO_WM_UNIT_TEXT_FILL_TYPE" val="1"/>
-  <p:tag name="KSO_WM_UNIT_USESOURCEFORMAT_APPLY" val="0"/>
-</p:tagLst>
-</file>
-
-<file path=ppt/tags/tag96.xml><?xml version="1.0" encoding="utf-8"?>
-<p:tagLst xmlns:p="http://schemas.openxmlformats.org/presentationml/2006/main">
-  <p:tag name="KSO_WM_TAG_VERSION" val="1.0"/>
-  <p:tag name="KSO_WM_TEMPLATE_CATEGORY" val="preset"/>
-  <p:tag name="KSO_WM_TEMPLATE_INDEX" val="1"/>
-  <p:tag name="KSO_WM_UNIT_TYPE" val="l_h_f"/>
-  <p:tag name="KSO_WM_UNIT_INDEX" val="1_2_1"/>
-  <p:tag name="KSO_WM_UNIT_ID" val="150995237*l_h_f*1_2_1"/>
-  <p:tag name="KSO_WM_UNIT_CLEAR" val="1"/>
-  <p:tag name="KSO_WM_UNIT_LAYERLEVEL" val="1_1_1"/>
-  <p:tag name="KSO_WM_UNIT_VALUE" val="168"/>
-  <p:tag name="KSO_WM_UNIT_HIGHLIGHT" val="0"/>
-  <p:tag name="KSO_WM_UNIT_COMPATIBLE" val="0"/>
-  <p:tag name="KSO_WM_UNIT_PRESET_TEXT" val="请在此处添加文本"/>
-  <p:tag name="KSO_WM_BEAUTIFY_FLAG" val="#wm#"/>
-  <p:tag name="KSO_WM_DIAGRAM_GROUP_CODE" val="第三组"/>
-  <p:tag name="KSO_WM_UNIT_LINE_FORE_SCHEMECOLOR_INDEX" val="14"/>
-  <p:tag name="KSO_WM_UNIT_LINE_FILL_TYPE" val="2"/>
-  <p:tag name="KSO_WM_UNIT_TEXT_FILL_FORE_SCHEMECOLOR_INDEX" val="13"/>
-  <p:tag name="KSO_WM_UNIT_TEXT_FILL_TYPE" val="1"/>
-  <p:tag name="KSO_WM_UNIT_USESOURCEFORMAT_APPLY" val="0"/>
-</p:tagLst>
-</file>
-
-<file path=ppt/tags/tag97.xml><?xml version="1.0" encoding="utf-8"?>
-<p:tagLst xmlns:p="http://schemas.openxmlformats.org/presentationml/2006/main">
-  <p:tag name="KSO_WM_SLIDE_ID" val="150995237"/>
-  <p:tag name="KSO_WM_SLIDE_INDEX" val="53"/>
-  <p:tag name="KSO_WM_SLIDE_ITEM_CNT" val="2"/>
-  <p:tag name="KSO_WM_SLIDE_LAYOUT" val="l"/>
-  <p:tag name="KSO_WM_SLIDE_LAYOUT_CNT" val="1"/>
-  <p:tag name="KSO_WM_SLIDE_TYPE" val="text"/>
-  <p:tag name="KSO_WM_BEAUTIFY_FLAG" val="#wm#"/>
-  <p:tag name="KSO_WM_SLIDE_POSITION" val="97*76"/>
-  <p:tag name="KSO_WM_SLIDE_SIZE" val="764*391"/>
-  <p:tag name="KSO_WM_TEMPLATE_CATEGORY" val="preset"/>
-  <p:tag name="KSO_WM_TEMPLATE_INDEX" val="1"/>
-  <p:tag name="KSO_WM_TAG_VERSION" val="1.0"/>
-  <p:tag name="KSO_WM_DIAGRAM_GROUP_CODE" val="第三组"/>
-</p:tagLst>
-</file>
-
-<file path=ppt/tags/tag98.xml><?xml version="1.0" encoding="utf-8"?>
-<p:tagLst xmlns:p="http://schemas.openxmlformats.org/presentationml/2006/main">
-  <p:tag name="KSO_WM_BEAUTIFY_FLAG" val="#wm#"/>
-  <p:tag name="KSO_WM_TEMPLATE_CATEGORY" val="preset"/>
-  <p:tag name="KSO_WM_TEMPLATE_INDEX" val="1"/>
-</p:tagLst>
-</file>
-
-<file path=ppt/theme/theme1.xml><?xml version="1.0" encoding="utf-8"?>
+<file path=ppt/theme/theme2.xml><?xml version="1.0" encoding="utf-8"?>
 <a:theme xmlns:a="http://schemas.openxmlformats.org/drawingml/2006/main" name="Office 主题">
   <a:themeElements>
     <a:clrScheme name="Office">
